--- a/OOAD/lectures/080--Processes.pptx
+++ b/OOAD/lectures/080--Processes.pptx
@@ -143,7 +143,7 @@
   </p:defaultTextStyle>
   <p:extLst>
     <p:ext uri="{EFAFB233-063F-42B5-8137-9DF3F51BA10A}">
-      <p15:sldGuideLst xmlns:p15="http://schemas.microsoft.com/office/powerpoint/2012/main">
+      <p15:sldGuideLst xmlns:p15="http://schemas.microsoft.com/office/powerpoint/2012/main" xmlns="">
         <p15:guide id="1" orient="horz" pos="2160">
           <p15:clr>
             <a:srgbClr val="A4A3A4"/>
@@ -210,14 +210,14 @@
           <a:effectLst/>
           <a:extLst>
             <a:ext uri="{909E8E84-426E-40DD-AFC4-6F175D3DCCD1}">
-              <a14:hiddenFill xmlns:a14="http://schemas.microsoft.com/office/drawing/2010/main">
+              <a14:hiddenFill xmlns:a14="http://schemas.microsoft.com/office/drawing/2010/main" xmlns="">
                 <a:solidFill>
                   <a:schemeClr val="accent1"/>
                 </a:solidFill>
               </a14:hiddenFill>
             </a:ext>
             <a:ext uri="{91240B29-F687-4F45-9708-019B960494DF}">
-              <a14:hiddenLine xmlns:a14="http://schemas.microsoft.com/office/drawing/2010/main" w="9525">
+              <a14:hiddenLine xmlns:a14="http://schemas.microsoft.com/office/drawing/2010/main" xmlns="" w="9525">
                 <a:solidFill>
                   <a:schemeClr val="tx1"/>
                 </a:solidFill>
@@ -227,7 +227,7 @@
               </a14:hiddenLine>
             </a:ext>
             <a:ext uri="{AF507438-7753-43E0-B8FC-AC1667EBCBE1}">
-              <a14:hiddenEffects xmlns:a14="http://schemas.microsoft.com/office/drawing/2010/main">
+              <a14:hiddenEffects xmlns:a14="http://schemas.microsoft.com/office/drawing/2010/main" xmlns="">
                 <a:effectLst>
                   <a:outerShdw dist="35921" dir="2700000" algn="ctr" rotWithShape="0">
                     <a:schemeClr val="bg2"/>
@@ -281,14 +281,14 @@
           <a:effectLst/>
           <a:extLst>
             <a:ext uri="{909E8E84-426E-40DD-AFC4-6F175D3DCCD1}">
-              <a14:hiddenFill xmlns:a14="http://schemas.microsoft.com/office/drawing/2010/main">
+              <a14:hiddenFill xmlns:a14="http://schemas.microsoft.com/office/drawing/2010/main" xmlns="">
                 <a:solidFill>
                   <a:schemeClr val="accent1"/>
                 </a:solidFill>
               </a14:hiddenFill>
             </a:ext>
             <a:ext uri="{91240B29-F687-4F45-9708-019B960494DF}">
-              <a14:hiddenLine xmlns:a14="http://schemas.microsoft.com/office/drawing/2010/main" w="9525">
+              <a14:hiddenLine xmlns:a14="http://schemas.microsoft.com/office/drawing/2010/main" xmlns="" w="9525">
                 <a:solidFill>
                   <a:schemeClr val="tx1"/>
                 </a:solidFill>
@@ -298,7 +298,7 @@
               </a14:hiddenLine>
             </a:ext>
             <a:ext uri="{AF507438-7753-43E0-B8FC-AC1667EBCBE1}">
-              <a14:hiddenEffects xmlns:a14="http://schemas.microsoft.com/office/drawing/2010/main">
+              <a14:hiddenEffects xmlns:a14="http://schemas.microsoft.com/office/drawing/2010/main" xmlns="">
                 <a:effectLst>
                   <a:outerShdw dist="35921" dir="2700000" algn="ctr" rotWithShape="0">
                     <a:schemeClr val="bg2"/>
@@ -331,7 +331,7 @@
         <p:nvSpPr>
           <p:cNvPr id="8196" name="Rectangle 4"/>
           <p:cNvSpPr>
-            <a:spLocks noRot="1" noChangeArrowheads="1" noTextEdit="1"/>
+            <a:spLocks noGrp="1" noRot="1" noChangeAspect="1" noChangeArrowheads="1" noTextEdit="1"/>
           </p:cNvSpPr>
           <p:nvPr>
             <p:ph type="sldImg" idx="2"/>
@@ -357,14 +357,14 @@
           <a:effectLst/>
           <a:extLst>
             <a:ext uri="{909E8E84-426E-40DD-AFC4-6F175D3DCCD1}">
-              <a14:hiddenFill xmlns:a14="http://schemas.microsoft.com/office/drawing/2010/main">
+              <a14:hiddenFill xmlns:a14="http://schemas.microsoft.com/office/drawing/2010/main" xmlns="">
                 <a:solidFill>
                   <a:srgbClr val="FFFFFF"/>
                 </a:solidFill>
               </a14:hiddenFill>
             </a:ext>
             <a:ext uri="{AF507438-7753-43E0-B8FC-AC1667EBCBE1}">
-              <a14:hiddenEffects xmlns:a14="http://schemas.microsoft.com/office/drawing/2010/main">
+              <a14:hiddenEffects xmlns:a14="http://schemas.microsoft.com/office/drawing/2010/main" xmlns="">
                 <a:effectLst>
                   <a:outerShdw dist="35921" dir="2700000" algn="ctr" rotWithShape="0">
                     <a:srgbClr val="808080"/>
@@ -373,7 +373,7 @@
               </a14:hiddenEffects>
             </a:ext>
             <a:ext uri="{53640926-AAD7-44D8-BBD7-CCE9431645EC}">
-              <a14:shadowObscured xmlns:a14="http://schemas.microsoft.com/office/drawing/2010/main" val="1"/>
+              <a14:shadowObscured xmlns:a14="http://schemas.microsoft.com/office/drawing/2010/main" xmlns="" val="1"/>
             </a:ext>
           </a:extLst>
         </p:spPr>
@@ -403,14 +403,14 @@
           <a:effectLst/>
           <a:extLst>
             <a:ext uri="{909E8E84-426E-40DD-AFC4-6F175D3DCCD1}">
-              <a14:hiddenFill xmlns:a14="http://schemas.microsoft.com/office/drawing/2010/main">
+              <a14:hiddenFill xmlns:a14="http://schemas.microsoft.com/office/drawing/2010/main" xmlns="">
                 <a:solidFill>
                   <a:schemeClr val="accent1"/>
                 </a:solidFill>
               </a14:hiddenFill>
             </a:ext>
             <a:ext uri="{91240B29-F687-4F45-9708-019B960494DF}">
-              <a14:hiddenLine xmlns:a14="http://schemas.microsoft.com/office/drawing/2010/main" w="9525">
+              <a14:hiddenLine xmlns:a14="http://schemas.microsoft.com/office/drawing/2010/main" xmlns="" w="9525">
                 <a:solidFill>
                   <a:schemeClr val="tx1"/>
                 </a:solidFill>
@@ -420,7 +420,7 @@
               </a14:hiddenLine>
             </a:ext>
             <a:ext uri="{AF507438-7753-43E0-B8FC-AC1667EBCBE1}">
-              <a14:hiddenEffects xmlns:a14="http://schemas.microsoft.com/office/drawing/2010/main">
+              <a14:hiddenEffects xmlns:a14="http://schemas.microsoft.com/office/drawing/2010/main" xmlns="">
                 <a:effectLst>
                   <a:outerShdw dist="35921" dir="2700000" algn="ctr" rotWithShape="0">
                     <a:schemeClr val="bg2"/>
@@ -499,14 +499,14 @@
           <a:effectLst/>
           <a:extLst>
             <a:ext uri="{909E8E84-426E-40DD-AFC4-6F175D3DCCD1}">
-              <a14:hiddenFill xmlns:a14="http://schemas.microsoft.com/office/drawing/2010/main">
+              <a14:hiddenFill xmlns:a14="http://schemas.microsoft.com/office/drawing/2010/main" xmlns="">
                 <a:solidFill>
                   <a:schemeClr val="accent1"/>
                 </a:solidFill>
               </a14:hiddenFill>
             </a:ext>
             <a:ext uri="{91240B29-F687-4F45-9708-019B960494DF}">
-              <a14:hiddenLine xmlns:a14="http://schemas.microsoft.com/office/drawing/2010/main" w="9525">
+              <a14:hiddenLine xmlns:a14="http://schemas.microsoft.com/office/drawing/2010/main" xmlns="" w="9525">
                 <a:solidFill>
                   <a:schemeClr val="tx1"/>
                 </a:solidFill>
@@ -516,7 +516,7 @@
               </a14:hiddenLine>
             </a:ext>
             <a:ext uri="{AF507438-7753-43E0-B8FC-AC1667EBCBE1}">
-              <a14:hiddenEffects xmlns:a14="http://schemas.microsoft.com/office/drawing/2010/main">
+              <a14:hiddenEffects xmlns:a14="http://schemas.microsoft.com/office/drawing/2010/main" xmlns="">
                 <a:effectLst>
                   <a:outerShdw dist="35921" dir="2700000" algn="ctr" rotWithShape="0">
                     <a:schemeClr val="bg2"/>
@@ -570,14 +570,14 @@
           <a:effectLst/>
           <a:extLst>
             <a:ext uri="{909E8E84-426E-40DD-AFC4-6F175D3DCCD1}">
-              <a14:hiddenFill xmlns:a14="http://schemas.microsoft.com/office/drawing/2010/main">
+              <a14:hiddenFill xmlns:a14="http://schemas.microsoft.com/office/drawing/2010/main" xmlns="">
                 <a:solidFill>
                   <a:schemeClr val="accent1"/>
                 </a:solidFill>
               </a14:hiddenFill>
             </a:ext>
             <a:ext uri="{91240B29-F687-4F45-9708-019B960494DF}">
-              <a14:hiddenLine xmlns:a14="http://schemas.microsoft.com/office/drawing/2010/main" w="9525">
+              <a14:hiddenLine xmlns:a14="http://schemas.microsoft.com/office/drawing/2010/main" xmlns="" w="9525">
                 <a:solidFill>
                   <a:schemeClr val="tx1"/>
                 </a:solidFill>
@@ -587,7 +587,7 @@
               </a14:hiddenLine>
             </a:ext>
             <a:ext uri="{AF507438-7753-43E0-B8FC-AC1667EBCBE1}">
-              <a14:hiddenEffects xmlns:a14="http://schemas.microsoft.com/office/drawing/2010/main">
+              <a14:hiddenEffects xmlns:a14="http://schemas.microsoft.com/office/drawing/2010/main" xmlns="">
                 <a:effectLst>
                   <a:outerShdw dist="35921" dir="2700000" algn="ctr" rotWithShape="0">
                     <a:schemeClr val="bg2"/>
@@ -626,7 +626,7 @@
     </p:spTree>
     <p:extLst>
       <p:ext uri="{BB962C8B-B14F-4D97-AF65-F5344CB8AC3E}">
-        <p14:creationId xmlns:p14="http://schemas.microsoft.com/office/powerpoint/2010/main" val="1164184696"/>
+        <p14:creationId xmlns:p14="http://schemas.microsoft.com/office/powerpoint/2010/main" xmlns="" val="1164184696"/>
       </p:ext>
     </p:extLst>
   </p:cSld>
@@ -873,7 +873,7 @@
     </p:spTree>
     <p:extLst>
       <p:ext uri="{BB962C8B-B14F-4D97-AF65-F5344CB8AC3E}">
-        <p14:creationId xmlns:p14="http://schemas.microsoft.com/office/powerpoint/2010/main" val="3394475746"/>
+        <p14:creationId xmlns:p14="http://schemas.microsoft.com/office/powerpoint/2010/main" xmlns="" val="3394475746"/>
       </p:ext>
     </p:extLst>
   </p:cSld>
@@ -1010,7 +1010,7 @@
               <a:pPr>
                 <a:defRPr/>
               </a:pPr>
-              <a:t>10/28/2017</a:t>
+              <a:t>10/29/2017</a:t>
             </a:fld>
             <a:endParaRPr lang="en-US" altLang="en-US"/>
           </a:p>
@@ -1097,7 +1097,7 @@
     </p:spTree>
     <p:extLst>
       <p:ext uri="{BB962C8B-B14F-4D97-AF65-F5344CB8AC3E}">
-        <p14:creationId xmlns:p14="http://schemas.microsoft.com/office/powerpoint/2010/main" val="1336924274"/>
+        <p14:creationId xmlns:p14="http://schemas.microsoft.com/office/powerpoint/2010/main" xmlns="" val="1336924274"/>
       </p:ext>
     </p:extLst>
   </p:cSld>
@@ -1244,7 +1244,7 @@
               <a:pPr>
                 <a:defRPr/>
               </a:pPr>
-              <a:t>10/28/2017</a:t>
+              <a:t>10/29/2017</a:t>
             </a:fld>
             <a:endParaRPr lang="en-US" altLang="en-US"/>
           </a:p>
@@ -1331,7 +1331,7 @@
     </p:spTree>
     <p:extLst>
       <p:ext uri="{BB962C8B-B14F-4D97-AF65-F5344CB8AC3E}">
-        <p14:creationId xmlns:p14="http://schemas.microsoft.com/office/powerpoint/2010/main" val="3101525280"/>
+        <p14:creationId xmlns:p14="http://schemas.microsoft.com/office/powerpoint/2010/main" xmlns="" val="3101525280"/>
       </p:ext>
     </p:extLst>
   </p:cSld>
@@ -1436,7 +1436,7 @@
     </p:spTree>
     <p:extLst>
       <p:ext uri="{BB962C8B-B14F-4D97-AF65-F5344CB8AC3E}">
-        <p14:creationId xmlns:p14="http://schemas.microsoft.com/office/powerpoint/2010/main" val="3431382198"/>
+        <p14:creationId xmlns:p14="http://schemas.microsoft.com/office/powerpoint/2010/main" xmlns="" val="3431382198"/>
       </p:ext>
     </p:extLst>
   </p:cSld>
@@ -1563,7 +1563,7 @@
     </p:spTree>
     <p:extLst>
       <p:ext uri="{BB962C8B-B14F-4D97-AF65-F5344CB8AC3E}">
-        <p14:creationId xmlns:p14="http://schemas.microsoft.com/office/powerpoint/2010/main" val="1774270894"/>
+        <p14:creationId xmlns:p14="http://schemas.microsoft.com/office/powerpoint/2010/main" xmlns="" val="1774270894"/>
       </p:ext>
     </p:extLst>
   </p:cSld>
@@ -1730,7 +1730,7 @@
     </p:spTree>
     <p:extLst>
       <p:ext uri="{BB962C8B-B14F-4D97-AF65-F5344CB8AC3E}">
-        <p14:creationId xmlns:p14="http://schemas.microsoft.com/office/powerpoint/2010/main" val="3538361075"/>
+        <p14:creationId xmlns:p14="http://schemas.microsoft.com/office/powerpoint/2010/main" xmlns="" val="3538361075"/>
       </p:ext>
     </p:extLst>
   </p:cSld>
@@ -2032,7 +2032,7 @@
     </p:spTree>
     <p:extLst>
       <p:ext uri="{BB962C8B-B14F-4D97-AF65-F5344CB8AC3E}">
-        <p14:creationId xmlns:p14="http://schemas.microsoft.com/office/powerpoint/2010/main" val="114791847"/>
+        <p14:creationId xmlns:p14="http://schemas.microsoft.com/office/powerpoint/2010/main" xmlns="" val="114791847"/>
       </p:ext>
     </p:extLst>
   </p:cSld>
@@ -2117,7 +2117,7 @@
               <a:pPr>
                 <a:defRPr/>
               </a:pPr>
-              <a:t>10/28/2017</a:t>
+              <a:t>10/29/2017</a:t>
             </a:fld>
             <a:endParaRPr lang="en-US" altLang="en-US"/>
           </a:p>
@@ -2204,7 +2204,7 @@
     </p:spTree>
     <p:extLst>
       <p:ext uri="{BB962C8B-B14F-4D97-AF65-F5344CB8AC3E}">
-        <p14:creationId xmlns:p14="http://schemas.microsoft.com/office/powerpoint/2010/main" val="2740520103"/>
+        <p14:creationId xmlns:p14="http://schemas.microsoft.com/office/powerpoint/2010/main" xmlns="" val="2740520103"/>
       </p:ext>
     </p:extLst>
   </p:cSld>
@@ -2266,7 +2266,7 @@
               <a:pPr>
                 <a:defRPr/>
               </a:pPr>
-              <a:t>10/28/2017</a:t>
+              <a:t>10/29/2017</a:t>
             </a:fld>
             <a:endParaRPr lang="en-US" altLang="en-US"/>
           </a:p>
@@ -2353,7 +2353,7 @@
     </p:spTree>
     <p:extLst>
       <p:ext uri="{BB962C8B-B14F-4D97-AF65-F5344CB8AC3E}">
-        <p14:creationId xmlns:p14="http://schemas.microsoft.com/office/powerpoint/2010/main" val="366806898"/>
+        <p14:creationId xmlns:p14="http://schemas.microsoft.com/office/powerpoint/2010/main" xmlns="" val="366806898"/>
       </p:ext>
     </p:extLst>
   </p:cSld>
@@ -2597,7 +2597,7 @@
               <a:pPr>
                 <a:defRPr/>
               </a:pPr>
-              <a:t>10/28/2017</a:t>
+              <a:t>10/29/2017</a:t>
             </a:fld>
             <a:endParaRPr lang="en-US" altLang="en-US"/>
           </a:p>
@@ -2684,7 +2684,7 @@
     </p:spTree>
     <p:extLst>
       <p:ext uri="{BB962C8B-B14F-4D97-AF65-F5344CB8AC3E}">
-        <p14:creationId xmlns:p14="http://schemas.microsoft.com/office/powerpoint/2010/main" val="3677414436"/>
+        <p14:creationId xmlns:p14="http://schemas.microsoft.com/office/powerpoint/2010/main" xmlns="" val="3677414436"/>
       </p:ext>
     </p:extLst>
   </p:cSld>
@@ -2905,7 +2905,7 @@
               <a:pPr>
                 <a:defRPr/>
               </a:pPr>
-              <a:t>10/28/2017</a:t>
+              <a:t>10/29/2017</a:t>
             </a:fld>
             <a:endParaRPr lang="en-US" altLang="en-US"/>
           </a:p>
@@ -2992,7 +2992,7 @@
     </p:spTree>
     <p:extLst>
       <p:ext uri="{BB962C8B-B14F-4D97-AF65-F5344CB8AC3E}">
-        <p14:creationId xmlns:p14="http://schemas.microsoft.com/office/powerpoint/2010/main" val="3081934369"/>
+        <p14:creationId xmlns:p14="http://schemas.microsoft.com/office/powerpoint/2010/main" xmlns="" val="3081934369"/>
       </p:ext>
     </p:extLst>
   </p:cSld>
@@ -3052,14 +3052,14 @@
           <a:effectLst/>
           <a:extLst>
             <a:ext uri="{909E8E84-426E-40DD-AFC4-6F175D3DCCD1}">
-              <a14:hiddenFill xmlns:a14="http://schemas.microsoft.com/office/drawing/2010/main">
+              <a14:hiddenFill xmlns:a14="http://schemas.microsoft.com/office/drawing/2010/main" xmlns="">
                 <a:solidFill>
                   <a:schemeClr val="accent1"/>
                 </a:solidFill>
               </a14:hiddenFill>
             </a:ext>
             <a:ext uri="{91240B29-F687-4F45-9708-019B960494DF}">
-              <a14:hiddenLine xmlns:a14="http://schemas.microsoft.com/office/drawing/2010/main" w="9525">
+              <a14:hiddenLine xmlns:a14="http://schemas.microsoft.com/office/drawing/2010/main" xmlns="" w="9525">
                 <a:solidFill>
                   <a:schemeClr val="tx1"/>
                 </a:solidFill>
@@ -3069,7 +3069,7 @@
               </a14:hiddenLine>
             </a:ext>
             <a:ext uri="{AF507438-7753-43E0-B8FC-AC1667EBCBE1}">
-              <a14:hiddenEffects xmlns:a14="http://schemas.microsoft.com/office/drawing/2010/main">
+              <a14:hiddenEffects xmlns:a14="http://schemas.microsoft.com/office/drawing/2010/main" xmlns="">
                 <a:effectLst>
                   <a:outerShdw dist="35921" dir="2700000" algn="ctr" rotWithShape="0">
                     <a:schemeClr val="bg2"/>
@@ -3120,14 +3120,14 @@
           <a:effectLst/>
           <a:extLst>
             <a:ext uri="{909E8E84-426E-40DD-AFC4-6F175D3DCCD1}">
-              <a14:hiddenFill xmlns:a14="http://schemas.microsoft.com/office/drawing/2010/main">
+              <a14:hiddenFill xmlns:a14="http://schemas.microsoft.com/office/drawing/2010/main" xmlns="">
                 <a:solidFill>
                   <a:schemeClr val="accent1"/>
                 </a:solidFill>
               </a14:hiddenFill>
             </a:ext>
             <a:ext uri="{91240B29-F687-4F45-9708-019B960494DF}">
-              <a14:hiddenLine xmlns:a14="http://schemas.microsoft.com/office/drawing/2010/main" w="9525">
+              <a14:hiddenLine xmlns:a14="http://schemas.microsoft.com/office/drawing/2010/main" xmlns="" w="9525">
                 <a:solidFill>
                   <a:schemeClr val="tx1"/>
                 </a:solidFill>
@@ -3137,7 +3137,7 @@
               </a14:hiddenLine>
             </a:ext>
             <a:ext uri="{AF507438-7753-43E0-B8FC-AC1667EBCBE1}">
-              <a14:hiddenEffects xmlns:a14="http://schemas.microsoft.com/office/drawing/2010/main">
+              <a14:hiddenEffects xmlns:a14="http://schemas.microsoft.com/office/drawing/2010/main" xmlns="">
                 <a:effectLst>
                   <a:outerShdw dist="35921" dir="2700000" algn="ctr" rotWithShape="0">
                     <a:schemeClr val="bg2"/>
@@ -3685,14 +3685,14 @@
           </a:ln>
           <a:extLst>
             <a:ext uri="{909E8E84-426E-40DD-AFC4-6F175D3DCCD1}">
-              <a14:hiddenFill xmlns:a14="http://schemas.microsoft.com/office/drawing/2010/main">
+              <a14:hiddenFill xmlns:a14="http://schemas.microsoft.com/office/drawing/2010/main" xmlns="">
                 <a:solidFill>
                   <a:srgbClr val="FFFFFF"/>
                 </a:solidFill>
               </a14:hiddenFill>
             </a:ext>
             <a:ext uri="{91240B29-F687-4F45-9708-019B960494DF}">
-              <a14:hiddenLine xmlns:a14="http://schemas.microsoft.com/office/drawing/2010/main" w="9525">
+              <a14:hiddenLine xmlns:a14="http://schemas.microsoft.com/office/drawing/2010/main" xmlns="" w="9525">
                 <a:solidFill>
                   <a:srgbClr val="000000"/>
                 </a:solidFill>
@@ -4081,15 +4081,20 @@
           <a:lstStyle/>
           <a:p>
             <a:r>
+              <a:rPr lang="en-GB" altLang="en-US" dirty="0" smtClean="0"/>
+              <a:t>Review Slides</a:t>
+            </a:r>
+          </a:p>
+          <a:p>
+            <a:r>
               <a:rPr lang="en-GB" altLang="en-US" smtClean="0"/>
-              <a:t>Review Slides</a:t>
-            </a:r>
-          </a:p>
-          <a:p>
+              <a:t>Read Chapter </a:t>
+            </a:r>
             <a:r>
               <a:rPr lang="en-GB" altLang="en-US" smtClean="0"/>
-              <a:t>Read Chapter 6</a:t>
-            </a:r>
+              <a:t>7</a:t>
+            </a:r>
+            <a:endParaRPr lang="en-GB" altLang="en-US" smtClean="0"/>
           </a:p>
         </p:txBody>
       </p:sp>
@@ -4666,7 +4671,7 @@
   </a:extraClrSchemeLst>
   <a:extLst>
     <a:ext uri="{05A4C25C-085E-4340-85A3-A5531E510DB2}">
-      <thm15:themeFamily xmlns:thm15="http://schemas.microsoft.com/office/thememl/2012/main" name="Office Theme" id="{62F939B6-93AF-4DB8-9C6B-D6C7DFDC589F}" vid="{4A3C46E8-61CC-4603-A589-7422A47A8E4A}"/>
+      <thm15:themeFamily xmlns:thm15="http://schemas.microsoft.com/office/thememl/2012/main" xmlns="" name="Office Theme" id="{62F939B6-93AF-4DB8-9C6B-D6C7DFDC589F}" vid="{4A3C46E8-61CC-4603-A589-7422A47A8E4A}"/>
     </a:ext>
   </a:extLst>
 </a:theme>
@@ -4715,7 +4720,7 @@
     </a:clrScheme>
     <a:fontScheme name="Office">
       <a:majorFont>
-        <a:latin typeface="Calibri Light" panose="020F0302020204030204"/>
+        <a:latin typeface="Calibri Light"/>
         <a:ea typeface=""/>
         <a:cs typeface=""/>
         <a:font script="Jpan" typeface="ＭＳ Ｐゴシック"/>
@@ -4750,7 +4755,7 @@
         <a:font script="Geor" typeface="Sylfaen"/>
       </a:majorFont>
       <a:minorFont>
-        <a:latin typeface="Calibri" panose="020F0502020204030204"/>
+        <a:latin typeface="Calibri"/>
         <a:ea typeface=""/>
         <a:cs typeface=""/>
         <a:font script="Jpan" typeface="ＭＳ Ｐゴシック"/>
@@ -4927,7 +4932,7 @@
   <a:extraClrSchemeLst/>
   <a:extLst>
     <a:ext uri="{05A4C25C-085E-4340-85A3-A5531E510DB2}">
-      <thm15:themeFamily xmlns:thm15="http://schemas.microsoft.com/office/thememl/2012/main" name="Office Theme" id="{62F939B6-93AF-4DB8-9C6B-D6C7DFDC589F}" vid="{4A3C46E8-61CC-4603-A589-7422A47A8E4A}"/>
+      <thm15:themeFamily xmlns:thm15="http://schemas.microsoft.com/office/thememl/2012/main" xmlns="" name="Office Theme" id="{62F939B6-93AF-4DB8-9C6B-D6C7DFDC589F}" vid="{4A3C46E8-61CC-4603-A589-7422A47A8E4A}"/>
     </a:ext>
   </a:extLst>
 </a:theme>

--- a/OOAD/lectures/080--Processes.pptx
+++ b/OOAD/lectures/080--Processes.pptx
@@ -5,17 +5,81 @@
     <p:sldMasterId id="2147483648" r:id="rId1"/>
   </p:sldMasterIdLst>
   <p:notesMasterIdLst>
-    <p:notesMasterId r:id="rId7"/>
+    <p:notesMasterId r:id="rId71"/>
   </p:notesMasterIdLst>
   <p:sldIdLst>
     <p:sldId id="267" r:id="rId2"/>
     <p:sldId id="274" r:id="rId3"/>
-    <p:sldId id="272" r:id="rId4"/>
-    <p:sldId id="291" r:id="rId5"/>
-    <p:sldId id="268" r:id="rId6"/>
+    <p:sldId id="299" r:id="rId4"/>
+    <p:sldId id="300" r:id="rId5"/>
+    <p:sldId id="301" r:id="rId6"/>
+    <p:sldId id="302" r:id="rId7"/>
+    <p:sldId id="303" r:id="rId8"/>
+    <p:sldId id="304" r:id="rId9"/>
+    <p:sldId id="293" r:id="rId10"/>
+    <p:sldId id="294" r:id="rId11"/>
+    <p:sldId id="295" r:id="rId12"/>
+    <p:sldId id="296" r:id="rId13"/>
+    <p:sldId id="297" r:id="rId14"/>
+    <p:sldId id="298" r:id="rId15"/>
+    <p:sldId id="305" r:id="rId16"/>
+    <p:sldId id="306" r:id="rId17"/>
+    <p:sldId id="307" r:id="rId18"/>
+    <p:sldId id="309" r:id="rId19"/>
+    <p:sldId id="310" r:id="rId20"/>
+    <p:sldId id="311" r:id="rId21"/>
+    <p:sldId id="314" r:id="rId22"/>
+    <p:sldId id="315" r:id="rId23"/>
+    <p:sldId id="308" r:id="rId24"/>
+    <p:sldId id="318" r:id="rId25"/>
+    <p:sldId id="316" r:id="rId26"/>
+    <p:sldId id="317" r:id="rId27"/>
+    <p:sldId id="323" r:id="rId28"/>
+    <p:sldId id="319" r:id="rId29"/>
+    <p:sldId id="320" r:id="rId30"/>
+    <p:sldId id="321" r:id="rId31"/>
+    <p:sldId id="328" r:id="rId32"/>
+    <p:sldId id="329" r:id="rId33"/>
+    <p:sldId id="324" r:id="rId34"/>
+    <p:sldId id="327" r:id="rId35"/>
+    <p:sldId id="325" r:id="rId36"/>
+    <p:sldId id="331" r:id="rId37"/>
+    <p:sldId id="330" r:id="rId38"/>
+    <p:sldId id="336" r:id="rId39"/>
+    <p:sldId id="334" r:id="rId40"/>
+    <p:sldId id="335" r:id="rId41"/>
+    <p:sldId id="337" r:id="rId42"/>
+    <p:sldId id="338" r:id="rId43"/>
+    <p:sldId id="339" r:id="rId44"/>
+    <p:sldId id="340" r:id="rId45"/>
+    <p:sldId id="341" r:id="rId46"/>
+    <p:sldId id="322" r:id="rId47"/>
+    <p:sldId id="342" r:id="rId48"/>
+    <p:sldId id="344" r:id="rId49"/>
+    <p:sldId id="345" r:id="rId50"/>
+    <p:sldId id="346" r:id="rId51"/>
+    <p:sldId id="347" r:id="rId52"/>
+    <p:sldId id="348" r:id="rId53"/>
+    <p:sldId id="349" r:id="rId54"/>
+    <p:sldId id="350" r:id="rId55"/>
+    <p:sldId id="351" r:id="rId56"/>
+    <p:sldId id="352" r:id="rId57"/>
+    <p:sldId id="354" r:id="rId58"/>
+    <p:sldId id="355" r:id="rId59"/>
+    <p:sldId id="356" r:id="rId60"/>
+    <p:sldId id="358" r:id="rId61"/>
+    <p:sldId id="359" r:id="rId62"/>
+    <p:sldId id="357" r:id="rId63"/>
+    <p:sldId id="360" r:id="rId64"/>
+    <p:sldId id="272" r:id="rId65"/>
+    <p:sldId id="291" r:id="rId66"/>
+    <p:sldId id="292" r:id="rId67"/>
+    <p:sldId id="268" r:id="rId68"/>
+    <p:sldId id="332" r:id="rId69"/>
+    <p:sldId id="333" r:id="rId70"/>
   </p:sldIdLst>
   <p:sldSz cx="9144000" cy="6858000" type="screen4x3"/>
-  <p:notesSz cx="6858000" cy="9144000"/>
+  <p:notesSz cx="7315200" cy="9601200"/>
   <p:defaultTextStyle>
     <a:defPPr>
       <a:defRPr lang="en-US"/>
@@ -143,7 +207,7 @@
   </p:defaultTextStyle>
   <p:extLst>
     <p:ext uri="{EFAFB233-063F-42B5-8137-9DF3F51BA10A}">
-      <p15:sldGuideLst xmlns:p15="http://schemas.microsoft.com/office/powerpoint/2012/main" xmlns="">
+      <p15:sldGuideLst xmlns="" xmlns:p15="http://schemas.microsoft.com/office/powerpoint/2012/main">
         <p15:guide id="1" orient="horz" pos="2160">
           <p15:clr>
             <a:srgbClr val="A4A3A4"/>
@@ -198,7 +262,7 @@
         <p:spPr bwMode="auto">
           <a:xfrm>
             <a:off x="0" y="0"/>
-            <a:ext cx="2971800" cy="457200"/>
+            <a:ext cx="3169920" cy="480060"/>
           </a:xfrm>
           <a:prstGeom prst="rect">
             <a:avLst/>
@@ -210,14 +274,14 @@
           <a:effectLst/>
           <a:extLst>
             <a:ext uri="{909E8E84-426E-40DD-AFC4-6F175D3DCCD1}">
-              <a14:hiddenFill xmlns:a14="http://schemas.microsoft.com/office/drawing/2010/main" xmlns="">
+              <a14:hiddenFill xmlns="" xmlns:a14="http://schemas.microsoft.com/office/drawing/2010/main">
                 <a:solidFill>
                   <a:schemeClr val="accent1"/>
                 </a:solidFill>
               </a14:hiddenFill>
             </a:ext>
             <a:ext uri="{91240B29-F687-4F45-9708-019B960494DF}">
-              <a14:hiddenLine xmlns:a14="http://schemas.microsoft.com/office/drawing/2010/main" xmlns="" w="9525">
+              <a14:hiddenLine xmlns="" xmlns:a14="http://schemas.microsoft.com/office/drawing/2010/main" w="9525">
                 <a:solidFill>
                   <a:schemeClr val="tx1"/>
                 </a:solidFill>
@@ -227,7 +291,7 @@
               </a14:hiddenLine>
             </a:ext>
             <a:ext uri="{AF507438-7753-43E0-B8FC-AC1667EBCBE1}">
-              <a14:hiddenEffects xmlns:a14="http://schemas.microsoft.com/office/drawing/2010/main" xmlns="">
+              <a14:hiddenEffects xmlns="" xmlns:a14="http://schemas.microsoft.com/office/drawing/2010/main">
                 <a:effectLst>
                   <a:outerShdw dist="35921" dir="2700000" algn="ctr" rotWithShape="0">
                     <a:schemeClr val="bg2"/>
@@ -238,14 +302,14 @@
           </a:extLst>
         </p:spPr>
         <p:txBody>
-          <a:bodyPr vert="horz" wrap="square" lIns="91440" tIns="45720" rIns="91440" bIns="45720" numCol="1" anchor="t" anchorCtr="0" compatLnSpc="1">
+          <a:bodyPr vert="horz" wrap="square" lIns="96661" tIns="48331" rIns="96661" bIns="48331" numCol="1" anchor="t" anchorCtr="0" compatLnSpc="1">
             <a:prstTxWarp prst="textNoShape">
               <a:avLst/>
             </a:prstTxWarp>
           </a:bodyPr>
           <a:lstStyle>
             <a:lvl1pPr eaLnBrk="0" hangingPunct="0">
-              <a:defRPr sz="1200"/>
+              <a:defRPr sz="1300"/>
             </a:lvl1pPr>
           </a:lstStyle>
           <a:p>
@@ -268,8 +332,8 @@
         </p:nvSpPr>
         <p:spPr bwMode="auto">
           <a:xfrm>
-            <a:off x="3884613" y="0"/>
-            <a:ext cx="2971800" cy="457200"/>
+            <a:off x="4143587" y="0"/>
+            <a:ext cx="3169920" cy="480060"/>
           </a:xfrm>
           <a:prstGeom prst="rect">
             <a:avLst/>
@@ -281,14 +345,14 @@
           <a:effectLst/>
           <a:extLst>
             <a:ext uri="{909E8E84-426E-40DD-AFC4-6F175D3DCCD1}">
-              <a14:hiddenFill xmlns:a14="http://schemas.microsoft.com/office/drawing/2010/main" xmlns="">
+              <a14:hiddenFill xmlns="" xmlns:a14="http://schemas.microsoft.com/office/drawing/2010/main">
                 <a:solidFill>
                   <a:schemeClr val="accent1"/>
                 </a:solidFill>
               </a14:hiddenFill>
             </a:ext>
             <a:ext uri="{91240B29-F687-4F45-9708-019B960494DF}">
-              <a14:hiddenLine xmlns:a14="http://schemas.microsoft.com/office/drawing/2010/main" xmlns="" w="9525">
+              <a14:hiddenLine xmlns="" xmlns:a14="http://schemas.microsoft.com/office/drawing/2010/main" w="9525">
                 <a:solidFill>
                   <a:schemeClr val="tx1"/>
                 </a:solidFill>
@@ -298,7 +362,7 @@
               </a14:hiddenLine>
             </a:ext>
             <a:ext uri="{AF507438-7753-43E0-B8FC-AC1667EBCBE1}">
-              <a14:hiddenEffects xmlns:a14="http://schemas.microsoft.com/office/drawing/2010/main" xmlns="">
+              <a14:hiddenEffects xmlns="" xmlns:a14="http://schemas.microsoft.com/office/drawing/2010/main">
                 <a:effectLst>
                   <a:outerShdw dist="35921" dir="2700000" algn="ctr" rotWithShape="0">
                     <a:schemeClr val="bg2"/>
@@ -309,14 +373,14 @@
           </a:extLst>
         </p:spPr>
         <p:txBody>
-          <a:bodyPr vert="horz" wrap="square" lIns="91440" tIns="45720" rIns="91440" bIns="45720" numCol="1" anchor="t" anchorCtr="0" compatLnSpc="1">
+          <a:bodyPr vert="horz" wrap="square" lIns="96661" tIns="48331" rIns="96661" bIns="48331" numCol="1" anchor="t" anchorCtr="0" compatLnSpc="1">
             <a:prstTxWarp prst="textNoShape">
               <a:avLst/>
             </a:prstTxWarp>
           </a:bodyPr>
           <a:lstStyle>
             <a:lvl1pPr algn="r" eaLnBrk="0" hangingPunct="0">
-              <a:defRPr sz="1200"/>
+              <a:defRPr sz="1300"/>
             </a:lvl1pPr>
           </a:lstStyle>
           <a:p>
@@ -339,8 +403,8 @@
         </p:nvSpPr>
         <p:spPr bwMode="auto">
           <a:xfrm>
-            <a:off x="1143000" y="685800"/>
-            <a:ext cx="4572000" cy="3429000"/>
+            <a:off x="1257300" y="720725"/>
+            <a:ext cx="4800600" cy="3600450"/>
           </a:xfrm>
           <a:prstGeom prst="rect">
             <a:avLst/>
@@ -357,14 +421,14 @@
           <a:effectLst/>
           <a:extLst>
             <a:ext uri="{909E8E84-426E-40DD-AFC4-6F175D3DCCD1}">
-              <a14:hiddenFill xmlns:a14="http://schemas.microsoft.com/office/drawing/2010/main" xmlns="">
+              <a14:hiddenFill xmlns="" xmlns:a14="http://schemas.microsoft.com/office/drawing/2010/main">
                 <a:solidFill>
                   <a:srgbClr val="FFFFFF"/>
                 </a:solidFill>
               </a14:hiddenFill>
             </a:ext>
             <a:ext uri="{AF507438-7753-43E0-B8FC-AC1667EBCBE1}">
-              <a14:hiddenEffects xmlns:a14="http://schemas.microsoft.com/office/drawing/2010/main" xmlns="">
+              <a14:hiddenEffects xmlns="" xmlns:a14="http://schemas.microsoft.com/office/drawing/2010/main">
                 <a:effectLst>
                   <a:outerShdw dist="35921" dir="2700000" algn="ctr" rotWithShape="0">
                     <a:srgbClr val="808080"/>
@@ -373,7 +437,7 @@
               </a14:hiddenEffects>
             </a:ext>
             <a:ext uri="{53640926-AAD7-44D8-BBD7-CCE9431645EC}">
-              <a14:shadowObscured xmlns:a14="http://schemas.microsoft.com/office/drawing/2010/main" xmlns="" val="1"/>
+              <a14:shadowObscured xmlns="" xmlns:a14="http://schemas.microsoft.com/office/drawing/2010/main" val="1"/>
             </a:ext>
           </a:extLst>
         </p:spPr>
@@ -390,8 +454,8 @@
         </p:nvSpPr>
         <p:spPr bwMode="auto">
           <a:xfrm>
-            <a:off x="685800" y="4343400"/>
-            <a:ext cx="5486400" cy="4114800"/>
+            <a:off x="731520" y="4560570"/>
+            <a:ext cx="5852160" cy="4320540"/>
           </a:xfrm>
           <a:prstGeom prst="rect">
             <a:avLst/>
@@ -403,14 +467,14 @@
           <a:effectLst/>
           <a:extLst>
             <a:ext uri="{909E8E84-426E-40DD-AFC4-6F175D3DCCD1}">
-              <a14:hiddenFill xmlns:a14="http://schemas.microsoft.com/office/drawing/2010/main" xmlns="">
+              <a14:hiddenFill xmlns="" xmlns:a14="http://schemas.microsoft.com/office/drawing/2010/main">
                 <a:solidFill>
                   <a:schemeClr val="accent1"/>
                 </a:solidFill>
               </a14:hiddenFill>
             </a:ext>
             <a:ext uri="{91240B29-F687-4F45-9708-019B960494DF}">
-              <a14:hiddenLine xmlns:a14="http://schemas.microsoft.com/office/drawing/2010/main" xmlns="" w="9525">
+              <a14:hiddenLine xmlns="" xmlns:a14="http://schemas.microsoft.com/office/drawing/2010/main" w="9525">
                 <a:solidFill>
                   <a:schemeClr val="tx1"/>
                 </a:solidFill>
@@ -420,7 +484,7 @@
               </a14:hiddenLine>
             </a:ext>
             <a:ext uri="{AF507438-7753-43E0-B8FC-AC1667EBCBE1}">
-              <a14:hiddenEffects xmlns:a14="http://schemas.microsoft.com/office/drawing/2010/main" xmlns="">
+              <a14:hiddenEffects xmlns="" xmlns:a14="http://schemas.microsoft.com/office/drawing/2010/main">
                 <a:effectLst>
                   <a:outerShdw dist="35921" dir="2700000" algn="ctr" rotWithShape="0">
                     <a:schemeClr val="bg2"/>
@@ -431,7 +495,7 @@
           </a:extLst>
         </p:spPr>
         <p:txBody>
-          <a:bodyPr vert="horz" wrap="square" lIns="91440" tIns="45720" rIns="91440" bIns="45720" numCol="1" anchor="t" anchorCtr="0" compatLnSpc="1">
+          <a:bodyPr vert="horz" wrap="square" lIns="96661" tIns="48331" rIns="96661" bIns="48331" numCol="1" anchor="t" anchorCtr="0" compatLnSpc="1">
             <a:prstTxWarp prst="textNoShape">
               <a:avLst/>
             </a:prstTxWarp>
@@ -486,8 +550,8 @@
         </p:nvSpPr>
         <p:spPr bwMode="auto">
           <a:xfrm>
-            <a:off x="0" y="8685213"/>
-            <a:ext cx="2971800" cy="457200"/>
+            <a:off x="0" y="9119474"/>
+            <a:ext cx="3169920" cy="480060"/>
           </a:xfrm>
           <a:prstGeom prst="rect">
             <a:avLst/>
@@ -499,14 +563,14 @@
           <a:effectLst/>
           <a:extLst>
             <a:ext uri="{909E8E84-426E-40DD-AFC4-6F175D3DCCD1}">
-              <a14:hiddenFill xmlns:a14="http://schemas.microsoft.com/office/drawing/2010/main" xmlns="">
+              <a14:hiddenFill xmlns="" xmlns:a14="http://schemas.microsoft.com/office/drawing/2010/main">
                 <a:solidFill>
                   <a:schemeClr val="accent1"/>
                 </a:solidFill>
               </a14:hiddenFill>
             </a:ext>
             <a:ext uri="{91240B29-F687-4F45-9708-019B960494DF}">
-              <a14:hiddenLine xmlns:a14="http://schemas.microsoft.com/office/drawing/2010/main" xmlns="" w="9525">
+              <a14:hiddenLine xmlns="" xmlns:a14="http://schemas.microsoft.com/office/drawing/2010/main" w="9525">
                 <a:solidFill>
                   <a:schemeClr val="tx1"/>
                 </a:solidFill>
@@ -516,7 +580,7 @@
               </a14:hiddenLine>
             </a:ext>
             <a:ext uri="{AF507438-7753-43E0-B8FC-AC1667EBCBE1}">
-              <a14:hiddenEffects xmlns:a14="http://schemas.microsoft.com/office/drawing/2010/main" xmlns="">
+              <a14:hiddenEffects xmlns="" xmlns:a14="http://schemas.microsoft.com/office/drawing/2010/main">
                 <a:effectLst>
                   <a:outerShdw dist="35921" dir="2700000" algn="ctr" rotWithShape="0">
                     <a:schemeClr val="bg2"/>
@@ -527,14 +591,14 @@
           </a:extLst>
         </p:spPr>
         <p:txBody>
-          <a:bodyPr vert="horz" wrap="square" lIns="91440" tIns="45720" rIns="91440" bIns="45720" numCol="1" anchor="b" anchorCtr="0" compatLnSpc="1">
+          <a:bodyPr vert="horz" wrap="square" lIns="96661" tIns="48331" rIns="96661" bIns="48331" numCol="1" anchor="b" anchorCtr="0" compatLnSpc="1">
             <a:prstTxWarp prst="textNoShape">
               <a:avLst/>
             </a:prstTxWarp>
           </a:bodyPr>
           <a:lstStyle>
             <a:lvl1pPr eaLnBrk="0" hangingPunct="0">
-              <a:defRPr sz="1200"/>
+              <a:defRPr sz="1300"/>
             </a:lvl1pPr>
           </a:lstStyle>
           <a:p>
@@ -557,8 +621,8 @@
         </p:nvSpPr>
         <p:spPr bwMode="auto">
           <a:xfrm>
-            <a:off x="3884613" y="8685213"/>
-            <a:ext cx="2971800" cy="457200"/>
+            <a:off x="4143587" y="9119474"/>
+            <a:ext cx="3169920" cy="480060"/>
           </a:xfrm>
           <a:prstGeom prst="rect">
             <a:avLst/>
@@ -570,14 +634,14 @@
           <a:effectLst/>
           <a:extLst>
             <a:ext uri="{909E8E84-426E-40DD-AFC4-6F175D3DCCD1}">
-              <a14:hiddenFill xmlns:a14="http://schemas.microsoft.com/office/drawing/2010/main" xmlns="">
+              <a14:hiddenFill xmlns="" xmlns:a14="http://schemas.microsoft.com/office/drawing/2010/main">
                 <a:solidFill>
                   <a:schemeClr val="accent1"/>
                 </a:solidFill>
               </a14:hiddenFill>
             </a:ext>
             <a:ext uri="{91240B29-F687-4F45-9708-019B960494DF}">
-              <a14:hiddenLine xmlns:a14="http://schemas.microsoft.com/office/drawing/2010/main" xmlns="" w="9525">
+              <a14:hiddenLine xmlns="" xmlns:a14="http://schemas.microsoft.com/office/drawing/2010/main" w="9525">
                 <a:solidFill>
                   <a:schemeClr val="tx1"/>
                 </a:solidFill>
@@ -587,7 +651,7 @@
               </a14:hiddenLine>
             </a:ext>
             <a:ext uri="{AF507438-7753-43E0-B8FC-AC1667EBCBE1}">
-              <a14:hiddenEffects xmlns:a14="http://schemas.microsoft.com/office/drawing/2010/main" xmlns="">
+              <a14:hiddenEffects xmlns="" xmlns:a14="http://schemas.microsoft.com/office/drawing/2010/main">
                 <a:effectLst>
                   <a:outerShdw dist="35921" dir="2700000" algn="ctr" rotWithShape="0">
                     <a:schemeClr val="bg2"/>
@@ -598,14 +662,14 @@
           </a:extLst>
         </p:spPr>
         <p:txBody>
-          <a:bodyPr vert="horz" wrap="square" lIns="91440" tIns="45720" rIns="91440" bIns="45720" numCol="1" anchor="b" anchorCtr="0" compatLnSpc="1">
+          <a:bodyPr vert="horz" wrap="square" lIns="96661" tIns="48331" rIns="96661" bIns="48331" numCol="1" anchor="b" anchorCtr="0" compatLnSpc="1">
             <a:prstTxWarp prst="textNoShape">
               <a:avLst/>
             </a:prstTxWarp>
           </a:bodyPr>
           <a:lstStyle>
             <a:lvl1pPr algn="r" eaLnBrk="0" hangingPunct="0">
-              <a:defRPr sz="1200"/>
+              <a:defRPr sz="1300"/>
             </a:lvl1pPr>
           </a:lstStyle>
           <a:p>
@@ -626,7 +690,7 @@
     </p:spTree>
     <p:extLst>
       <p:ext uri="{BB962C8B-B14F-4D97-AF65-F5344CB8AC3E}">
-        <p14:creationId xmlns:p14="http://schemas.microsoft.com/office/powerpoint/2010/main" xmlns="" val="1164184696"/>
+        <p14:creationId xmlns="" xmlns:p14="http://schemas.microsoft.com/office/powerpoint/2010/main" val="1164184696"/>
       </p:ext>
     </p:extLst>
   </p:cSld>
@@ -873,7 +937,7 @@
     </p:spTree>
     <p:extLst>
       <p:ext uri="{BB962C8B-B14F-4D97-AF65-F5344CB8AC3E}">
-        <p14:creationId xmlns:p14="http://schemas.microsoft.com/office/powerpoint/2010/main" xmlns="" val="3394475746"/>
+        <p14:creationId xmlns="" xmlns:p14="http://schemas.microsoft.com/office/powerpoint/2010/main" val="3394475746"/>
       </p:ext>
     </p:extLst>
   </p:cSld>
@@ -1010,7 +1074,7 @@
               <a:pPr>
                 <a:defRPr/>
               </a:pPr>
-              <a:t>10/29/2017</a:t>
+              <a:t>11/12/2017</a:t>
             </a:fld>
             <a:endParaRPr lang="en-US" altLang="en-US"/>
           </a:p>
@@ -1097,7 +1161,7 @@
     </p:spTree>
     <p:extLst>
       <p:ext uri="{BB962C8B-B14F-4D97-AF65-F5344CB8AC3E}">
-        <p14:creationId xmlns:p14="http://schemas.microsoft.com/office/powerpoint/2010/main" xmlns="" val="1336924274"/>
+        <p14:creationId xmlns="" xmlns:p14="http://schemas.microsoft.com/office/powerpoint/2010/main" val="1336924274"/>
       </p:ext>
     </p:extLst>
   </p:cSld>
@@ -1244,7 +1308,7 @@
               <a:pPr>
                 <a:defRPr/>
               </a:pPr>
-              <a:t>10/29/2017</a:t>
+              <a:t>11/12/2017</a:t>
             </a:fld>
             <a:endParaRPr lang="en-US" altLang="en-US"/>
           </a:p>
@@ -1331,7 +1395,7 @@
     </p:spTree>
     <p:extLst>
       <p:ext uri="{BB962C8B-B14F-4D97-AF65-F5344CB8AC3E}">
-        <p14:creationId xmlns:p14="http://schemas.microsoft.com/office/powerpoint/2010/main" xmlns="" val="3101525280"/>
+        <p14:creationId xmlns="" xmlns:p14="http://schemas.microsoft.com/office/powerpoint/2010/main" val="3101525280"/>
       </p:ext>
     </p:extLst>
   </p:cSld>
@@ -1436,7 +1500,7 @@
     </p:spTree>
     <p:extLst>
       <p:ext uri="{BB962C8B-B14F-4D97-AF65-F5344CB8AC3E}">
-        <p14:creationId xmlns:p14="http://schemas.microsoft.com/office/powerpoint/2010/main" xmlns="" val="3431382198"/>
+        <p14:creationId xmlns="" xmlns:p14="http://schemas.microsoft.com/office/powerpoint/2010/main" val="3431382198"/>
       </p:ext>
     </p:extLst>
   </p:cSld>
@@ -1563,7 +1627,7 @@
     </p:spTree>
     <p:extLst>
       <p:ext uri="{BB962C8B-B14F-4D97-AF65-F5344CB8AC3E}">
-        <p14:creationId xmlns:p14="http://schemas.microsoft.com/office/powerpoint/2010/main" xmlns="" val="1774270894"/>
+        <p14:creationId xmlns="" xmlns:p14="http://schemas.microsoft.com/office/powerpoint/2010/main" val="1774270894"/>
       </p:ext>
     </p:extLst>
   </p:cSld>
@@ -1730,7 +1794,7 @@
     </p:spTree>
     <p:extLst>
       <p:ext uri="{BB962C8B-B14F-4D97-AF65-F5344CB8AC3E}">
-        <p14:creationId xmlns:p14="http://schemas.microsoft.com/office/powerpoint/2010/main" xmlns="" val="3538361075"/>
+        <p14:creationId xmlns="" xmlns:p14="http://schemas.microsoft.com/office/powerpoint/2010/main" val="3538361075"/>
       </p:ext>
     </p:extLst>
   </p:cSld>
@@ -2032,7 +2096,7 @@
     </p:spTree>
     <p:extLst>
       <p:ext uri="{BB962C8B-B14F-4D97-AF65-F5344CB8AC3E}">
-        <p14:creationId xmlns:p14="http://schemas.microsoft.com/office/powerpoint/2010/main" xmlns="" val="114791847"/>
+        <p14:creationId xmlns="" xmlns:p14="http://schemas.microsoft.com/office/powerpoint/2010/main" val="114791847"/>
       </p:ext>
     </p:extLst>
   </p:cSld>
@@ -2117,7 +2181,7 @@
               <a:pPr>
                 <a:defRPr/>
               </a:pPr>
-              <a:t>10/29/2017</a:t>
+              <a:t>11/12/2017</a:t>
             </a:fld>
             <a:endParaRPr lang="en-US" altLang="en-US"/>
           </a:p>
@@ -2204,7 +2268,7 @@
     </p:spTree>
     <p:extLst>
       <p:ext uri="{BB962C8B-B14F-4D97-AF65-F5344CB8AC3E}">
-        <p14:creationId xmlns:p14="http://schemas.microsoft.com/office/powerpoint/2010/main" xmlns="" val="2740520103"/>
+        <p14:creationId xmlns="" xmlns:p14="http://schemas.microsoft.com/office/powerpoint/2010/main" val="2740520103"/>
       </p:ext>
     </p:extLst>
   </p:cSld>
@@ -2266,7 +2330,7 @@
               <a:pPr>
                 <a:defRPr/>
               </a:pPr>
-              <a:t>10/29/2017</a:t>
+              <a:t>11/12/2017</a:t>
             </a:fld>
             <a:endParaRPr lang="en-US" altLang="en-US"/>
           </a:p>
@@ -2353,7 +2417,7 @@
     </p:spTree>
     <p:extLst>
       <p:ext uri="{BB962C8B-B14F-4D97-AF65-F5344CB8AC3E}">
-        <p14:creationId xmlns:p14="http://schemas.microsoft.com/office/powerpoint/2010/main" xmlns="" val="366806898"/>
+        <p14:creationId xmlns="" xmlns:p14="http://schemas.microsoft.com/office/powerpoint/2010/main" val="366806898"/>
       </p:ext>
     </p:extLst>
   </p:cSld>
@@ -2597,7 +2661,7 @@
               <a:pPr>
                 <a:defRPr/>
               </a:pPr>
-              <a:t>10/29/2017</a:t>
+              <a:t>11/12/2017</a:t>
             </a:fld>
             <a:endParaRPr lang="en-US" altLang="en-US"/>
           </a:p>
@@ -2684,7 +2748,7 @@
     </p:spTree>
     <p:extLst>
       <p:ext uri="{BB962C8B-B14F-4D97-AF65-F5344CB8AC3E}">
-        <p14:creationId xmlns:p14="http://schemas.microsoft.com/office/powerpoint/2010/main" xmlns="" val="3677414436"/>
+        <p14:creationId xmlns="" xmlns:p14="http://schemas.microsoft.com/office/powerpoint/2010/main" val="3677414436"/>
       </p:ext>
     </p:extLst>
   </p:cSld>
@@ -2905,7 +2969,7 @@
               <a:pPr>
                 <a:defRPr/>
               </a:pPr>
-              <a:t>10/29/2017</a:t>
+              <a:t>11/12/2017</a:t>
             </a:fld>
             <a:endParaRPr lang="en-US" altLang="en-US"/>
           </a:p>
@@ -2992,7 +3056,7 @@
     </p:spTree>
     <p:extLst>
       <p:ext uri="{BB962C8B-B14F-4D97-AF65-F5344CB8AC3E}">
-        <p14:creationId xmlns:p14="http://schemas.microsoft.com/office/powerpoint/2010/main" xmlns="" val="3081934369"/>
+        <p14:creationId xmlns="" xmlns:p14="http://schemas.microsoft.com/office/powerpoint/2010/main" val="3081934369"/>
       </p:ext>
     </p:extLst>
   </p:cSld>
@@ -3052,14 +3116,14 @@
           <a:effectLst/>
           <a:extLst>
             <a:ext uri="{909E8E84-426E-40DD-AFC4-6F175D3DCCD1}">
-              <a14:hiddenFill xmlns:a14="http://schemas.microsoft.com/office/drawing/2010/main" xmlns="">
+              <a14:hiddenFill xmlns="" xmlns:a14="http://schemas.microsoft.com/office/drawing/2010/main">
                 <a:solidFill>
                   <a:schemeClr val="accent1"/>
                 </a:solidFill>
               </a14:hiddenFill>
             </a:ext>
             <a:ext uri="{91240B29-F687-4F45-9708-019B960494DF}">
-              <a14:hiddenLine xmlns:a14="http://schemas.microsoft.com/office/drawing/2010/main" xmlns="" w="9525">
+              <a14:hiddenLine xmlns="" xmlns:a14="http://schemas.microsoft.com/office/drawing/2010/main" w="9525">
                 <a:solidFill>
                   <a:schemeClr val="tx1"/>
                 </a:solidFill>
@@ -3069,7 +3133,7 @@
               </a14:hiddenLine>
             </a:ext>
             <a:ext uri="{AF507438-7753-43E0-B8FC-AC1667EBCBE1}">
-              <a14:hiddenEffects xmlns:a14="http://schemas.microsoft.com/office/drawing/2010/main" xmlns="">
+              <a14:hiddenEffects xmlns="" xmlns:a14="http://schemas.microsoft.com/office/drawing/2010/main">
                 <a:effectLst>
                   <a:outerShdw dist="35921" dir="2700000" algn="ctr" rotWithShape="0">
                     <a:schemeClr val="bg2"/>
@@ -3120,14 +3184,14 @@
           <a:effectLst/>
           <a:extLst>
             <a:ext uri="{909E8E84-426E-40DD-AFC4-6F175D3DCCD1}">
-              <a14:hiddenFill xmlns:a14="http://schemas.microsoft.com/office/drawing/2010/main" xmlns="">
+              <a14:hiddenFill xmlns="" xmlns:a14="http://schemas.microsoft.com/office/drawing/2010/main">
                 <a:solidFill>
                   <a:schemeClr val="accent1"/>
                 </a:solidFill>
               </a14:hiddenFill>
             </a:ext>
             <a:ext uri="{91240B29-F687-4F45-9708-019B960494DF}">
-              <a14:hiddenLine xmlns:a14="http://schemas.microsoft.com/office/drawing/2010/main" xmlns="" w="9525">
+              <a14:hiddenLine xmlns="" xmlns:a14="http://schemas.microsoft.com/office/drawing/2010/main" w="9525">
                 <a:solidFill>
                   <a:schemeClr val="tx1"/>
                 </a:solidFill>
@@ -3137,7 +3201,7 @@
               </a14:hiddenLine>
             </a:ext>
             <a:ext uri="{AF507438-7753-43E0-B8FC-AC1667EBCBE1}">
-              <a14:hiddenEffects xmlns:a14="http://schemas.microsoft.com/office/drawing/2010/main" xmlns="">
+              <a14:hiddenEffects xmlns="" xmlns:a14="http://schemas.microsoft.com/office/drawing/2010/main">
                 <a:effectLst>
                   <a:outerShdw dist="35921" dir="2700000" algn="ctr" rotWithShape="0">
                     <a:schemeClr val="bg2"/>
@@ -3685,14 +3749,14 @@
           </a:ln>
           <a:extLst>
             <a:ext uri="{909E8E84-426E-40DD-AFC4-6F175D3DCCD1}">
-              <a14:hiddenFill xmlns:a14="http://schemas.microsoft.com/office/drawing/2010/main" xmlns="">
+              <a14:hiddenFill xmlns="" xmlns:a14="http://schemas.microsoft.com/office/drawing/2010/main">
                 <a:solidFill>
                   <a:srgbClr val="FFFFFF"/>
                 </a:solidFill>
               </a14:hiddenFill>
             </a:ext>
             <a:ext uri="{91240B29-F687-4F45-9708-019B960494DF}">
-              <a14:hiddenLine xmlns:a14="http://schemas.microsoft.com/office/drawing/2010/main" xmlns="" w="9525">
+              <a14:hiddenLine xmlns="" xmlns:a14="http://schemas.microsoft.com/office/drawing/2010/main" w="9525">
                 <a:solidFill>
                   <a:srgbClr val="000000"/>
                 </a:solidFill>
@@ -3867,6 +3931,1936 @@
 </p:sld>
 </file>
 
+<file path=ppt/slides/slide10.xml><?xml version="1.0" encoding="utf-8"?>
+<p:sld xmlns:a="http://schemas.openxmlformats.org/drawingml/2006/main" xmlns:r="http://schemas.openxmlformats.org/officeDocument/2006/relationships" xmlns:p="http://schemas.openxmlformats.org/presentationml/2006/main">
+  <p:cSld>
+    <p:spTree>
+      <p:nvGrpSpPr>
+        <p:cNvPr id="1" name=""/>
+        <p:cNvGrpSpPr/>
+        <p:nvPr/>
+      </p:nvGrpSpPr>
+      <p:grpSpPr>
+        <a:xfrm>
+          <a:off x="0" y="0"/>
+          <a:ext cx="0" cy="0"/>
+          <a:chOff x="0" y="0"/>
+          <a:chExt cx="0" cy="0"/>
+        </a:xfrm>
+      </p:grpSpPr>
+      <p:sp>
+        <p:nvSpPr>
+          <p:cNvPr id="2" name="Title 1"/>
+          <p:cNvSpPr>
+            <a:spLocks noGrp="1"/>
+          </p:cNvSpPr>
+          <p:nvPr>
+            <p:ph type="title"/>
+          </p:nvPr>
+        </p:nvSpPr>
+        <p:spPr/>
+        <p:txBody>
+          <a:bodyPr/>
+          <a:lstStyle/>
+          <a:p>
+            <a:r>
+              <a:rPr lang="en-GB" dirty="0" smtClean="0"/>
+              <a:t>Answer</a:t>
+            </a:r>
+            <a:endParaRPr lang="en-GB" dirty="0"/>
+          </a:p>
+        </p:txBody>
+      </p:sp>
+      <p:sp>
+        <p:nvSpPr>
+          <p:cNvPr id="3" name="Content Placeholder 2"/>
+          <p:cNvSpPr>
+            <a:spLocks noGrp="1"/>
+          </p:cNvSpPr>
+          <p:nvPr>
+            <p:ph idx="1"/>
+          </p:nvPr>
+        </p:nvSpPr>
+        <p:spPr/>
+        <p:txBody>
+          <a:bodyPr/>
+          <a:lstStyle/>
+          <a:p>
+            <a:endParaRPr lang="en-GB"/>
+          </a:p>
+        </p:txBody>
+      </p:sp>
+      <p:pic>
+        <p:nvPicPr>
+          <p:cNvPr id="5" name="Picture 4"/>
+          <p:cNvPicPr>
+            <a:picLocks noChangeAspect="1"/>
+          </p:cNvPicPr>
+          <p:nvPr/>
+        </p:nvPicPr>
+        <p:blipFill>
+          <a:blip r:embed="rId2"/>
+          <a:stretch>
+            <a:fillRect/>
+          </a:stretch>
+        </p:blipFill>
+        <p:spPr>
+          <a:xfrm>
+            <a:off x="2362200" y="2286000"/>
+            <a:ext cx="4616312" cy="3381375"/>
+          </a:xfrm>
+          <a:prstGeom prst="rect">
+            <a:avLst/>
+          </a:prstGeom>
+        </p:spPr>
+      </p:pic>
+    </p:spTree>
+    <p:extLst>
+      <p:ext uri="{BB962C8B-B14F-4D97-AF65-F5344CB8AC3E}">
+        <p14:creationId xmlns:p14="http://schemas.microsoft.com/office/powerpoint/2010/main" xmlns="" val="221602547"/>
+      </p:ext>
+    </p:extLst>
+  </p:cSld>
+  <p:clrMapOvr>
+    <a:masterClrMapping/>
+  </p:clrMapOvr>
+  <p:timing>
+    <p:tnLst>
+      <p:par>
+        <p:cTn id="1" dur="indefinite" restart="never" nodeType="tmRoot"/>
+      </p:par>
+    </p:tnLst>
+  </p:timing>
+</p:sld>
+</file>
+
+<file path=ppt/slides/slide11.xml><?xml version="1.0" encoding="utf-8"?>
+<p:sld xmlns:a="http://schemas.openxmlformats.org/drawingml/2006/main" xmlns:r="http://schemas.openxmlformats.org/officeDocument/2006/relationships" xmlns:p="http://schemas.openxmlformats.org/presentationml/2006/main">
+  <p:cSld>
+    <p:spTree>
+      <p:nvGrpSpPr>
+        <p:cNvPr id="1" name=""/>
+        <p:cNvGrpSpPr/>
+        <p:nvPr/>
+      </p:nvGrpSpPr>
+      <p:grpSpPr>
+        <a:xfrm>
+          <a:off x="0" y="0"/>
+          <a:ext cx="0" cy="0"/>
+          <a:chOff x="0" y="0"/>
+          <a:chExt cx="0" cy="0"/>
+        </a:xfrm>
+      </p:grpSpPr>
+      <p:sp>
+        <p:nvSpPr>
+          <p:cNvPr id="2" name="Title 1"/>
+          <p:cNvSpPr>
+            <a:spLocks noGrp="1"/>
+          </p:cNvSpPr>
+          <p:nvPr>
+            <p:ph type="title"/>
+          </p:nvPr>
+        </p:nvSpPr>
+        <p:spPr>
+          <a:xfrm>
+            <a:off x="685800" y="152400"/>
+            <a:ext cx="7772400" cy="1143000"/>
+          </a:xfrm>
+        </p:spPr>
+        <p:txBody>
+          <a:bodyPr/>
+          <a:lstStyle/>
+          <a:p>
+            <a:r>
+              <a:rPr lang="en-GB" dirty="0" smtClean="0"/>
+              <a:t>Revision Question</a:t>
+            </a:r>
+            <a:endParaRPr lang="en-GB" dirty="0"/>
+          </a:p>
+        </p:txBody>
+      </p:sp>
+      <p:sp>
+        <p:nvSpPr>
+          <p:cNvPr id="3" name="Content Placeholder 2"/>
+          <p:cNvSpPr>
+            <a:spLocks noGrp="1"/>
+          </p:cNvSpPr>
+          <p:nvPr>
+            <p:ph idx="1"/>
+          </p:nvPr>
+        </p:nvSpPr>
+        <p:spPr>
+          <a:xfrm>
+            <a:off x="685800" y="1295400"/>
+            <a:ext cx="7772400" cy="4114800"/>
+          </a:xfrm>
+        </p:spPr>
+        <p:txBody>
+          <a:bodyPr/>
+          <a:lstStyle/>
+          <a:p>
+            <a:r>
+              <a:rPr lang="en-GB" dirty="0" smtClean="0"/>
+              <a:t>List the various UML Diagram Types</a:t>
+            </a:r>
+            <a:endParaRPr lang="en-GB" dirty="0"/>
+          </a:p>
+        </p:txBody>
+      </p:sp>
+      <p:pic>
+        <p:nvPicPr>
+          <p:cNvPr id="4" name="Picture 3"/>
+          <p:cNvPicPr>
+            <a:picLocks noChangeAspect="1"/>
+          </p:cNvPicPr>
+          <p:nvPr/>
+        </p:nvPicPr>
+        <p:blipFill>
+          <a:blip r:embed="rId2"/>
+          <a:stretch>
+            <a:fillRect/>
+          </a:stretch>
+        </p:blipFill>
+        <p:spPr>
+          <a:xfrm>
+            <a:off x="2438400" y="2133600"/>
+            <a:ext cx="4114800" cy="4215161"/>
+          </a:xfrm>
+          <a:prstGeom prst="rect">
+            <a:avLst/>
+          </a:prstGeom>
+        </p:spPr>
+      </p:pic>
+      <p:sp>
+        <p:nvSpPr>
+          <p:cNvPr id="5" name="Rectangle 4"/>
+          <p:cNvSpPr/>
+          <p:nvPr/>
+        </p:nvSpPr>
+        <p:spPr>
+          <a:xfrm>
+            <a:off x="2895600" y="2667000"/>
+            <a:ext cx="609600" cy="381000"/>
+          </a:xfrm>
+          <a:prstGeom prst="rect">
+            <a:avLst/>
+          </a:prstGeom>
+          <a:solidFill>
+            <a:schemeClr val="tx1"/>
+          </a:solidFill>
+          <a:ln>
+            <a:noFill/>
+          </a:ln>
+        </p:spPr>
+        <p:style>
+          <a:lnRef idx="2">
+            <a:schemeClr val="accent1">
+              <a:shade val="50000"/>
+            </a:schemeClr>
+          </a:lnRef>
+          <a:fillRef idx="1">
+            <a:schemeClr val="accent1"/>
+          </a:fillRef>
+          <a:effectRef idx="0">
+            <a:schemeClr val="accent1"/>
+          </a:effectRef>
+          <a:fontRef idx="minor">
+            <a:schemeClr val="lt1"/>
+          </a:fontRef>
+        </p:style>
+        <p:txBody>
+          <a:bodyPr rtlCol="0" anchor="ctr"/>
+          <a:lstStyle/>
+          <a:p>
+            <a:pPr algn="ctr"/>
+            <a:endParaRPr lang="en-GB"/>
+          </a:p>
+        </p:txBody>
+      </p:sp>
+      <p:sp>
+        <p:nvSpPr>
+          <p:cNvPr id="6" name="Rectangle 5"/>
+          <p:cNvSpPr/>
+          <p:nvPr/>
+        </p:nvSpPr>
+        <p:spPr>
+          <a:xfrm>
+            <a:off x="2819400" y="3352800"/>
+            <a:ext cx="609600" cy="381000"/>
+          </a:xfrm>
+          <a:prstGeom prst="rect">
+            <a:avLst/>
+          </a:prstGeom>
+          <a:solidFill>
+            <a:schemeClr val="tx1"/>
+          </a:solidFill>
+          <a:ln>
+            <a:noFill/>
+          </a:ln>
+        </p:spPr>
+        <p:style>
+          <a:lnRef idx="2">
+            <a:schemeClr val="accent1">
+              <a:shade val="50000"/>
+            </a:schemeClr>
+          </a:lnRef>
+          <a:fillRef idx="1">
+            <a:schemeClr val="accent1"/>
+          </a:fillRef>
+          <a:effectRef idx="0">
+            <a:schemeClr val="accent1"/>
+          </a:effectRef>
+          <a:fontRef idx="minor">
+            <a:schemeClr val="lt1"/>
+          </a:fontRef>
+        </p:style>
+        <p:txBody>
+          <a:bodyPr rtlCol="0" anchor="ctr"/>
+          <a:lstStyle/>
+          <a:p>
+            <a:pPr algn="ctr"/>
+            <a:endParaRPr lang="en-GB"/>
+          </a:p>
+        </p:txBody>
+      </p:sp>
+      <p:sp>
+        <p:nvSpPr>
+          <p:cNvPr id="7" name="Rectangle 6"/>
+          <p:cNvSpPr/>
+          <p:nvPr/>
+        </p:nvSpPr>
+        <p:spPr>
+          <a:xfrm>
+            <a:off x="2860040" y="3985260"/>
+            <a:ext cx="645160" cy="381000"/>
+          </a:xfrm>
+          <a:prstGeom prst="rect">
+            <a:avLst/>
+          </a:prstGeom>
+          <a:solidFill>
+            <a:schemeClr val="tx1"/>
+          </a:solidFill>
+          <a:ln>
+            <a:noFill/>
+          </a:ln>
+        </p:spPr>
+        <p:style>
+          <a:lnRef idx="2">
+            <a:schemeClr val="accent1">
+              <a:shade val="50000"/>
+            </a:schemeClr>
+          </a:lnRef>
+          <a:fillRef idx="1">
+            <a:schemeClr val="accent1"/>
+          </a:fillRef>
+          <a:effectRef idx="0">
+            <a:schemeClr val="accent1"/>
+          </a:effectRef>
+          <a:fontRef idx="minor">
+            <a:schemeClr val="lt1"/>
+          </a:fontRef>
+        </p:style>
+        <p:txBody>
+          <a:bodyPr rtlCol="0" anchor="ctr"/>
+          <a:lstStyle/>
+          <a:p>
+            <a:pPr algn="ctr"/>
+            <a:endParaRPr lang="en-GB"/>
+          </a:p>
+        </p:txBody>
+      </p:sp>
+      <p:sp>
+        <p:nvSpPr>
+          <p:cNvPr id="8" name="Rectangle 7"/>
+          <p:cNvSpPr/>
+          <p:nvPr/>
+        </p:nvSpPr>
+        <p:spPr>
+          <a:xfrm>
+            <a:off x="2895600" y="4597400"/>
+            <a:ext cx="645160" cy="381000"/>
+          </a:xfrm>
+          <a:prstGeom prst="rect">
+            <a:avLst/>
+          </a:prstGeom>
+          <a:solidFill>
+            <a:schemeClr val="tx1"/>
+          </a:solidFill>
+          <a:ln>
+            <a:noFill/>
+          </a:ln>
+        </p:spPr>
+        <p:style>
+          <a:lnRef idx="2">
+            <a:schemeClr val="accent1">
+              <a:shade val="50000"/>
+            </a:schemeClr>
+          </a:lnRef>
+          <a:fillRef idx="1">
+            <a:schemeClr val="accent1"/>
+          </a:fillRef>
+          <a:effectRef idx="0">
+            <a:schemeClr val="accent1"/>
+          </a:effectRef>
+          <a:fontRef idx="minor">
+            <a:schemeClr val="lt1"/>
+          </a:fontRef>
+        </p:style>
+        <p:txBody>
+          <a:bodyPr rtlCol="0" anchor="ctr"/>
+          <a:lstStyle/>
+          <a:p>
+            <a:pPr algn="ctr"/>
+            <a:endParaRPr lang="en-GB"/>
+          </a:p>
+        </p:txBody>
+      </p:sp>
+      <p:sp>
+        <p:nvSpPr>
+          <p:cNvPr id="9" name="Rectangle 8"/>
+          <p:cNvSpPr/>
+          <p:nvPr/>
+        </p:nvSpPr>
+        <p:spPr>
+          <a:xfrm>
+            <a:off x="4343400" y="3966860"/>
+            <a:ext cx="645160" cy="399400"/>
+          </a:xfrm>
+          <a:prstGeom prst="rect">
+            <a:avLst/>
+          </a:prstGeom>
+          <a:solidFill>
+            <a:schemeClr val="tx1"/>
+          </a:solidFill>
+          <a:ln>
+            <a:noFill/>
+          </a:ln>
+        </p:spPr>
+        <p:style>
+          <a:lnRef idx="2">
+            <a:schemeClr val="accent1">
+              <a:shade val="50000"/>
+            </a:schemeClr>
+          </a:lnRef>
+          <a:fillRef idx="1">
+            <a:schemeClr val="accent1"/>
+          </a:fillRef>
+          <a:effectRef idx="0">
+            <a:schemeClr val="accent1"/>
+          </a:effectRef>
+          <a:fontRef idx="minor">
+            <a:schemeClr val="lt1"/>
+          </a:fontRef>
+        </p:style>
+        <p:txBody>
+          <a:bodyPr rtlCol="0" anchor="ctr"/>
+          <a:lstStyle/>
+          <a:p>
+            <a:pPr algn="ctr"/>
+            <a:endParaRPr lang="en-GB"/>
+          </a:p>
+        </p:txBody>
+      </p:sp>
+      <p:sp>
+        <p:nvSpPr>
+          <p:cNvPr id="10" name="Rectangle 9"/>
+          <p:cNvSpPr/>
+          <p:nvPr/>
+        </p:nvSpPr>
+        <p:spPr>
+          <a:xfrm>
+            <a:off x="4353560" y="3352800"/>
+            <a:ext cx="645160" cy="399400"/>
+          </a:xfrm>
+          <a:prstGeom prst="rect">
+            <a:avLst/>
+          </a:prstGeom>
+          <a:solidFill>
+            <a:schemeClr val="tx1"/>
+          </a:solidFill>
+          <a:ln>
+            <a:noFill/>
+          </a:ln>
+        </p:spPr>
+        <p:style>
+          <a:lnRef idx="2">
+            <a:schemeClr val="accent1">
+              <a:shade val="50000"/>
+            </a:schemeClr>
+          </a:lnRef>
+          <a:fillRef idx="1">
+            <a:schemeClr val="accent1"/>
+          </a:fillRef>
+          <a:effectRef idx="0">
+            <a:schemeClr val="accent1"/>
+          </a:effectRef>
+          <a:fontRef idx="minor">
+            <a:schemeClr val="lt1"/>
+          </a:fontRef>
+        </p:style>
+        <p:txBody>
+          <a:bodyPr rtlCol="0" anchor="ctr"/>
+          <a:lstStyle/>
+          <a:p>
+            <a:pPr algn="ctr"/>
+            <a:endParaRPr lang="en-GB"/>
+          </a:p>
+        </p:txBody>
+      </p:sp>
+      <p:sp>
+        <p:nvSpPr>
+          <p:cNvPr id="11" name="Rectangle 10"/>
+          <p:cNvSpPr/>
+          <p:nvPr/>
+        </p:nvSpPr>
+        <p:spPr>
+          <a:xfrm>
+            <a:off x="4307840" y="2724800"/>
+            <a:ext cx="645160" cy="399400"/>
+          </a:xfrm>
+          <a:prstGeom prst="rect">
+            <a:avLst/>
+          </a:prstGeom>
+          <a:solidFill>
+            <a:schemeClr val="tx1"/>
+          </a:solidFill>
+          <a:ln>
+            <a:noFill/>
+          </a:ln>
+        </p:spPr>
+        <p:style>
+          <a:lnRef idx="2">
+            <a:schemeClr val="accent1">
+              <a:shade val="50000"/>
+            </a:schemeClr>
+          </a:lnRef>
+          <a:fillRef idx="1">
+            <a:schemeClr val="accent1"/>
+          </a:fillRef>
+          <a:effectRef idx="0">
+            <a:schemeClr val="accent1"/>
+          </a:effectRef>
+          <a:fontRef idx="minor">
+            <a:schemeClr val="lt1"/>
+          </a:fontRef>
+        </p:style>
+        <p:txBody>
+          <a:bodyPr rtlCol="0" anchor="ctr"/>
+          <a:lstStyle/>
+          <a:p>
+            <a:pPr algn="ctr"/>
+            <a:endParaRPr lang="en-GB"/>
+          </a:p>
+        </p:txBody>
+      </p:sp>
+      <p:sp>
+        <p:nvSpPr>
+          <p:cNvPr id="12" name="Rectangle 11"/>
+          <p:cNvSpPr/>
+          <p:nvPr/>
+        </p:nvSpPr>
+        <p:spPr>
+          <a:xfrm>
+            <a:off x="2819400" y="5226700"/>
+            <a:ext cx="645160" cy="399400"/>
+          </a:xfrm>
+          <a:prstGeom prst="rect">
+            <a:avLst/>
+          </a:prstGeom>
+          <a:solidFill>
+            <a:schemeClr val="tx1"/>
+          </a:solidFill>
+          <a:ln>
+            <a:noFill/>
+          </a:ln>
+        </p:spPr>
+        <p:style>
+          <a:lnRef idx="2">
+            <a:schemeClr val="accent1">
+              <a:shade val="50000"/>
+            </a:schemeClr>
+          </a:lnRef>
+          <a:fillRef idx="1">
+            <a:schemeClr val="accent1"/>
+          </a:fillRef>
+          <a:effectRef idx="0">
+            <a:schemeClr val="accent1"/>
+          </a:effectRef>
+          <a:fontRef idx="minor">
+            <a:schemeClr val="lt1"/>
+          </a:fontRef>
+        </p:style>
+        <p:txBody>
+          <a:bodyPr rtlCol="0" anchor="ctr"/>
+          <a:lstStyle/>
+          <a:p>
+            <a:pPr algn="ctr"/>
+            <a:endParaRPr lang="en-GB"/>
+          </a:p>
+        </p:txBody>
+      </p:sp>
+      <p:sp>
+        <p:nvSpPr>
+          <p:cNvPr id="13" name="Rectangle 12"/>
+          <p:cNvSpPr/>
+          <p:nvPr/>
+        </p:nvSpPr>
+        <p:spPr>
+          <a:xfrm>
+            <a:off x="2834640" y="5839800"/>
+            <a:ext cx="645160" cy="430840"/>
+          </a:xfrm>
+          <a:prstGeom prst="rect">
+            <a:avLst/>
+          </a:prstGeom>
+          <a:solidFill>
+            <a:schemeClr val="tx1"/>
+          </a:solidFill>
+          <a:ln>
+            <a:noFill/>
+          </a:ln>
+        </p:spPr>
+        <p:style>
+          <a:lnRef idx="2">
+            <a:schemeClr val="accent1">
+              <a:shade val="50000"/>
+            </a:schemeClr>
+          </a:lnRef>
+          <a:fillRef idx="1">
+            <a:schemeClr val="accent1"/>
+          </a:fillRef>
+          <a:effectRef idx="0">
+            <a:schemeClr val="accent1"/>
+          </a:effectRef>
+          <a:fontRef idx="minor">
+            <a:schemeClr val="lt1"/>
+          </a:fontRef>
+        </p:style>
+        <p:txBody>
+          <a:bodyPr rtlCol="0" anchor="ctr"/>
+          <a:lstStyle/>
+          <a:p>
+            <a:pPr algn="ctr"/>
+            <a:endParaRPr lang="en-GB"/>
+          </a:p>
+        </p:txBody>
+      </p:sp>
+      <p:sp>
+        <p:nvSpPr>
+          <p:cNvPr id="14" name="Rectangle 13"/>
+          <p:cNvSpPr/>
+          <p:nvPr/>
+        </p:nvSpPr>
+        <p:spPr>
+          <a:xfrm>
+            <a:off x="4333240" y="5648960"/>
+            <a:ext cx="645160" cy="430840"/>
+          </a:xfrm>
+          <a:prstGeom prst="rect">
+            <a:avLst/>
+          </a:prstGeom>
+          <a:solidFill>
+            <a:schemeClr val="tx1"/>
+          </a:solidFill>
+          <a:ln>
+            <a:noFill/>
+          </a:ln>
+        </p:spPr>
+        <p:style>
+          <a:lnRef idx="2">
+            <a:schemeClr val="accent1">
+              <a:shade val="50000"/>
+            </a:schemeClr>
+          </a:lnRef>
+          <a:fillRef idx="1">
+            <a:schemeClr val="accent1"/>
+          </a:fillRef>
+          <a:effectRef idx="0">
+            <a:schemeClr val="accent1"/>
+          </a:effectRef>
+          <a:fontRef idx="minor">
+            <a:schemeClr val="lt1"/>
+          </a:fontRef>
+        </p:style>
+        <p:txBody>
+          <a:bodyPr rtlCol="0" anchor="ctr"/>
+          <a:lstStyle/>
+          <a:p>
+            <a:pPr algn="ctr"/>
+            <a:endParaRPr lang="en-GB"/>
+          </a:p>
+        </p:txBody>
+      </p:sp>
+      <p:sp>
+        <p:nvSpPr>
+          <p:cNvPr id="15" name="Rectangle 14"/>
+          <p:cNvSpPr/>
+          <p:nvPr/>
+        </p:nvSpPr>
+        <p:spPr>
+          <a:xfrm>
+            <a:off x="5285740" y="5615460"/>
+            <a:ext cx="645160" cy="430840"/>
+          </a:xfrm>
+          <a:prstGeom prst="rect">
+            <a:avLst/>
+          </a:prstGeom>
+          <a:solidFill>
+            <a:schemeClr val="tx1"/>
+          </a:solidFill>
+          <a:ln>
+            <a:noFill/>
+          </a:ln>
+        </p:spPr>
+        <p:style>
+          <a:lnRef idx="2">
+            <a:schemeClr val="accent1">
+              <a:shade val="50000"/>
+            </a:schemeClr>
+          </a:lnRef>
+          <a:fillRef idx="1">
+            <a:schemeClr val="accent1"/>
+          </a:fillRef>
+          <a:effectRef idx="0">
+            <a:schemeClr val="accent1"/>
+          </a:effectRef>
+          <a:fontRef idx="minor">
+            <a:schemeClr val="lt1"/>
+          </a:fontRef>
+        </p:style>
+        <p:txBody>
+          <a:bodyPr rtlCol="0" anchor="ctr"/>
+          <a:lstStyle/>
+          <a:p>
+            <a:pPr algn="ctr"/>
+            <a:endParaRPr lang="en-GB"/>
+          </a:p>
+        </p:txBody>
+      </p:sp>
+      <p:sp>
+        <p:nvSpPr>
+          <p:cNvPr id="16" name="Rectangle 15"/>
+          <p:cNvSpPr/>
+          <p:nvPr/>
+        </p:nvSpPr>
+        <p:spPr>
+          <a:xfrm>
+            <a:off x="5298440" y="4953000"/>
+            <a:ext cx="873760" cy="382580"/>
+          </a:xfrm>
+          <a:prstGeom prst="rect">
+            <a:avLst/>
+          </a:prstGeom>
+          <a:solidFill>
+            <a:schemeClr val="tx1"/>
+          </a:solidFill>
+          <a:ln>
+            <a:noFill/>
+          </a:ln>
+        </p:spPr>
+        <p:style>
+          <a:lnRef idx="2">
+            <a:schemeClr val="accent1">
+              <a:shade val="50000"/>
+            </a:schemeClr>
+          </a:lnRef>
+          <a:fillRef idx="1">
+            <a:schemeClr val="accent1"/>
+          </a:fillRef>
+          <a:effectRef idx="0">
+            <a:schemeClr val="accent1"/>
+          </a:effectRef>
+          <a:fontRef idx="minor">
+            <a:schemeClr val="lt1"/>
+          </a:fontRef>
+        </p:style>
+        <p:txBody>
+          <a:bodyPr rtlCol="0" anchor="ctr"/>
+          <a:lstStyle/>
+          <a:p>
+            <a:pPr algn="ctr"/>
+            <a:endParaRPr lang="en-GB"/>
+          </a:p>
+        </p:txBody>
+      </p:sp>
+      <p:sp>
+        <p:nvSpPr>
+          <p:cNvPr id="17" name="Rectangle 16"/>
+          <p:cNvSpPr/>
+          <p:nvPr/>
+        </p:nvSpPr>
+        <p:spPr>
+          <a:xfrm>
+            <a:off x="4353560" y="4962370"/>
+            <a:ext cx="645160" cy="382580"/>
+          </a:xfrm>
+          <a:prstGeom prst="rect">
+            <a:avLst/>
+          </a:prstGeom>
+          <a:solidFill>
+            <a:schemeClr val="tx1"/>
+          </a:solidFill>
+          <a:ln>
+            <a:noFill/>
+          </a:ln>
+        </p:spPr>
+        <p:style>
+          <a:lnRef idx="2">
+            <a:schemeClr val="accent1">
+              <a:shade val="50000"/>
+            </a:schemeClr>
+          </a:lnRef>
+          <a:fillRef idx="1">
+            <a:schemeClr val="accent1"/>
+          </a:fillRef>
+          <a:effectRef idx="0">
+            <a:schemeClr val="accent1"/>
+          </a:effectRef>
+          <a:fontRef idx="minor">
+            <a:schemeClr val="lt1"/>
+          </a:fontRef>
+        </p:style>
+        <p:txBody>
+          <a:bodyPr rtlCol="0" anchor="ctr"/>
+          <a:lstStyle/>
+          <a:p>
+            <a:pPr algn="ctr"/>
+            <a:endParaRPr lang="en-GB"/>
+          </a:p>
+        </p:txBody>
+      </p:sp>
+    </p:spTree>
+    <p:extLst>
+      <p:ext uri="{BB962C8B-B14F-4D97-AF65-F5344CB8AC3E}">
+        <p14:creationId xmlns:p14="http://schemas.microsoft.com/office/powerpoint/2010/main" xmlns="" val="2343455787"/>
+      </p:ext>
+    </p:extLst>
+  </p:cSld>
+  <p:clrMapOvr>
+    <a:masterClrMapping/>
+  </p:clrMapOvr>
+</p:sld>
+</file>
+
+<file path=ppt/slides/slide12.xml><?xml version="1.0" encoding="utf-8"?>
+<p:sld xmlns:a="http://schemas.openxmlformats.org/drawingml/2006/main" xmlns:r="http://schemas.openxmlformats.org/officeDocument/2006/relationships" xmlns:p="http://schemas.openxmlformats.org/presentationml/2006/main">
+  <p:cSld>
+    <p:spTree>
+      <p:nvGrpSpPr>
+        <p:cNvPr id="1" name=""/>
+        <p:cNvGrpSpPr/>
+        <p:nvPr/>
+      </p:nvGrpSpPr>
+      <p:grpSpPr>
+        <a:xfrm>
+          <a:off x="0" y="0"/>
+          <a:ext cx="0" cy="0"/>
+          <a:chOff x="0" y="0"/>
+          <a:chExt cx="0" cy="0"/>
+        </a:xfrm>
+      </p:grpSpPr>
+      <p:sp>
+        <p:nvSpPr>
+          <p:cNvPr id="2" name="Title 1"/>
+          <p:cNvSpPr>
+            <a:spLocks noGrp="1"/>
+          </p:cNvSpPr>
+          <p:nvPr>
+            <p:ph type="title"/>
+          </p:nvPr>
+        </p:nvSpPr>
+        <p:spPr>
+          <a:xfrm>
+            <a:off x="685800" y="152400"/>
+            <a:ext cx="7772400" cy="1143000"/>
+          </a:xfrm>
+        </p:spPr>
+        <p:txBody>
+          <a:bodyPr/>
+          <a:lstStyle/>
+          <a:p>
+            <a:r>
+              <a:rPr lang="en-GB" dirty="0" smtClean="0"/>
+              <a:t>Answer</a:t>
+            </a:r>
+            <a:endParaRPr lang="en-GB" dirty="0"/>
+          </a:p>
+        </p:txBody>
+      </p:sp>
+      <p:sp>
+        <p:nvSpPr>
+          <p:cNvPr id="3" name="Content Placeholder 2"/>
+          <p:cNvSpPr>
+            <a:spLocks noGrp="1"/>
+          </p:cNvSpPr>
+          <p:nvPr>
+            <p:ph idx="1"/>
+          </p:nvPr>
+        </p:nvSpPr>
+        <p:spPr/>
+        <p:txBody>
+          <a:bodyPr/>
+          <a:lstStyle/>
+          <a:p>
+            <a:endParaRPr lang="en-GB"/>
+          </a:p>
+        </p:txBody>
+      </p:sp>
+      <p:pic>
+        <p:nvPicPr>
+          <p:cNvPr id="4" name="Picture 3"/>
+          <p:cNvPicPr>
+            <a:picLocks noChangeAspect="1"/>
+          </p:cNvPicPr>
+          <p:nvPr/>
+        </p:nvPicPr>
+        <p:blipFill>
+          <a:blip r:embed="rId2"/>
+          <a:stretch>
+            <a:fillRect/>
+          </a:stretch>
+        </p:blipFill>
+        <p:spPr>
+          <a:xfrm>
+            <a:off x="2286000" y="1371600"/>
+            <a:ext cx="4916483" cy="5036397"/>
+          </a:xfrm>
+          <a:prstGeom prst="rect">
+            <a:avLst/>
+          </a:prstGeom>
+        </p:spPr>
+      </p:pic>
+    </p:spTree>
+    <p:extLst>
+      <p:ext uri="{BB962C8B-B14F-4D97-AF65-F5344CB8AC3E}">
+        <p14:creationId xmlns:p14="http://schemas.microsoft.com/office/powerpoint/2010/main" xmlns="" val="3484506997"/>
+      </p:ext>
+    </p:extLst>
+  </p:cSld>
+  <p:clrMapOvr>
+    <a:masterClrMapping/>
+  </p:clrMapOvr>
+</p:sld>
+</file>
+
+<file path=ppt/slides/slide13.xml><?xml version="1.0" encoding="utf-8"?>
+<p:sld xmlns:a="http://schemas.openxmlformats.org/drawingml/2006/main" xmlns:r="http://schemas.openxmlformats.org/officeDocument/2006/relationships" xmlns:p="http://schemas.openxmlformats.org/presentationml/2006/main">
+  <p:cSld>
+    <p:spTree>
+      <p:nvGrpSpPr>
+        <p:cNvPr id="1" name=""/>
+        <p:cNvGrpSpPr/>
+        <p:nvPr/>
+      </p:nvGrpSpPr>
+      <p:grpSpPr>
+        <a:xfrm>
+          <a:off x="0" y="0"/>
+          <a:ext cx="0" cy="0"/>
+          <a:chOff x="0" y="0"/>
+          <a:chExt cx="0" cy="0"/>
+        </a:xfrm>
+      </p:grpSpPr>
+      <p:sp>
+        <p:nvSpPr>
+          <p:cNvPr id="2" name="Title 1"/>
+          <p:cNvSpPr>
+            <a:spLocks noGrp="1"/>
+          </p:cNvSpPr>
+          <p:nvPr>
+            <p:ph type="title"/>
+          </p:nvPr>
+        </p:nvSpPr>
+        <p:spPr/>
+        <p:txBody>
+          <a:bodyPr/>
+          <a:lstStyle/>
+          <a:p>
+            <a:r>
+              <a:rPr lang="en-US" dirty="0" smtClean="0"/>
+              <a:t>Question</a:t>
+            </a:r>
+            <a:endParaRPr lang="en-US" dirty="0"/>
+          </a:p>
+        </p:txBody>
+      </p:sp>
+      <p:sp>
+        <p:nvSpPr>
+          <p:cNvPr id="3" name="Content Placeholder 2"/>
+          <p:cNvSpPr>
+            <a:spLocks noGrp="1"/>
+          </p:cNvSpPr>
+          <p:nvPr>
+            <p:ph idx="1"/>
+          </p:nvPr>
+        </p:nvSpPr>
+        <p:spPr/>
+        <p:txBody>
+          <a:bodyPr/>
+          <a:lstStyle/>
+          <a:p>
+            <a:r>
+              <a:rPr lang="en-US" dirty="0" smtClean="0"/>
+              <a:t>Draw an example of a Stage Machine Diagram</a:t>
+            </a:r>
+            <a:endParaRPr lang="en-US" dirty="0"/>
+          </a:p>
+        </p:txBody>
+      </p:sp>
+      <p:pic>
+        <p:nvPicPr>
+          <p:cNvPr id="5" name="Picture 1"/>
+          <p:cNvPicPr>
+            <a:picLocks noChangeAspect="1"/>
+          </p:cNvPicPr>
+          <p:nvPr/>
+        </p:nvPicPr>
+        <p:blipFill>
+          <a:blip r:embed="rId2">
+            <a:extLst>
+              <a:ext uri="{28A0092B-C50C-407E-A947-70E740481C1C}">
+                <a14:useLocalDpi xmlns:a14="http://schemas.microsoft.com/office/drawing/2010/main" xmlns="" val="0"/>
+              </a:ext>
+            </a:extLst>
+          </a:blip>
+          <a:srcRect/>
+          <a:stretch>
+            <a:fillRect/>
+          </a:stretch>
+        </p:blipFill>
+        <p:spPr bwMode="auto">
+          <a:xfrm>
+            <a:off x="2971800" y="4038600"/>
+            <a:ext cx="2667000" cy="2184400"/>
+          </a:xfrm>
+          <a:prstGeom prst="rect">
+            <a:avLst/>
+          </a:prstGeom>
+          <a:noFill/>
+          <a:ln>
+            <a:noFill/>
+          </a:ln>
+          <a:extLst>
+            <a:ext uri="{909E8E84-426E-40DD-AFC4-6F175D3DCCD1}">
+              <a14:hiddenFill xmlns:a14="http://schemas.microsoft.com/office/drawing/2010/main" xmlns="">
+                <a:solidFill>
+                  <a:srgbClr val="FFFFFF"/>
+                </a:solidFill>
+              </a14:hiddenFill>
+            </a:ext>
+            <a:ext uri="{91240B29-F687-4F45-9708-019B960494DF}">
+              <a14:hiddenLine xmlns:a14="http://schemas.microsoft.com/office/drawing/2010/main" xmlns="" w="9525">
+                <a:solidFill>
+                  <a:srgbClr val="000000"/>
+                </a:solidFill>
+                <a:miter lim="800000"/>
+                <a:headEnd/>
+                <a:tailEnd/>
+              </a14:hiddenLine>
+            </a:ext>
+          </a:extLst>
+        </p:spPr>
+      </p:pic>
+    </p:spTree>
+  </p:cSld>
+  <p:clrMapOvr>
+    <a:masterClrMapping/>
+  </p:clrMapOvr>
+</p:sld>
+</file>
+
+<file path=ppt/slides/slide14.xml><?xml version="1.0" encoding="utf-8"?>
+<p:sld xmlns:a="http://schemas.openxmlformats.org/drawingml/2006/main" xmlns:r="http://schemas.openxmlformats.org/officeDocument/2006/relationships" xmlns:p="http://schemas.openxmlformats.org/presentationml/2006/main">
+  <p:cSld>
+    <p:spTree>
+      <p:nvGrpSpPr>
+        <p:cNvPr id="1" name=""/>
+        <p:cNvGrpSpPr/>
+        <p:nvPr/>
+      </p:nvGrpSpPr>
+      <p:grpSpPr>
+        <a:xfrm>
+          <a:off x="0" y="0"/>
+          <a:ext cx="0" cy="0"/>
+          <a:chOff x="0" y="0"/>
+          <a:chExt cx="0" cy="0"/>
+        </a:xfrm>
+      </p:grpSpPr>
+      <p:pic>
+        <p:nvPicPr>
+          <p:cNvPr id="4" name="Picture 3"/>
+          <p:cNvPicPr>
+            <a:picLocks noChangeAspect="1"/>
+          </p:cNvPicPr>
+          <p:nvPr/>
+        </p:nvPicPr>
+        <p:blipFill>
+          <a:blip r:embed="rId2"/>
+          <a:stretch>
+            <a:fillRect/>
+          </a:stretch>
+        </p:blipFill>
+        <p:spPr>
+          <a:xfrm>
+            <a:off x="685800" y="3419475"/>
+            <a:ext cx="7896225" cy="3438525"/>
+          </a:xfrm>
+          <a:prstGeom prst="rect">
+            <a:avLst/>
+          </a:prstGeom>
+        </p:spPr>
+      </p:pic>
+      <p:sp>
+        <p:nvSpPr>
+          <p:cNvPr id="2" name="Title 1"/>
+          <p:cNvSpPr>
+            <a:spLocks noGrp="1"/>
+          </p:cNvSpPr>
+          <p:nvPr>
+            <p:ph type="title"/>
+          </p:nvPr>
+        </p:nvSpPr>
+        <p:spPr>
+          <a:xfrm>
+            <a:off x="685800" y="381000"/>
+            <a:ext cx="7772400" cy="1143000"/>
+          </a:xfrm>
+        </p:spPr>
+        <p:txBody>
+          <a:bodyPr/>
+          <a:lstStyle/>
+          <a:p>
+            <a:r>
+              <a:rPr lang="en-US" dirty="0" smtClean="0"/>
+              <a:t>Answer</a:t>
+            </a:r>
+            <a:endParaRPr lang="en-US" dirty="0"/>
+          </a:p>
+        </p:txBody>
+      </p:sp>
+      <p:sp>
+        <p:nvSpPr>
+          <p:cNvPr id="3" name="Content Placeholder 2"/>
+          <p:cNvSpPr>
+            <a:spLocks noGrp="1"/>
+          </p:cNvSpPr>
+          <p:nvPr>
+            <p:ph idx="1"/>
+          </p:nvPr>
+        </p:nvSpPr>
+        <p:spPr>
+          <a:xfrm>
+            <a:off x="762000" y="1600200"/>
+            <a:ext cx="7772400" cy="1752600"/>
+          </a:xfrm>
+        </p:spPr>
+        <p:txBody>
+          <a:bodyPr>
+            <a:normAutofit fontScale="92500" lnSpcReduction="10000"/>
+          </a:bodyPr>
+          <a:lstStyle/>
+          <a:p>
+            <a:r>
+              <a:rPr lang="en-GB" dirty="0" smtClean="0"/>
+              <a:t>A state machine diagram expresses </a:t>
+            </a:r>
+            <a:r>
+              <a:rPr lang="en-GB" dirty="0" err="1" smtClean="0"/>
+              <a:t>behavior</a:t>
+            </a:r>
+            <a:r>
+              <a:rPr lang="en-GB" dirty="0" smtClean="0"/>
+              <a:t> as a progression through a series of states, triggered by events, and the related actions that may occur</a:t>
+            </a:r>
+          </a:p>
+          <a:p>
+            <a:endParaRPr lang="en-US" dirty="0"/>
+          </a:p>
+        </p:txBody>
+      </p:sp>
+    </p:spTree>
+  </p:cSld>
+  <p:clrMapOvr>
+    <a:masterClrMapping/>
+  </p:clrMapOvr>
+</p:sld>
+</file>
+
+<file path=ppt/slides/slide15.xml><?xml version="1.0" encoding="utf-8"?>
+<p:sld xmlns:a="http://schemas.openxmlformats.org/drawingml/2006/main" xmlns:r="http://schemas.openxmlformats.org/officeDocument/2006/relationships" xmlns:p="http://schemas.openxmlformats.org/presentationml/2006/main">
+  <p:cSld>
+    <p:spTree>
+      <p:nvGrpSpPr>
+        <p:cNvPr id="1" name=""/>
+        <p:cNvGrpSpPr/>
+        <p:nvPr/>
+      </p:nvGrpSpPr>
+      <p:grpSpPr>
+        <a:xfrm>
+          <a:off x="0" y="0"/>
+          <a:ext cx="0" cy="0"/>
+          <a:chOff x="0" y="0"/>
+          <a:chExt cx="0" cy="0"/>
+        </a:xfrm>
+      </p:grpSpPr>
+      <p:sp>
+        <p:nvSpPr>
+          <p:cNvPr id="2" name="Title 1"/>
+          <p:cNvSpPr>
+            <a:spLocks noGrp="1"/>
+          </p:cNvSpPr>
+          <p:nvPr>
+            <p:ph type="title"/>
+          </p:nvPr>
+        </p:nvSpPr>
+        <p:spPr/>
+        <p:txBody>
+          <a:bodyPr/>
+          <a:lstStyle/>
+          <a:p>
+            <a:r>
+              <a:rPr lang="en-US" dirty="0" smtClean="0"/>
+              <a:t>Question</a:t>
+            </a:r>
+            <a:endParaRPr lang="en-US" dirty="0"/>
+          </a:p>
+        </p:txBody>
+      </p:sp>
+      <p:sp>
+        <p:nvSpPr>
+          <p:cNvPr id="3" name="Content Placeholder 2"/>
+          <p:cNvSpPr>
+            <a:spLocks noGrp="1"/>
+          </p:cNvSpPr>
+          <p:nvPr>
+            <p:ph idx="1"/>
+          </p:nvPr>
+        </p:nvSpPr>
+        <p:spPr/>
+        <p:txBody>
+          <a:bodyPr/>
+          <a:lstStyle/>
+          <a:p>
+            <a:r>
+              <a:rPr lang="en-US" dirty="0" smtClean="0"/>
+              <a:t>Does a method </a:t>
+            </a:r>
+            <a:r>
+              <a:rPr lang="en-US" dirty="0" smtClean="0"/>
+              <a:t>or tool </a:t>
+            </a:r>
+            <a:r>
+              <a:rPr lang="en-US" dirty="0" smtClean="0"/>
+              <a:t>exist which promises to make software development a trivial task? </a:t>
+            </a:r>
+            <a:r>
+              <a:rPr lang="en-US" dirty="0" smtClean="0"/>
+              <a:t/>
+            </a:r>
+            <a:br>
+              <a:rPr lang="en-US" dirty="0" smtClean="0"/>
+            </a:br>
+            <a:endParaRPr lang="en-US" dirty="0" smtClean="0"/>
+          </a:p>
+          <a:p>
+            <a:pPr marL="514350" indent="-514350">
+              <a:buAutoNum type="alphaLcParenR"/>
+            </a:pPr>
+            <a:r>
+              <a:rPr lang="en-US" dirty="0" smtClean="0"/>
+              <a:t>True</a:t>
+            </a:r>
+          </a:p>
+          <a:p>
+            <a:pPr marL="514350" indent="-514350">
+              <a:buAutoNum type="alphaLcParenR"/>
+            </a:pPr>
+            <a:r>
+              <a:rPr lang="en-US" dirty="0" smtClean="0"/>
+              <a:t>False</a:t>
+            </a:r>
+            <a:endParaRPr lang="en-US" dirty="0"/>
+          </a:p>
+        </p:txBody>
+      </p:sp>
+    </p:spTree>
+  </p:cSld>
+  <p:clrMapOvr>
+    <a:masterClrMapping/>
+  </p:clrMapOvr>
+</p:sld>
+</file>
+
+<file path=ppt/slides/slide16.xml><?xml version="1.0" encoding="utf-8"?>
+<p:sld xmlns:a="http://schemas.openxmlformats.org/drawingml/2006/main" xmlns:r="http://schemas.openxmlformats.org/officeDocument/2006/relationships" xmlns:p="http://schemas.openxmlformats.org/presentationml/2006/main">
+  <p:cSld>
+    <p:spTree>
+      <p:nvGrpSpPr>
+        <p:cNvPr id="1" name=""/>
+        <p:cNvGrpSpPr/>
+        <p:nvPr/>
+      </p:nvGrpSpPr>
+      <p:grpSpPr>
+        <a:xfrm>
+          <a:off x="0" y="0"/>
+          <a:ext cx="0" cy="0"/>
+          <a:chOff x="0" y="0"/>
+          <a:chExt cx="0" cy="0"/>
+        </a:xfrm>
+      </p:grpSpPr>
+      <p:sp>
+        <p:nvSpPr>
+          <p:cNvPr id="2" name="Title 1"/>
+          <p:cNvSpPr>
+            <a:spLocks noGrp="1"/>
+          </p:cNvSpPr>
+          <p:nvPr>
+            <p:ph type="title"/>
+          </p:nvPr>
+        </p:nvSpPr>
+        <p:spPr/>
+        <p:txBody>
+          <a:bodyPr/>
+          <a:lstStyle/>
+          <a:p>
+            <a:r>
+              <a:rPr lang="en-US" dirty="0" smtClean="0"/>
+              <a:t>Answer</a:t>
+            </a:r>
+            <a:endParaRPr lang="en-US" dirty="0"/>
+          </a:p>
+        </p:txBody>
+      </p:sp>
+      <p:sp>
+        <p:nvSpPr>
+          <p:cNvPr id="3" name="Content Placeholder 2"/>
+          <p:cNvSpPr>
+            <a:spLocks noGrp="1"/>
+          </p:cNvSpPr>
+          <p:nvPr>
+            <p:ph idx="1"/>
+          </p:nvPr>
+        </p:nvSpPr>
+        <p:spPr/>
+        <p:txBody>
+          <a:bodyPr/>
+          <a:lstStyle/>
+          <a:p>
+            <a:r>
+              <a:rPr lang="en-US" dirty="0" smtClean="0"/>
+              <a:t>b) False</a:t>
+            </a:r>
+          </a:p>
+          <a:p>
+            <a:endParaRPr lang="en-US" dirty="0" smtClean="0"/>
+          </a:p>
+          <a:p>
+            <a:pPr>
+              <a:buNone/>
+            </a:pPr>
+            <a:r>
+              <a:rPr lang="en-US" dirty="0" smtClean="0"/>
+              <a:t>A professional </a:t>
+            </a:r>
+            <a:r>
+              <a:rPr lang="en-US" dirty="0" smtClean="0"/>
+              <a:t>software </a:t>
+            </a:r>
+            <a:r>
+              <a:rPr lang="en-US" dirty="0" smtClean="0"/>
+              <a:t>engineer know </a:t>
+            </a:r>
+            <a:r>
+              <a:rPr lang="en-US" dirty="0" smtClean="0"/>
+              <a:t>that no such </a:t>
+            </a:r>
+            <a:r>
+              <a:rPr lang="en-US" i="1" dirty="0" smtClean="0">
+                <a:solidFill>
+                  <a:srgbClr val="FF0000"/>
+                </a:solidFill>
+              </a:rPr>
+              <a:t>panacea</a:t>
+            </a:r>
+            <a:r>
+              <a:rPr lang="en-US" dirty="0" smtClean="0"/>
+              <a:t> </a:t>
+            </a:r>
+            <a:r>
+              <a:rPr lang="en-US" dirty="0" smtClean="0"/>
+              <a:t>exists.</a:t>
+            </a:r>
+            <a:r>
+              <a:rPr lang="en-US" dirty="0" smtClean="0"/>
+              <a:t/>
+            </a:r>
+            <a:br>
+              <a:rPr lang="en-US" dirty="0" smtClean="0"/>
+            </a:br>
+            <a:endParaRPr lang="en-US" dirty="0"/>
+          </a:p>
+        </p:txBody>
+      </p:sp>
+    </p:spTree>
+  </p:cSld>
+  <p:clrMapOvr>
+    <a:masterClrMapping/>
+  </p:clrMapOvr>
+</p:sld>
+</file>
+
+<file path=ppt/slides/slide17.xml><?xml version="1.0" encoding="utf-8"?>
+<p:sld xmlns:a="http://schemas.openxmlformats.org/drawingml/2006/main" xmlns:r="http://schemas.openxmlformats.org/officeDocument/2006/relationships" xmlns:p="http://schemas.openxmlformats.org/presentationml/2006/main">
+  <p:cSld>
+    <p:spTree>
+      <p:nvGrpSpPr>
+        <p:cNvPr id="1" name=""/>
+        <p:cNvGrpSpPr/>
+        <p:nvPr/>
+      </p:nvGrpSpPr>
+      <p:grpSpPr>
+        <a:xfrm>
+          <a:off x="0" y="0"/>
+          <a:ext cx="0" cy="0"/>
+          <a:chOff x="0" y="0"/>
+          <a:chExt cx="0" cy="0"/>
+        </a:xfrm>
+      </p:grpSpPr>
+      <p:sp>
+        <p:nvSpPr>
+          <p:cNvPr id="2" name="Title 1"/>
+          <p:cNvSpPr>
+            <a:spLocks noGrp="1"/>
+          </p:cNvSpPr>
+          <p:nvPr>
+            <p:ph type="title"/>
+          </p:nvPr>
+        </p:nvSpPr>
+        <p:spPr/>
+        <p:txBody>
+          <a:bodyPr/>
+          <a:lstStyle/>
+          <a:p>
+            <a:r>
+              <a:rPr lang="en-US" b="1" dirty="0" smtClean="0"/>
+              <a:t>Traits of Successful Projects</a:t>
+            </a:r>
+            <a:r>
+              <a:rPr lang="en-US" dirty="0" smtClean="0"/>
+              <a:t> </a:t>
+            </a:r>
+            <a:endParaRPr lang="en-US" dirty="0"/>
+          </a:p>
+        </p:txBody>
+      </p:sp>
+      <p:sp>
+        <p:nvSpPr>
+          <p:cNvPr id="3" name="Content Placeholder 2"/>
+          <p:cNvSpPr>
+            <a:spLocks noGrp="1"/>
+          </p:cNvSpPr>
+          <p:nvPr>
+            <p:ph idx="1"/>
+          </p:nvPr>
+        </p:nvSpPr>
+        <p:spPr/>
+        <p:txBody>
+          <a:bodyPr/>
+          <a:lstStyle/>
+          <a:p>
+            <a:r>
+              <a:rPr lang="en-US" dirty="0" smtClean="0"/>
+              <a:t>Existence of a strong architectural </a:t>
+            </a:r>
+            <a:r>
+              <a:rPr lang="en-US" dirty="0" smtClean="0"/>
+              <a:t>vision</a:t>
+            </a:r>
+          </a:p>
+          <a:p>
+            <a:r>
+              <a:rPr lang="en-US" dirty="0" smtClean="0"/>
+              <a:t>Application </a:t>
+            </a:r>
+            <a:r>
+              <a:rPr lang="en-US" dirty="0" smtClean="0"/>
+              <a:t>of a well-managed iterative and incremental development</a:t>
+            </a:r>
+            <a:br>
+              <a:rPr lang="en-US" dirty="0" smtClean="0"/>
+            </a:br>
+            <a:r>
+              <a:rPr lang="en-US" dirty="0" smtClean="0"/>
+              <a:t>lifecycle </a:t>
+            </a:r>
+            <a:br>
+              <a:rPr lang="en-US" dirty="0" smtClean="0"/>
+            </a:br>
+            <a:endParaRPr lang="en-US" dirty="0"/>
+          </a:p>
+        </p:txBody>
+      </p:sp>
+      <p:sp>
+        <p:nvSpPr>
+          <p:cNvPr id="4" name="TextBox 3"/>
+          <p:cNvSpPr txBox="1"/>
+          <p:nvPr/>
+        </p:nvSpPr>
+        <p:spPr>
+          <a:xfrm>
+            <a:off x="762000" y="6248400"/>
+            <a:ext cx="6679136" cy="523220"/>
+          </a:xfrm>
+          <a:prstGeom prst="rect">
+            <a:avLst/>
+          </a:prstGeom>
+          <a:noFill/>
+        </p:spPr>
+        <p:txBody>
+          <a:bodyPr wrap="none" rtlCol="0">
+            <a:spAutoFit/>
+          </a:bodyPr>
+          <a:lstStyle/>
+          <a:p>
+            <a:r>
+              <a:rPr lang="en-US" sz="1400" i="1" dirty="0" smtClean="0">
+                <a:solidFill>
+                  <a:schemeClr val="bg2"/>
+                </a:solidFill>
+              </a:rPr>
+              <a:t>Note - other </a:t>
+            </a:r>
+            <a:r>
+              <a:rPr lang="en-US" sz="1400" i="1" dirty="0" smtClean="0">
+                <a:solidFill>
+                  <a:schemeClr val="bg2"/>
+                </a:solidFill>
+              </a:rPr>
+              <a:t>traits of </a:t>
+            </a:r>
+            <a:r>
+              <a:rPr lang="en-US" sz="1400" i="1" dirty="0" smtClean="0">
+                <a:solidFill>
+                  <a:schemeClr val="bg2"/>
+                </a:solidFill>
+              </a:rPr>
+              <a:t>a successful </a:t>
+            </a:r>
+            <a:r>
+              <a:rPr lang="en-US" sz="1400" i="1" dirty="0" smtClean="0">
+                <a:solidFill>
+                  <a:schemeClr val="bg2"/>
+                </a:solidFill>
+              </a:rPr>
+              <a:t>projects </a:t>
+            </a:r>
+            <a:r>
+              <a:rPr lang="en-US" sz="1400" i="1" dirty="0" smtClean="0">
+                <a:solidFill>
+                  <a:schemeClr val="bg2"/>
+                </a:solidFill>
+              </a:rPr>
+              <a:t>– however, we focus on just two main principles</a:t>
+            </a:r>
+            <a:r>
+              <a:rPr lang="en-US" sz="1400" i="1" dirty="0" smtClean="0">
+                <a:solidFill>
+                  <a:schemeClr val="bg2"/>
+                </a:solidFill>
+              </a:rPr>
+              <a:t/>
+            </a:r>
+            <a:br>
+              <a:rPr lang="en-US" sz="1400" i="1" dirty="0" smtClean="0">
+                <a:solidFill>
+                  <a:schemeClr val="bg2"/>
+                </a:solidFill>
+              </a:rPr>
+            </a:br>
+            <a:endParaRPr lang="en-US" sz="1400" i="1" dirty="0">
+              <a:solidFill>
+                <a:schemeClr val="bg2"/>
+              </a:solidFill>
+            </a:endParaRPr>
+          </a:p>
+        </p:txBody>
+      </p:sp>
+    </p:spTree>
+  </p:cSld>
+  <p:clrMapOvr>
+    <a:masterClrMapping/>
+  </p:clrMapOvr>
+</p:sld>
+</file>
+
+<file path=ppt/slides/slide18.xml><?xml version="1.0" encoding="utf-8"?>
+<p:sld xmlns:a="http://schemas.openxmlformats.org/drawingml/2006/main" xmlns:r="http://schemas.openxmlformats.org/officeDocument/2006/relationships" xmlns:p="http://schemas.openxmlformats.org/presentationml/2006/main">
+  <p:cSld>
+    <p:spTree>
+      <p:nvGrpSpPr>
+        <p:cNvPr id="1" name=""/>
+        <p:cNvGrpSpPr/>
+        <p:nvPr/>
+      </p:nvGrpSpPr>
+      <p:grpSpPr>
+        <a:xfrm>
+          <a:off x="0" y="0"/>
+          <a:ext cx="0" cy="0"/>
+          <a:chOff x="0" y="0"/>
+          <a:chExt cx="0" cy="0"/>
+        </a:xfrm>
+      </p:grpSpPr>
+      <p:sp>
+        <p:nvSpPr>
+          <p:cNvPr id="2" name="Title 1"/>
+          <p:cNvSpPr>
+            <a:spLocks noGrp="1"/>
+          </p:cNvSpPr>
+          <p:nvPr>
+            <p:ph type="title"/>
+          </p:nvPr>
+        </p:nvSpPr>
+        <p:spPr/>
+        <p:txBody>
+          <a:bodyPr/>
+          <a:lstStyle/>
+          <a:p>
+            <a:r>
+              <a:rPr lang="en-US" b="1" i="1" dirty="0" smtClean="0"/>
+              <a:t>Strong Architectural Vision</a:t>
+            </a:r>
+            <a:r>
+              <a:rPr lang="en-US" dirty="0" smtClean="0"/>
+              <a:t> </a:t>
+            </a:r>
+            <a:endParaRPr lang="en-US" dirty="0"/>
+          </a:p>
+        </p:txBody>
+      </p:sp>
+      <p:sp>
+        <p:nvSpPr>
+          <p:cNvPr id="3" name="Content Placeholder 2"/>
+          <p:cNvSpPr>
+            <a:spLocks noGrp="1"/>
+          </p:cNvSpPr>
+          <p:nvPr>
+            <p:ph idx="1"/>
+          </p:nvPr>
+        </p:nvSpPr>
+        <p:spPr/>
+        <p:txBody>
+          <a:bodyPr/>
+          <a:lstStyle/>
+          <a:p>
+            <a:r>
+              <a:rPr lang="en-US" dirty="0" smtClean="0"/>
+              <a:t>Fundamental </a:t>
+            </a:r>
+            <a:r>
+              <a:rPr lang="en-US" dirty="0" smtClean="0"/>
+              <a:t>organization of a system embodied in its components, their </a:t>
+            </a:r>
+            <a:r>
+              <a:rPr lang="en-US" dirty="0" smtClean="0"/>
+              <a:t>relationships to </a:t>
+            </a:r>
+            <a:r>
+              <a:rPr lang="en-US" dirty="0" smtClean="0"/>
+              <a:t>each other, and to the environment, and the principles guiding its design </a:t>
+            </a:r>
+            <a:r>
+              <a:rPr lang="en-US" dirty="0" smtClean="0"/>
+              <a:t>and evolution </a:t>
+            </a:r>
+          </a:p>
+          <a:p>
+            <a:r>
+              <a:rPr lang="en-US" dirty="0" smtClean="0"/>
+              <a:t>Conceptual </a:t>
+            </a:r>
+            <a:r>
+              <a:rPr lang="en-US" dirty="0" smtClean="0"/>
+              <a:t>integrity </a:t>
+            </a:r>
+            <a:endParaRPr lang="en-US" dirty="0" smtClean="0"/>
+          </a:p>
+          <a:p>
+            <a:r>
+              <a:rPr lang="en-US" dirty="0" smtClean="0"/>
+              <a:t>Clean </a:t>
+            </a:r>
+            <a:r>
+              <a:rPr lang="en-US" dirty="0" smtClean="0"/>
+              <a:t>internal structure </a:t>
+            </a:r>
+            <a:endParaRPr lang="en-US" dirty="0" smtClean="0"/>
+          </a:p>
+          <a:p>
+            <a:pPr lvl="1"/>
+            <a:r>
+              <a:rPr lang="en-US" dirty="0" smtClean="0"/>
+              <a:t>Understandability</a:t>
+            </a:r>
+            <a:r>
+              <a:rPr lang="en-US" dirty="0" smtClean="0"/>
+              <a:t/>
+            </a:r>
+            <a:br>
+              <a:rPr lang="en-US" dirty="0" smtClean="0"/>
+            </a:br>
+            <a:r>
+              <a:rPr lang="en-US" dirty="0" smtClean="0"/>
+              <a:t> </a:t>
+            </a:r>
+            <a:br>
+              <a:rPr lang="en-US" dirty="0" smtClean="0"/>
+            </a:br>
+            <a:r>
+              <a:rPr lang="en-US" dirty="0" smtClean="0"/>
+              <a:t> </a:t>
+            </a:r>
+            <a:br>
+              <a:rPr lang="en-US" dirty="0" smtClean="0"/>
+            </a:br>
+            <a:endParaRPr lang="en-US" dirty="0"/>
+          </a:p>
+        </p:txBody>
+      </p:sp>
+    </p:spTree>
+  </p:cSld>
+  <p:clrMapOvr>
+    <a:masterClrMapping/>
+  </p:clrMapOvr>
+</p:sld>
+</file>
+
+<file path=ppt/slides/slide19.xml><?xml version="1.0" encoding="utf-8"?>
+<p:sld xmlns:a="http://schemas.openxmlformats.org/drawingml/2006/main" xmlns:r="http://schemas.openxmlformats.org/officeDocument/2006/relationships" xmlns:p="http://schemas.openxmlformats.org/presentationml/2006/main">
+  <p:cSld>
+    <p:spTree>
+      <p:nvGrpSpPr>
+        <p:cNvPr id="1" name=""/>
+        <p:cNvGrpSpPr/>
+        <p:nvPr/>
+      </p:nvGrpSpPr>
+      <p:grpSpPr>
+        <a:xfrm>
+          <a:off x="0" y="0"/>
+          <a:ext cx="0" cy="0"/>
+          <a:chOff x="0" y="0"/>
+          <a:chExt cx="0" cy="0"/>
+        </a:xfrm>
+      </p:grpSpPr>
+      <p:sp>
+        <p:nvSpPr>
+          <p:cNvPr id="2" name="Title 1"/>
+          <p:cNvSpPr>
+            <a:spLocks noGrp="1"/>
+          </p:cNvSpPr>
+          <p:nvPr>
+            <p:ph type="title"/>
+          </p:nvPr>
+        </p:nvSpPr>
+        <p:spPr>
+          <a:xfrm>
+            <a:off x="685800" y="381000"/>
+            <a:ext cx="7772400" cy="1143000"/>
+          </a:xfrm>
+        </p:spPr>
+        <p:txBody>
+          <a:bodyPr/>
+          <a:lstStyle/>
+          <a:p>
+            <a:r>
+              <a:rPr lang="en-US" dirty="0" smtClean="0"/>
+              <a:t>Attributes of </a:t>
+            </a:r>
+            <a:r>
+              <a:rPr lang="en-US" dirty="0" smtClean="0"/>
+              <a:t>Good software </a:t>
+            </a:r>
+            <a:r>
+              <a:rPr lang="en-US" dirty="0" smtClean="0"/>
+              <a:t>Architectures </a:t>
+            </a:r>
+            <a:endParaRPr lang="en-US" dirty="0"/>
+          </a:p>
+        </p:txBody>
+      </p:sp>
+      <p:sp>
+        <p:nvSpPr>
+          <p:cNvPr id="3" name="Content Placeholder 2"/>
+          <p:cNvSpPr>
+            <a:spLocks noGrp="1"/>
+          </p:cNvSpPr>
+          <p:nvPr>
+            <p:ph idx="1"/>
+          </p:nvPr>
+        </p:nvSpPr>
+        <p:spPr>
+          <a:xfrm>
+            <a:off x="533400" y="1676400"/>
+            <a:ext cx="7924800" cy="4800600"/>
+          </a:xfrm>
+        </p:spPr>
+        <p:txBody>
+          <a:bodyPr>
+            <a:normAutofit fontScale="85000" lnSpcReduction="20000"/>
+          </a:bodyPr>
+          <a:lstStyle/>
+          <a:p>
+            <a:r>
+              <a:rPr lang="en-US" dirty="0" smtClean="0"/>
+              <a:t>Well-defined </a:t>
+            </a:r>
+            <a:r>
+              <a:rPr lang="en-US" dirty="0" smtClean="0"/>
+              <a:t>layers of </a:t>
+            </a:r>
+            <a:r>
+              <a:rPr lang="en-US" dirty="0" smtClean="0"/>
+              <a:t>abstraction</a:t>
+            </a:r>
+          </a:p>
+          <a:p>
+            <a:pPr lvl="1"/>
+            <a:r>
+              <a:rPr lang="en-US" dirty="0" smtClean="0"/>
+              <a:t>Each </a:t>
+            </a:r>
+            <a:r>
+              <a:rPr lang="en-US" dirty="0" smtClean="0"/>
+              <a:t>layer representing a coherent </a:t>
+            </a:r>
+            <a:r>
+              <a:rPr lang="en-US" dirty="0" smtClean="0"/>
+              <a:t>abstraction</a:t>
+            </a:r>
+          </a:p>
+          <a:p>
+            <a:pPr lvl="1"/>
+            <a:r>
+              <a:rPr lang="en-US" dirty="0" smtClean="0"/>
+              <a:t>Provides well-defined </a:t>
+            </a:r>
+            <a:r>
+              <a:rPr lang="en-US" dirty="0" smtClean="0"/>
+              <a:t>and controlled </a:t>
+            </a:r>
+            <a:r>
+              <a:rPr lang="en-US" dirty="0" smtClean="0"/>
+              <a:t>interface</a:t>
+            </a:r>
+          </a:p>
+          <a:p>
+            <a:pPr lvl="1"/>
+            <a:r>
+              <a:rPr lang="en-US" dirty="0" smtClean="0"/>
+              <a:t>Built </a:t>
+            </a:r>
+            <a:r>
+              <a:rPr lang="en-US" dirty="0" smtClean="0"/>
+              <a:t>on </a:t>
+            </a:r>
+            <a:r>
+              <a:rPr lang="en-US" dirty="0" smtClean="0"/>
+              <a:t>well-defined </a:t>
+            </a:r>
+            <a:r>
+              <a:rPr lang="en-US" dirty="0" smtClean="0"/>
+              <a:t>and controlled facilities</a:t>
+            </a:r>
+            <a:br>
+              <a:rPr lang="en-US" dirty="0" smtClean="0"/>
+            </a:br>
+            <a:r>
+              <a:rPr lang="en-US" dirty="0" smtClean="0"/>
+              <a:t>at lower levels of </a:t>
+            </a:r>
+            <a:r>
+              <a:rPr lang="en-US" dirty="0" smtClean="0"/>
+              <a:t>abstraction</a:t>
+            </a:r>
+          </a:p>
+          <a:p>
+            <a:r>
+              <a:rPr lang="en-US" dirty="0" smtClean="0"/>
+              <a:t>Clear </a:t>
+            </a:r>
+            <a:r>
+              <a:rPr lang="en-US" dirty="0" smtClean="0"/>
+              <a:t>separation of concerns between the interface and implementation of each </a:t>
+            </a:r>
+            <a:r>
+              <a:rPr lang="en-US" dirty="0" smtClean="0"/>
+              <a:t>layer</a:t>
+            </a:r>
+          </a:p>
+          <a:p>
+            <a:pPr lvl="1"/>
+            <a:r>
+              <a:rPr lang="en-US" dirty="0" smtClean="0"/>
+              <a:t>Makes </a:t>
+            </a:r>
+            <a:r>
+              <a:rPr lang="en-US" dirty="0" smtClean="0"/>
+              <a:t>it possible to change the implementation of </a:t>
+            </a:r>
+            <a:r>
+              <a:rPr lang="en-US" dirty="0" smtClean="0"/>
+              <a:t>a layer </a:t>
+            </a:r>
+            <a:r>
+              <a:rPr lang="en-US" dirty="0" smtClean="0"/>
+              <a:t>without violating the assumptions made by its </a:t>
+            </a:r>
+            <a:r>
+              <a:rPr lang="en-US" dirty="0" smtClean="0"/>
+              <a:t>clients</a:t>
+            </a:r>
+          </a:p>
+          <a:p>
+            <a:r>
+              <a:rPr lang="en-US" dirty="0" smtClean="0"/>
+              <a:t>Architecture </a:t>
+            </a:r>
+            <a:r>
+              <a:rPr lang="en-US" dirty="0" smtClean="0"/>
+              <a:t>is </a:t>
+            </a:r>
+            <a:r>
+              <a:rPr lang="en-US" dirty="0" smtClean="0"/>
+              <a:t>simple</a:t>
+            </a:r>
+          </a:p>
+          <a:p>
+            <a:pPr lvl="1"/>
+            <a:r>
+              <a:rPr lang="en-US" dirty="0" smtClean="0"/>
+              <a:t>Common </a:t>
+            </a:r>
+            <a:r>
+              <a:rPr lang="en-US" dirty="0" smtClean="0"/>
+              <a:t>behavior is achieved through common</a:t>
+            </a:r>
+            <a:br>
+              <a:rPr lang="en-US" dirty="0" smtClean="0"/>
+            </a:br>
+            <a:r>
+              <a:rPr lang="en-US" dirty="0" smtClean="0"/>
+              <a:t>abstractions and common mechanisms </a:t>
+            </a:r>
+            <a:endParaRPr lang="en-US" dirty="0"/>
+          </a:p>
+        </p:txBody>
+      </p:sp>
+    </p:spTree>
+  </p:cSld>
+  <p:clrMapOvr>
+    <a:masterClrMapping/>
+  </p:clrMapOvr>
+</p:sld>
+</file>
+
 <file path=ppt/slides/slide2.xml><?xml version="1.0" encoding="utf-8"?>
 <p:sld xmlns:a="http://schemas.openxmlformats.org/drawingml/2006/main" xmlns:r="http://schemas.openxmlformats.org/officeDocument/2006/relationships" xmlns:p="http://schemas.openxmlformats.org/presentationml/2006/main">
   <p:cSld>
@@ -3929,9 +5923,45 @@
           <a:p>
             <a:pPr eaLnBrk="1" hangingPunct="1"/>
             <a:r>
-              <a:rPr lang="en-US" altLang="en-US" smtClean="0"/>
-              <a:t>What do we mean by Processes?</a:t>
-            </a:r>
+              <a:rPr lang="en-US" altLang="en-US" dirty="0" smtClean="0"/>
+              <a:t>Review</a:t>
+            </a:r>
+          </a:p>
+          <a:p>
+            <a:pPr eaLnBrk="1" hangingPunct="1"/>
+            <a:r>
+              <a:rPr lang="en-US" altLang="en-US" dirty="0" smtClean="0"/>
+              <a:t>What are Processes?</a:t>
+            </a:r>
+          </a:p>
+          <a:p>
+            <a:pPr eaLnBrk="1" hangingPunct="1"/>
+            <a:r>
+              <a:rPr lang="en-US" altLang="en-US" dirty="0" smtClean="0"/>
+              <a:t>Why are they important in Object Orientated Analysis and Design</a:t>
+            </a:r>
+          </a:p>
+          <a:p>
+            <a:pPr eaLnBrk="1" hangingPunct="1"/>
+            <a:r>
+              <a:rPr lang="en-GB" dirty="0" smtClean="0"/>
+              <a:t>Conclusion and Discussion</a:t>
+            </a:r>
+          </a:p>
+          <a:p>
+            <a:pPr eaLnBrk="1" hangingPunct="1"/>
+            <a:r>
+              <a:rPr lang="en-GB" dirty="0" smtClean="0"/>
+              <a:t>Summary</a:t>
+            </a:r>
+          </a:p>
+          <a:p>
+            <a:pPr eaLnBrk="1" hangingPunct="1"/>
+            <a:endParaRPr lang="en-US" altLang="en-US" dirty="0" smtClean="0"/>
+          </a:p>
+          <a:p>
+            <a:pPr eaLnBrk="1" hangingPunct="1"/>
+            <a:endParaRPr lang="en-US" altLang="en-US" dirty="0" smtClean="0"/>
           </a:p>
         </p:txBody>
       </p:sp>
@@ -3947,6 +5977,990 @@
       </p:par>
     </p:tnLst>
   </p:timing>
+</p:sld>
+</file>
+
+<file path=ppt/slides/slide20.xml><?xml version="1.0" encoding="utf-8"?>
+<p:sld xmlns:a="http://schemas.openxmlformats.org/drawingml/2006/main" xmlns:r="http://schemas.openxmlformats.org/officeDocument/2006/relationships" xmlns:p="http://schemas.openxmlformats.org/presentationml/2006/main">
+  <p:cSld>
+    <p:spTree>
+      <p:nvGrpSpPr>
+        <p:cNvPr id="1" name=""/>
+        <p:cNvGrpSpPr/>
+        <p:nvPr/>
+      </p:nvGrpSpPr>
+      <p:grpSpPr>
+        <a:xfrm>
+          <a:off x="0" y="0"/>
+          <a:ext cx="0" cy="0"/>
+          <a:chOff x="0" y="0"/>
+          <a:chExt cx="0" cy="0"/>
+        </a:xfrm>
+      </p:grpSpPr>
+      <p:sp>
+        <p:nvSpPr>
+          <p:cNvPr id="2" name="Title 1"/>
+          <p:cNvSpPr>
+            <a:spLocks noGrp="1"/>
+          </p:cNvSpPr>
+          <p:nvPr>
+            <p:ph type="title"/>
+          </p:nvPr>
+        </p:nvSpPr>
+        <p:spPr>
+          <a:xfrm>
+            <a:off x="685800" y="228600"/>
+            <a:ext cx="7772400" cy="1143000"/>
+          </a:xfrm>
+        </p:spPr>
+        <p:txBody>
+          <a:bodyPr/>
+          <a:lstStyle/>
+          <a:p>
+            <a:r>
+              <a:rPr lang="en-US" b="1" i="1" dirty="0" smtClean="0"/>
+              <a:t>Iterative and Incremental Lifecycle</a:t>
+            </a:r>
+            <a:r>
+              <a:rPr lang="en-US" dirty="0" smtClean="0"/>
+              <a:t> </a:t>
+            </a:r>
+            <a:endParaRPr lang="en-US" dirty="0"/>
+          </a:p>
+        </p:txBody>
+      </p:sp>
+      <p:sp>
+        <p:nvSpPr>
+          <p:cNvPr id="3" name="Content Placeholder 2"/>
+          <p:cNvSpPr>
+            <a:spLocks noGrp="1"/>
+          </p:cNvSpPr>
+          <p:nvPr>
+            <p:ph idx="1"/>
+          </p:nvPr>
+        </p:nvSpPr>
+        <p:spPr/>
+        <p:txBody>
+          <a:bodyPr/>
+          <a:lstStyle/>
+          <a:p>
+            <a:endParaRPr lang="en-US"/>
+          </a:p>
+        </p:txBody>
+      </p:sp>
+      <p:pic>
+        <p:nvPicPr>
+          <p:cNvPr id="12291" name="Picture 3"/>
+          <p:cNvPicPr>
+            <a:picLocks noChangeAspect="1" noChangeArrowheads="1"/>
+          </p:cNvPicPr>
+          <p:nvPr/>
+        </p:nvPicPr>
+        <p:blipFill>
+          <a:blip r:embed="rId2"/>
+          <a:srcRect/>
+          <a:stretch>
+            <a:fillRect/>
+          </a:stretch>
+        </p:blipFill>
+        <p:spPr bwMode="auto">
+          <a:xfrm>
+            <a:off x="1371600" y="1495803"/>
+            <a:ext cx="6248400" cy="5133597"/>
+          </a:xfrm>
+          <a:prstGeom prst="rect">
+            <a:avLst/>
+          </a:prstGeom>
+          <a:noFill/>
+          <a:ln w="9525">
+            <a:noFill/>
+            <a:miter lim="800000"/>
+            <a:headEnd/>
+            <a:tailEnd/>
+          </a:ln>
+          <a:effectLst/>
+        </p:spPr>
+      </p:pic>
+    </p:spTree>
+  </p:cSld>
+  <p:clrMapOvr>
+    <a:masterClrMapping/>
+  </p:clrMapOvr>
+</p:sld>
+</file>
+
+<file path=ppt/slides/slide21.xml><?xml version="1.0" encoding="utf-8"?>
+<p:sld xmlns:a="http://schemas.openxmlformats.org/drawingml/2006/main" xmlns:r="http://schemas.openxmlformats.org/officeDocument/2006/relationships" xmlns:p="http://schemas.openxmlformats.org/presentationml/2006/main">
+  <p:cSld>
+    <p:spTree>
+      <p:nvGrpSpPr>
+        <p:cNvPr id="1" name=""/>
+        <p:cNvGrpSpPr/>
+        <p:nvPr/>
+      </p:nvGrpSpPr>
+      <p:grpSpPr>
+        <a:xfrm>
+          <a:off x="0" y="0"/>
+          <a:ext cx="0" cy="0"/>
+          <a:chOff x="0" y="0"/>
+          <a:chExt cx="0" cy="0"/>
+        </a:xfrm>
+      </p:grpSpPr>
+      <p:sp>
+        <p:nvSpPr>
+          <p:cNvPr id="2" name="Title 1"/>
+          <p:cNvSpPr>
+            <a:spLocks noGrp="1"/>
+          </p:cNvSpPr>
+          <p:nvPr>
+            <p:ph type="title"/>
+          </p:nvPr>
+        </p:nvSpPr>
+        <p:spPr/>
+        <p:txBody>
+          <a:bodyPr/>
+          <a:lstStyle/>
+          <a:p>
+            <a:r>
+              <a:rPr lang="en-US" b="1" dirty="0" smtClean="0"/>
+              <a:t>Incremental Approach</a:t>
+            </a:r>
+            <a:endParaRPr lang="en-US" dirty="0"/>
+          </a:p>
+        </p:txBody>
+      </p:sp>
+      <p:sp>
+        <p:nvSpPr>
+          <p:cNvPr id="3" name="Content Placeholder 2"/>
+          <p:cNvSpPr>
+            <a:spLocks noGrp="1"/>
+          </p:cNvSpPr>
+          <p:nvPr>
+            <p:ph idx="1"/>
+          </p:nvPr>
+        </p:nvSpPr>
+        <p:spPr/>
+        <p:txBody>
+          <a:bodyPr/>
+          <a:lstStyle/>
+          <a:p>
+            <a:r>
+              <a:rPr lang="en-US" dirty="0" smtClean="0"/>
+              <a:t>The </a:t>
+            </a:r>
+            <a:r>
+              <a:rPr lang="en-US" b="1" dirty="0" smtClean="0"/>
+              <a:t>Incremental Approach</a:t>
+            </a:r>
+            <a:r>
+              <a:rPr lang="en-US" dirty="0" smtClean="0"/>
+              <a:t> uses a set number of steps and development goes from start to finish in a linear path of progression.</a:t>
+            </a:r>
+            <a:endParaRPr lang="en-US" dirty="0"/>
+          </a:p>
+        </p:txBody>
+      </p:sp>
+    </p:spTree>
+  </p:cSld>
+  <p:clrMapOvr>
+    <a:masterClrMapping/>
+  </p:clrMapOvr>
+</p:sld>
+</file>
+
+<file path=ppt/slides/slide22.xml><?xml version="1.0" encoding="utf-8"?>
+<p:sld xmlns:a="http://schemas.openxmlformats.org/drawingml/2006/main" xmlns:r="http://schemas.openxmlformats.org/officeDocument/2006/relationships" xmlns:p="http://schemas.openxmlformats.org/presentationml/2006/main">
+  <p:cSld>
+    <p:spTree>
+      <p:nvGrpSpPr>
+        <p:cNvPr id="1" name=""/>
+        <p:cNvGrpSpPr/>
+        <p:nvPr/>
+      </p:nvGrpSpPr>
+      <p:grpSpPr>
+        <a:xfrm>
+          <a:off x="0" y="0"/>
+          <a:ext cx="0" cy="0"/>
+          <a:chOff x="0" y="0"/>
+          <a:chExt cx="0" cy="0"/>
+        </a:xfrm>
+      </p:grpSpPr>
+      <p:sp>
+        <p:nvSpPr>
+          <p:cNvPr id="2" name="Title 1"/>
+          <p:cNvSpPr>
+            <a:spLocks noGrp="1"/>
+          </p:cNvSpPr>
+          <p:nvPr>
+            <p:ph type="title"/>
+          </p:nvPr>
+        </p:nvSpPr>
+        <p:spPr/>
+        <p:txBody>
+          <a:bodyPr/>
+          <a:lstStyle/>
+          <a:p>
+            <a:r>
+              <a:rPr lang="en-US" dirty="0" smtClean="0"/>
+              <a:t>Incremental</a:t>
+            </a:r>
+            <a:endParaRPr lang="en-US" dirty="0"/>
+          </a:p>
+        </p:txBody>
+      </p:sp>
+      <p:sp>
+        <p:nvSpPr>
+          <p:cNvPr id="3" name="Content Placeholder 2"/>
+          <p:cNvSpPr>
+            <a:spLocks noGrp="1"/>
+          </p:cNvSpPr>
+          <p:nvPr>
+            <p:ph idx="1"/>
+          </p:nvPr>
+        </p:nvSpPr>
+        <p:spPr/>
+        <p:txBody>
+          <a:bodyPr/>
+          <a:lstStyle/>
+          <a:p>
+            <a:r>
+              <a:rPr lang="en-US" dirty="0" smtClean="0"/>
+              <a:t>Incremental development is done in steps from design, implementation, testing/verification, maintenance. These can be broken down further into sub-steps but most incremental models follow that same pattern. The </a:t>
+            </a:r>
+            <a:r>
+              <a:rPr lang="en-US" b="1" dirty="0" smtClean="0">
+                <a:hlinkClick r:id="rId2"/>
+              </a:rPr>
+              <a:t>Waterfall Model</a:t>
+            </a:r>
+            <a:r>
+              <a:rPr lang="en-US" dirty="0" smtClean="0"/>
+              <a:t> is a traditional incremental development approach.</a:t>
+            </a:r>
+            <a:endParaRPr lang="en-US" dirty="0"/>
+          </a:p>
+        </p:txBody>
+      </p:sp>
+    </p:spTree>
+  </p:cSld>
+  <p:clrMapOvr>
+    <a:masterClrMapping/>
+  </p:clrMapOvr>
+</p:sld>
+</file>
+
+<file path=ppt/slides/slide23.xml><?xml version="1.0" encoding="utf-8"?>
+<p:sld xmlns:a="http://schemas.openxmlformats.org/drawingml/2006/main" xmlns:r="http://schemas.openxmlformats.org/officeDocument/2006/relationships" xmlns:p="http://schemas.openxmlformats.org/presentationml/2006/main">
+  <p:cSld>
+    <p:spTree>
+      <p:nvGrpSpPr>
+        <p:cNvPr id="1" name=""/>
+        <p:cNvGrpSpPr/>
+        <p:nvPr/>
+      </p:nvGrpSpPr>
+      <p:grpSpPr>
+        <a:xfrm>
+          <a:off x="0" y="0"/>
+          <a:ext cx="0" cy="0"/>
+          <a:chOff x="0" y="0"/>
+          <a:chExt cx="0" cy="0"/>
+        </a:xfrm>
+      </p:grpSpPr>
+      <p:sp>
+        <p:nvSpPr>
+          <p:cNvPr id="2" name="Title 1"/>
+          <p:cNvSpPr>
+            <a:spLocks noGrp="1"/>
+          </p:cNvSpPr>
+          <p:nvPr>
+            <p:ph type="title"/>
+          </p:nvPr>
+        </p:nvSpPr>
+        <p:spPr/>
+        <p:txBody>
+          <a:bodyPr/>
+          <a:lstStyle/>
+          <a:p>
+            <a:r>
+              <a:rPr lang="en-US" b="1" dirty="0" smtClean="0"/>
+              <a:t>Iterative Approach</a:t>
+            </a:r>
+            <a:endParaRPr lang="en-US" b="1" dirty="0"/>
+          </a:p>
+        </p:txBody>
+      </p:sp>
+      <p:sp>
+        <p:nvSpPr>
+          <p:cNvPr id="3" name="Content Placeholder 2"/>
+          <p:cNvSpPr>
+            <a:spLocks noGrp="1"/>
+          </p:cNvSpPr>
+          <p:nvPr>
+            <p:ph idx="1"/>
+          </p:nvPr>
+        </p:nvSpPr>
+        <p:spPr/>
+        <p:txBody>
+          <a:bodyPr/>
+          <a:lstStyle/>
+          <a:p>
+            <a:r>
+              <a:rPr lang="en-US" b="1" dirty="0" smtClean="0"/>
+              <a:t>Iterative Approach</a:t>
+            </a:r>
+            <a:r>
+              <a:rPr lang="en-US" dirty="0" smtClean="0"/>
+              <a:t> has no set number of steps, rather development is done in cycles</a:t>
+            </a:r>
+            <a:endParaRPr lang="en-US" dirty="0"/>
+          </a:p>
+        </p:txBody>
+      </p:sp>
+    </p:spTree>
+  </p:cSld>
+  <p:clrMapOvr>
+    <a:masterClrMapping/>
+  </p:clrMapOvr>
+</p:sld>
+</file>
+
+<file path=ppt/slides/slide24.xml><?xml version="1.0" encoding="utf-8"?>
+<p:sld xmlns:a="http://schemas.openxmlformats.org/drawingml/2006/main" xmlns:r="http://schemas.openxmlformats.org/officeDocument/2006/relationships" xmlns:p="http://schemas.openxmlformats.org/presentationml/2006/main">
+  <p:cSld>
+    <p:spTree>
+      <p:nvGrpSpPr>
+        <p:cNvPr id="1" name=""/>
+        <p:cNvGrpSpPr/>
+        <p:nvPr/>
+      </p:nvGrpSpPr>
+      <p:grpSpPr>
+        <a:xfrm>
+          <a:off x="0" y="0"/>
+          <a:ext cx="0" cy="0"/>
+          <a:chOff x="0" y="0"/>
+          <a:chExt cx="0" cy="0"/>
+        </a:xfrm>
+      </p:grpSpPr>
+      <p:sp>
+        <p:nvSpPr>
+          <p:cNvPr id="2" name="Title 1"/>
+          <p:cNvSpPr>
+            <a:spLocks noGrp="1"/>
+          </p:cNvSpPr>
+          <p:nvPr>
+            <p:ph type="title"/>
+          </p:nvPr>
+        </p:nvSpPr>
+        <p:spPr/>
+        <p:txBody>
+          <a:bodyPr/>
+          <a:lstStyle/>
+          <a:p>
+            <a:r>
+              <a:rPr lang="en-US" dirty="0" smtClean="0"/>
+              <a:t>Iterative</a:t>
+            </a:r>
+            <a:endParaRPr lang="en-US" dirty="0"/>
+          </a:p>
+        </p:txBody>
+      </p:sp>
+      <p:sp>
+        <p:nvSpPr>
+          <p:cNvPr id="3" name="Content Placeholder 2"/>
+          <p:cNvSpPr>
+            <a:spLocks noGrp="1"/>
+          </p:cNvSpPr>
+          <p:nvPr>
+            <p:ph idx="1"/>
+          </p:nvPr>
+        </p:nvSpPr>
+        <p:spPr/>
+        <p:txBody>
+          <a:bodyPr/>
+          <a:lstStyle/>
+          <a:p>
+            <a:r>
+              <a:rPr lang="en-US" dirty="0" smtClean="0"/>
+              <a:t>Iterative development is less concerned with tracking the progress of individual features. Instead, focus is put on creating a working prototype first and adding features in development cycles where the Increment Development steps are done for every cycle. </a:t>
+            </a:r>
+            <a:r>
+              <a:rPr lang="en-US" b="1" dirty="0" smtClean="0">
+                <a:hlinkClick r:id="rId2"/>
+              </a:rPr>
+              <a:t>Agile Modeling</a:t>
+            </a:r>
+            <a:r>
+              <a:rPr lang="en-US" dirty="0" smtClean="0"/>
+              <a:t> is a typical iterative approach.</a:t>
+            </a:r>
+            <a:endParaRPr lang="en-US" dirty="0"/>
+          </a:p>
+        </p:txBody>
+      </p:sp>
+    </p:spTree>
+  </p:cSld>
+  <p:clrMapOvr>
+    <a:masterClrMapping/>
+  </p:clrMapOvr>
+</p:sld>
+</file>
+
+<file path=ppt/slides/slide25.xml><?xml version="1.0" encoding="utf-8"?>
+<p:sld xmlns:a="http://schemas.openxmlformats.org/drawingml/2006/main" xmlns:r="http://schemas.openxmlformats.org/officeDocument/2006/relationships" xmlns:p="http://schemas.openxmlformats.org/presentationml/2006/main">
+  <p:cSld>
+    <p:spTree>
+      <p:nvGrpSpPr>
+        <p:cNvPr id="1" name=""/>
+        <p:cNvGrpSpPr/>
+        <p:nvPr/>
+      </p:nvGrpSpPr>
+      <p:grpSpPr>
+        <a:xfrm>
+          <a:off x="0" y="0"/>
+          <a:ext cx="0" cy="0"/>
+          <a:chOff x="0" y="0"/>
+          <a:chExt cx="0" cy="0"/>
+        </a:xfrm>
+      </p:grpSpPr>
+      <p:sp>
+        <p:nvSpPr>
+          <p:cNvPr id="2" name="Title 1"/>
+          <p:cNvSpPr>
+            <a:spLocks noGrp="1"/>
+          </p:cNvSpPr>
+          <p:nvPr>
+            <p:ph type="title"/>
+          </p:nvPr>
+        </p:nvSpPr>
+        <p:spPr/>
+        <p:txBody>
+          <a:bodyPr/>
+          <a:lstStyle/>
+          <a:p>
+            <a:r>
+              <a:rPr lang="en-US" dirty="0" smtClean="0"/>
+              <a:t>Analogy of </a:t>
+            </a:r>
+            <a:br>
+              <a:rPr lang="en-US" dirty="0" smtClean="0"/>
+            </a:br>
+            <a:r>
+              <a:rPr lang="en-US" dirty="0" smtClean="0"/>
+              <a:t>Incremental </a:t>
+            </a:r>
+            <a:r>
+              <a:rPr lang="en-US" dirty="0" err="1" smtClean="0"/>
+              <a:t>vs</a:t>
+            </a:r>
+            <a:r>
+              <a:rPr lang="en-US" dirty="0" smtClean="0"/>
+              <a:t> Iterative</a:t>
+            </a:r>
+            <a:endParaRPr lang="en-US" dirty="0"/>
+          </a:p>
+        </p:txBody>
+      </p:sp>
+      <p:sp>
+        <p:nvSpPr>
+          <p:cNvPr id="3" name="Content Placeholder 2"/>
+          <p:cNvSpPr>
+            <a:spLocks noGrp="1"/>
+          </p:cNvSpPr>
+          <p:nvPr>
+            <p:ph idx="1"/>
+          </p:nvPr>
+        </p:nvSpPr>
+        <p:spPr/>
+        <p:txBody>
+          <a:bodyPr/>
+          <a:lstStyle/>
+          <a:p>
+            <a:r>
+              <a:rPr lang="en-US" b="1" dirty="0" smtClean="0"/>
+              <a:t>If you were writing an essay under the Incremental Model, you'd attempt to write it perfectly from start to finish one sentence at </a:t>
+            </a:r>
+            <a:r>
+              <a:rPr lang="en-US" b="1" dirty="0" err="1" smtClean="0"/>
+              <a:t>at</a:t>
+            </a:r>
+            <a:r>
+              <a:rPr lang="en-US" b="1" dirty="0" smtClean="0"/>
+              <a:t> time. If you wrote it under the Iterative Model, you'd bang out a quick rough draft and work to improve it through a set of revision </a:t>
+            </a:r>
+            <a:r>
+              <a:rPr lang="en-US" b="1" dirty="0" smtClean="0"/>
+              <a:t>phases</a:t>
+            </a:r>
+            <a:endParaRPr lang="en-US" dirty="0"/>
+          </a:p>
+        </p:txBody>
+      </p:sp>
+    </p:spTree>
+  </p:cSld>
+  <p:clrMapOvr>
+    <a:masterClrMapping/>
+  </p:clrMapOvr>
+</p:sld>
+</file>
+
+<file path=ppt/slides/slide26.xml><?xml version="1.0" encoding="utf-8"?>
+<p:sld xmlns:a="http://schemas.openxmlformats.org/drawingml/2006/main" xmlns:r="http://schemas.openxmlformats.org/officeDocument/2006/relationships" xmlns:p="http://schemas.openxmlformats.org/presentationml/2006/main">
+  <p:cSld>
+    <p:spTree>
+      <p:nvGrpSpPr>
+        <p:cNvPr id="1" name=""/>
+        <p:cNvGrpSpPr/>
+        <p:nvPr/>
+      </p:nvGrpSpPr>
+      <p:grpSpPr>
+        <a:xfrm>
+          <a:off x="0" y="0"/>
+          <a:ext cx="0" cy="0"/>
+          <a:chOff x="0" y="0"/>
+          <a:chExt cx="0" cy="0"/>
+        </a:xfrm>
+      </p:grpSpPr>
+      <p:sp>
+        <p:nvSpPr>
+          <p:cNvPr id="2" name="Title 1"/>
+          <p:cNvSpPr>
+            <a:spLocks noGrp="1"/>
+          </p:cNvSpPr>
+          <p:nvPr>
+            <p:ph type="title"/>
+          </p:nvPr>
+        </p:nvSpPr>
+        <p:spPr/>
+        <p:txBody>
+          <a:bodyPr/>
+          <a:lstStyle/>
+          <a:p>
+            <a:r>
+              <a:rPr lang="en-US" dirty="0" smtClean="0"/>
+              <a:t>Question</a:t>
+            </a:r>
+            <a:endParaRPr lang="en-US" dirty="0"/>
+          </a:p>
+        </p:txBody>
+      </p:sp>
+      <p:sp>
+        <p:nvSpPr>
+          <p:cNvPr id="3" name="Content Placeholder 2"/>
+          <p:cNvSpPr>
+            <a:spLocks noGrp="1"/>
+          </p:cNvSpPr>
+          <p:nvPr>
+            <p:ph idx="1"/>
+          </p:nvPr>
+        </p:nvSpPr>
+        <p:spPr/>
+        <p:txBody>
+          <a:bodyPr/>
+          <a:lstStyle/>
+          <a:p>
+            <a:r>
+              <a:rPr lang="en-US" dirty="0" smtClean="0"/>
+              <a:t>Which development approach is the </a:t>
+            </a:r>
+            <a:r>
+              <a:rPr lang="en-US" dirty="0" err="1" smtClean="0"/>
+              <a:t>the</a:t>
+            </a:r>
+            <a:r>
+              <a:rPr lang="en-US" dirty="0" smtClean="0"/>
+              <a:t> waterfall model?</a:t>
+            </a:r>
+          </a:p>
+          <a:p>
+            <a:endParaRPr lang="en-US" dirty="0" smtClean="0"/>
+          </a:p>
+          <a:p>
+            <a:pPr>
+              <a:buNone/>
+            </a:pPr>
+            <a:r>
+              <a:rPr lang="en-US" dirty="0" smtClean="0"/>
+              <a:t>a) </a:t>
+            </a:r>
+            <a:r>
+              <a:rPr lang="en-US" dirty="0" smtClean="0"/>
+              <a:t>incremental </a:t>
+            </a:r>
+            <a:r>
+              <a:rPr lang="en-US" dirty="0" smtClean="0"/>
+              <a:t>development approach</a:t>
+            </a:r>
+          </a:p>
+          <a:p>
+            <a:pPr>
+              <a:buNone/>
+            </a:pPr>
+            <a:r>
+              <a:rPr lang="en-US" dirty="0" smtClean="0"/>
+              <a:t>b) iterative development approach</a:t>
+            </a:r>
+          </a:p>
+          <a:p>
+            <a:pPr>
+              <a:buNone/>
+            </a:pPr>
+            <a:r>
+              <a:rPr lang="en-US" dirty="0" smtClean="0"/>
+              <a:t>c) static development approach</a:t>
+            </a:r>
+          </a:p>
+          <a:p>
+            <a:pPr>
+              <a:buNone/>
+            </a:pPr>
+            <a:r>
+              <a:rPr lang="en-US" dirty="0" smtClean="0"/>
+              <a:t>d) behavioral development approach</a:t>
+            </a:r>
+            <a:endParaRPr lang="en-US" dirty="0"/>
+          </a:p>
+        </p:txBody>
+      </p:sp>
+    </p:spTree>
+  </p:cSld>
+  <p:clrMapOvr>
+    <a:masterClrMapping/>
+  </p:clrMapOvr>
+</p:sld>
+</file>
+
+<file path=ppt/slides/slide27.xml><?xml version="1.0" encoding="utf-8"?>
+<p:sld xmlns:a="http://schemas.openxmlformats.org/drawingml/2006/main" xmlns:r="http://schemas.openxmlformats.org/officeDocument/2006/relationships" xmlns:p="http://schemas.openxmlformats.org/presentationml/2006/main">
+  <p:cSld>
+    <p:spTree>
+      <p:nvGrpSpPr>
+        <p:cNvPr id="1" name=""/>
+        <p:cNvGrpSpPr/>
+        <p:nvPr/>
+      </p:nvGrpSpPr>
+      <p:grpSpPr>
+        <a:xfrm>
+          <a:off x="0" y="0"/>
+          <a:ext cx="0" cy="0"/>
+          <a:chOff x="0" y="0"/>
+          <a:chExt cx="0" cy="0"/>
+        </a:xfrm>
+      </p:grpSpPr>
+      <p:sp>
+        <p:nvSpPr>
+          <p:cNvPr id="2" name="Title 1"/>
+          <p:cNvSpPr>
+            <a:spLocks noGrp="1"/>
+          </p:cNvSpPr>
+          <p:nvPr>
+            <p:ph type="title"/>
+          </p:nvPr>
+        </p:nvSpPr>
+        <p:spPr/>
+        <p:txBody>
+          <a:bodyPr/>
+          <a:lstStyle/>
+          <a:p>
+            <a:r>
+              <a:rPr lang="en-US" dirty="0" smtClean="0"/>
+              <a:t>Answer</a:t>
+            </a:r>
+            <a:endParaRPr lang="en-US" dirty="0"/>
+          </a:p>
+        </p:txBody>
+      </p:sp>
+      <p:sp>
+        <p:nvSpPr>
+          <p:cNvPr id="3" name="Content Placeholder 2"/>
+          <p:cNvSpPr>
+            <a:spLocks noGrp="1"/>
+          </p:cNvSpPr>
+          <p:nvPr>
+            <p:ph idx="1"/>
+          </p:nvPr>
+        </p:nvSpPr>
+        <p:spPr/>
+        <p:txBody>
+          <a:bodyPr/>
+          <a:lstStyle/>
+          <a:p>
+            <a:r>
+              <a:rPr lang="en-US" dirty="0" smtClean="0"/>
+              <a:t>a) incremental development approach</a:t>
+            </a:r>
+          </a:p>
+          <a:p>
+            <a:endParaRPr lang="en-US" dirty="0"/>
+          </a:p>
+        </p:txBody>
+      </p:sp>
+    </p:spTree>
+  </p:cSld>
+  <p:clrMapOvr>
+    <a:masterClrMapping/>
+  </p:clrMapOvr>
+</p:sld>
+</file>
+
+<file path=ppt/slides/slide28.xml><?xml version="1.0" encoding="utf-8"?>
+<p:sld xmlns:a="http://schemas.openxmlformats.org/drawingml/2006/main" xmlns:r="http://schemas.openxmlformats.org/officeDocument/2006/relationships" xmlns:p="http://schemas.openxmlformats.org/presentationml/2006/main">
+  <p:cSld>
+    <p:spTree>
+      <p:nvGrpSpPr>
+        <p:cNvPr id="1" name=""/>
+        <p:cNvGrpSpPr/>
+        <p:nvPr/>
+      </p:nvGrpSpPr>
+      <p:grpSpPr>
+        <a:xfrm>
+          <a:off x="0" y="0"/>
+          <a:ext cx="0" cy="0"/>
+          <a:chOff x="0" y="0"/>
+          <a:chExt cx="0" cy="0"/>
+        </a:xfrm>
+      </p:grpSpPr>
+      <p:sp>
+        <p:nvSpPr>
+          <p:cNvPr id="2" name="Title 1"/>
+          <p:cNvSpPr>
+            <a:spLocks noGrp="1"/>
+          </p:cNvSpPr>
+          <p:nvPr>
+            <p:ph type="title"/>
+          </p:nvPr>
+        </p:nvSpPr>
+        <p:spPr>
+          <a:xfrm>
+            <a:off x="685800" y="228600"/>
+            <a:ext cx="7772400" cy="1143000"/>
+          </a:xfrm>
+        </p:spPr>
+        <p:txBody>
+          <a:bodyPr/>
+          <a:lstStyle/>
+          <a:p>
+            <a:r>
+              <a:rPr lang="en-US" dirty="0" smtClean="0"/>
+              <a:t>Heart of Software Engineering</a:t>
+            </a:r>
+            <a:endParaRPr lang="en-US" dirty="0"/>
+          </a:p>
+        </p:txBody>
+      </p:sp>
+      <p:sp>
+        <p:nvSpPr>
+          <p:cNvPr id="3" name="Content Placeholder 2"/>
+          <p:cNvSpPr>
+            <a:spLocks noGrp="1"/>
+          </p:cNvSpPr>
+          <p:nvPr>
+            <p:ph idx="1"/>
+          </p:nvPr>
+        </p:nvSpPr>
+        <p:spPr>
+          <a:xfrm>
+            <a:off x="685800" y="1524000"/>
+            <a:ext cx="7772400" cy="4648200"/>
+          </a:xfrm>
+        </p:spPr>
+        <p:txBody>
+          <a:bodyPr>
+            <a:normAutofit fontScale="92500" lnSpcReduction="10000"/>
+          </a:bodyPr>
+          <a:lstStyle/>
+          <a:p>
+            <a:r>
+              <a:rPr lang="en-US" dirty="0" smtClean="0"/>
+              <a:t>Iterative </a:t>
+            </a:r>
+            <a:r>
+              <a:rPr lang="en-US" dirty="0" smtClean="0"/>
+              <a:t>and incremental approach </a:t>
+            </a:r>
+            <a:r>
+              <a:rPr lang="en-US" dirty="0" smtClean="0"/>
+              <a:t>are </a:t>
+            </a:r>
+            <a:r>
+              <a:rPr lang="en-US" dirty="0" smtClean="0"/>
+              <a:t>at the heart of most modern software</a:t>
+            </a:r>
+            <a:br>
+              <a:rPr lang="en-US" dirty="0" smtClean="0"/>
+            </a:br>
+            <a:r>
+              <a:rPr lang="en-US" dirty="0" smtClean="0"/>
+              <a:t>development methods, </a:t>
+            </a:r>
+            <a:r>
+              <a:rPr lang="en-US" dirty="0" smtClean="0"/>
+              <a:t>including agile </a:t>
+            </a:r>
+            <a:r>
+              <a:rPr lang="en-US" dirty="0" smtClean="0"/>
+              <a:t>methods </a:t>
+            </a:r>
+            <a:r>
+              <a:rPr lang="en-US" dirty="0" smtClean="0"/>
+              <a:t>like:</a:t>
+            </a:r>
+          </a:p>
+          <a:p>
+            <a:pPr lvl="1"/>
+            <a:r>
+              <a:rPr lang="en-US" dirty="0" smtClean="0"/>
+              <a:t>Extreme Programming (XP) </a:t>
+            </a:r>
+            <a:endParaRPr lang="en-US" dirty="0" smtClean="0"/>
+          </a:p>
+          <a:p>
+            <a:pPr lvl="1"/>
+            <a:r>
+              <a:rPr lang="en-US" dirty="0" smtClean="0"/>
+              <a:t>SCRUM</a:t>
+            </a:r>
+          </a:p>
+          <a:p>
+            <a:r>
+              <a:rPr lang="en-US" dirty="0" smtClean="0"/>
+              <a:t>Most importantly are extremely </a:t>
+            </a:r>
+            <a:r>
+              <a:rPr lang="en-US" dirty="0" smtClean="0"/>
+              <a:t>well suited to the object-oriented paradigm </a:t>
+            </a:r>
+            <a:r>
+              <a:rPr lang="en-US" dirty="0" smtClean="0"/>
+              <a:t>and offers </a:t>
+            </a:r>
+            <a:r>
+              <a:rPr lang="en-US" dirty="0" smtClean="0"/>
+              <a:t>a number of benefits relative to risk management </a:t>
+            </a:r>
+            <a:endParaRPr lang="en-US" dirty="0"/>
+          </a:p>
+        </p:txBody>
+      </p:sp>
+    </p:spTree>
+  </p:cSld>
+  <p:clrMapOvr>
+    <a:masterClrMapping/>
+  </p:clrMapOvr>
+</p:sld>
+</file>
+
+<file path=ppt/slides/slide29.xml><?xml version="1.0" encoding="utf-8"?>
+<p:sld xmlns:a="http://schemas.openxmlformats.org/drawingml/2006/main" xmlns:r="http://schemas.openxmlformats.org/officeDocument/2006/relationships" xmlns:p="http://schemas.openxmlformats.org/presentationml/2006/main">
+  <p:cSld>
+    <p:spTree>
+      <p:nvGrpSpPr>
+        <p:cNvPr id="1" name=""/>
+        <p:cNvGrpSpPr/>
+        <p:nvPr/>
+      </p:nvGrpSpPr>
+      <p:grpSpPr>
+        <a:xfrm>
+          <a:off x="0" y="0"/>
+          <a:ext cx="0" cy="0"/>
+          <a:chOff x="0" y="0"/>
+          <a:chExt cx="0" cy="0"/>
+        </a:xfrm>
+      </p:grpSpPr>
+      <p:sp>
+        <p:nvSpPr>
+          <p:cNvPr id="2" name="Title 1"/>
+          <p:cNvSpPr>
+            <a:spLocks noGrp="1"/>
+          </p:cNvSpPr>
+          <p:nvPr>
+            <p:ph type="title"/>
+          </p:nvPr>
+        </p:nvSpPr>
+        <p:spPr/>
+        <p:txBody>
+          <a:bodyPr/>
+          <a:lstStyle/>
+          <a:p>
+            <a:r>
+              <a:rPr lang="en-US" dirty="0" smtClean="0"/>
+              <a:t>Trends</a:t>
+            </a:r>
+            <a:endParaRPr lang="en-US" dirty="0"/>
+          </a:p>
+        </p:txBody>
+      </p:sp>
+      <p:sp>
+        <p:nvSpPr>
+          <p:cNvPr id="3" name="Content Placeholder 2"/>
+          <p:cNvSpPr>
+            <a:spLocks noGrp="1"/>
+          </p:cNvSpPr>
+          <p:nvPr>
+            <p:ph idx="1"/>
+          </p:nvPr>
+        </p:nvSpPr>
+        <p:spPr/>
+        <p:txBody>
+          <a:bodyPr>
+            <a:normAutofit fontScale="92500" lnSpcReduction="10000"/>
+          </a:bodyPr>
+          <a:lstStyle/>
+          <a:p>
+            <a:r>
+              <a:rPr lang="en-US" dirty="0" smtClean="0"/>
+              <a:t>Iterative </a:t>
+            </a:r>
+            <a:r>
+              <a:rPr lang="en-US" dirty="0" smtClean="0"/>
+              <a:t>approach is </a:t>
+            </a:r>
+            <a:r>
+              <a:rPr lang="en-US" dirty="0" smtClean="0"/>
+              <a:t>common </a:t>
+            </a:r>
+            <a:r>
+              <a:rPr lang="en-US" dirty="0" smtClean="0"/>
+              <a:t>practice because it better fits the natural path of progression in software </a:t>
+            </a:r>
+            <a:r>
+              <a:rPr lang="en-US" dirty="0" smtClean="0"/>
+              <a:t>development</a:t>
+            </a:r>
+          </a:p>
+          <a:p>
+            <a:r>
+              <a:rPr lang="en-US" dirty="0" smtClean="0"/>
+              <a:t>Instead </a:t>
+            </a:r>
+            <a:r>
+              <a:rPr lang="en-US" dirty="0" smtClean="0"/>
+              <a:t>of investing a lot of time/effort chasing the 'perfect design' based on assumptions, the iterative approach is all about creating something that's 'good enough' to start and </a:t>
+            </a:r>
+            <a:r>
+              <a:rPr lang="en-US" dirty="0" smtClean="0">
+                <a:solidFill>
+                  <a:srgbClr val="FF0000"/>
+                </a:solidFill>
+              </a:rPr>
+              <a:t>evolving</a:t>
+            </a:r>
+            <a:r>
+              <a:rPr lang="en-US" dirty="0" smtClean="0"/>
+              <a:t> it to fit the user's </a:t>
+            </a:r>
+            <a:r>
+              <a:rPr lang="en-US" dirty="0" smtClean="0"/>
+              <a:t>needs</a:t>
+            </a:r>
+            <a:endParaRPr lang="en-US" dirty="0"/>
+          </a:p>
+        </p:txBody>
+      </p:sp>
+    </p:spTree>
+  </p:cSld>
+  <p:clrMapOvr>
+    <a:masterClrMapping/>
+  </p:clrMapOvr>
 </p:sld>
 </file>
 
@@ -3969,7 +6983,7 @@
       </p:grpSpPr>
       <p:sp>
         <p:nvSpPr>
-          <p:cNvPr id="11266" name="Title 1"/>
+          <p:cNvPr id="13314" name="Title 1"/>
           <p:cNvSpPr>
             <a:spLocks noGrp="1"/>
           </p:cNvSpPr>
@@ -3984,14 +6998,14 @@
           <a:p>
             <a:r>
               <a:rPr lang="en-GB" altLang="en-US" smtClean="0"/>
-              <a:t>Summary</a:t>
-            </a:r>
-          </a:p>
-        </p:txBody>
-      </p:sp>
-      <p:sp>
-        <p:nvSpPr>
-          <p:cNvPr id="11267" name="Content Placeholder 2"/>
+              <a:t>Revision Question</a:t>
+            </a:r>
+          </a:p>
+        </p:txBody>
+      </p:sp>
+      <p:sp>
+        <p:nvSpPr>
+          <p:cNvPr id="3" name="Content Placeholder 2"/>
           <p:cNvSpPr>
             <a:spLocks noGrp="1"/>
           </p:cNvSpPr>
@@ -4004,10 +7018,1165 @@
           <a:bodyPr/>
           <a:lstStyle/>
           <a:p>
-            <a:r>
-              <a:rPr lang="en-GB" altLang="en-US" smtClean="0"/>
-              <a:t>Clear idea of Processes in Object Orientated Analysis and Design</a:t>
-            </a:r>
+            <a:pPr>
+              <a:defRPr/>
+            </a:pPr>
+            <a:r>
+              <a:rPr lang="en-GB" dirty="0" smtClean="0"/>
+              <a:t>An object is an entity that has:</a:t>
+            </a:r>
+          </a:p>
+          <a:p>
+            <a:pPr>
+              <a:defRPr/>
+            </a:pPr>
+            <a:endParaRPr lang="en-GB" dirty="0"/>
+          </a:p>
+          <a:p>
+            <a:pPr marL="0" indent="0">
+              <a:buFontTx/>
+              <a:buNone/>
+              <a:defRPr/>
+            </a:pPr>
+            <a:r>
+              <a:rPr lang="en-GB" dirty="0" smtClean="0"/>
+              <a:t>a) state, action, dependencies</a:t>
+            </a:r>
+          </a:p>
+          <a:p>
+            <a:pPr marL="0" indent="0">
+              <a:buNone/>
+              <a:defRPr/>
+            </a:pPr>
+            <a:r>
+              <a:rPr lang="en-GB" dirty="0" smtClean="0"/>
+              <a:t>b) </a:t>
+            </a:r>
+            <a:r>
+              <a:rPr lang="en-GB" dirty="0" err="1" smtClean="0"/>
+              <a:t>behavior</a:t>
+            </a:r>
+            <a:r>
+              <a:rPr lang="en-GB" dirty="0" smtClean="0"/>
+              <a:t>, state</a:t>
+            </a:r>
+            <a:r>
+              <a:rPr lang="en-GB" dirty="0" smtClean="0"/>
+              <a:t>, </a:t>
+            </a:r>
+            <a:r>
+              <a:rPr lang="en-GB" dirty="0" smtClean="0"/>
+              <a:t>identity</a:t>
+            </a:r>
+            <a:endParaRPr lang="en-GB" dirty="0" smtClean="0"/>
+          </a:p>
+          <a:p>
+            <a:pPr marL="0" indent="0">
+              <a:buFontTx/>
+              <a:buNone/>
+              <a:defRPr/>
+            </a:pPr>
+            <a:r>
+              <a:rPr lang="en-GB" dirty="0" smtClean="0"/>
+              <a:t>c</a:t>
+            </a:r>
+            <a:r>
+              <a:rPr lang="en-GB" dirty="0" smtClean="0"/>
+              <a:t>) </a:t>
+            </a:r>
+            <a:r>
+              <a:rPr lang="en-GB" dirty="0" smtClean="0"/>
+              <a:t>behaviour, action, state</a:t>
+            </a:r>
+          </a:p>
+          <a:p>
+            <a:pPr marL="0" indent="0">
+              <a:buFontTx/>
+              <a:buNone/>
+              <a:defRPr/>
+            </a:pPr>
+            <a:r>
+              <a:rPr lang="en-GB" dirty="0"/>
+              <a:t>d</a:t>
+            </a:r>
+            <a:r>
+              <a:rPr lang="en-GB" dirty="0" smtClean="0"/>
+              <a:t>) </a:t>
+            </a:r>
+            <a:r>
+              <a:rPr lang="en-GB" dirty="0" smtClean="0"/>
+              <a:t>class, state, memory</a:t>
+            </a:r>
+          </a:p>
+          <a:p>
+            <a:pPr marL="0" indent="0">
+              <a:buFontTx/>
+              <a:buNone/>
+              <a:defRPr/>
+            </a:pPr>
+            <a:endParaRPr lang="en-GB" dirty="0"/>
+          </a:p>
+        </p:txBody>
+      </p:sp>
+    </p:spTree>
+  </p:cSld>
+  <p:clrMapOvr>
+    <a:masterClrMapping/>
+  </p:clrMapOvr>
+</p:sld>
+</file>
+
+<file path=ppt/slides/slide30.xml><?xml version="1.0" encoding="utf-8"?>
+<p:sld xmlns:a="http://schemas.openxmlformats.org/drawingml/2006/main" xmlns:r="http://schemas.openxmlformats.org/officeDocument/2006/relationships" xmlns:p="http://schemas.openxmlformats.org/presentationml/2006/main">
+  <p:cSld>
+    <p:spTree>
+      <p:nvGrpSpPr>
+        <p:cNvPr id="1" name=""/>
+        <p:cNvGrpSpPr/>
+        <p:nvPr/>
+      </p:nvGrpSpPr>
+      <p:grpSpPr>
+        <a:xfrm>
+          <a:off x="0" y="0"/>
+          <a:ext cx="0" cy="0"/>
+          <a:chOff x="0" y="0"/>
+          <a:chExt cx="0" cy="0"/>
+        </a:xfrm>
+      </p:grpSpPr>
+      <p:sp>
+        <p:nvSpPr>
+          <p:cNvPr id="2" name="Title 1"/>
+          <p:cNvSpPr>
+            <a:spLocks noGrp="1"/>
+          </p:cNvSpPr>
+          <p:nvPr>
+            <p:ph type="title"/>
+          </p:nvPr>
+        </p:nvSpPr>
+        <p:spPr/>
+        <p:txBody>
+          <a:bodyPr/>
+          <a:lstStyle/>
+          <a:p>
+            <a:r>
+              <a:rPr lang="en-US" dirty="0" smtClean="0"/>
+              <a:t>Discussion</a:t>
+            </a:r>
+            <a:endParaRPr lang="en-US" dirty="0"/>
+          </a:p>
+        </p:txBody>
+      </p:sp>
+      <p:sp>
+        <p:nvSpPr>
+          <p:cNvPr id="3" name="Content Placeholder 2"/>
+          <p:cNvSpPr>
+            <a:spLocks noGrp="1"/>
+          </p:cNvSpPr>
+          <p:nvPr>
+            <p:ph idx="1"/>
+          </p:nvPr>
+        </p:nvSpPr>
+        <p:spPr/>
+        <p:txBody>
+          <a:bodyPr/>
+          <a:lstStyle/>
+          <a:p>
+            <a:r>
+              <a:rPr lang="en-US" dirty="0" smtClean="0"/>
+              <a:t>When would you use an Iterative or Incremental approach?</a:t>
+            </a:r>
+            <a:endParaRPr lang="en-US" dirty="0"/>
+          </a:p>
+        </p:txBody>
+      </p:sp>
+      <p:pic>
+        <p:nvPicPr>
+          <p:cNvPr id="4" name="Picture 1"/>
+          <p:cNvPicPr>
+            <a:picLocks noChangeAspect="1"/>
+          </p:cNvPicPr>
+          <p:nvPr/>
+        </p:nvPicPr>
+        <p:blipFill>
+          <a:blip r:embed="rId2">
+            <a:extLst>
+              <a:ext uri="{28A0092B-C50C-407E-A947-70E740481C1C}">
+                <a14:useLocalDpi xmlns:a14="http://schemas.microsoft.com/office/drawing/2010/main" xmlns="" val="0"/>
+              </a:ext>
+            </a:extLst>
+          </a:blip>
+          <a:srcRect/>
+          <a:stretch>
+            <a:fillRect/>
+          </a:stretch>
+        </p:blipFill>
+        <p:spPr bwMode="auto">
+          <a:xfrm>
+            <a:off x="2819400" y="4038600"/>
+            <a:ext cx="2667000" cy="2184400"/>
+          </a:xfrm>
+          <a:prstGeom prst="rect">
+            <a:avLst/>
+          </a:prstGeom>
+          <a:noFill/>
+          <a:ln>
+            <a:noFill/>
+          </a:ln>
+          <a:extLst>
+            <a:ext uri="{909E8E84-426E-40DD-AFC4-6F175D3DCCD1}">
+              <a14:hiddenFill xmlns:a14="http://schemas.microsoft.com/office/drawing/2010/main" xmlns="">
+                <a:solidFill>
+                  <a:srgbClr val="FFFFFF"/>
+                </a:solidFill>
+              </a14:hiddenFill>
+            </a:ext>
+            <a:ext uri="{91240B29-F687-4F45-9708-019B960494DF}">
+              <a14:hiddenLine xmlns:a14="http://schemas.microsoft.com/office/drawing/2010/main" xmlns="" w="9525">
+                <a:solidFill>
+                  <a:srgbClr val="000000"/>
+                </a:solidFill>
+                <a:miter lim="800000"/>
+                <a:headEnd/>
+                <a:tailEnd/>
+              </a14:hiddenLine>
+            </a:ext>
+          </a:extLst>
+        </p:spPr>
+      </p:pic>
+    </p:spTree>
+  </p:cSld>
+  <p:clrMapOvr>
+    <a:masterClrMapping/>
+  </p:clrMapOvr>
+</p:sld>
+</file>
+
+<file path=ppt/slides/slide31.xml><?xml version="1.0" encoding="utf-8"?>
+<p:sld xmlns:a="http://schemas.openxmlformats.org/drawingml/2006/main" xmlns:r="http://schemas.openxmlformats.org/officeDocument/2006/relationships" xmlns:p="http://schemas.openxmlformats.org/presentationml/2006/main">
+  <p:cSld>
+    <p:spTree>
+      <p:nvGrpSpPr>
+        <p:cNvPr id="1" name=""/>
+        <p:cNvGrpSpPr/>
+        <p:nvPr/>
+      </p:nvGrpSpPr>
+      <p:grpSpPr>
+        <a:xfrm>
+          <a:off x="0" y="0"/>
+          <a:ext cx="0" cy="0"/>
+          <a:chOff x="0" y="0"/>
+          <a:chExt cx="0" cy="0"/>
+        </a:xfrm>
+      </p:grpSpPr>
+      <p:sp>
+        <p:nvSpPr>
+          <p:cNvPr id="2" name="Title 1"/>
+          <p:cNvSpPr>
+            <a:spLocks noGrp="1"/>
+          </p:cNvSpPr>
+          <p:nvPr>
+            <p:ph type="title"/>
+          </p:nvPr>
+        </p:nvSpPr>
+        <p:spPr/>
+        <p:txBody>
+          <a:bodyPr/>
+          <a:lstStyle/>
+          <a:p>
+            <a:r>
+              <a:rPr lang="en-US" dirty="0" smtClean="0"/>
+              <a:t>Plan-Driven </a:t>
+            </a:r>
+            <a:r>
+              <a:rPr lang="en-US" dirty="0" err="1" smtClean="0"/>
+              <a:t>vs</a:t>
+            </a:r>
+            <a:r>
+              <a:rPr lang="en-US" dirty="0" smtClean="0"/>
+              <a:t> Agile</a:t>
+            </a:r>
+            <a:endParaRPr lang="en-US" dirty="0"/>
+          </a:p>
+        </p:txBody>
+      </p:sp>
+      <p:sp>
+        <p:nvSpPr>
+          <p:cNvPr id="3" name="Content Placeholder 2"/>
+          <p:cNvSpPr>
+            <a:spLocks noGrp="1"/>
+          </p:cNvSpPr>
+          <p:nvPr>
+            <p:ph idx="1"/>
+          </p:nvPr>
+        </p:nvSpPr>
+        <p:spPr/>
+        <p:txBody>
+          <a:bodyPr/>
+          <a:lstStyle/>
+          <a:p>
+            <a:endParaRPr lang="en-US"/>
+          </a:p>
+        </p:txBody>
+      </p:sp>
+      <p:pic>
+        <p:nvPicPr>
+          <p:cNvPr id="50178" name="Picture 2"/>
+          <p:cNvPicPr>
+            <a:picLocks noChangeAspect="1" noChangeArrowheads="1"/>
+          </p:cNvPicPr>
+          <p:nvPr/>
+        </p:nvPicPr>
+        <p:blipFill>
+          <a:blip r:embed="rId2"/>
+          <a:srcRect/>
+          <a:stretch>
+            <a:fillRect/>
+          </a:stretch>
+        </p:blipFill>
+        <p:spPr bwMode="auto">
+          <a:xfrm>
+            <a:off x="609599" y="2057400"/>
+            <a:ext cx="7862761" cy="4191000"/>
+          </a:xfrm>
+          <a:prstGeom prst="rect">
+            <a:avLst/>
+          </a:prstGeom>
+          <a:noFill/>
+          <a:ln w="9525">
+            <a:noFill/>
+            <a:miter lim="800000"/>
+            <a:headEnd/>
+            <a:tailEnd/>
+          </a:ln>
+          <a:effectLst/>
+        </p:spPr>
+      </p:pic>
+    </p:spTree>
+  </p:cSld>
+  <p:clrMapOvr>
+    <a:masterClrMapping/>
+  </p:clrMapOvr>
+</p:sld>
+</file>
+
+<file path=ppt/slides/slide32.xml><?xml version="1.0" encoding="utf-8"?>
+<p:sld xmlns:a="http://schemas.openxmlformats.org/drawingml/2006/main" xmlns:r="http://schemas.openxmlformats.org/officeDocument/2006/relationships" xmlns:p="http://schemas.openxmlformats.org/presentationml/2006/main">
+  <p:cSld>
+    <p:spTree>
+      <p:nvGrpSpPr>
+        <p:cNvPr id="1" name=""/>
+        <p:cNvGrpSpPr/>
+        <p:nvPr/>
+      </p:nvGrpSpPr>
+      <p:grpSpPr>
+        <a:xfrm>
+          <a:off x="0" y="0"/>
+          <a:ext cx="0" cy="0"/>
+          <a:chOff x="0" y="0"/>
+          <a:chExt cx="0" cy="0"/>
+        </a:xfrm>
+      </p:grpSpPr>
+      <p:sp>
+        <p:nvSpPr>
+          <p:cNvPr id="2" name="Title 1"/>
+          <p:cNvSpPr>
+            <a:spLocks noGrp="1"/>
+          </p:cNvSpPr>
+          <p:nvPr>
+            <p:ph type="title"/>
+          </p:nvPr>
+        </p:nvSpPr>
+        <p:spPr/>
+        <p:txBody>
+          <a:bodyPr/>
+          <a:lstStyle/>
+          <a:p>
+            <a:r>
+              <a:rPr lang="en-US" dirty="0" smtClean="0"/>
+              <a:t>Agile </a:t>
+            </a:r>
+            <a:br>
+              <a:rPr lang="en-US" dirty="0" smtClean="0"/>
+            </a:br>
+            <a:r>
+              <a:rPr lang="en-US" sz="3600" dirty="0" smtClean="0"/>
+              <a:t>Tight Cycles and Small Increment</a:t>
+            </a:r>
+            <a:endParaRPr lang="en-US" dirty="0"/>
+          </a:p>
+        </p:txBody>
+      </p:sp>
+      <p:sp>
+        <p:nvSpPr>
+          <p:cNvPr id="3" name="Content Placeholder 2"/>
+          <p:cNvSpPr>
+            <a:spLocks noGrp="1"/>
+          </p:cNvSpPr>
+          <p:nvPr>
+            <p:ph idx="1"/>
+          </p:nvPr>
+        </p:nvSpPr>
+        <p:spPr/>
+        <p:txBody>
+          <a:bodyPr/>
+          <a:lstStyle/>
+          <a:p>
+            <a:endParaRPr lang="en-US"/>
+          </a:p>
+        </p:txBody>
+      </p:sp>
+      <p:pic>
+        <p:nvPicPr>
+          <p:cNvPr id="51202" name="Picture 2"/>
+          <p:cNvPicPr>
+            <a:picLocks noChangeAspect="1" noChangeArrowheads="1"/>
+          </p:cNvPicPr>
+          <p:nvPr/>
+        </p:nvPicPr>
+        <p:blipFill>
+          <a:blip r:embed="rId2"/>
+          <a:srcRect/>
+          <a:stretch>
+            <a:fillRect/>
+          </a:stretch>
+        </p:blipFill>
+        <p:spPr bwMode="auto">
+          <a:xfrm>
+            <a:off x="457200" y="2133600"/>
+            <a:ext cx="7696200" cy="3661004"/>
+          </a:xfrm>
+          <a:prstGeom prst="rect">
+            <a:avLst/>
+          </a:prstGeom>
+          <a:noFill/>
+          <a:ln w="9525">
+            <a:noFill/>
+            <a:miter lim="800000"/>
+            <a:headEnd/>
+            <a:tailEnd/>
+          </a:ln>
+          <a:effectLst/>
+        </p:spPr>
+      </p:pic>
+      <p:sp>
+        <p:nvSpPr>
+          <p:cNvPr id="5" name="TextBox 4"/>
+          <p:cNvSpPr txBox="1"/>
+          <p:nvPr/>
+        </p:nvSpPr>
+        <p:spPr>
+          <a:xfrm>
+            <a:off x="1447800" y="5257800"/>
+            <a:ext cx="1893467" cy="830997"/>
+          </a:xfrm>
+          <a:prstGeom prst="rect">
+            <a:avLst/>
+          </a:prstGeom>
+          <a:noFill/>
+        </p:spPr>
+        <p:txBody>
+          <a:bodyPr wrap="none" rtlCol="0">
+            <a:spAutoFit/>
+          </a:bodyPr>
+          <a:lstStyle/>
+          <a:p>
+            <a:pPr algn="ctr"/>
+            <a:r>
+              <a:rPr lang="en-US" dirty="0" smtClean="0">
+                <a:solidFill>
+                  <a:schemeClr val="bg2"/>
+                </a:solidFill>
+              </a:rPr>
+              <a:t>Waterfall</a:t>
+            </a:r>
+          </a:p>
+          <a:p>
+            <a:pPr algn="ctr"/>
+            <a:r>
+              <a:rPr lang="en-US" dirty="0" smtClean="0">
+                <a:solidFill>
+                  <a:schemeClr val="bg2"/>
+                </a:solidFill>
+              </a:rPr>
+              <a:t>(</a:t>
+            </a:r>
+            <a:r>
+              <a:rPr lang="en-US" dirty="0" smtClean="0">
+                <a:solidFill>
+                  <a:schemeClr val="bg2"/>
+                </a:solidFill>
+              </a:rPr>
+              <a:t>Plan-Driven)</a:t>
+            </a:r>
+            <a:endParaRPr lang="en-US" dirty="0">
+              <a:solidFill>
+                <a:schemeClr val="bg2"/>
+              </a:solidFill>
+            </a:endParaRPr>
+          </a:p>
+        </p:txBody>
+      </p:sp>
+      <p:sp>
+        <p:nvSpPr>
+          <p:cNvPr id="6" name="TextBox 5"/>
+          <p:cNvSpPr txBox="1"/>
+          <p:nvPr/>
+        </p:nvSpPr>
+        <p:spPr>
+          <a:xfrm>
+            <a:off x="3810000" y="5334000"/>
+            <a:ext cx="1651414" cy="461665"/>
+          </a:xfrm>
+          <a:prstGeom prst="rect">
+            <a:avLst/>
+          </a:prstGeom>
+          <a:noFill/>
+        </p:spPr>
+        <p:txBody>
+          <a:bodyPr wrap="none" rtlCol="0">
+            <a:spAutoFit/>
+          </a:bodyPr>
+          <a:lstStyle/>
+          <a:p>
+            <a:pPr algn="ctr"/>
+            <a:r>
+              <a:rPr lang="en-US" dirty="0" smtClean="0">
+                <a:solidFill>
+                  <a:schemeClr val="bg2"/>
+                </a:solidFill>
+              </a:rPr>
+              <a:t>Incremental</a:t>
+            </a:r>
+            <a:endParaRPr lang="en-US" dirty="0">
+              <a:solidFill>
+                <a:schemeClr val="bg2"/>
+              </a:solidFill>
+            </a:endParaRPr>
+          </a:p>
+        </p:txBody>
+      </p:sp>
+      <p:sp>
+        <p:nvSpPr>
+          <p:cNvPr id="7" name="TextBox 6"/>
+          <p:cNvSpPr txBox="1"/>
+          <p:nvPr/>
+        </p:nvSpPr>
+        <p:spPr>
+          <a:xfrm>
+            <a:off x="6248400" y="5405735"/>
+            <a:ext cx="1364476" cy="461665"/>
+          </a:xfrm>
+          <a:prstGeom prst="rect">
+            <a:avLst/>
+          </a:prstGeom>
+          <a:noFill/>
+        </p:spPr>
+        <p:txBody>
+          <a:bodyPr wrap="none" rtlCol="0">
+            <a:spAutoFit/>
+          </a:bodyPr>
+          <a:lstStyle/>
+          <a:p>
+            <a:pPr algn="ctr"/>
+            <a:r>
+              <a:rPr lang="en-US" dirty="0" smtClean="0">
+                <a:solidFill>
+                  <a:schemeClr val="bg2"/>
+                </a:solidFill>
+              </a:rPr>
+              <a:t>Agile-XP</a:t>
+            </a:r>
+            <a:endParaRPr lang="en-US" dirty="0">
+              <a:solidFill>
+                <a:schemeClr val="bg2"/>
+              </a:solidFill>
+            </a:endParaRPr>
+          </a:p>
+        </p:txBody>
+      </p:sp>
+    </p:spTree>
+  </p:cSld>
+  <p:clrMapOvr>
+    <a:masterClrMapping/>
+  </p:clrMapOvr>
+</p:sld>
+</file>
+
+<file path=ppt/slides/slide33.xml><?xml version="1.0" encoding="utf-8"?>
+<p:sld xmlns:a="http://schemas.openxmlformats.org/drawingml/2006/main" xmlns:r="http://schemas.openxmlformats.org/officeDocument/2006/relationships" xmlns:p="http://schemas.openxmlformats.org/presentationml/2006/main">
+  <p:cSld>
+    <p:spTree>
+      <p:nvGrpSpPr>
+        <p:cNvPr id="1" name=""/>
+        <p:cNvGrpSpPr/>
+        <p:nvPr/>
+      </p:nvGrpSpPr>
+      <p:grpSpPr>
+        <a:xfrm>
+          <a:off x="0" y="0"/>
+          <a:ext cx="0" cy="0"/>
+          <a:chOff x="0" y="0"/>
+          <a:chExt cx="0" cy="0"/>
+        </a:xfrm>
+      </p:grpSpPr>
+      <p:sp>
+        <p:nvSpPr>
+          <p:cNvPr id="2" name="Title 1"/>
+          <p:cNvSpPr>
+            <a:spLocks noGrp="1"/>
+          </p:cNvSpPr>
+          <p:nvPr>
+            <p:ph type="title"/>
+          </p:nvPr>
+        </p:nvSpPr>
+        <p:spPr/>
+        <p:txBody>
+          <a:bodyPr/>
+          <a:lstStyle/>
+          <a:p>
+            <a:r>
+              <a:rPr lang="en-US" dirty="0" smtClean="0"/>
+              <a:t>Agile Processes</a:t>
+            </a:r>
+            <a:endParaRPr lang="en-US" dirty="0"/>
+          </a:p>
+        </p:txBody>
+      </p:sp>
+      <p:sp>
+        <p:nvSpPr>
+          <p:cNvPr id="3" name="Content Placeholder 2"/>
+          <p:cNvSpPr>
+            <a:spLocks noGrp="1"/>
+          </p:cNvSpPr>
+          <p:nvPr>
+            <p:ph idx="1"/>
+          </p:nvPr>
+        </p:nvSpPr>
+        <p:spPr/>
+        <p:txBody>
+          <a:bodyPr/>
+          <a:lstStyle/>
+          <a:p>
+            <a:r>
+              <a:rPr lang="en-US" dirty="0" smtClean="0"/>
+              <a:t>Primary </a:t>
+            </a:r>
+            <a:r>
+              <a:rPr lang="en-US" dirty="0" smtClean="0"/>
+              <a:t>goal is to deliver a system to the customer </a:t>
+            </a:r>
+            <a:r>
+              <a:rPr lang="en-US" dirty="0" smtClean="0"/>
+              <a:t>that meets </a:t>
+            </a:r>
+            <a:r>
+              <a:rPr lang="en-US" dirty="0" smtClean="0"/>
+              <a:t>their current needs in the shortest amount of time </a:t>
+            </a:r>
+            <a:br>
+              <a:rPr lang="en-US" dirty="0" smtClean="0"/>
+            </a:br>
+            <a:endParaRPr lang="en-US" dirty="0"/>
+          </a:p>
+        </p:txBody>
+      </p:sp>
+    </p:spTree>
+  </p:cSld>
+  <p:clrMapOvr>
+    <a:masterClrMapping/>
+  </p:clrMapOvr>
+</p:sld>
+</file>
+
+<file path=ppt/slides/slide34.xml><?xml version="1.0" encoding="utf-8"?>
+<p:sld xmlns:a="http://schemas.openxmlformats.org/drawingml/2006/main" xmlns:r="http://schemas.openxmlformats.org/officeDocument/2006/relationships" xmlns:p="http://schemas.openxmlformats.org/presentationml/2006/main">
+  <p:cSld>
+    <p:spTree>
+      <p:nvGrpSpPr>
+        <p:cNvPr id="1" name=""/>
+        <p:cNvGrpSpPr/>
+        <p:nvPr/>
+      </p:nvGrpSpPr>
+      <p:grpSpPr>
+        <a:xfrm>
+          <a:off x="0" y="0"/>
+          <a:ext cx="0" cy="0"/>
+          <a:chOff x="0" y="0"/>
+          <a:chExt cx="0" cy="0"/>
+        </a:xfrm>
+      </p:grpSpPr>
+      <p:sp>
+        <p:nvSpPr>
+          <p:cNvPr id="2" name="Title 1"/>
+          <p:cNvSpPr>
+            <a:spLocks noGrp="1"/>
+          </p:cNvSpPr>
+          <p:nvPr>
+            <p:ph type="title"/>
+          </p:nvPr>
+        </p:nvSpPr>
+        <p:spPr/>
+        <p:txBody>
+          <a:bodyPr/>
+          <a:lstStyle/>
+          <a:p>
+            <a:r>
+              <a:rPr lang="en-US" dirty="0" smtClean="0"/>
+              <a:t>Agile Characteristics</a:t>
+            </a:r>
+            <a:endParaRPr lang="en-US" dirty="0"/>
+          </a:p>
+        </p:txBody>
+      </p:sp>
+      <p:sp>
+        <p:nvSpPr>
+          <p:cNvPr id="3" name="Content Placeholder 2"/>
+          <p:cNvSpPr>
+            <a:spLocks noGrp="1"/>
+          </p:cNvSpPr>
+          <p:nvPr>
+            <p:ph idx="1"/>
+          </p:nvPr>
+        </p:nvSpPr>
+        <p:spPr>
+          <a:xfrm>
+            <a:off x="533400" y="1981200"/>
+            <a:ext cx="8305800" cy="4114800"/>
+          </a:xfrm>
+        </p:spPr>
+        <p:txBody>
+          <a:bodyPr>
+            <a:normAutofit fontScale="92500" lnSpcReduction="10000"/>
+          </a:bodyPr>
+          <a:lstStyle/>
+          <a:p>
+            <a:r>
+              <a:rPr lang="en-US" dirty="0" smtClean="0"/>
+              <a:t>Lightweight and sparse, less </a:t>
+            </a:r>
+            <a:r>
+              <a:rPr lang="en-US" dirty="0" smtClean="0"/>
+              <a:t>ceremony</a:t>
+            </a:r>
+          </a:p>
+          <a:p>
+            <a:r>
+              <a:rPr lang="en-US" dirty="0" smtClean="0"/>
+              <a:t>Reliant on the tacit knowledge of the team </a:t>
+            </a:r>
+            <a:r>
+              <a:rPr lang="en-US" dirty="0" smtClean="0"/>
+              <a:t>members</a:t>
+            </a:r>
+          </a:p>
+          <a:p>
+            <a:r>
+              <a:rPr lang="en-US" dirty="0" smtClean="0"/>
+              <a:t>Tactically focused rather than strategic </a:t>
+            </a:r>
+            <a:endParaRPr lang="en-US" dirty="0" smtClean="0"/>
+          </a:p>
+          <a:p>
+            <a:r>
+              <a:rPr lang="en-US" dirty="0" smtClean="0"/>
+              <a:t>Iterative and incremental </a:t>
+            </a:r>
+            <a:endParaRPr lang="en-US" dirty="0" smtClean="0"/>
+          </a:p>
+          <a:p>
+            <a:r>
+              <a:rPr lang="en-US" dirty="0" smtClean="0"/>
+              <a:t>Heavily reliant on </a:t>
+            </a:r>
+            <a:r>
+              <a:rPr lang="en-US" dirty="0" smtClean="0"/>
+              <a:t>customer collaboration </a:t>
+            </a:r>
+          </a:p>
+          <a:p>
+            <a:r>
+              <a:rPr lang="en-US" dirty="0" smtClean="0"/>
+              <a:t>Self-organizing and managing </a:t>
+            </a:r>
+            <a:endParaRPr lang="en-US" dirty="0" smtClean="0"/>
+          </a:p>
+          <a:p>
+            <a:r>
+              <a:rPr lang="en-US" dirty="0" smtClean="0"/>
+              <a:t>Emergent as opposed to predetermined </a:t>
+            </a:r>
+            <a:endParaRPr lang="en-US" dirty="0"/>
+          </a:p>
+        </p:txBody>
+      </p:sp>
+    </p:spTree>
+  </p:cSld>
+  <p:clrMapOvr>
+    <a:masterClrMapping/>
+  </p:clrMapOvr>
+</p:sld>
+</file>
+
+<file path=ppt/slides/slide35.xml><?xml version="1.0" encoding="utf-8"?>
+<p:sld xmlns:a="http://schemas.openxmlformats.org/drawingml/2006/main" xmlns:r="http://schemas.openxmlformats.org/officeDocument/2006/relationships" xmlns:p="http://schemas.openxmlformats.org/presentationml/2006/main">
+  <p:cSld>
+    <p:spTree>
+      <p:nvGrpSpPr>
+        <p:cNvPr id="1" name=""/>
+        <p:cNvGrpSpPr/>
+        <p:nvPr/>
+      </p:nvGrpSpPr>
+      <p:grpSpPr>
+        <a:xfrm>
+          <a:off x="0" y="0"/>
+          <a:ext cx="0" cy="0"/>
+          <a:chOff x="0" y="0"/>
+          <a:chExt cx="0" cy="0"/>
+        </a:xfrm>
+      </p:grpSpPr>
+      <p:sp>
+        <p:nvSpPr>
+          <p:cNvPr id="2" name="Title 1"/>
+          <p:cNvSpPr>
+            <a:spLocks noGrp="1"/>
+          </p:cNvSpPr>
+          <p:nvPr>
+            <p:ph type="title"/>
+          </p:nvPr>
+        </p:nvSpPr>
+        <p:spPr/>
+        <p:txBody>
+          <a:bodyPr/>
+          <a:lstStyle/>
+          <a:p>
+            <a:r>
+              <a:rPr lang="en-US" dirty="0" smtClean="0"/>
+              <a:t>Plan-Driven Characteristics</a:t>
+            </a:r>
+            <a:endParaRPr lang="en-US" dirty="0"/>
+          </a:p>
+        </p:txBody>
+      </p:sp>
+      <p:sp>
+        <p:nvSpPr>
+          <p:cNvPr id="3" name="Content Placeholder 2"/>
+          <p:cNvSpPr>
+            <a:spLocks noGrp="1"/>
+          </p:cNvSpPr>
+          <p:nvPr>
+            <p:ph idx="1"/>
+          </p:nvPr>
+        </p:nvSpPr>
+        <p:spPr>
+          <a:xfrm>
+            <a:off x="533400" y="1981200"/>
+            <a:ext cx="8229600" cy="4343400"/>
+          </a:xfrm>
+        </p:spPr>
+        <p:txBody>
+          <a:bodyPr>
+            <a:normAutofit lnSpcReduction="10000"/>
+          </a:bodyPr>
+          <a:lstStyle/>
+          <a:p>
+            <a:r>
+              <a:rPr lang="en-US" dirty="0" smtClean="0"/>
+              <a:t>More heavyweight, more ceremony </a:t>
+            </a:r>
+            <a:endParaRPr lang="en-US" dirty="0" smtClean="0"/>
+          </a:p>
+          <a:p>
+            <a:r>
+              <a:rPr lang="en-US" dirty="0" smtClean="0"/>
+              <a:t>Reliant on well-documented </a:t>
+            </a:r>
+            <a:r>
+              <a:rPr lang="en-US" dirty="0" smtClean="0"/>
+              <a:t>processes</a:t>
+            </a:r>
+          </a:p>
+          <a:p>
+            <a:r>
+              <a:rPr lang="en-US" dirty="0" smtClean="0"/>
+              <a:t>Strategically focused rather than tactically focused </a:t>
+            </a:r>
+            <a:endParaRPr lang="en-US" dirty="0" smtClean="0"/>
+          </a:p>
+          <a:p>
+            <a:r>
+              <a:rPr lang="en-US" dirty="0" smtClean="0"/>
+              <a:t>Reliant on a customer contract </a:t>
+            </a:r>
+            <a:endParaRPr lang="en-US" dirty="0" smtClean="0"/>
+          </a:p>
+          <a:p>
+            <a:r>
+              <a:rPr lang="en-US" dirty="0" smtClean="0"/>
+              <a:t>Managed and controlled </a:t>
+            </a:r>
+            <a:endParaRPr lang="en-US" dirty="0" smtClean="0"/>
+          </a:p>
+          <a:p>
+            <a:r>
+              <a:rPr lang="en-US" dirty="0" smtClean="0"/>
+              <a:t>Defined up front and then continually improved </a:t>
+            </a:r>
+            <a:endParaRPr lang="en-US" dirty="0"/>
+          </a:p>
+        </p:txBody>
+      </p:sp>
+    </p:spTree>
+  </p:cSld>
+  <p:clrMapOvr>
+    <a:masterClrMapping/>
+  </p:clrMapOvr>
+</p:sld>
+</file>
+
+<file path=ppt/slides/slide36.xml><?xml version="1.0" encoding="utf-8"?>
+<p:sld xmlns:a="http://schemas.openxmlformats.org/drawingml/2006/main" xmlns:r="http://schemas.openxmlformats.org/officeDocument/2006/relationships" xmlns:p="http://schemas.openxmlformats.org/presentationml/2006/main">
+  <p:cSld>
+    <p:spTree>
+      <p:nvGrpSpPr>
+        <p:cNvPr id="1" name=""/>
+        <p:cNvGrpSpPr/>
+        <p:nvPr/>
+      </p:nvGrpSpPr>
+      <p:grpSpPr>
+        <a:xfrm>
+          <a:off x="0" y="0"/>
+          <a:ext cx="0" cy="0"/>
+          <a:chOff x="0" y="0"/>
+          <a:chExt cx="0" cy="0"/>
+        </a:xfrm>
+      </p:grpSpPr>
+      <p:sp>
+        <p:nvSpPr>
+          <p:cNvPr id="4" name="Content Placeholder 3"/>
+          <p:cNvSpPr>
+            <a:spLocks noGrp="1"/>
+          </p:cNvSpPr>
+          <p:nvPr>
+            <p:ph sz="half" idx="2"/>
+          </p:nvPr>
+        </p:nvSpPr>
+        <p:spPr>
+          <a:xfrm>
+            <a:off x="630238" y="609600"/>
+            <a:ext cx="3868737" cy="6172200"/>
+          </a:xfrm>
+        </p:spPr>
+        <p:txBody>
+          <a:bodyPr>
+            <a:normAutofit/>
+          </a:bodyPr>
+          <a:lstStyle/>
+          <a:p>
+            <a:r>
+              <a:rPr lang="en-US" sz="1600" dirty="0" smtClean="0"/>
+              <a:t>Project is small</a:t>
+            </a:r>
+          </a:p>
+          <a:p>
+            <a:r>
+              <a:rPr lang="en-US" sz="1600" dirty="0" smtClean="0"/>
+              <a:t>Experienced teams with a wide range of abilities take part</a:t>
+            </a:r>
+          </a:p>
+          <a:p>
+            <a:r>
+              <a:rPr lang="en-US" sz="1600" dirty="0" smtClean="0"/>
+              <a:t>Teams are self-starters, independent leaders and others who are self-directing</a:t>
+            </a:r>
+          </a:p>
+          <a:p>
+            <a:r>
+              <a:rPr lang="en-US" sz="1600" dirty="0" smtClean="0"/>
+              <a:t>Project is an in-house project and the team co-located</a:t>
+            </a:r>
+          </a:p>
+          <a:p>
+            <a:r>
+              <a:rPr lang="en-US" sz="1600" dirty="0" smtClean="0"/>
+              <a:t>System is new with lots of unknowns</a:t>
+            </a:r>
+          </a:p>
+          <a:p>
+            <a:r>
+              <a:rPr lang="en-US" sz="1600" dirty="0" smtClean="0"/>
+              <a:t>Requirements must be discovered</a:t>
+            </a:r>
+          </a:p>
+          <a:p>
+            <a:r>
+              <a:rPr lang="en-US" sz="1600" dirty="0" smtClean="0"/>
+              <a:t>Requirements and environment are volatile with high change rates</a:t>
+            </a:r>
+          </a:p>
+          <a:p>
+            <a:r>
+              <a:rPr lang="en-US" sz="1600" dirty="0" smtClean="0"/>
+              <a:t>End-user environment is flexible</a:t>
+            </a:r>
+          </a:p>
+          <a:p>
+            <a:r>
+              <a:rPr lang="en-US" sz="1600" dirty="0" smtClean="0"/>
+              <a:t>Relationship with customer is close and collaborative</a:t>
+            </a:r>
+          </a:p>
+          <a:p>
+            <a:r>
+              <a:rPr lang="en-US" sz="1600" dirty="0" smtClean="0"/>
+              <a:t>Customer is readily available dedicated and co-located</a:t>
+            </a:r>
+          </a:p>
+          <a:p>
+            <a:r>
+              <a:rPr lang="en-US" sz="1600" dirty="0" smtClean="0"/>
+              <a:t>High trust environment exists within the development teams and customer</a:t>
+            </a:r>
+          </a:p>
+          <a:p>
+            <a:r>
+              <a:rPr lang="en-US" sz="1600" dirty="0" smtClean="0"/>
+              <a:t>Rapid value and high-responsiveness are required</a:t>
+            </a:r>
+            <a:endParaRPr lang="en-US" sz="1600" dirty="0"/>
+          </a:p>
+        </p:txBody>
+      </p:sp>
+      <p:sp>
+        <p:nvSpPr>
+          <p:cNvPr id="6" name="Content Placeholder 5"/>
+          <p:cNvSpPr>
+            <a:spLocks noGrp="1"/>
+          </p:cNvSpPr>
+          <p:nvPr>
+            <p:ph sz="quarter" idx="4"/>
+          </p:nvPr>
+        </p:nvSpPr>
+        <p:spPr>
+          <a:xfrm>
+            <a:off x="4629150" y="609600"/>
+            <a:ext cx="3887788" cy="6172200"/>
+          </a:xfrm>
+        </p:spPr>
+        <p:txBody>
+          <a:bodyPr>
+            <a:normAutofit/>
+          </a:bodyPr>
+          <a:lstStyle/>
+          <a:p>
+            <a:r>
+              <a:rPr lang="en-US" sz="1600" dirty="0" smtClean="0"/>
+              <a:t>Project is large</a:t>
+            </a:r>
+          </a:p>
+          <a:p>
+            <a:r>
+              <a:rPr lang="en-US" sz="1600" dirty="0" smtClean="0"/>
+              <a:t>Teams include varied capabilities and skill sets</a:t>
+            </a:r>
+          </a:p>
+          <a:p>
+            <a:r>
+              <a:rPr lang="en-US" sz="1600" dirty="0" smtClean="0"/>
+              <a:t>Teams are geographically distributed and/or outsourced</a:t>
+            </a:r>
+          </a:p>
+          <a:p>
+            <a:r>
+              <a:rPr lang="en-US" sz="1600" dirty="0" smtClean="0"/>
+              <a:t>Project is of strategic importance</a:t>
+            </a:r>
+          </a:p>
+          <a:p>
+            <a:r>
+              <a:rPr lang="en-US" sz="1600" dirty="0" smtClean="0"/>
+              <a:t>System is well understood (scope and features set)</a:t>
+            </a:r>
+          </a:p>
+          <a:p>
+            <a:r>
+              <a:rPr lang="en-US" sz="1600" dirty="0" smtClean="0"/>
+              <a:t>Requirements are fairly stable</a:t>
+            </a:r>
+          </a:p>
+          <a:p>
+            <a:r>
+              <a:rPr lang="en-US" sz="1600" dirty="0" smtClean="0"/>
+              <a:t>System is large and complex (critical safety/high reliability requirements)</a:t>
+            </a:r>
+          </a:p>
+          <a:p>
+            <a:r>
+              <a:rPr lang="en-US" sz="1600" dirty="0" smtClean="0"/>
+              <a:t>Project stakeholders have a weak relationship with the development team</a:t>
+            </a:r>
+          </a:p>
+          <a:p>
+            <a:r>
+              <a:rPr lang="en-US" sz="1600" dirty="0" smtClean="0"/>
+              <a:t>External legal concerns</a:t>
+            </a:r>
+          </a:p>
+          <a:p>
+            <a:r>
+              <a:rPr lang="en-US" sz="1600" dirty="0" smtClean="0"/>
+              <a:t>Focus is on a strong, quantitative process improvement</a:t>
+            </a:r>
+          </a:p>
+          <a:p>
+            <a:r>
+              <a:rPr lang="en-US" sz="1600" dirty="0" smtClean="0"/>
+              <a:t>Definition and management of process are important</a:t>
+            </a:r>
+          </a:p>
+          <a:p>
+            <a:r>
+              <a:rPr lang="en-US" sz="1600" dirty="0" smtClean="0"/>
+              <a:t>Predictability and stability of process are important</a:t>
+            </a:r>
+            <a:endParaRPr lang="en-US" sz="1600" dirty="0"/>
+          </a:p>
+        </p:txBody>
+      </p:sp>
+      <p:sp>
+        <p:nvSpPr>
+          <p:cNvPr id="7" name="TextBox 6"/>
+          <p:cNvSpPr txBox="1"/>
+          <p:nvPr/>
+        </p:nvSpPr>
+        <p:spPr>
+          <a:xfrm>
+            <a:off x="1828800" y="76200"/>
+            <a:ext cx="5141151" cy="461665"/>
+          </a:xfrm>
+          <a:prstGeom prst="rect">
+            <a:avLst/>
+          </a:prstGeom>
+          <a:noFill/>
+        </p:spPr>
+        <p:txBody>
+          <a:bodyPr wrap="none" rtlCol="0">
+            <a:spAutoFit/>
+          </a:bodyPr>
+          <a:lstStyle/>
+          <a:p>
+            <a:r>
+              <a:rPr lang="en-US" dirty="0" smtClean="0">
+                <a:solidFill>
+                  <a:schemeClr val="bg2"/>
+                </a:solidFill>
+              </a:rPr>
+              <a:t>Agile                                    Plan-Driven</a:t>
+            </a:r>
+            <a:endParaRPr lang="en-US" dirty="0">
+              <a:solidFill>
+                <a:schemeClr val="bg2"/>
+              </a:solidFill>
+            </a:endParaRPr>
           </a:p>
         </p:txBody>
       </p:sp>
@@ -4023,6 +8192,396 @@
       </p:par>
     </p:tnLst>
   </p:timing>
+</p:sld>
+</file>
+
+<file path=ppt/slides/slide37.xml><?xml version="1.0" encoding="utf-8"?>
+<p:sld xmlns:a="http://schemas.openxmlformats.org/drawingml/2006/main" xmlns:r="http://schemas.openxmlformats.org/officeDocument/2006/relationships" xmlns:p="http://schemas.openxmlformats.org/presentationml/2006/main">
+  <p:cSld>
+    <p:spTree>
+      <p:nvGrpSpPr>
+        <p:cNvPr id="1" name=""/>
+        <p:cNvGrpSpPr/>
+        <p:nvPr/>
+      </p:nvGrpSpPr>
+      <p:grpSpPr>
+        <a:xfrm>
+          <a:off x="0" y="0"/>
+          <a:ext cx="0" cy="0"/>
+          <a:chOff x="0" y="0"/>
+          <a:chExt cx="0" cy="0"/>
+        </a:xfrm>
+      </p:grpSpPr>
+      <p:sp>
+        <p:nvSpPr>
+          <p:cNvPr id="2" name="Title 1"/>
+          <p:cNvSpPr>
+            <a:spLocks noGrp="1"/>
+          </p:cNvSpPr>
+          <p:nvPr>
+            <p:ph type="title"/>
+          </p:nvPr>
+        </p:nvSpPr>
+        <p:spPr/>
+        <p:txBody>
+          <a:bodyPr/>
+          <a:lstStyle/>
+          <a:p>
+            <a:r>
+              <a:rPr lang="en-US" dirty="0" smtClean="0"/>
+              <a:t>Software Development Lifecycle (SDLC)</a:t>
+            </a:r>
+            <a:endParaRPr lang="en-US" dirty="0"/>
+          </a:p>
+        </p:txBody>
+      </p:sp>
+      <p:sp>
+        <p:nvSpPr>
+          <p:cNvPr id="3" name="Content Placeholder 2"/>
+          <p:cNvSpPr>
+            <a:spLocks noGrp="1"/>
+          </p:cNvSpPr>
+          <p:nvPr>
+            <p:ph idx="1"/>
+          </p:nvPr>
+        </p:nvSpPr>
+        <p:spPr/>
+        <p:txBody>
+          <a:bodyPr/>
+          <a:lstStyle/>
+          <a:p>
+            <a:endParaRPr lang="en-US" dirty="0"/>
+          </a:p>
+        </p:txBody>
+      </p:sp>
+      <p:sp>
+        <p:nvSpPr>
+          <p:cNvPr id="56322" name="AutoShape 2" descr="Software Development Life Cycle Models and Methodologies"/>
+          <p:cNvSpPr>
+            <a:spLocks noChangeAspect="1" noChangeArrowheads="1"/>
+          </p:cNvSpPr>
+          <p:nvPr/>
+        </p:nvSpPr>
+        <p:spPr bwMode="auto">
+          <a:xfrm>
+            <a:off x="63500" y="-136525"/>
+            <a:ext cx="304800" cy="304800"/>
+          </a:xfrm>
+          <a:prstGeom prst="rect">
+            <a:avLst/>
+          </a:prstGeom>
+          <a:noFill/>
+        </p:spPr>
+        <p:txBody>
+          <a:bodyPr vert="horz" wrap="square" lIns="91440" tIns="45720" rIns="91440" bIns="45720" numCol="1" anchor="t" anchorCtr="0" compatLnSpc="1">
+            <a:prstTxWarp prst="textNoShape">
+              <a:avLst/>
+            </a:prstTxWarp>
+          </a:bodyPr>
+          <a:lstStyle/>
+          <a:p>
+            <a:endParaRPr lang="en-US"/>
+          </a:p>
+        </p:txBody>
+      </p:sp>
+      <p:pic>
+        <p:nvPicPr>
+          <p:cNvPr id="56324" name="Picture 4"/>
+          <p:cNvPicPr>
+            <a:picLocks noChangeAspect="1" noChangeArrowheads="1"/>
+          </p:cNvPicPr>
+          <p:nvPr/>
+        </p:nvPicPr>
+        <p:blipFill>
+          <a:blip r:embed="rId2"/>
+          <a:srcRect/>
+          <a:stretch>
+            <a:fillRect/>
+          </a:stretch>
+        </p:blipFill>
+        <p:spPr bwMode="auto">
+          <a:xfrm>
+            <a:off x="1905000" y="1981200"/>
+            <a:ext cx="4876800" cy="4729853"/>
+          </a:xfrm>
+          <a:prstGeom prst="rect">
+            <a:avLst/>
+          </a:prstGeom>
+          <a:noFill/>
+          <a:ln w="9525">
+            <a:noFill/>
+            <a:miter lim="800000"/>
+            <a:headEnd/>
+            <a:tailEnd/>
+          </a:ln>
+          <a:effectLst/>
+        </p:spPr>
+      </p:pic>
+    </p:spTree>
+  </p:cSld>
+  <p:clrMapOvr>
+    <a:masterClrMapping/>
+  </p:clrMapOvr>
+  <p:timing>
+    <p:tnLst>
+      <p:par>
+        <p:cTn id="1" dur="indefinite" restart="never" nodeType="tmRoot"/>
+      </p:par>
+    </p:tnLst>
+  </p:timing>
+</p:sld>
+</file>
+
+<file path=ppt/slides/slide38.xml><?xml version="1.0" encoding="utf-8"?>
+<p:sld xmlns:a="http://schemas.openxmlformats.org/drawingml/2006/main" xmlns:r="http://schemas.openxmlformats.org/officeDocument/2006/relationships" xmlns:p="http://schemas.openxmlformats.org/presentationml/2006/main">
+  <p:cSld>
+    <p:spTree>
+      <p:nvGrpSpPr>
+        <p:cNvPr id="1" name=""/>
+        <p:cNvGrpSpPr/>
+        <p:nvPr/>
+      </p:nvGrpSpPr>
+      <p:grpSpPr>
+        <a:xfrm>
+          <a:off x="0" y="0"/>
+          <a:ext cx="0" cy="0"/>
+          <a:chOff x="0" y="0"/>
+          <a:chExt cx="0" cy="0"/>
+        </a:xfrm>
+      </p:grpSpPr>
+      <p:sp>
+        <p:nvSpPr>
+          <p:cNvPr id="2" name="Title 1"/>
+          <p:cNvSpPr>
+            <a:spLocks noGrp="1"/>
+          </p:cNvSpPr>
+          <p:nvPr>
+            <p:ph type="title"/>
+          </p:nvPr>
+        </p:nvSpPr>
+        <p:spPr>
+          <a:xfrm>
+            <a:off x="685800" y="609600"/>
+            <a:ext cx="8001000" cy="1143000"/>
+          </a:xfrm>
+        </p:spPr>
+        <p:txBody>
+          <a:bodyPr/>
+          <a:lstStyle/>
+          <a:p>
+            <a:r>
+              <a:rPr lang="en-US" dirty="0" smtClean="0"/>
+              <a:t>Software Development Lifecycle</a:t>
+            </a:r>
+            <a:endParaRPr lang="en-US" dirty="0"/>
+          </a:p>
+        </p:txBody>
+      </p:sp>
+      <p:sp>
+        <p:nvSpPr>
+          <p:cNvPr id="3" name="Content Placeholder 2"/>
+          <p:cNvSpPr>
+            <a:spLocks noGrp="1"/>
+          </p:cNvSpPr>
+          <p:nvPr>
+            <p:ph idx="1"/>
+          </p:nvPr>
+        </p:nvSpPr>
+        <p:spPr/>
+        <p:txBody>
+          <a:bodyPr/>
+          <a:lstStyle/>
+          <a:p>
+            <a:r>
+              <a:rPr lang="en-US" dirty="0" smtClean="0"/>
+              <a:t>Controlling </a:t>
+            </a:r>
+            <a:r>
+              <a:rPr lang="en-US" dirty="0" smtClean="0"/>
+              <a:t>framework </a:t>
+            </a:r>
+            <a:endParaRPr lang="en-US" dirty="0" smtClean="0"/>
+          </a:p>
+          <a:p>
+            <a:r>
+              <a:rPr lang="en-US" dirty="0" smtClean="0"/>
+              <a:t>Guide for the </a:t>
+            </a:r>
+            <a:r>
+              <a:rPr lang="en-US" dirty="0" smtClean="0"/>
+              <a:t>overall development of the </a:t>
+            </a:r>
+            <a:r>
+              <a:rPr lang="en-US" dirty="0" smtClean="0"/>
+              <a:t>system</a:t>
+            </a:r>
+          </a:p>
+          <a:p>
+            <a:pPr lvl="1"/>
+            <a:r>
+              <a:rPr lang="en-US" dirty="0" smtClean="0"/>
+              <a:t>ultimately </a:t>
+            </a:r>
+            <a:r>
+              <a:rPr lang="en-US" dirty="0" smtClean="0"/>
+              <a:t>leading to the </a:t>
+            </a:r>
+            <a:r>
+              <a:rPr lang="en-US" dirty="0" smtClean="0"/>
+              <a:t>final product </a:t>
+            </a:r>
+            <a:r>
+              <a:rPr lang="en-US" dirty="0" smtClean="0"/>
+              <a:t/>
+            </a:r>
+            <a:br>
+              <a:rPr lang="en-US" dirty="0" smtClean="0"/>
+            </a:br>
+            <a:r>
+              <a:rPr lang="en-US" dirty="0" smtClean="0"/>
+              <a:t/>
+            </a:r>
+            <a:br>
+              <a:rPr lang="en-US" dirty="0" smtClean="0"/>
+            </a:br>
+            <a:r>
+              <a:rPr lang="en-US" dirty="0" smtClean="0"/>
+              <a:t/>
+            </a:r>
+            <a:br>
+              <a:rPr lang="en-US" dirty="0" smtClean="0"/>
+            </a:br>
+            <a:endParaRPr lang="en-US" dirty="0"/>
+          </a:p>
+        </p:txBody>
+      </p:sp>
+    </p:spTree>
+  </p:cSld>
+  <p:clrMapOvr>
+    <a:masterClrMapping/>
+  </p:clrMapOvr>
+</p:sld>
+</file>
+
+<file path=ppt/slides/slide39.xml><?xml version="1.0" encoding="utf-8"?>
+<p:sld xmlns:a="http://schemas.openxmlformats.org/drawingml/2006/main" xmlns:r="http://schemas.openxmlformats.org/officeDocument/2006/relationships" xmlns:p="http://schemas.openxmlformats.org/presentationml/2006/main">
+  <p:cSld>
+    <p:spTree>
+      <p:nvGrpSpPr>
+        <p:cNvPr id="1" name=""/>
+        <p:cNvGrpSpPr/>
+        <p:nvPr/>
+      </p:nvGrpSpPr>
+      <p:grpSpPr>
+        <a:xfrm>
+          <a:off x="0" y="0"/>
+          <a:ext cx="0" cy="0"/>
+          <a:chOff x="0" y="0"/>
+          <a:chExt cx="0" cy="0"/>
+        </a:xfrm>
+      </p:grpSpPr>
+      <p:sp>
+        <p:nvSpPr>
+          <p:cNvPr id="2" name="Title 1"/>
+          <p:cNvSpPr>
+            <a:spLocks noGrp="1"/>
+          </p:cNvSpPr>
+          <p:nvPr>
+            <p:ph type="title"/>
+          </p:nvPr>
+        </p:nvSpPr>
+        <p:spPr/>
+        <p:txBody>
+          <a:bodyPr/>
+          <a:lstStyle/>
+          <a:p>
+            <a:r>
+              <a:rPr lang="en-US" dirty="0" smtClean="0"/>
+              <a:t>Selection</a:t>
+            </a:r>
+            <a:endParaRPr lang="en-US" dirty="0"/>
+          </a:p>
+        </p:txBody>
+      </p:sp>
+      <p:sp>
+        <p:nvSpPr>
+          <p:cNvPr id="3" name="Content Placeholder 2"/>
+          <p:cNvSpPr>
+            <a:spLocks noGrp="1"/>
+          </p:cNvSpPr>
+          <p:nvPr>
+            <p:ph idx="1"/>
+          </p:nvPr>
+        </p:nvSpPr>
+        <p:spPr/>
+        <p:txBody>
+          <a:bodyPr/>
+          <a:lstStyle/>
+          <a:p>
+            <a:r>
+              <a:rPr lang="en-US" dirty="0" smtClean="0"/>
+              <a:t>Plethora of </a:t>
+            </a:r>
+            <a:r>
+              <a:rPr lang="en-US" dirty="0" smtClean="0"/>
+              <a:t>software development lifecycle </a:t>
+            </a:r>
+            <a:r>
+              <a:rPr lang="en-US" dirty="0" smtClean="0"/>
+              <a:t>styles available</a:t>
+            </a:r>
+          </a:p>
+          <a:p>
+            <a:pPr lvl="1"/>
+            <a:r>
+              <a:rPr lang="en-US" dirty="0" smtClean="0"/>
+              <a:t>For example, Rational Unified Process (RUP), XP, SCRUM, Crystal, ...</a:t>
+            </a:r>
+          </a:p>
+          <a:p>
+            <a:r>
+              <a:rPr lang="en-US" dirty="0" smtClean="0"/>
+              <a:t>Selection </a:t>
+            </a:r>
+            <a:r>
+              <a:rPr lang="en-US" dirty="0" smtClean="0"/>
+              <a:t>of a lifecycle </a:t>
+            </a:r>
+            <a:r>
+              <a:rPr lang="en-US" dirty="0" smtClean="0"/>
+              <a:t>style directly </a:t>
+            </a:r>
+            <a:r>
+              <a:rPr lang="en-US" dirty="0" smtClean="0"/>
+              <a:t>affects the size and shape of the </a:t>
+            </a:r>
+            <a:r>
+              <a:rPr lang="en-US" dirty="0" smtClean="0"/>
+              <a:t>process </a:t>
+            </a:r>
+            <a:r>
+              <a:rPr lang="en-US" dirty="0" smtClean="0"/>
+              <a:t/>
+            </a:r>
+            <a:br>
+              <a:rPr lang="en-US" dirty="0" smtClean="0"/>
+            </a:br>
+            <a:r>
+              <a:rPr lang="en-US" dirty="0" smtClean="0"/>
+              <a:t/>
+            </a:r>
+            <a:br>
+              <a:rPr lang="en-US" dirty="0" smtClean="0"/>
+            </a:br>
+            <a:endParaRPr lang="en-US" dirty="0"/>
+          </a:p>
+        </p:txBody>
+      </p:sp>
+    </p:spTree>
+  </p:cSld>
+  <p:clrMapOvr>
+    <a:masterClrMapping/>
+  </p:clrMapOvr>
 </p:sld>
 </file>
 
@@ -4045,7 +8604,7 @@
       </p:grpSpPr>
       <p:sp>
         <p:nvSpPr>
-          <p:cNvPr id="12290" name="Title 1"/>
+          <p:cNvPr id="14338" name="Title 1"/>
           <p:cNvSpPr>
             <a:spLocks noGrp="1"/>
           </p:cNvSpPr>
@@ -4060,14 +8619,14 @@
           <a:p>
             <a:r>
               <a:rPr lang="en-GB" altLang="en-US" smtClean="0"/>
-              <a:t>This Week</a:t>
-            </a:r>
-          </a:p>
-        </p:txBody>
-      </p:sp>
-      <p:sp>
-        <p:nvSpPr>
-          <p:cNvPr id="12291" name="Content Placeholder 2"/>
+              <a:t>Answer</a:t>
+            </a:r>
+          </a:p>
+        </p:txBody>
+      </p:sp>
+      <p:sp>
+        <p:nvSpPr>
+          <p:cNvPr id="14339" name="Content Placeholder 2"/>
           <p:cNvSpPr>
             <a:spLocks noGrp="1"/>
           </p:cNvSpPr>
@@ -4080,24 +8639,555 @@
           <a:bodyPr/>
           <a:lstStyle/>
           <a:p>
-            <a:r>
-              <a:rPr lang="en-GB" altLang="en-US" dirty="0" smtClean="0"/>
-              <a:t>Review Slides</a:t>
-            </a:r>
-          </a:p>
-          <a:p>
-            <a:r>
-              <a:rPr lang="en-GB" altLang="en-US" smtClean="0"/>
-              <a:t>Read Chapter </a:t>
-            </a:r>
-            <a:r>
-              <a:rPr lang="en-GB" altLang="en-US" smtClean="0"/>
-              <a:t>7</a:t>
-            </a:r>
-            <a:endParaRPr lang="en-GB" altLang="en-US" smtClean="0"/>
-          </a:p>
-        </p:txBody>
-      </p:sp>
+            <a:pPr marL="0" indent="0">
+              <a:buNone/>
+              <a:defRPr/>
+            </a:pPr>
+            <a:r>
+              <a:rPr lang="en-GB" dirty="0" smtClean="0"/>
+              <a:t>b) </a:t>
+            </a:r>
+            <a:r>
+              <a:rPr lang="en-GB" dirty="0" err="1" smtClean="0"/>
+              <a:t>behavior</a:t>
+            </a:r>
+            <a:r>
+              <a:rPr lang="en-GB" dirty="0" smtClean="0"/>
+              <a:t>, state, identity</a:t>
+            </a:r>
+          </a:p>
+          <a:p>
+            <a:endParaRPr lang="en-GB" altLang="en-US" dirty="0" smtClean="0"/>
+          </a:p>
+        </p:txBody>
+      </p:sp>
+    </p:spTree>
+  </p:cSld>
+  <p:clrMapOvr>
+    <a:masterClrMapping/>
+  </p:clrMapOvr>
+</p:sld>
+</file>
+
+<file path=ppt/slides/slide40.xml><?xml version="1.0" encoding="utf-8"?>
+<p:sld xmlns:a="http://schemas.openxmlformats.org/drawingml/2006/main" xmlns:r="http://schemas.openxmlformats.org/officeDocument/2006/relationships" xmlns:p="http://schemas.openxmlformats.org/presentationml/2006/main">
+  <p:cSld>
+    <p:spTree>
+      <p:nvGrpSpPr>
+        <p:cNvPr id="1" name=""/>
+        <p:cNvGrpSpPr/>
+        <p:nvPr/>
+      </p:nvGrpSpPr>
+      <p:grpSpPr>
+        <a:xfrm>
+          <a:off x="0" y="0"/>
+          <a:ext cx="0" cy="0"/>
+          <a:chOff x="0" y="0"/>
+          <a:chExt cx="0" cy="0"/>
+        </a:xfrm>
+      </p:grpSpPr>
+      <p:sp>
+        <p:nvSpPr>
+          <p:cNvPr id="2" name="Title 1"/>
+          <p:cNvSpPr>
+            <a:spLocks noGrp="1"/>
+          </p:cNvSpPr>
+          <p:nvPr>
+            <p:ph type="title"/>
+          </p:nvPr>
+        </p:nvSpPr>
+        <p:spPr/>
+        <p:txBody>
+          <a:bodyPr/>
+          <a:lstStyle/>
+          <a:p>
+            <a:r>
+              <a:rPr lang="en-US" dirty="0" smtClean="0"/>
+              <a:t>Five Process Areas</a:t>
+            </a:r>
+            <a:endParaRPr lang="en-US" dirty="0"/>
+          </a:p>
+        </p:txBody>
+      </p:sp>
+      <p:sp>
+        <p:nvSpPr>
+          <p:cNvPr id="3" name="Content Placeholder 2"/>
+          <p:cNvSpPr>
+            <a:spLocks noGrp="1"/>
+          </p:cNvSpPr>
+          <p:nvPr>
+            <p:ph idx="1"/>
+          </p:nvPr>
+        </p:nvSpPr>
+        <p:spPr/>
+        <p:txBody>
+          <a:bodyPr/>
+          <a:lstStyle/>
+          <a:p>
+            <a:pPr>
+              <a:buNone/>
+            </a:pPr>
+            <a:r>
+              <a:rPr lang="en-US" dirty="0" smtClean="0"/>
+              <a:t>1. Requirements</a:t>
+            </a:r>
+          </a:p>
+          <a:p>
+            <a:pPr>
+              <a:buNone/>
+            </a:pPr>
+            <a:r>
+              <a:rPr lang="en-US" dirty="0" smtClean="0"/>
+              <a:t>2. Analysis and Design</a:t>
+            </a:r>
+          </a:p>
+          <a:p>
+            <a:pPr>
+              <a:buNone/>
+            </a:pPr>
+            <a:r>
+              <a:rPr lang="en-US" dirty="0" smtClean="0"/>
+              <a:t>3. Implementation</a:t>
+            </a:r>
+          </a:p>
+          <a:p>
+            <a:pPr>
+              <a:buNone/>
+            </a:pPr>
+            <a:r>
+              <a:rPr lang="en-US" dirty="0" smtClean="0"/>
+              <a:t>4. Testing</a:t>
+            </a:r>
+          </a:p>
+          <a:p>
+            <a:pPr>
+              <a:buNone/>
+            </a:pPr>
+            <a:r>
+              <a:rPr lang="en-US" dirty="0" smtClean="0"/>
+              <a:t>5. Deployment</a:t>
+            </a:r>
+            <a:endParaRPr lang="en-US" dirty="0"/>
+          </a:p>
+        </p:txBody>
+      </p:sp>
+      <p:pic>
+        <p:nvPicPr>
+          <p:cNvPr id="60418" name="Picture 2"/>
+          <p:cNvPicPr>
+            <a:picLocks noChangeAspect="1" noChangeArrowheads="1"/>
+          </p:cNvPicPr>
+          <p:nvPr/>
+        </p:nvPicPr>
+        <p:blipFill>
+          <a:blip r:embed="rId2"/>
+          <a:srcRect/>
+          <a:stretch>
+            <a:fillRect/>
+          </a:stretch>
+        </p:blipFill>
+        <p:spPr bwMode="auto">
+          <a:xfrm>
+            <a:off x="533400" y="5334000"/>
+            <a:ext cx="8001000" cy="762000"/>
+          </a:xfrm>
+          <a:prstGeom prst="rect">
+            <a:avLst/>
+          </a:prstGeom>
+          <a:noFill/>
+          <a:ln w="9525">
+            <a:noFill/>
+            <a:miter lim="800000"/>
+            <a:headEnd/>
+            <a:tailEnd/>
+          </a:ln>
+          <a:effectLst/>
+        </p:spPr>
+      </p:pic>
+    </p:spTree>
+  </p:cSld>
+  <p:clrMapOvr>
+    <a:masterClrMapping/>
+  </p:clrMapOvr>
+</p:sld>
+</file>
+
+<file path=ppt/slides/slide41.xml><?xml version="1.0" encoding="utf-8"?>
+<p:sld xmlns:a="http://schemas.openxmlformats.org/drawingml/2006/main" xmlns:r="http://schemas.openxmlformats.org/officeDocument/2006/relationships" xmlns:p="http://schemas.openxmlformats.org/presentationml/2006/main">
+  <p:cSld>
+    <p:spTree>
+      <p:nvGrpSpPr>
+        <p:cNvPr id="1" name=""/>
+        <p:cNvGrpSpPr/>
+        <p:nvPr/>
+      </p:nvGrpSpPr>
+      <p:grpSpPr>
+        <a:xfrm>
+          <a:off x="0" y="0"/>
+          <a:ext cx="0" cy="0"/>
+          <a:chOff x="0" y="0"/>
+          <a:chExt cx="0" cy="0"/>
+        </a:xfrm>
+      </p:grpSpPr>
+      <p:sp>
+        <p:nvSpPr>
+          <p:cNvPr id="2" name="Title 1"/>
+          <p:cNvSpPr>
+            <a:spLocks noGrp="1"/>
+          </p:cNvSpPr>
+          <p:nvPr>
+            <p:ph type="title"/>
+          </p:nvPr>
+        </p:nvSpPr>
+        <p:spPr/>
+        <p:txBody>
+          <a:bodyPr/>
+          <a:lstStyle/>
+          <a:p>
+            <a:r>
+              <a:rPr lang="en-US" dirty="0" smtClean="0"/>
+              <a:t>Throughout </a:t>
+            </a:r>
+            <a:r>
+              <a:rPr lang="en-US" dirty="0" smtClean="0"/>
+              <a:t>the </a:t>
+            </a:r>
+            <a:r>
+              <a:rPr lang="en-US" dirty="0" smtClean="0"/>
+              <a:t>Lifecycle </a:t>
+            </a:r>
+            <a:endParaRPr lang="en-US" dirty="0"/>
+          </a:p>
+        </p:txBody>
+      </p:sp>
+      <p:sp>
+        <p:nvSpPr>
+          <p:cNvPr id="3" name="Content Placeholder 2"/>
+          <p:cNvSpPr>
+            <a:spLocks noGrp="1"/>
+          </p:cNvSpPr>
+          <p:nvPr>
+            <p:ph idx="1"/>
+          </p:nvPr>
+        </p:nvSpPr>
+        <p:spPr>
+          <a:xfrm>
+            <a:off x="685800" y="1981200"/>
+            <a:ext cx="7772400" cy="4343400"/>
+          </a:xfrm>
+        </p:spPr>
+        <p:txBody>
+          <a:bodyPr>
+            <a:normAutofit fontScale="92500" lnSpcReduction="20000"/>
+          </a:bodyPr>
+          <a:lstStyle/>
+          <a:p>
+            <a:r>
+              <a:rPr lang="en-US" i="1" dirty="0" smtClean="0"/>
+              <a:t>Project M</a:t>
+            </a:r>
+            <a:r>
+              <a:rPr lang="en-US" i="1" dirty="0" smtClean="0"/>
+              <a:t>anagement</a:t>
+            </a:r>
+            <a:endParaRPr lang="en-US" i="1" dirty="0" smtClean="0"/>
+          </a:p>
+          <a:p>
+            <a:pPr lvl="1"/>
+            <a:r>
+              <a:rPr lang="en-US" dirty="0" smtClean="0"/>
+              <a:t>Manage </a:t>
+            </a:r>
+            <a:r>
+              <a:rPr lang="en-US" dirty="0" smtClean="0"/>
+              <a:t>the software development project, </a:t>
+            </a:r>
+            <a:r>
+              <a:rPr lang="en-US" dirty="0" smtClean="0"/>
+              <a:t>including: </a:t>
+            </a:r>
+          </a:p>
+          <a:p>
+            <a:pPr lvl="2"/>
+            <a:r>
+              <a:rPr lang="en-US" dirty="0" smtClean="0"/>
+              <a:t>planning</a:t>
+            </a:r>
+            <a:r>
+              <a:rPr lang="en-US" dirty="0" smtClean="0"/>
+              <a:t>, </a:t>
+            </a:r>
+            <a:r>
+              <a:rPr lang="en-US" dirty="0" smtClean="0"/>
+              <a:t>staffing</a:t>
+            </a:r>
+            <a:r>
+              <a:rPr lang="en-US" dirty="0" smtClean="0"/>
+              <a:t>, and monitoring the project, as well as managing </a:t>
+            </a:r>
+            <a:r>
+              <a:rPr lang="en-US" dirty="0" smtClean="0"/>
+              <a:t>the risks</a:t>
+            </a:r>
+          </a:p>
+          <a:p>
+            <a:r>
+              <a:rPr lang="en-US" dirty="0" smtClean="0"/>
+              <a:t>Configuration and Change Management</a:t>
+            </a:r>
+          </a:p>
+          <a:p>
+            <a:pPr lvl="1"/>
+            <a:r>
+              <a:rPr lang="en-US" dirty="0" smtClean="0"/>
+              <a:t>Identify and control change</a:t>
+            </a:r>
+          </a:p>
+          <a:p>
+            <a:r>
+              <a:rPr lang="en-US" dirty="0" smtClean="0"/>
+              <a:t>Environment</a:t>
+            </a:r>
+          </a:p>
+          <a:p>
+            <a:pPr lvl="1"/>
+            <a:r>
+              <a:rPr lang="en-US" dirty="0" smtClean="0"/>
+              <a:t>Software development environment, including teams, tools, and support</a:t>
+            </a:r>
+            <a:r>
+              <a:rPr lang="en-US" dirty="0" smtClean="0"/>
+              <a:t/>
+            </a:r>
+            <a:br>
+              <a:rPr lang="en-US" dirty="0" smtClean="0"/>
+            </a:br>
+            <a:endParaRPr lang="en-US" dirty="0"/>
+          </a:p>
+        </p:txBody>
+      </p:sp>
+    </p:spTree>
+  </p:cSld>
+  <p:clrMapOvr>
+    <a:masterClrMapping/>
+  </p:clrMapOvr>
+</p:sld>
+</file>
+
+<file path=ppt/slides/slide42.xml><?xml version="1.0" encoding="utf-8"?>
+<p:sld xmlns:a="http://schemas.openxmlformats.org/drawingml/2006/main" xmlns:r="http://schemas.openxmlformats.org/officeDocument/2006/relationships" xmlns:p="http://schemas.openxmlformats.org/presentationml/2006/main">
+  <p:cSld>
+    <p:spTree>
+      <p:nvGrpSpPr>
+        <p:cNvPr id="1" name=""/>
+        <p:cNvGrpSpPr/>
+        <p:nvPr/>
+      </p:nvGrpSpPr>
+      <p:grpSpPr>
+        <a:xfrm>
+          <a:off x="0" y="0"/>
+          <a:ext cx="0" cy="0"/>
+          <a:chOff x="0" y="0"/>
+          <a:chExt cx="0" cy="0"/>
+        </a:xfrm>
+      </p:grpSpPr>
+      <p:sp>
+        <p:nvSpPr>
+          <p:cNvPr id="2" name="Title 1"/>
+          <p:cNvSpPr>
+            <a:spLocks noGrp="1"/>
+          </p:cNvSpPr>
+          <p:nvPr>
+            <p:ph type="title"/>
+          </p:nvPr>
+        </p:nvSpPr>
+        <p:spPr/>
+        <p:txBody>
+          <a:bodyPr/>
+          <a:lstStyle/>
+          <a:p>
+            <a:r>
+              <a:rPr lang="en-US" dirty="0" smtClean="0"/>
+              <a:t>Process Disciplines</a:t>
+            </a:r>
+            <a:endParaRPr lang="en-US" dirty="0"/>
+          </a:p>
+        </p:txBody>
+      </p:sp>
+      <p:sp>
+        <p:nvSpPr>
+          <p:cNvPr id="3" name="Content Placeholder 2"/>
+          <p:cNvSpPr>
+            <a:spLocks noGrp="1"/>
+          </p:cNvSpPr>
+          <p:nvPr>
+            <p:ph idx="1"/>
+          </p:nvPr>
+        </p:nvSpPr>
+        <p:spPr>
+          <a:xfrm>
+            <a:off x="685800" y="4648200"/>
+            <a:ext cx="7772400" cy="1447800"/>
+          </a:xfrm>
+        </p:spPr>
+        <p:txBody>
+          <a:bodyPr/>
+          <a:lstStyle/>
+          <a:p>
+            <a:r>
+              <a:rPr lang="en-US" dirty="0" smtClean="0"/>
+              <a:t>Relative Order</a:t>
+            </a:r>
+          </a:p>
+          <a:p>
+            <a:r>
+              <a:rPr lang="en-US" dirty="0" smtClean="0"/>
+              <a:t>Iterative Nature</a:t>
+            </a:r>
+            <a:endParaRPr lang="en-US" dirty="0"/>
+          </a:p>
+        </p:txBody>
+      </p:sp>
+      <p:pic>
+        <p:nvPicPr>
+          <p:cNvPr id="61443" name="Picture 3"/>
+          <p:cNvPicPr>
+            <a:picLocks noChangeAspect="1" noChangeArrowheads="1"/>
+          </p:cNvPicPr>
+          <p:nvPr/>
+        </p:nvPicPr>
+        <p:blipFill>
+          <a:blip r:embed="rId2"/>
+          <a:srcRect/>
+          <a:stretch>
+            <a:fillRect/>
+          </a:stretch>
+        </p:blipFill>
+        <p:spPr bwMode="auto">
+          <a:xfrm>
+            <a:off x="762000" y="2286000"/>
+            <a:ext cx="7649862" cy="1752600"/>
+          </a:xfrm>
+          <a:prstGeom prst="rect">
+            <a:avLst/>
+          </a:prstGeom>
+          <a:noFill/>
+          <a:ln w="9525">
+            <a:noFill/>
+            <a:miter lim="800000"/>
+            <a:headEnd/>
+            <a:tailEnd/>
+          </a:ln>
+          <a:effectLst/>
+        </p:spPr>
+      </p:pic>
+    </p:spTree>
+  </p:cSld>
+  <p:clrMapOvr>
+    <a:masterClrMapping/>
+  </p:clrMapOvr>
+</p:sld>
+</file>
+
+<file path=ppt/slides/slide43.xml><?xml version="1.0" encoding="utf-8"?>
+<p:sld xmlns:a="http://schemas.openxmlformats.org/drawingml/2006/main" xmlns:r="http://schemas.openxmlformats.org/officeDocument/2006/relationships" xmlns:p="http://schemas.openxmlformats.org/presentationml/2006/main">
+  <p:cSld>
+    <p:spTree>
+      <p:nvGrpSpPr>
+        <p:cNvPr id="1" name=""/>
+        <p:cNvGrpSpPr/>
+        <p:nvPr/>
+      </p:nvGrpSpPr>
+      <p:grpSpPr>
+        <a:xfrm>
+          <a:off x="0" y="0"/>
+          <a:ext cx="0" cy="0"/>
+          <a:chOff x="0" y="0"/>
+          <a:chExt cx="0" cy="0"/>
+        </a:xfrm>
+      </p:grpSpPr>
+      <p:sp>
+        <p:nvSpPr>
+          <p:cNvPr id="2" name="Title 1"/>
+          <p:cNvSpPr>
+            <a:spLocks noGrp="1"/>
+          </p:cNvSpPr>
+          <p:nvPr>
+            <p:ph type="title"/>
+          </p:nvPr>
+        </p:nvSpPr>
+        <p:spPr/>
+        <p:txBody>
+          <a:bodyPr/>
+          <a:lstStyle/>
+          <a:p>
+            <a:r>
+              <a:rPr lang="en-US" sz="4000" dirty="0" smtClean="0"/>
+              <a:t>Process Milestones, </a:t>
+            </a:r>
+            <a:br>
+              <a:rPr lang="en-US" sz="4000" dirty="0" smtClean="0"/>
+            </a:br>
+            <a:r>
+              <a:rPr lang="en-US" sz="4000" dirty="0" smtClean="0"/>
+              <a:t>Phases and Iterations</a:t>
+            </a:r>
+            <a:endParaRPr lang="en-US" sz="4000" dirty="0"/>
+          </a:p>
+        </p:txBody>
+      </p:sp>
+      <p:sp>
+        <p:nvSpPr>
+          <p:cNvPr id="3" name="Content Placeholder 2"/>
+          <p:cNvSpPr>
+            <a:spLocks noGrp="1"/>
+          </p:cNvSpPr>
+          <p:nvPr>
+            <p:ph idx="1"/>
+          </p:nvPr>
+        </p:nvSpPr>
+        <p:spPr/>
+        <p:txBody>
+          <a:bodyPr/>
+          <a:lstStyle/>
+          <a:p>
+            <a:endParaRPr lang="en-US"/>
+          </a:p>
+        </p:txBody>
+      </p:sp>
+      <p:pic>
+        <p:nvPicPr>
+          <p:cNvPr id="62466" name="Picture 2"/>
+          <p:cNvPicPr>
+            <a:picLocks noChangeAspect="1" noChangeArrowheads="1"/>
+          </p:cNvPicPr>
+          <p:nvPr/>
+        </p:nvPicPr>
+        <p:blipFill>
+          <a:blip r:embed="rId2"/>
+          <a:srcRect/>
+          <a:stretch>
+            <a:fillRect/>
+          </a:stretch>
+        </p:blipFill>
+        <p:spPr bwMode="auto">
+          <a:xfrm>
+            <a:off x="304800" y="2209800"/>
+            <a:ext cx="8496300" cy="3810000"/>
+          </a:xfrm>
+          <a:prstGeom prst="rect">
+            <a:avLst/>
+          </a:prstGeom>
+          <a:noFill/>
+          <a:ln w="9525">
+            <a:noFill/>
+            <a:miter lim="800000"/>
+            <a:headEnd/>
+            <a:tailEnd/>
+          </a:ln>
+          <a:effectLst/>
+        </p:spPr>
+      </p:pic>
     </p:spTree>
   </p:cSld>
   <p:clrMapOvr>
@@ -4110,6 +9200,994 @@
       </p:par>
     </p:tnLst>
   </p:timing>
+</p:sld>
+</file>
+
+<file path=ppt/slides/slide44.xml><?xml version="1.0" encoding="utf-8"?>
+<p:sld xmlns:a="http://schemas.openxmlformats.org/drawingml/2006/main" xmlns:r="http://schemas.openxmlformats.org/officeDocument/2006/relationships" xmlns:p="http://schemas.openxmlformats.org/presentationml/2006/main">
+  <p:cSld>
+    <p:spTree>
+      <p:nvGrpSpPr>
+        <p:cNvPr id="1" name=""/>
+        <p:cNvGrpSpPr/>
+        <p:nvPr/>
+      </p:nvGrpSpPr>
+      <p:grpSpPr>
+        <a:xfrm>
+          <a:off x="0" y="0"/>
+          <a:ext cx="0" cy="0"/>
+          <a:chOff x="0" y="0"/>
+          <a:chExt cx="0" cy="0"/>
+        </a:xfrm>
+      </p:grpSpPr>
+      <p:sp>
+        <p:nvSpPr>
+          <p:cNvPr id="2" name="Title 1"/>
+          <p:cNvSpPr>
+            <a:spLocks noGrp="1"/>
+          </p:cNvSpPr>
+          <p:nvPr>
+            <p:ph type="title"/>
+          </p:nvPr>
+        </p:nvSpPr>
+        <p:spPr>
+          <a:xfrm>
+            <a:off x="685800" y="228600"/>
+            <a:ext cx="7772400" cy="1143000"/>
+          </a:xfrm>
+        </p:spPr>
+        <p:txBody>
+          <a:bodyPr/>
+          <a:lstStyle/>
+          <a:p>
+            <a:r>
+              <a:rPr lang="en-US" b="1" dirty="0" smtClean="0"/>
+              <a:t>Phases in Agile Methods</a:t>
+            </a:r>
+            <a:r>
+              <a:rPr lang="en-US" dirty="0" smtClean="0"/>
+              <a:t> </a:t>
+            </a:r>
+            <a:endParaRPr lang="en-US" dirty="0"/>
+          </a:p>
+        </p:txBody>
+      </p:sp>
+      <p:sp>
+        <p:nvSpPr>
+          <p:cNvPr id="3" name="Content Placeholder 2"/>
+          <p:cNvSpPr>
+            <a:spLocks noGrp="1"/>
+          </p:cNvSpPr>
+          <p:nvPr>
+            <p:ph idx="1"/>
+          </p:nvPr>
+        </p:nvSpPr>
+        <p:spPr>
+          <a:xfrm>
+            <a:off x="381000" y="1447800"/>
+            <a:ext cx="8305800" cy="5181600"/>
+          </a:xfrm>
+        </p:spPr>
+        <p:txBody>
+          <a:bodyPr>
+            <a:normAutofit fontScale="85000" lnSpcReduction="20000"/>
+          </a:bodyPr>
+          <a:lstStyle/>
+          <a:p>
+            <a:r>
+              <a:rPr lang="en-US" dirty="0" smtClean="0"/>
+              <a:t>The </a:t>
+            </a:r>
+            <a:r>
+              <a:rPr lang="en-US" dirty="0" smtClean="0">
+                <a:solidFill>
+                  <a:srgbClr val="FF0000"/>
+                </a:solidFill>
+              </a:rPr>
+              <a:t>XP</a:t>
+            </a:r>
+            <a:r>
+              <a:rPr lang="en-US" dirty="0" smtClean="0"/>
+              <a:t> lifecycle includes </a:t>
+            </a:r>
+            <a:r>
+              <a:rPr lang="en-US" dirty="0" smtClean="0">
+                <a:solidFill>
+                  <a:srgbClr val="FF0000"/>
+                </a:solidFill>
+              </a:rPr>
+              <a:t>five</a:t>
+            </a:r>
+            <a:r>
+              <a:rPr lang="en-US" dirty="0" smtClean="0"/>
+              <a:t> phases </a:t>
+            </a:r>
+            <a:endParaRPr lang="en-US" dirty="0" smtClean="0"/>
+          </a:p>
+          <a:p>
+            <a:pPr marL="514350" indent="-514350">
+              <a:buAutoNum type="arabicPeriod"/>
+            </a:pPr>
+            <a:r>
+              <a:rPr lang="en-US" i="1" dirty="0" smtClean="0">
+                <a:solidFill>
+                  <a:schemeClr val="bg1"/>
+                </a:solidFill>
+              </a:rPr>
+              <a:t>Exploration</a:t>
+            </a:r>
+            <a:r>
+              <a:rPr lang="en-US" dirty="0" smtClean="0"/>
+              <a:t>: Determine feasibility, understand key “stories” for the </a:t>
+            </a:r>
+            <a:r>
+              <a:rPr lang="en-US" dirty="0" smtClean="0"/>
+              <a:t>first release</a:t>
+            </a:r>
+            <a:r>
+              <a:rPr lang="en-US" dirty="0" smtClean="0"/>
+              <a:t>, and develop exploratory </a:t>
+            </a:r>
+            <a:r>
+              <a:rPr lang="en-US" dirty="0" smtClean="0"/>
+              <a:t>prototypes</a:t>
+            </a:r>
+          </a:p>
+          <a:p>
+            <a:pPr marL="514350" indent="-514350">
+              <a:buAutoNum type="arabicPeriod"/>
+            </a:pPr>
+            <a:r>
+              <a:rPr lang="en-US" i="1" dirty="0" smtClean="0">
+                <a:solidFill>
+                  <a:schemeClr val="bg1"/>
+                </a:solidFill>
+              </a:rPr>
+              <a:t>Planning</a:t>
+            </a:r>
+            <a:r>
+              <a:rPr lang="en-US" dirty="0" smtClean="0"/>
+              <a:t>: Agree on the date and stories for the first release </a:t>
+            </a:r>
+            <a:endParaRPr lang="en-US" dirty="0" smtClean="0"/>
+          </a:p>
+          <a:p>
+            <a:pPr marL="514350" indent="-514350">
+              <a:buAutoNum type="arabicPeriod"/>
+            </a:pPr>
+            <a:r>
+              <a:rPr lang="en-US" i="1" dirty="0" smtClean="0"/>
+              <a:t>Iterations </a:t>
+            </a:r>
+            <a:r>
+              <a:rPr lang="en-US" i="1" dirty="0" smtClean="0"/>
+              <a:t>to release</a:t>
+            </a:r>
+            <a:r>
+              <a:rPr lang="en-US" dirty="0" smtClean="0"/>
+              <a:t>: Implement and test selected stories in a </a:t>
+            </a:r>
+            <a:r>
+              <a:rPr lang="en-US" dirty="0" smtClean="0"/>
+              <a:t>series of </a:t>
+            </a:r>
+            <a:r>
+              <a:rPr lang="en-US" dirty="0" smtClean="0"/>
+              <a:t>iterations. Refine the iteration </a:t>
+            </a:r>
+            <a:r>
+              <a:rPr lang="en-US" dirty="0" smtClean="0"/>
+              <a:t>plan</a:t>
+            </a:r>
+          </a:p>
+          <a:p>
+            <a:pPr marL="514350" indent="-514350">
+              <a:buAutoNum type="arabicPeriod"/>
+            </a:pPr>
+            <a:r>
+              <a:rPr lang="en-US" i="1" dirty="0" err="1" smtClean="0">
+                <a:solidFill>
+                  <a:schemeClr val="bg1"/>
+                </a:solidFill>
+              </a:rPr>
+              <a:t>Productionizing</a:t>
+            </a:r>
+            <a:r>
+              <a:rPr lang="en-US" dirty="0" smtClean="0"/>
+              <a:t>: Prepare supporting </a:t>
+            </a:r>
+            <a:r>
+              <a:rPr lang="en-US" dirty="0" smtClean="0"/>
+              <a:t>materials (documentation</a:t>
+            </a:r>
+            <a:r>
+              <a:rPr lang="en-US" dirty="0" smtClean="0"/>
+              <a:t>, training, marketing), and deploy the operational </a:t>
+            </a:r>
+            <a:r>
+              <a:rPr lang="en-US" dirty="0" smtClean="0"/>
+              <a:t>system</a:t>
+            </a:r>
+          </a:p>
+          <a:p>
+            <a:pPr marL="514350" indent="-514350">
+              <a:buAutoNum type="arabicPeriod"/>
+            </a:pPr>
+            <a:r>
+              <a:rPr lang="en-US" i="1" dirty="0" smtClean="0">
+                <a:solidFill>
+                  <a:schemeClr val="bg1"/>
+                </a:solidFill>
+              </a:rPr>
+              <a:t>Maintenance</a:t>
+            </a:r>
+            <a:r>
+              <a:rPr lang="en-US" dirty="0" smtClean="0"/>
+              <a:t>: Fix and enhance the deployed system </a:t>
+            </a:r>
+            <a:endParaRPr lang="en-US" dirty="0"/>
+          </a:p>
+        </p:txBody>
+      </p:sp>
+    </p:spTree>
+  </p:cSld>
+  <p:clrMapOvr>
+    <a:masterClrMapping/>
+  </p:clrMapOvr>
+</p:sld>
+</file>
+
+<file path=ppt/slides/slide45.xml><?xml version="1.0" encoding="utf-8"?>
+<p:sld xmlns:a="http://schemas.openxmlformats.org/drawingml/2006/main" xmlns:r="http://schemas.openxmlformats.org/officeDocument/2006/relationships" xmlns:p="http://schemas.openxmlformats.org/presentationml/2006/main">
+  <p:cSld>
+    <p:spTree>
+      <p:nvGrpSpPr>
+        <p:cNvPr id="1" name=""/>
+        <p:cNvGrpSpPr/>
+        <p:nvPr/>
+      </p:nvGrpSpPr>
+      <p:grpSpPr>
+        <a:xfrm>
+          <a:off x="0" y="0"/>
+          <a:ext cx="0" cy="0"/>
+          <a:chOff x="0" y="0"/>
+          <a:chExt cx="0" cy="0"/>
+        </a:xfrm>
+      </p:grpSpPr>
+      <p:sp>
+        <p:nvSpPr>
+          <p:cNvPr id="3" name="Content Placeholder 2"/>
+          <p:cNvSpPr>
+            <a:spLocks noGrp="1"/>
+          </p:cNvSpPr>
+          <p:nvPr>
+            <p:ph idx="1"/>
+          </p:nvPr>
+        </p:nvSpPr>
+        <p:spPr>
+          <a:xfrm>
+            <a:off x="457200" y="1371600"/>
+            <a:ext cx="8305800" cy="5257800"/>
+          </a:xfrm>
+        </p:spPr>
+        <p:txBody>
+          <a:bodyPr>
+            <a:normAutofit fontScale="92500" lnSpcReduction="10000"/>
+          </a:bodyPr>
+          <a:lstStyle/>
+          <a:p>
+            <a:r>
+              <a:rPr lang="en-US" dirty="0" smtClean="0">
+                <a:solidFill>
+                  <a:srgbClr val="FF0000"/>
+                </a:solidFill>
+              </a:rPr>
+              <a:t>SCRUM</a:t>
+            </a:r>
+            <a:r>
+              <a:rPr lang="en-US" dirty="0" smtClean="0"/>
+              <a:t> lifecycle includes </a:t>
+            </a:r>
+            <a:r>
+              <a:rPr lang="en-US" dirty="0" smtClean="0">
+                <a:solidFill>
+                  <a:srgbClr val="FF0000"/>
+                </a:solidFill>
+              </a:rPr>
+              <a:t>four</a:t>
+            </a:r>
+            <a:r>
+              <a:rPr lang="en-US" dirty="0" smtClean="0"/>
+              <a:t> </a:t>
+            </a:r>
+            <a:r>
+              <a:rPr lang="en-US" dirty="0" smtClean="0"/>
+              <a:t>phases.</a:t>
+            </a:r>
+          </a:p>
+          <a:p>
+            <a:pPr marL="514350" indent="-514350">
+              <a:buAutoNum type="arabicPeriod"/>
+            </a:pPr>
+            <a:r>
+              <a:rPr lang="en-US" i="1" dirty="0" smtClean="0">
+                <a:solidFill>
+                  <a:schemeClr val="bg1"/>
+                </a:solidFill>
+              </a:rPr>
+              <a:t>Planning</a:t>
+            </a:r>
+            <a:r>
+              <a:rPr lang="en-US" dirty="0" smtClean="0"/>
+              <a:t>: Establish the vision, </a:t>
+            </a:r>
+            <a:r>
+              <a:rPr lang="en-US" dirty="0" smtClean="0"/>
+              <a:t>set expectations</a:t>
+            </a:r>
+            <a:r>
+              <a:rPr lang="en-US" dirty="0" smtClean="0"/>
+              <a:t>, secure funding, </a:t>
+            </a:r>
+            <a:r>
+              <a:rPr lang="en-US" dirty="0" smtClean="0"/>
+              <a:t>and develop </a:t>
+            </a:r>
+            <a:r>
+              <a:rPr lang="en-US" dirty="0" smtClean="0"/>
+              <a:t>exploratory </a:t>
+            </a:r>
+            <a:r>
+              <a:rPr lang="en-US" dirty="0" smtClean="0"/>
+              <a:t>prototypes</a:t>
+            </a:r>
+          </a:p>
+          <a:p>
+            <a:pPr marL="514350" indent="-514350">
+              <a:buAutoNum type="arabicPeriod"/>
+            </a:pPr>
+            <a:r>
+              <a:rPr lang="en-US" i="1" dirty="0" smtClean="0">
+                <a:solidFill>
+                  <a:schemeClr val="bg1"/>
+                </a:solidFill>
+              </a:rPr>
+              <a:t>Staging</a:t>
+            </a:r>
+            <a:r>
+              <a:rPr lang="en-US" dirty="0" smtClean="0"/>
+              <a:t>: Prioritize and plan for the first iteration. Develop </a:t>
+            </a:r>
+            <a:r>
+              <a:rPr lang="en-US" dirty="0" smtClean="0"/>
+              <a:t>exploratory prototypes</a:t>
+            </a:r>
+          </a:p>
+          <a:p>
+            <a:pPr marL="514350" indent="-514350">
+              <a:buAutoNum type="arabicPeriod"/>
+            </a:pPr>
+            <a:r>
+              <a:rPr lang="en-US" i="1" dirty="0" smtClean="0">
+                <a:solidFill>
+                  <a:schemeClr val="bg1"/>
+                </a:solidFill>
+              </a:rPr>
+              <a:t>Development</a:t>
+            </a:r>
+            <a:r>
+              <a:rPr lang="en-US" dirty="0" smtClean="0"/>
+              <a:t>: Implement requirements in a series of sprints, </a:t>
+            </a:r>
+            <a:r>
+              <a:rPr lang="en-US" dirty="0" smtClean="0"/>
+              <a:t>and refine </a:t>
+            </a:r>
+            <a:r>
+              <a:rPr lang="en-US" dirty="0" smtClean="0"/>
+              <a:t>the iteration </a:t>
+            </a:r>
+            <a:r>
+              <a:rPr lang="en-US" dirty="0" smtClean="0"/>
+              <a:t>plan</a:t>
+            </a:r>
+          </a:p>
+          <a:p>
+            <a:pPr marL="514350" indent="-514350">
+              <a:buAutoNum type="arabicPeriod"/>
+            </a:pPr>
+            <a:r>
+              <a:rPr lang="en-US" i="1" dirty="0" smtClean="0">
+                <a:solidFill>
+                  <a:schemeClr val="bg1"/>
+                </a:solidFill>
+              </a:rPr>
+              <a:t>Release</a:t>
+            </a:r>
+            <a:r>
+              <a:rPr lang="en-US" dirty="0" smtClean="0"/>
+              <a:t>: Prepare supporting materials (documentation, training, marketing), and deploy the operational </a:t>
+            </a:r>
+            <a:r>
+              <a:rPr lang="en-US" dirty="0" smtClean="0"/>
+              <a:t>system</a:t>
+            </a:r>
+            <a:endParaRPr lang="en-US" dirty="0"/>
+          </a:p>
+        </p:txBody>
+      </p:sp>
+      <p:sp>
+        <p:nvSpPr>
+          <p:cNvPr id="4" name="Title 1"/>
+          <p:cNvSpPr txBox="1">
+            <a:spLocks/>
+          </p:cNvSpPr>
+          <p:nvPr/>
+        </p:nvSpPr>
+        <p:spPr bwMode="auto">
+          <a:xfrm>
+            <a:off x="685800" y="228600"/>
+            <a:ext cx="7772400" cy="1143000"/>
+          </a:xfrm>
+          <a:prstGeom prst="rect">
+            <a:avLst/>
+          </a:prstGeom>
+          <a:noFill/>
+          <a:ln>
+            <a:noFill/>
+          </a:ln>
+          <a:effectLst/>
+          <a:extLst>
+            <a:ext uri="{909E8E84-426E-40DD-AFC4-6F175D3DCCD1}">
+              <a14:hiddenFill xmlns="" xmlns:a14="http://schemas.microsoft.com/office/drawing/2010/main">
+                <a:solidFill>
+                  <a:schemeClr val="accent1"/>
+                </a:solidFill>
+              </a14:hiddenFill>
+            </a:ext>
+            <a:ext uri="{91240B29-F687-4F45-9708-019B960494DF}">
+              <a14:hiddenLine xmlns="" xmlns:a14="http://schemas.microsoft.com/office/drawing/2010/main" w="9525">
+                <a:solidFill>
+                  <a:schemeClr val="tx1"/>
+                </a:solidFill>
+                <a:miter lim="800000"/>
+                <a:headEnd/>
+                <a:tailEnd/>
+              </a14:hiddenLine>
+            </a:ext>
+            <a:ext uri="{AF507438-7753-43E0-B8FC-AC1667EBCBE1}">
+              <a14:hiddenEffects xmlns="" xmlns:a14="http://schemas.microsoft.com/office/drawing/2010/main">
+                <a:effectLst>
+                  <a:outerShdw dist="35921" dir="2700000" algn="ctr" rotWithShape="0">
+                    <a:schemeClr val="bg2"/>
+                  </a:outerShdw>
+                </a:effectLst>
+              </a14:hiddenEffects>
+            </a:ext>
+          </a:extLst>
+        </p:spPr>
+        <p:txBody>
+          <a:bodyPr vert="horz" wrap="square" lIns="91440" tIns="45720" rIns="91440" bIns="45720" numCol="1" anchor="ctr" anchorCtr="0" compatLnSpc="1">
+            <a:prstTxWarp prst="textNoShape">
+              <a:avLst/>
+            </a:prstTxWarp>
+          </a:bodyPr>
+          <a:lstStyle/>
+          <a:p>
+            <a:pPr marL="0" marR="0" lvl="0" indent="0" algn="ctr" defTabSz="914400" rtl="0" eaLnBrk="0" fontAlgn="base" latinLnBrk="0" hangingPunct="0">
+              <a:lnSpc>
+                <a:spcPct val="100000"/>
+              </a:lnSpc>
+              <a:spcBef>
+                <a:spcPct val="0"/>
+              </a:spcBef>
+              <a:spcAft>
+                <a:spcPct val="0"/>
+              </a:spcAft>
+              <a:buClrTx/>
+              <a:buSzTx/>
+              <a:buFontTx/>
+              <a:buNone/>
+              <a:tabLst/>
+              <a:defRPr/>
+            </a:pPr>
+            <a:r>
+              <a:rPr kumimoji="0" lang="en-US" sz="4400" b="1" i="0" u="none" strike="noStrike" kern="1200" cap="none" spc="0" normalizeH="0" baseline="0" noProof="0" smtClean="0">
+                <a:ln>
+                  <a:noFill/>
+                </a:ln>
+                <a:solidFill>
+                  <a:srgbClr val="000000"/>
+                </a:solidFill>
+                <a:effectLst/>
+                <a:uLnTx/>
+                <a:uFillTx/>
+                <a:latin typeface="+mj-lt"/>
+                <a:ea typeface="+mj-ea"/>
+                <a:cs typeface="+mj-cs"/>
+              </a:rPr>
+              <a:t>Phases in Agile Methods</a:t>
+            </a:r>
+            <a:r>
+              <a:rPr kumimoji="0" lang="en-US" sz="4400" b="0" i="0" u="none" strike="noStrike" kern="1200" cap="none" spc="0" normalizeH="0" baseline="0" noProof="0" smtClean="0">
+                <a:ln>
+                  <a:noFill/>
+                </a:ln>
+                <a:solidFill>
+                  <a:srgbClr val="000000"/>
+                </a:solidFill>
+                <a:effectLst/>
+                <a:uLnTx/>
+                <a:uFillTx/>
+                <a:latin typeface="+mj-lt"/>
+                <a:ea typeface="+mj-ea"/>
+                <a:cs typeface="+mj-cs"/>
+              </a:rPr>
+              <a:t> </a:t>
+            </a:r>
+            <a:endParaRPr kumimoji="0" lang="en-US" sz="4400" b="0" i="0" u="none" strike="noStrike" kern="1200" cap="none" spc="0" normalizeH="0" baseline="0" noProof="0" dirty="0">
+              <a:ln>
+                <a:noFill/>
+              </a:ln>
+              <a:solidFill>
+                <a:srgbClr val="000000"/>
+              </a:solidFill>
+              <a:effectLst/>
+              <a:uLnTx/>
+              <a:uFillTx/>
+              <a:latin typeface="+mj-lt"/>
+              <a:ea typeface="+mj-ea"/>
+              <a:cs typeface="+mj-cs"/>
+            </a:endParaRPr>
+          </a:p>
+        </p:txBody>
+      </p:sp>
+    </p:spTree>
+  </p:cSld>
+  <p:clrMapOvr>
+    <a:masterClrMapping/>
+  </p:clrMapOvr>
+</p:sld>
+</file>
+
+<file path=ppt/slides/slide46.xml><?xml version="1.0" encoding="utf-8"?>
+<p:sld xmlns:a="http://schemas.openxmlformats.org/drawingml/2006/main" xmlns:r="http://schemas.openxmlformats.org/officeDocument/2006/relationships" xmlns:p="http://schemas.openxmlformats.org/presentationml/2006/main">
+  <p:cSld>
+    <p:spTree>
+      <p:nvGrpSpPr>
+        <p:cNvPr id="1" name=""/>
+        <p:cNvGrpSpPr/>
+        <p:nvPr/>
+      </p:nvGrpSpPr>
+      <p:grpSpPr>
+        <a:xfrm>
+          <a:off x="0" y="0"/>
+          <a:ext cx="0" cy="0"/>
+          <a:chOff x="0" y="0"/>
+          <a:chExt cx="0" cy="0"/>
+        </a:xfrm>
+      </p:grpSpPr>
+      <p:sp>
+        <p:nvSpPr>
+          <p:cNvPr id="2" name="Title 1"/>
+          <p:cNvSpPr>
+            <a:spLocks noGrp="1"/>
+          </p:cNvSpPr>
+          <p:nvPr>
+            <p:ph type="title"/>
+          </p:nvPr>
+        </p:nvSpPr>
+        <p:spPr/>
+        <p:txBody>
+          <a:bodyPr/>
+          <a:lstStyle/>
+          <a:p>
+            <a:r>
+              <a:rPr lang="en-US" dirty="0" smtClean="0"/>
+              <a:t>Duration</a:t>
+            </a:r>
+            <a:endParaRPr lang="en-US" dirty="0"/>
+          </a:p>
+        </p:txBody>
+      </p:sp>
+      <p:sp>
+        <p:nvSpPr>
+          <p:cNvPr id="3" name="Content Placeholder 2"/>
+          <p:cNvSpPr>
+            <a:spLocks noGrp="1"/>
+          </p:cNvSpPr>
+          <p:nvPr>
+            <p:ph idx="1"/>
+          </p:nvPr>
+        </p:nvSpPr>
+        <p:spPr/>
+        <p:txBody>
+          <a:bodyPr>
+            <a:normAutofit fontScale="92500" lnSpcReduction="20000"/>
+          </a:bodyPr>
+          <a:lstStyle/>
+          <a:p>
+            <a:r>
+              <a:rPr lang="en-US" dirty="0" smtClean="0"/>
+              <a:t>Iteration </a:t>
+            </a:r>
+            <a:r>
+              <a:rPr lang="en-US" dirty="0" smtClean="0"/>
+              <a:t>is pretty much the same across most software development </a:t>
+            </a:r>
+            <a:r>
+              <a:rPr lang="en-US" dirty="0" smtClean="0"/>
+              <a:t>methods</a:t>
+            </a:r>
+          </a:p>
+          <a:p>
+            <a:endParaRPr lang="en-US" dirty="0" smtClean="0"/>
+          </a:p>
+          <a:p>
+            <a:r>
+              <a:rPr lang="en-US" dirty="0" smtClean="0">
+                <a:solidFill>
+                  <a:srgbClr val="E62D33"/>
+                </a:solidFill>
+              </a:rPr>
+              <a:t>XP</a:t>
+            </a:r>
+            <a:r>
+              <a:rPr lang="en-US" dirty="0" smtClean="0"/>
+              <a:t> recommends that iterations be one or two weeks long, if </a:t>
+            </a:r>
+            <a:r>
+              <a:rPr lang="en-US" dirty="0" smtClean="0"/>
+              <a:t>possible</a:t>
+            </a:r>
+          </a:p>
+          <a:p>
+            <a:r>
+              <a:rPr lang="en-US" dirty="0" smtClean="0">
+                <a:solidFill>
+                  <a:srgbClr val="E62D33"/>
+                </a:solidFill>
+              </a:rPr>
+              <a:t>SCRUM</a:t>
+            </a:r>
+            <a:r>
+              <a:rPr lang="en-US" dirty="0" smtClean="0"/>
+              <a:t> </a:t>
+            </a:r>
+            <a:r>
+              <a:rPr lang="en-US" dirty="0" smtClean="0"/>
+              <a:t>specifies that all iterations (sprints) should be 30 days </a:t>
+            </a:r>
+            <a:r>
+              <a:rPr lang="en-US" dirty="0" smtClean="0"/>
+              <a:t>long</a:t>
+            </a:r>
+          </a:p>
+          <a:p>
+            <a:r>
+              <a:rPr lang="en-US" dirty="0" smtClean="0">
+                <a:solidFill>
+                  <a:srgbClr val="E62D33"/>
+                </a:solidFill>
+              </a:rPr>
+              <a:t>RUP</a:t>
+            </a:r>
+            <a:r>
+              <a:rPr lang="en-US" dirty="0" smtClean="0"/>
+              <a:t> </a:t>
+            </a:r>
+            <a:r>
+              <a:rPr lang="en-US" dirty="0" smtClean="0"/>
+              <a:t>recommends that iterations be two to six weeks long </a:t>
+            </a:r>
+            <a:endParaRPr lang="en-US" dirty="0"/>
+          </a:p>
+        </p:txBody>
+      </p:sp>
+    </p:spTree>
+  </p:cSld>
+  <p:clrMapOvr>
+    <a:masterClrMapping/>
+  </p:clrMapOvr>
+  <p:timing>
+    <p:tnLst>
+      <p:par>
+        <p:cTn id="1" dur="indefinite" restart="never" nodeType="tmRoot"/>
+      </p:par>
+    </p:tnLst>
+  </p:timing>
+</p:sld>
+</file>
+
+<file path=ppt/slides/slide47.xml><?xml version="1.0" encoding="utf-8"?>
+<p:sld xmlns:a="http://schemas.openxmlformats.org/drawingml/2006/main" xmlns:r="http://schemas.openxmlformats.org/officeDocument/2006/relationships" xmlns:p="http://schemas.openxmlformats.org/presentationml/2006/main">
+  <p:cSld>
+    <p:spTree>
+      <p:nvGrpSpPr>
+        <p:cNvPr id="1" name=""/>
+        <p:cNvGrpSpPr/>
+        <p:nvPr/>
+      </p:nvGrpSpPr>
+      <p:grpSpPr>
+        <a:xfrm>
+          <a:off x="0" y="0"/>
+          <a:ext cx="0" cy="0"/>
+          <a:chOff x="0" y="0"/>
+          <a:chExt cx="0" cy="0"/>
+        </a:xfrm>
+      </p:grpSpPr>
+      <p:sp>
+        <p:nvSpPr>
+          <p:cNvPr id="2" name="Title 1"/>
+          <p:cNvSpPr>
+            <a:spLocks noGrp="1"/>
+          </p:cNvSpPr>
+          <p:nvPr>
+            <p:ph type="title"/>
+          </p:nvPr>
+        </p:nvSpPr>
+        <p:spPr/>
+        <p:txBody>
+          <a:bodyPr/>
+          <a:lstStyle/>
+          <a:p>
+            <a:r>
+              <a:rPr lang="en-US" dirty="0" smtClean="0"/>
+              <a:t>Micro Process</a:t>
+            </a:r>
+            <a:endParaRPr lang="en-US" dirty="0"/>
+          </a:p>
+        </p:txBody>
+      </p:sp>
+      <p:sp>
+        <p:nvSpPr>
+          <p:cNvPr id="3" name="Content Placeholder 2"/>
+          <p:cNvSpPr>
+            <a:spLocks noGrp="1"/>
+          </p:cNvSpPr>
+          <p:nvPr>
+            <p:ph idx="1"/>
+          </p:nvPr>
+        </p:nvSpPr>
+        <p:spPr/>
+        <p:txBody>
+          <a:bodyPr/>
+          <a:lstStyle/>
+          <a:p>
+            <a:r>
+              <a:rPr lang="en-US" dirty="0" smtClean="0"/>
+              <a:t>Overall </a:t>
+            </a:r>
+            <a:r>
+              <a:rPr lang="en-US" dirty="0" smtClean="0"/>
+              <a:t>software development process</a:t>
+            </a:r>
+            <a:br>
+              <a:rPr lang="en-US" dirty="0" smtClean="0"/>
+            </a:br>
+            <a:r>
+              <a:rPr lang="en-US" dirty="0" smtClean="0"/>
+              <a:t>(the macro process</a:t>
+            </a:r>
+            <a:r>
+              <a:rPr lang="en-US" dirty="0" smtClean="0"/>
+              <a:t>)</a:t>
+            </a:r>
+          </a:p>
+          <a:p>
+            <a:r>
+              <a:rPr lang="en-US" dirty="0" smtClean="0"/>
+              <a:t>Micro Process covers </a:t>
+            </a:r>
+            <a:r>
+              <a:rPr lang="en-US" dirty="0" smtClean="0"/>
+              <a:t>the analysis and design process </a:t>
+            </a:r>
+            <a:r>
+              <a:rPr lang="en-US" dirty="0" smtClean="0"/>
+              <a:t>by </a:t>
+            </a:r>
+            <a:r>
+              <a:rPr lang="en-US" dirty="0" smtClean="0"/>
+              <a:t>looking at what activities are performed and what work products are produced </a:t>
+            </a:r>
+            <a:br>
+              <a:rPr lang="en-US" dirty="0" smtClean="0"/>
+            </a:br>
+            <a:endParaRPr lang="en-US" dirty="0"/>
+          </a:p>
+        </p:txBody>
+      </p:sp>
+    </p:spTree>
+  </p:cSld>
+  <p:clrMapOvr>
+    <a:masterClrMapping/>
+  </p:clrMapOvr>
+</p:sld>
+</file>
+
+<file path=ppt/slides/slide48.xml><?xml version="1.0" encoding="utf-8"?>
+<p:sld xmlns:a="http://schemas.openxmlformats.org/drawingml/2006/main" xmlns:r="http://schemas.openxmlformats.org/officeDocument/2006/relationships" xmlns:p="http://schemas.openxmlformats.org/presentationml/2006/main">
+  <p:cSld>
+    <p:spTree>
+      <p:nvGrpSpPr>
+        <p:cNvPr id="1" name=""/>
+        <p:cNvGrpSpPr/>
+        <p:nvPr/>
+      </p:nvGrpSpPr>
+      <p:grpSpPr>
+        <a:xfrm>
+          <a:off x="0" y="0"/>
+          <a:ext cx="0" cy="0"/>
+          <a:chOff x="0" y="0"/>
+          <a:chExt cx="0" cy="0"/>
+        </a:xfrm>
+      </p:grpSpPr>
+      <p:sp>
+        <p:nvSpPr>
+          <p:cNvPr id="2" name="Title 1"/>
+          <p:cNvSpPr>
+            <a:spLocks noGrp="1"/>
+          </p:cNvSpPr>
+          <p:nvPr>
+            <p:ph type="title"/>
+          </p:nvPr>
+        </p:nvSpPr>
+        <p:spPr/>
+        <p:txBody>
+          <a:bodyPr/>
+          <a:lstStyle/>
+          <a:p>
+            <a:r>
+              <a:rPr lang="en-US" sz="3600" dirty="0" smtClean="0"/>
+              <a:t>Micro Process within Macro Process</a:t>
+            </a:r>
+            <a:endParaRPr lang="en-US" sz="3600" dirty="0"/>
+          </a:p>
+        </p:txBody>
+      </p:sp>
+      <p:sp>
+        <p:nvSpPr>
+          <p:cNvPr id="3" name="Content Placeholder 2"/>
+          <p:cNvSpPr>
+            <a:spLocks noGrp="1"/>
+          </p:cNvSpPr>
+          <p:nvPr>
+            <p:ph idx="1"/>
+          </p:nvPr>
+        </p:nvSpPr>
+        <p:spPr/>
+        <p:txBody>
+          <a:bodyPr/>
+          <a:lstStyle/>
+          <a:p>
+            <a:endParaRPr lang="en-US"/>
+          </a:p>
+        </p:txBody>
+      </p:sp>
+      <p:pic>
+        <p:nvPicPr>
+          <p:cNvPr id="63490" name="Picture 2"/>
+          <p:cNvPicPr>
+            <a:picLocks noChangeAspect="1" noChangeArrowheads="1"/>
+          </p:cNvPicPr>
+          <p:nvPr/>
+        </p:nvPicPr>
+        <p:blipFill>
+          <a:blip r:embed="rId2"/>
+          <a:srcRect/>
+          <a:stretch>
+            <a:fillRect/>
+          </a:stretch>
+        </p:blipFill>
+        <p:spPr bwMode="auto">
+          <a:xfrm>
+            <a:off x="533400" y="2362200"/>
+            <a:ext cx="8164846" cy="2895600"/>
+          </a:xfrm>
+          <a:prstGeom prst="rect">
+            <a:avLst/>
+          </a:prstGeom>
+          <a:noFill/>
+          <a:ln w="9525">
+            <a:noFill/>
+            <a:miter lim="800000"/>
+            <a:headEnd/>
+            <a:tailEnd/>
+          </a:ln>
+          <a:effectLst/>
+        </p:spPr>
+      </p:pic>
+    </p:spTree>
+  </p:cSld>
+  <p:clrMapOvr>
+    <a:masterClrMapping/>
+  </p:clrMapOvr>
+</p:sld>
+</file>
+
+<file path=ppt/slides/slide49.xml><?xml version="1.0" encoding="utf-8"?>
+<p:sld xmlns:a="http://schemas.openxmlformats.org/drawingml/2006/main" xmlns:r="http://schemas.openxmlformats.org/officeDocument/2006/relationships" xmlns:p="http://schemas.openxmlformats.org/presentationml/2006/main">
+  <p:cSld>
+    <p:spTree>
+      <p:nvGrpSpPr>
+        <p:cNvPr id="1" name=""/>
+        <p:cNvGrpSpPr/>
+        <p:nvPr/>
+      </p:nvGrpSpPr>
+      <p:grpSpPr>
+        <a:xfrm>
+          <a:off x="0" y="0"/>
+          <a:ext cx="0" cy="0"/>
+          <a:chOff x="0" y="0"/>
+          <a:chExt cx="0" cy="0"/>
+        </a:xfrm>
+      </p:grpSpPr>
+      <p:sp>
+        <p:nvSpPr>
+          <p:cNvPr id="2" name="Title 1"/>
+          <p:cNvSpPr>
+            <a:spLocks noGrp="1"/>
+          </p:cNvSpPr>
+          <p:nvPr>
+            <p:ph type="title"/>
+          </p:nvPr>
+        </p:nvSpPr>
+        <p:spPr/>
+        <p:txBody>
+          <a:bodyPr/>
+          <a:lstStyle/>
+          <a:p>
+            <a:r>
+              <a:rPr lang="en-US" dirty="0" smtClean="0"/>
+              <a:t>Levels of Abstraction</a:t>
+            </a:r>
+            <a:endParaRPr lang="en-US" dirty="0"/>
+          </a:p>
+        </p:txBody>
+      </p:sp>
+      <p:sp>
+        <p:nvSpPr>
+          <p:cNvPr id="3" name="Content Placeholder 2"/>
+          <p:cNvSpPr>
+            <a:spLocks noGrp="1"/>
+          </p:cNvSpPr>
+          <p:nvPr>
+            <p:ph idx="1"/>
+          </p:nvPr>
+        </p:nvSpPr>
+        <p:spPr/>
+        <p:txBody>
+          <a:bodyPr/>
+          <a:lstStyle/>
+          <a:p>
+            <a:r>
+              <a:rPr lang="en-US" dirty="0" smtClean="0"/>
+              <a:t>Micro </a:t>
+            </a:r>
+            <a:r>
+              <a:rPr lang="en-US" dirty="0" smtClean="0"/>
+              <a:t>process, the traditional phases of analysis and design are intentionally blurred and instead are performed at different levels of abstraction along a</a:t>
+            </a:r>
+            <a:br>
+              <a:rPr lang="en-US" dirty="0" smtClean="0"/>
+            </a:br>
+            <a:r>
+              <a:rPr lang="en-US" dirty="0" smtClean="0"/>
+              <a:t>continuum </a:t>
+            </a:r>
+            <a:br>
+              <a:rPr lang="en-US" dirty="0" smtClean="0"/>
+            </a:br>
+            <a:endParaRPr lang="en-US" dirty="0"/>
+          </a:p>
+        </p:txBody>
+      </p:sp>
+    </p:spTree>
+  </p:cSld>
+  <p:clrMapOvr>
+    <a:masterClrMapping/>
+  </p:clrMapOvr>
 </p:sld>
 </file>
 
@@ -4132,6 +10210,2310 @@
       </p:grpSpPr>
       <p:sp>
         <p:nvSpPr>
+          <p:cNvPr id="12290" name="Title 1"/>
+          <p:cNvSpPr>
+            <a:spLocks noGrp="1"/>
+          </p:cNvSpPr>
+          <p:nvPr>
+            <p:ph type="title"/>
+          </p:nvPr>
+        </p:nvSpPr>
+        <p:spPr/>
+        <p:txBody>
+          <a:bodyPr/>
+          <a:lstStyle/>
+          <a:p>
+            <a:r>
+              <a:rPr lang="en-GB" altLang="en-US" smtClean="0"/>
+              <a:t>Revision Question</a:t>
+            </a:r>
+          </a:p>
+        </p:txBody>
+      </p:sp>
+      <p:sp>
+        <p:nvSpPr>
+          <p:cNvPr id="12291" name="Content Placeholder 2"/>
+          <p:cNvSpPr>
+            <a:spLocks noGrp="1"/>
+          </p:cNvSpPr>
+          <p:nvPr>
+            <p:ph idx="1"/>
+          </p:nvPr>
+        </p:nvSpPr>
+        <p:spPr/>
+        <p:txBody>
+          <a:bodyPr/>
+          <a:lstStyle/>
+          <a:p>
+            <a:pPr>
+              <a:defRPr/>
+            </a:pPr>
+            <a:r>
+              <a:rPr lang="en-GB" altLang="en-US" dirty="0" smtClean="0"/>
+              <a:t>Write down the four elements that Inherent Complexity derives from?</a:t>
+            </a:r>
+          </a:p>
+          <a:p>
+            <a:pPr marL="0" indent="0">
+              <a:buFontTx/>
+              <a:buNone/>
+              <a:defRPr/>
+            </a:pPr>
+            <a:r>
+              <a:rPr lang="en-GB" altLang="en-US" dirty="0"/>
+              <a:t> </a:t>
+            </a:r>
+            <a:r>
+              <a:rPr lang="en-GB" altLang="en-US" dirty="0" smtClean="0"/>
+              <a:t>  (5 Minutes)</a:t>
+            </a:r>
+          </a:p>
+        </p:txBody>
+      </p:sp>
+      <p:pic>
+        <p:nvPicPr>
+          <p:cNvPr id="12292" name="Picture 1"/>
+          <p:cNvPicPr>
+            <a:picLocks noChangeAspect="1"/>
+          </p:cNvPicPr>
+          <p:nvPr/>
+        </p:nvPicPr>
+        <p:blipFill>
+          <a:blip r:embed="rId2">
+            <a:extLst>
+              <a:ext uri="{28A0092B-C50C-407E-A947-70E740481C1C}">
+                <a14:useLocalDpi xmlns:a14="http://schemas.microsoft.com/office/drawing/2010/main" xmlns="" val="0"/>
+              </a:ext>
+            </a:extLst>
+          </a:blip>
+          <a:srcRect/>
+          <a:stretch>
+            <a:fillRect/>
+          </a:stretch>
+        </p:blipFill>
+        <p:spPr bwMode="auto">
+          <a:xfrm>
+            <a:off x="2895600" y="3810000"/>
+            <a:ext cx="2286000" cy="2286000"/>
+          </a:xfrm>
+          <a:prstGeom prst="rect">
+            <a:avLst/>
+          </a:prstGeom>
+          <a:noFill/>
+          <a:ln>
+            <a:noFill/>
+          </a:ln>
+          <a:extLst>
+            <a:ext uri="{909E8E84-426E-40DD-AFC4-6F175D3DCCD1}">
+              <a14:hiddenFill xmlns:a14="http://schemas.microsoft.com/office/drawing/2010/main" xmlns="">
+                <a:solidFill>
+                  <a:srgbClr val="FFFFFF"/>
+                </a:solidFill>
+              </a14:hiddenFill>
+            </a:ext>
+            <a:ext uri="{91240B29-F687-4F45-9708-019B960494DF}">
+              <a14:hiddenLine xmlns:a14="http://schemas.microsoft.com/office/drawing/2010/main" xmlns="" w="9525">
+                <a:solidFill>
+                  <a:srgbClr val="000000"/>
+                </a:solidFill>
+                <a:miter lim="800000"/>
+                <a:headEnd/>
+                <a:tailEnd/>
+              </a14:hiddenLine>
+            </a:ext>
+          </a:extLst>
+        </p:spPr>
+      </p:pic>
+    </p:spTree>
+  </p:cSld>
+  <p:clrMapOvr>
+    <a:masterClrMapping/>
+  </p:clrMapOvr>
+</p:sld>
+</file>
+
+<file path=ppt/slides/slide50.xml><?xml version="1.0" encoding="utf-8"?>
+<p:sld xmlns:a="http://schemas.openxmlformats.org/drawingml/2006/main" xmlns:r="http://schemas.openxmlformats.org/officeDocument/2006/relationships" xmlns:p="http://schemas.openxmlformats.org/presentationml/2006/main">
+  <p:cSld>
+    <p:spTree>
+      <p:nvGrpSpPr>
+        <p:cNvPr id="1" name=""/>
+        <p:cNvGrpSpPr/>
+        <p:nvPr/>
+      </p:nvGrpSpPr>
+      <p:grpSpPr>
+        <a:xfrm>
+          <a:off x="0" y="0"/>
+          <a:ext cx="0" cy="0"/>
+          <a:chOff x="0" y="0"/>
+          <a:chExt cx="0" cy="0"/>
+        </a:xfrm>
+      </p:grpSpPr>
+      <p:sp>
+        <p:nvSpPr>
+          <p:cNvPr id="2" name="Title 1"/>
+          <p:cNvSpPr>
+            <a:spLocks noGrp="1"/>
+          </p:cNvSpPr>
+          <p:nvPr>
+            <p:ph type="title"/>
+          </p:nvPr>
+        </p:nvSpPr>
+        <p:spPr>
+          <a:xfrm>
+            <a:off x="838200" y="533400"/>
+            <a:ext cx="7772400" cy="1143000"/>
+          </a:xfrm>
+        </p:spPr>
+        <p:txBody>
+          <a:bodyPr/>
+          <a:lstStyle/>
+          <a:p>
+            <a:r>
+              <a:rPr lang="en-US" sz="3600" dirty="0" smtClean="0"/>
+              <a:t>Vary Focus of Analysis and Design</a:t>
+            </a:r>
+            <a:br>
+              <a:rPr lang="en-US" sz="3600" dirty="0" smtClean="0"/>
+            </a:br>
+            <a:r>
+              <a:rPr lang="en-US" sz="3600" dirty="0" smtClean="0"/>
+              <a:t>Depending on Perspective</a:t>
+            </a:r>
+            <a:endParaRPr lang="en-US" sz="3600" dirty="0"/>
+          </a:p>
+        </p:txBody>
+      </p:sp>
+      <p:sp>
+        <p:nvSpPr>
+          <p:cNvPr id="3" name="Content Placeholder 2"/>
+          <p:cNvSpPr>
+            <a:spLocks noGrp="1"/>
+          </p:cNvSpPr>
+          <p:nvPr>
+            <p:ph idx="1"/>
+          </p:nvPr>
+        </p:nvSpPr>
+        <p:spPr/>
+        <p:txBody>
+          <a:bodyPr/>
+          <a:lstStyle/>
+          <a:p>
+            <a:endParaRPr lang="en-US"/>
+          </a:p>
+        </p:txBody>
+      </p:sp>
+      <p:pic>
+        <p:nvPicPr>
+          <p:cNvPr id="64514" name="Picture 2"/>
+          <p:cNvPicPr>
+            <a:picLocks noChangeAspect="1" noChangeArrowheads="1"/>
+          </p:cNvPicPr>
+          <p:nvPr/>
+        </p:nvPicPr>
+        <p:blipFill>
+          <a:blip r:embed="rId2"/>
+          <a:srcRect/>
+          <a:stretch>
+            <a:fillRect/>
+          </a:stretch>
+        </p:blipFill>
+        <p:spPr bwMode="auto">
+          <a:xfrm>
+            <a:off x="914400" y="1828800"/>
+            <a:ext cx="7545195" cy="4705350"/>
+          </a:xfrm>
+          <a:prstGeom prst="rect">
+            <a:avLst/>
+          </a:prstGeom>
+          <a:noFill/>
+          <a:ln w="9525">
+            <a:noFill/>
+            <a:miter lim="800000"/>
+            <a:headEnd/>
+            <a:tailEnd/>
+          </a:ln>
+          <a:effectLst/>
+        </p:spPr>
+      </p:pic>
+    </p:spTree>
+  </p:cSld>
+  <p:clrMapOvr>
+    <a:masterClrMapping/>
+  </p:clrMapOvr>
+</p:sld>
+</file>
+
+<file path=ppt/slides/slide51.xml><?xml version="1.0" encoding="utf-8"?>
+<p:sld xmlns:a="http://schemas.openxmlformats.org/drawingml/2006/main" xmlns:r="http://schemas.openxmlformats.org/officeDocument/2006/relationships" xmlns:p="http://schemas.openxmlformats.org/presentationml/2006/main">
+  <p:cSld>
+    <p:spTree>
+      <p:nvGrpSpPr>
+        <p:cNvPr id="1" name=""/>
+        <p:cNvGrpSpPr/>
+        <p:nvPr/>
+      </p:nvGrpSpPr>
+      <p:grpSpPr>
+        <a:xfrm>
+          <a:off x="0" y="0"/>
+          <a:ext cx="0" cy="0"/>
+          <a:chOff x="0" y="0"/>
+          <a:chExt cx="0" cy="0"/>
+        </a:xfrm>
+      </p:grpSpPr>
+      <p:sp>
+        <p:nvSpPr>
+          <p:cNvPr id="2" name="Title 1"/>
+          <p:cNvSpPr>
+            <a:spLocks noGrp="1"/>
+          </p:cNvSpPr>
+          <p:nvPr>
+            <p:ph type="title"/>
+          </p:nvPr>
+        </p:nvSpPr>
+        <p:spPr/>
+        <p:txBody>
+          <a:bodyPr/>
+          <a:lstStyle/>
+          <a:p>
+            <a:r>
+              <a:rPr lang="en-US" dirty="0" smtClean="0"/>
+              <a:t>Activities</a:t>
+            </a:r>
+            <a:endParaRPr lang="en-US" dirty="0"/>
+          </a:p>
+        </p:txBody>
+      </p:sp>
+      <p:sp>
+        <p:nvSpPr>
+          <p:cNvPr id="3" name="Content Placeholder 2"/>
+          <p:cNvSpPr>
+            <a:spLocks noGrp="1"/>
+          </p:cNvSpPr>
+          <p:nvPr>
+            <p:ph idx="1"/>
+          </p:nvPr>
+        </p:nvSpPr>
+        <p:spPr>
+          <a:xfrm>
+            <a:off x="685800" y="1981200"/>
+            <a:ext cx="4343400" cy="4419600"/>
+          </a:xfrm>
+        </p:spPr>
+        <p:txBody>
+          <a:bodyPr>
+            <a:normAutofit fontScale="92500"/>
+          </a:bodyPr>
+          <a:lstStyle/>
+          <a:p>
+            <a:r>
+              <a:rPr lang="en-US" dirty="0" smtClean="0"/>
+              <a:t>Identify the elements</a:t>
+            </a:r>
+          </a:p>
+          <a:p>
+            <a:r>
+              <a:rPr lang="en-US" dirty="0" smtClean="0"/>
+              <a:t>Define the collaborations between the elements</a:t>
+            </a:r>
+          </a:p>
+          <a:p>
+            <a:r>
+              <a:rPr lang="en-US" dirty="0" smtClean="0"/>
+              <a:t>Define the relationship between elements</a:t>
+            </a:r>
+          </a:p>
+          <a:p>
+            <a:r>
+              <a:rPr lang="en-US" dirty="0" smtClean="0"/>
+              <a:t>Define the semantics of the elements</a:t>
+            </a:r>
+            <a:endParaRPr lang="en-US" dirty="0"/>
+          </a:p>
+        </p:txBody>
+      </p:sp>
+      <p:pic>
+        <p:nvPicPr>
+          <p:cNvPr id="65538" name="Picture 2"/>
+          <p:cNvPicPr>
+            <a:picLocks noChangeAspect="1" noChangeArrowheads="1"/>
+          </p:cNvPicPr>
+          <p:nvPr/>
+        </p:nvPicPr>
+        <p:blipFill>
+          <a:blip r:embed="rId2"/>
+          <a:srcRect/>
+          <a:stretch>
+            <a:fillRect/>
+          </a:stretch>
+        </p:blipFill>
+        <p:spPr bwMode="auto">
+          <a:xfrm>
+            <a:off x="5059680" y="2514600"/>
+            <a:ext cx="4084320" cy="3124200"/>
+          </a:xfrm>
+          <a:prstGeom prst="rect">
+            <a:avLst/>
+          </a:prstGeom>
+          <a:noFill/>
+          <a:ln w="9525">
+            <a:noFill/>
+            <a:miter lim="800000"/>
+            <a:headEnd/>
+            <a:tailEnd/>
+          </a:ln>
+          <a:effectLst/>
+        </p:spPr>
+      </p:pic>
+    </p:spTree>
+  </p:cSld>
+  <p:clrMapOvr>
+    <a:masterClrMapping/>
+  </p:clrMapOvr>
+</p:sld>
+</file>
+
+<file path=ppt/slides/slide52.xml><?xml version="1.0" encoding="utf-8"?>
+<p:sld xmlns:a="http://schemas.openxmlformats.org/drawingml/2006/main" xmlns:r="http://schemas.openxmlformats.org/officeDocument/2006/relationships" xmlns:p="http://schemas.openxmlformats.org/presentationml/2006/main">
+  <p:cSld>
+    <p:spTree>
+      <p:nvGrpSpPr>
+        <p:cNvPr id="1" name=""/>
+        <p:cNvGrpSpPr/>
+        <p:nvPr/>
+      </p:nvGrpSpPr>
+      <p:grpSpPr>
+        <a:xfrm>
+          <a:off x="0" y="0"/>
+          <a:ext cx="0" cy="0"/>
+          <a:chOff x="0" y="0"/>
+          <a:chExt cx="0" cy="0"/>
+        </a:xfrm>
+      </p:grpSpPr>
+      <p:sp>
+        <p:nvSpPr>
+          <p:cNvPr id="2" name="Title 1"/>
+          <p:cNvSpPr>
+            <a:spLocks noGrp="1"/>
+          </p:cNvSpPr>
+          <p:nvPr>
+            <p:ph type="title"/>
+          </p:nvPr>
+        </p:nvSpPr>
+        <p:spPr/>
+        <p:txBody>
+          <a:bodyPr/>
+          <a:lstStyle/>
+          <a:p>
+            <a:r>
+              <a:rPr lang="en-US" dirty="0" smtClean="0"/>
+              <a:t>Review</a:t>
+            </a:r>
+            <a:endParaRPr lang="en-US" dirty="0"/>
+          </a:p>
+        </p:txBody>
+      </p:sp>
+      <p:sp>
+        <p:nvSpPr>
+          <p:cNvPr id="3" name="Content Placeholder 2"/>
+          <p:cNvSpPr>
+            <a:spLocks noGrp="1"/>
+          </p:cNvSpPr>
+          <p:nvPr>
+            <p:ph idx="1"/>
+          </p:nvPr>
+        </p:nvSpPr>
+        <p:spPr/>
+        <p:txBody>
+          <a:bodyPr/>
+          <a:lstStyle/>
+          <a:p>
+            <a:r>
+              <a:rPr lang="en-US" dirty="0" smtClean="0"/>
+              <a:t>Review Six Common Software Development Lifecycles (SDLC)</a:t>
+            </a:r>
+          </a:p>
+          <a:p>
+            <a:pPr lvl="1"/>
+            <a:r>
+              <a:rPr lang="en-US" dirty="0" smtClean="0"/>
+              <a:t>Waterfall Model</a:t>
+            </a:r>
+          </a:p>
+          <a:p>
+            <a:pPr lvl="1"/>
+            <a:r>
+              <a:rPr lang="en-US" dirty="0" smtClean="0"/>
+              <a:t>V-Shaped Model</a:t>
+            </a:r>
+          </a:p>
+          <a:p>
+            <a:pPr lvl="1"/>
+            <a:r>
+              <a:rPr lang="en-US" dirty="0" smtClean="0"/>
+              <a:t>Evolutionary Prototyping Model</a:t>
+            </a:r>
+          </a:p>
+          <a:p>
+            <a:pPr lvl="1"/>
+            <a:r>
+              <a:rPr lang="en-US" dirty="0" smtClean="0"/>
+              <a:t>Spiral Method (SDM)</a:t>
+            </a:r>
+          </a:p>
+          <a:p>
+            <a:pPr lvl="1"/>
+            <a:r>
+              <a:rPr lang="en-US" dirty="0" smtClean="0"/>
+              <a:t>Iterative and Incremental Method</a:t>
+            </a:r>
+          </a:p>
+          <a:p>
+            <a:pPr lvl="1"/>
+            <a:r>
+              <a:rPr lang="en-US" dirty="0" smtClean="0"/>
+              <a:t>Agile development</a:t>
+            </a:r>
+            <a:endParaRPr lang="en-US" dirty="0"/>
+          </a:p>
+        </p:txBody>
+      </p:sp>
+    </p:spTree>
+  </p:cSld>
+  <p:clrMapOvr>
+    <a:masterClrMapping/>
+  </p:clrMapOvr>
+</p:sld>
+</file>
+
+<file path=ppt/slides/slide53.xml><?xml version="1.0" encoding="utf-8"?>
+<p:sld xmlns:a="http://schemas.openxmlformats.org/drawingml/2006/main" xmlns:r="http://schemas.openxmlformats.org/officeDocument/2006/relationships" xmlns:p="http://schemas.openxmlformats.org/presentationml/2006/main">
+  <p:cSld>
+    <p:spTree>
+      <p:nvGrpSpPr>
+        <p:cNvPr id="1" name=""/>
+        <p:cNvGrpSpPr/>
+        <p:nvPr/>
+      </p:nvGrpSpPr>
+      <p:grpSpPr>
+        <a:xfrm>
+          <a:off x="0" y="0"/>
+          <a:ext cx="0" cy="0"/>
+          <a:chOff x="0" y="0"/>
+          <a:chExt cx="0" cy="0"/>
+        </a:xfrm>
+      </p:grpSpPr>
+      <p:pic>
+        <p:nvPicPr>
+          <p:cNvPr id="66563" name="Picture 3"/>
+          <p:cNvPicPr>
+            <a:picLocks noChangeAspect="1" noChangeArrowheads="1"/>
+          </p:cNvPicPr>
+          <p:nvPr/>
+        </p:nvPicPr>
+        <p:blipFill>
+          <a:blip r:embed="rId2"/>
+          <a:srcRect/>
+          <a:stretch>
+            <a:fillRect/>
+          </a:stretch>
+        </p:blipFill>
+        <p:spPr bwMode="auto">
+          <a:xfrm>
+            <a:off x="4140200" y="2209800"/>
+            <a:ext cx="5003800" cy="3752850"/>
+          </a:xfrm>
+          <a:prstGeom prst="rect">
+            <a:avLst/>
+          </a:prstGeom>
+          <a:noFill/>
+          <a:ln w="9525">
+            <a:noFill/>
+            <a:miter lim="800000"/>
+            <a:headEnd/>
+            <a:tailEnd/>
+          </a:ln>
+          <a:effectLst/>
+        </p:spPr>
+      </p:pic>
+      <p:sp>
+        <p:nvSpPr>
+          <p:cNvPr id="2" name="Title 1"/>
+          <p:cNvSpPr>
+            <a:spLocks noGrp="1"/>
+          </p:cNvSpPr>
+          <p:nvPr>
+            <p:ph type="title"/>
+          </p:nvPr>
+        </p:nvSpPr>
+        <p:spPr/>
+        <p:txBody>
+          <a:bodyPr/>
+          <a:lstStyle/>
+          <a:p>
+            <a:r>
+              <a:rPr lang="en-US" dirty="0" smtClean="0"/>
+              <a:t>Waterfall </a:t>
+            </a:r>
+            <a:r>
+              <a:rPr lang="en-US" dirty="0" smtClean="0"/>
+              <a:t>Model</a:t>
+            </a:r>
+            <a:endParaRPr lang="en-US" dirty="0"/>
+          </a:p>
+        </p:txBody>
+      </p:sp>
+      <p:sp>
+        <p:nvSpPr>
+          <p:cNvPr id="3" name="Content Placeholder 2"/>
+          <p:cNvSpPr>
+            <a:spLocks noGrp="1"/>
+          </p:cNvSpPr>
+          <p:nvPr>
+            <p:ph idx="1"/>
+          </p:nvPr>
+        </p:nvSpPr>
+        <p:spPr>
+          <a:xfrm>
+            <a:off x="685800" y="1981200"/>
+            <a:ext cx="4038600" cy="4114800"/>
+          </a:xfrm>
+        </p:spPr>
+        <p:txBody>
+          <a:bodyPr/>
+          <a:lstStyle/>
+          <a:p>
+            <a:r>
+              <a:rPr lang="en-US" sz="2800" dirty="0" smtClean="0"/>
+              <a:t>Linear </a:t>
+            </a:r>
+            <a:r>
+              <a:rPr lang="en-US" sz="2800" dirty="0" smtClean="0"/>
+              <a:t>sequential </a:t>
+            </a:r>
+            <a:r>
+              <a:rPr lang="en-US" sz="2800" dirty="0" smtClean="0"/>
+              <a:t>flow</a:t>
+            </a:r>
+          </a:p>
+          <a:p>
+            <a:r>
+              <a:rPr lang="en-US" sz="2800" dirty="0" smtClean="0"/>
+              <a:t>Projects which </a:t>
+            </a:r>
+            <a:r>
+              <a:rPr lang="en-US" sz="2800" dirty="0" smtClean="0"/>
+              <a:t>do not have changing requirements</a:t>
+            </a:r>
+            <a:endParaRPr lang="en-US" sz="2800" dirty="0"/>
+          </a:p>
+        </p:txBody>
+      </p:sp>
+      <p:sp>
+        <p:nvSpPr>
+          <p:cNvPr id="66562" name="AutoShape 2" descr="Waterfall"/>
+          <p:cNvSpPr>
+            <a:spLocks noChangeAspect="1" noChangeArrowheads="1"/>
+          </p:cNvSpPr>
+          <p:nvPr/>
+        </p:nvSpPr>
+        <p:spPr bwMode="auto">
+          <a:xfrm>
+            <a:off x="63500" y="-136525"/>
+            <a:ext cx="304800" cy="304800"/>
+          </a:xfrm>
+          <a:prstGeom prst="rect">
+            <a:avLst/>
+          </a:prstGeom>
+          <a:noFill/>
+        </p:spPr>
+        <p:txBody>
+          <a:bodyPr vert="horz" wrap="square" lIns="91440" tIns="45720" rIns="91440" bIns="45720" numCol="1" anchor="t" anchorCtr="0" compatLnSpc="1">
+            <a:prstTxWarp prst="textNoShape">
+              <a:avLst/>
+            </a:prstTxWarp>
+          </a:bodyPr>
+          <a:lstStyle/>
+          <a:p>
+            <a:endParaRPr lang="en-US"/>
+          </a:p>
+        </p:txBody>
+      </p:sp>
+    </p:spTree>
+  </p:cSld>
+  <p:clrMapOvr>
+    <a:masterClrMapping/>
+  </p:clrMapOvr>
+</p:sld>
+</file>
+
+<file path=ppt/slides/slide54.xml><?xml version="1.0" encoding="utf-8"?>
+<p:sld xmlns:a="http://schemas.openxmlformats.org/drawingml/2006/main" xmlns:r="http://schemas.openxmlformats.org/officeDocument/2006/relationships" xmlns:p="http://schemas.openxmlformats.org/presentationml/2006/main">
+  <p:cSld>
+    <p:spTree>
+      <p:nvGrpSpPr>
+        <p:cNvPr id="1" name=""/>
+        <p:cNvGrpSpPr/>
+        <p:nvPr/>
+      </p:nvGrpSpPr>
+      <p:grpSpPr>
+        <a:xfrm>
+          <a:off x="0" y="0"/>
+          <a:ext cx="0" cy="0"/>
+          <a:chOff x="0" y="0"/>
+          <a:chExt cx="0" cy="0"/>
+        </a:xfrm>
+      </p:grpSpPr>
+      <p:sp>
+        <p:nvSpPr>
+          <p:cNvPr id="2" name="Title 1"/>
+          <p:cNvSpPr>
+            <a:spLocks noGrp="1"/>
+          </p:cNvSpPr>
+          <p:nvPr>
+            <p:ph type="title"/>
+          </p:nvPr>
+        </p:nvSpPr>
+        <p:spPr/>
+        <p:txBody>
+          <a:bodyPr/>
+          <a:lstStyle/>
+          <a:p>
+            <a:endParaRPr lang="en-US"/>
+          </a:p>
+        </p:txBody>
+      </p:sp>
+      <p:sp>
+        <p:nvSpPr>
+          <p:cNvPr id="3" name="Content Placeholder 2"/>
+          <p:cNvSpPr>
+            <a:spLocks noGrp="1"/>
+          </p:cNvSpPr>
+          <p:nvPr>
+            <p:ph idx="1"/>
+          </p:nvPr>
+        </p:nvSpPr>
+        <p:spPr/>
+        <p:txBody>
+          <a:bodyPr/>
+          <a:lstStyle/>
+          <a:p>
+            <a:endParaRPr lang="en-US"/>
+          </a:p>
+        </p:txBody>
+      </p:sp>
+      <p:pic>
+        <p:nvPicPr>
+          <p:cNvPr id="77826" name="Picture 2"/>
+          <p:cNvPicPr>
+            <a:picLocks noChangeAspect="1" noChangeArrowheads="1"/>
+          </p:cNvPicPr>
+          <p:nvPr/>
+        </p:nvPicPr>
+        <p:blipFill>
+          <a:blip r:embed="rId2"/>
+          <a:srcRect/>
+          <a:stretch>
+            <a:fillRect/>
+          </a:stretch>
+        </p:blipFill>
+        <p:spPr bwMode="auto">
+          <a:xfrm>
+            <a:off x="381000" y="2438400"/>
+            <a:ext cx="8172450" cy="2971800"/>
+          </a:xfrm>
+          <a:prstGeom prst="rect">
+            <a:avLst/>
+          </a:prstGeom>
+          <a:noFill/>
+          <a:ln w="9525">
+            <a:noFill/>
+            <a:miter lim="800000"/>
+            <a:headEnd/>
+            <a:tailEnd/>
+          </a:ln>
+          <a:effectLst/>
+        </p:spPr>
+      </p:pic>
+    </p:spTree>
+  </p:cSld>
+  <p:clrMapOvr>
+    <a:masterClrMapping/>
+  </p:clrMapOvr>
+</p:sld>
+</file>
+
+<file path=ppt/slides/slide55.xml><?xml version="1.0" encoding="utf-8"?>
+<p:sld xmlns:a="http://schemas.openxmlformats.org/drawingml/2006/main" xmlns:r="http://schemas.openxmlformats.org/officeDocument/2006/relationships" xmlns:p="http://schemas.openxmlformats.org/presentationml/2006/main">
+  <p:cSld>
+    <p:spTree>
+      <p:nvGrpSpPr>
+        <p:cNvPr id="1" name=""/>
+        <p:cNvGrpSpPr/>
+        <p:nvPr/>
+      </p:nvGrpSpPr>
+      <p:grpSpPr>
+        <a:xfrm>
+          <a:off x="0" y="0"/>
+          <a:ext cx="0" cy="0"/>
+          <a:chOff x="0" y="0"/>
+          <a:chExt cx="0" cy="0"/>
+        </a:xfrm>
+      </p:grpSpPr>
+      <p:sp>
+        <p:nvSpPr>
+          <p:cNvPr id="2" name="Title 1"/>
+          <p:cNvSpPr>
+            <a:spLocks noGrp="1"/>
+          </p:cNvSpPr>
+          <p:nvPr>
+            <p:ph type="title"/>
+          </p:nvPr>
+        </p:nvSpPr>
+        <p:spPr/>
+        <p:txBody>
+          <a:bodyPr/>
+          <a:lstStyle/>
+          <a:p>
+            <a:r>
+              <a:rPr lang="en-US" dirty="0" smtClean="0"/>
+              <a:t>V-Shaped Model</a:t>
+            </a:r>
+            <a:endParaRPr lang="en-US" dirty="0"/>
+          </a:p>
+        </p:txBody>
+      </p:sp>
+      <p:sp>
+        <p:nvSpPr>
+          <p:cNvPr id="3" name="Content Placeholder 2"/>
+          <p:cNvSpPr>
+            <a:spLocks noGrp="1"/>
+          </p:cNvSpPr>
+          <p:nvPr>
+            <p:ph idx="1"/>
+          </p:nvPr>
+        </p:nvSpPr>
+        <p:spPr>
+          <a:xfrm>
+            <a:off x="685800" y="1981200"/>
+            <a:ext cx="3581400" cy="4114800"/>
+          </a:xfrm>
+        </p:spPr>
+        <p:txBody>
+          <a:bodyPr/>
+          <a:lstStyle/>
+          <a:p>
+            <a:r>
+              <a:rPr lang="en-US" sz="2800" dirty="0" smtClean="0"/>
+              <a:t>Difference </a:t>
+            </a:r>
+            <a:r>
+              <a:rPr lang="en-US" sz="2800" dirty="0" smtClean="0"/>
+              <a:t>between V-shaped model and waterfall model is the early test planning in the V-shaped model</a:t>
+            </a:r>
+            <a:endParaRPr lang="en-US" sz="2800" dirty="0"/>
+          </a:p>
+        </p:txBody>
+      </p:sp>
+      <p:pic>
+        <p:nvPicPr>
+          <p:cNvPr id="78851" name="Picture 3"/>
+          <p:cNvPicPr>
+            <a:picLocks noChangeAspect="1" noChangeArrowheads="1"/>
+          </p:cNvPicPr>
+          <p:nvPr/>
+        </p:nvPicPr>
+        <p:blipFill>
+          <a:blip r:embed="rId2"/>
+          <a:srcRect/>
+          <a:stretch>
+            <a:fillRect/>
+          </a:stretch>
+        </p:blipFill>
+        <p:spPr bwMode="auto">
+          <a:xfrm>
+            <a:off x="4191000" y="1981200"/>
+            <a:ext cx="4953000" cy="3161929"/>
+          </a:xfrm>
+          <a:prstGeom prst="rect">
+            <a:avLst/>
+          </a:prstGeom>
+          <a:noFill/>
+          <a:ln w="9525">
+            <a:noFill/>
+            <a:miter lim="800000"/>
+            <a:headEnd/>
+            <a:tailEnd/>
+          </a:ln>
+          <a:effectLst/>
+        </p:spPr>
+      </p:pic>
+    </p:spTree>
+  </p:cSld>
+  <p:clrMapOvr>
+    <a:masterClrMapping/>
+  </p:clrMapOvr>
+</p:sld>
+</file>
+
+<file path=ppt/slides/slide56.xml><?xml version="1.0" encoding="utf-8"?>
+<p:sld xmlns:a="http://schemas.openxmlformats.org/drawingml/2006/main" xmlns:r="http://schemas.openxmlformats.org/officeDocument/2006/relationships" xmlns:p="http://schemas.openxmlformats.org/presentationml/2006/main">
+  <p:cSld>
+    <p:spTree>
+      <p:nvGrpSpPr>
+        <p:cNvPr id="1" name=""/>
+        <p:cNvGrpSpPr/>
+        <p:nvPr/>
+      </p:nvGrpSpPr>
+      <p:grpSpPr>
+        <a:xfrm>
+          <a:off x="0" y="0"/>
+          <a:ext cx="0" cy="0"/>
+          <a:chOff x="0" y="0"/>
+          <a:chExt cx="0" cy="0"/>
+        </a:xfrm>
+      </p:grpSpPr>
+      <p:sp>
+        <p:nvSpPr>
+          <p:cNvPr id="2" name="Title 1"/>
+          <p:cNvSpPr>
+            <a:spLocks noGrp="1"/>
+          </p:cNvSpPr>
+          <p:nvPr>
+            <p:ph type="title"/>
+          </p:nvPr>
+        </p:nvSpPr>
+        <p:spPr/>
+        <p:txBody>
+          <a:bodyPr/>
+          <a:lstStyle/>
+          <a:p>
+            <a:endParaRPr lang="en-US"/>
+          </a:p>
+        </p:txBody>
+      </p:sp>
+      <p:sp>
+        <p:nvSpPr>
+          <p:cNvPr id="3" name="Content Placeholder 2"/>
+          <p:cNvSpPr>
+            <a:spLocks noGrp="1"/>
+          </p:cNvSpPr>
+          <p:nvPr>
+            <p:ph idx="1"/>
+          </p:nvPr>
+        </p:nvSpPr>
+        <p:spPr/>
+        <p:txBody>
+          <a:bodyPr/>
+          <a:lstStyle/>
+          <a:p>
+            <a:endParaRPr lang="en-US"/>
+          </a:p>
+        </p:txBody>
+      </p:sp>
+      <p:pic>
+        <p:nvPicPr>
+          <p:cNvPr id="79874" name="Picture 2"/>
+          <p:cNvPicPr>
+            <a:picLocks noChangeAspect="1" noChangeArrowheads="1"/>
+          </p:cNvPicPr>
+          <p:nvPr/>
+        </p:nvPicPr>
+        <p:blipFill>
+          <a:blip r:embed="rId2"/>
+          <a:srcRect/>
+          <a:stretch>
+            <a:fillRect/>
+          </a:stretch>
+        </p:blipFill>
+        <p:spPr bwMode="auto">
+          <a:xfrm>
+            <a:off x="381000" y="1676400"/>
+            <a:ext cx="8258175" cy="3886200"/>
+          </a:xfrm>
+          <a:prstGeom prst="rect">
+            <a:avLst/>
+          </a:prstGeom>
+          <a:noFill/>
+          <a:ln w="9525">
+            <a:noFill/>
+            <a:miter lim="800000"/>
+            <a:headEnd/>
+            <a:tailEnd/>
+          </a:ln>
+          <a:effectLst/>
+        </p:spPr>
+      </p:pic>
+    </p:spTree>
+  </p:cSld>
+  <p:clrMapOvr>
+    <a:masterClrMapping/>
+  </p:clrMapOvr>
+</p:sld>
+</file>
+
+<file path=ppt/slides/slide57.xml><?xml version="1.0" encoding="utf-8"?>
+<p:sld xmlns:a="http://schemas.openxmlformats.org/drawingml/2006/main" xmlns:r="http://schemas.openxmlformats.org/officeDocument/2006/relationships" xmlns:p="http://schemas.openxmlformats.org/presentationml/2006/main">
+  <p:cSld>
+    <p:spTree>
+      <p:nvGrpSpPr>
+        <p:cNvPr id="1" name=""/>
+        <p:cNvGrpSpPr/>
+        <p:nvPr/>
+      </p:nvGrpSpPr>
+      <p:grpSpPr>
+        <a:xfrm>
+          <a:off x="0" y="0"/>
+          <a:ext cx="0" cy="0"/>
+          <a:chOff x="0" y="0"/>
+          <a:chExt cx="0" cy="0"/>
+        </a:xfrm>
+      </p:grpSpPr>
+      <p:sp>
+        <p:nvSpPr>
+          <p:cNvPr id="2" name="Title 1"/>
+          <p:cNvSpPr>
+            <a:spLocks noGrp="1"/>
+          </p:cNvSpPr>
+          <p:nvPr>
+            <p:ph type="title"/>
+          </p:nvPr>
+        </p:nvSpPr>
+        <p:spPr/>
+        <p:txBody>
+          <a:bodyPr/>
+          <a:lstStyle/>
+          <a:p>
+            <a:r>
+              <a:rPr lang="en-US" dirty="0" smtClean="0"/>
+              <a:t>Prototyping </a:t>
+            </a:r>
+            <a:r>
+              <a:rPr lang="en-US" dirty="0" smtClean="0"/>
+              <a:t>Model</a:t>
+            </a:r>
+            <a:endParaRPr lang="en-US" dirty="0"/>
+          </a:p>
+        </p:txBody>
+      </p:sp>
+      <p:sp>
+        <p:nvSpPr>
+          <p:cNvPr id="3" name="Content Placeholder 2"/>
+          <p:cNvSpPr>
+            <a:spLocks noGrp="1"/>
+          </p:cNvSpPr>
+          <p:nvPr>
+            <p:ph idx="1"/>
+          </p:nvPr>
+        </p:nvSpPr>
+        <p:spPr>
+          <a:xfrm>
+            <a:off x="685800" y="1981200"/>
+            <a:ext cx="6248400" cy="4114800"/>
+          </a:xfrm>
+        </p:spPr>
+        <p:txBody>
+          <a:bodyPr/>
+          <a:lstStyle/>
+          <a:p>
+            <a:r>
+              <a:rPr lang="en-US" dirty="0" smtClean="0"/>
+              <a:t>Activity </a:t>
+            </a:r>
+            <a:r>
+              <a:rPr lang="en-US" dirty="0" smtClean="0"/>
+              <a:t>of creating </a:t>
+            </a:r>
+            <a:r>
+              <a:rPr lang="en-US" dirty="0" smtClean="0"/>
+              <a:t>prototypes</a:t>
+            </a:r>
+          </a:p>
+          <a:p>
+            <a:pPr lvl="1"/>
+            <a:r>
+              <a:rPr lang="en-US" dirty="0" smtClean="0"/>
+              <a:t>(</a:t>
+            </a:r>
+            <a:r>
+              <a:rPr lang="en-US" dirty="0" smtClean="0"/>
+              <a:t>Throwaway prototyping</a:t>
+            </a:r>
+            <a:r>
+              <a:rPr lang="en-US" dirty="0" smtClean="0"/>
+              <a:t>)</a:t>
+            </a:r>
+            <a:endParaRPr lang="en-US" dirty="0"/>
+          </a:p>
+        </p:txBody>
+      </p:sp>
+      <p:pic>
+        <p:nvPicPr>
+          <p:cNvPr id="80898" name="Picture 2"/>
+          <p:cNvPicPr>
+            <a:picLocks noChangeAspect="1" noChangeArrowheads="1"/>
+          </p:cNvPicPr>
+          <p:nvPr/>
+        </p:nvPicPr>
+        <p:blipFill>
+          <a:blip r:embed="rId2"/>
+          <a:srcRect l="1840" t="3119" r="2472" b="18908"/>
+          <a:stretch>
+            <a:fillRect/>
+          </a:stretch>
+        </p:blipFill>
+        <p:spPr bwMode="auto">
+          <a:xfrm>
+            <a:off x="2819400" y="3657600"/>
+            <a:ext cx="5276088" cy="2536581"/>
+          </a:xfrm>
+          <a:prstGeom prst="rect">
+            <a:avLst/>
+          </a:prstGeom>
+          <a:noFill/>
+          <a:ln w="9525">
+            <a:noFill/>
+            <a:miter lim="800000"/>
+            <a:headEnd/>
+            <a:tailEnd/>
+          </a:ln>
+          <a:effectLst/>
+        </p:spPr>
+      </p:pic>
+    </p:spTree>
+  </p:cSld>
+  <p:clrMapOvr>
+    <a:masterClrMapping/>
+  </p:clrMapOvr>
+</p:sld>
+</file>
+
+<file path=ppt/slides/slide58.xml><?xml version="1.0" encoding="utf-8"?>
+<p:sld xmlns:a="http://schemas.openxmlformats.org/drawingml/2006/main" xmlns:r="http://schemas.openxmlformats.org/officeDocument/2006/relationships" xmlns:p="http://schemas.openxmlformats.org/presentationml/2006/main">
+  <p:cSld>
+    <p:spTree>
+      <p:nvGrpSpPr>
+        <p:cNvPr id="1" name=""/>
+        <p:cNvGrpSpPr/>
+        <p:nvPr/>
+      </p:nvGrpSpPr>
+      <p:grpSpPr>
+        <a:xfrm>
+          <a:off x="0" y="0"/>
+          <a:ext cx="0" cy="0"/>
+          <a:chOff x="0" y="0"/>
+          <a:chExt cx="0" cy="0"/>
+        </a:xfrm>
+      </p:grpSpPr>
+      <p:sp>
+        <p:nvSpPr>
+          <p:cNvPr id="2" name="Title 1"/>
+          <p:cNvSpPr>
+            <a:spLocks noGrp="1"/>
+          </p:cNvSpPr>
+          <p:nvPr>
+            <p:ph type="title"/>
+          </p:nvPr>
+        </p:nvSpPr>
+        <p:spPr/>
+        <p:txBody>
+          <a:bodyPr/>
+          <a:lstStyle/>
+          <a:p>
+            <a:endParaRPr lang="en-US"/>
+          </a:p>
+        </p:txBody>
+      </p:sp>
+      <p:sp>
+        <p:nvSpPr>
+          <p:cNvPr id="3" name="Content Placeholder 2"/>
+          <p:cNvSpPr>
+            <a:spLocks noGrp="1"/>
+          </p:cNvSpPr>
+          <p:nvPr>
+            <p:ph idx="1"/>
+          </p:nvPr>
+        </p:nvSpPr>
+        <p:spPr/>
+        <p:txBody>
+          <a:bodyPr/>
+          <a:lstStyle/>
+          <a:p>
+            <a:endParaRPr lang="en-US"/>
+          </a:p>
+        </p:txBody>
+      </p:sp>
+      <p:pic>
+        <p:nvPicPr>
+          <p:cNvPr id="81922" name="Picture 2"/>
+          <p:cNvPicPr>
+            <a:picLocks noChangeAspect="1" noChangeArrowheads="1"/>
+          </p:cNvPicPr>
+          <p:nvPr/>
+        </p:nvPicPr>
+        <p:blipFill>
+          <a:blip r:embed="rId2"/>
+          <a:srcRect/>
+          <a:stretch>
+            <a:fillRect/>
+          </a:stretch>
+        </p:blipFill>
+        <p:spPr bwMode="auto">
+          <a:xfrm>
+            <a:off x="457200" y="1905000"/>
+            <a:ext cx="8503920" cy="2743200"/>
+          </a:xfrm>
+          <a:prstGeom prst="rect">
+            <a:avLst/>
+          </a:prstGeom>
+          <a:noFill/>
+          <a:ln w="9525">
+            <a:noFill/>
+            <a:miter lim="800000"/>
+            <a:headEnd/>
+            <a:tailEnd/>
+          </a:ln>
+          <a:effectLst/>
+        </p:spPr>
+      </p:pic>
+    </p:spTree>
+  </p:cSld>
+  <p:clrMapOvr>
+    <a:masterClrMapping/>
+  </p:clrMapOvr>
+</p:sld>
+</file>
+
+<file path=ppt/slides/slide59.xml><?xml version="1.0" encoding="utf-8"?>
+<p:sld xmlns:a="http://schemas.openxmlformats.org/drawingml/2006/main" xmlns:r="http://schemas.openxmlformats.org/officeDocument/2006/relationships" xmlns:p="http://schemas.openxmlformats.org/presentationml/2006/main">
+  <p:cSld>
+    <p:spTree>
+      <p:nvGrpSpPr>
+        <p:cNvPr id="1" name=""/>
+        <p:cNvGrpSpPr/>
+        <p:nvPr/>
+      </p:nvGrpSpPr>
+      <p:grpSpPr>
+        <a:xfrm>
+          <a:off x="0" y="0"/>
+          <a:ext cx="0" cy="0"/>
+          <a:chOff x="0" y="0"/>
+          <a:chExt cx="0" cy="0"/>
+        </a:xfrm>
+      </p:grpSpPr>
+      <p:sp>
+        <p:nvSpPr>
+          <p:cNvPr id="2" name="Title 1"/>
+          <p:cNvSpPr>
+            <a:spLocks noGrp="1"/>
+          </p:cNvSpPr>
+          <p:nvPr>
+            <p:ph type="title"/>
+          </p:nvPr>
+        </p:nvSpPr>
+        <p:spPr/>
+        <p:txBody>
+          <a:bodyPr/>
+          <a:lstStyle/>
+          <a:p>
+            <a:r>
+              <a:rPr lang="en-US" dirty="0" smtClean="0"/>
+              <a:t>Spiral Model (SDM</a:t>
+            </a:r>
+            <a:r>
+              <a:rPr lang="en-US" dirty="0" smtClean="0"/>
+              <a:t>)</a:t>
+            </a:r>
+            <a:endParaRPr lang="en-US" dirty="0"/>
+          </a:p>
+        </p:txBody>
+      </p:sp>
+      <p:sp>
+        <p:nvSpPr>
+          <p:cNvPr id="3" name="Content Placeholder 2"/>
+          <p:cNvSpPr>
+            <a:spLocks noGrp="1"/>
+          </p:cNvSpPr>
+          <p:nvPr>
+            <p:ph idx="1"/>
+          </p:nvPr>
+        </p:nvSpPr>
+        <p:spPr>
+          <a:xfrm>
+            <a:off x="685800" y="1981200"/>
+            <a:ext cx="3886200" cy="4114800"/>
+          </a:xfrm>
+        </p:spPr>
+        <p:txBody>
+          <a:bodyPr>
+            <a:normAutofit lnSpcReduction="10000"/>
+          </a:bodyPr>
+          <a:lstStyle/>
+          <a:p>
+            <a:r>
+              <a:rPr lang="en-US" sz="2800" dirty="0" smtClean="0"/>
+              <a:t>Combines </a:t>
+            </a:r>
+            <a:r>
+              <a:rPr lang="en-US" sz="2800" dirty="0" smtClean="0"/>
+              <a:t>elements of both design and </a:t>
+            </a:r>
+            <a:r>
+              <a:rPr lang="en-US" sz="2800" dirty="0" smtClean="0"/>
+              <a:t>prototyping-in-stages</a:t>
+            </a:r>
+          </a:p>
+          <a:p>
+            <a:r>
+              <a:rPr lang="en-US" sz="2800" dirty="0" smtClean="0"/>
+              <a:t>Features from prototyping </a:t>
+            </a:r>
+            <a:r>
+              <a:rPr lang="en-US" sz="2800" dirty="0" smtClean="0"/>
+              <a:t>model and the waterfall </a:t>
+            </a:r>
+            <a:r>
+              <a:rPr lang="en-US" sz="2800" dirty="0" smtClean="0"/>
+              <a:t>model</a:t>
+            </a:r>
+          </a:p>
+          <a:p>
+            <a:r>
+              <a:rPr lang="en-US" sz="2800" dirty="0" smtClean="0"/>
+              <a:t>Favored </a:t>
+            </a:r>
+            <a:r>
+              <a:rPr lang="en-US" sz="2800" dirty="0" smtClean="0"/>
+              <a:t>for large, expensive, and complicated projects</a:t>
+            </a:r>
+            <a:endParaRPr lang="en-US" sz="2800" dirty="0"/>
+          </a:p>
+        </p:txBody>
+      </p:sp>
+      <p:pic>
+        <p:nvPicPr>
+          <p:cNvPr id="82947" name="Picture 3"/>
+          <p:cNvPicPr>
+            <a:picLocks noChangeAspect="1" noChangeArrowheads="1"/>
+          </p:cNvPicPr>
+          <p:nvPr/>
+        </p:nvPicPr>
+        <p:blipFill>
+          <a:blip r:embed="rId2"/>
+          <a:srcRect/>
+          <a:stretch>
+            <a:fillRect/>
+          </a:stretch>
+        </p:blipFill>
+        <p:spPr bwMode="auto">
+          <a:xfrm>
+            <a:off x="4648200" y="2057400"/>
+            <a:ext cx="4495800" cy="3608135"/>
+          </a:xfrm>
+          <a:prstGeom prst="rect">
+            <a:avLst/>
+          </a:prstGeom>
+          <a:noFill/>
+          <a:ln w="9525">
+            <a:noFill/>
+            <a:miter lim="800000"/>
+            <a:headEnd/>
+            <a:tailEnd/>
+          </a:ln>
+          <a:effectLst/>
+        </p:spPr>
+      </p:pic>
+    </p:spTree>
+  </p:cSld>
+  <p:clrMapOvr>
+    <a:masterClrMapping/>
+  </p:clrMapOvr>
+</p:sld>
+</file>
+
+<file path=ppt/slides/slide6.xml><?xml version="1.0" encoding="utf-8"?>
+<p:sld xmlns:a="http://schemas.openxmlformats.org/drawingml/2006/main" xmlns:r="http://schemas.openxmlformats.org/officeDocument/2006/relationships" xmlns:p="http://schemas.openxmlformats.org/presentationml/2006/main">
+  <p:cSld>
+    <p:spTree>
+      <p:nvGrpSpPr>
+        <p:cNvPr id="1" name=""/>
+        <p:cNvGrpSpPr/>
+        <p:nvPr/>
+      </p:nvGrpSpPr>
+      <p:grpSpPr>
+        <a:xfrm>
+          <a:off x="0" y="0"/>
+          <a:ext cx="0" cy="0"/>
+          <a:chOff x="0" y="0"/>
+          <a:chExt cx="0" cy="0"/>
+        </a:xfrm>
+      </p:grpSpPr>
+      <p:sp>
+        <p:nvSpPr>
+          <p:cNvPr id="13314" name="Title 1"/>
+          <p:cNvSpPr>
+            <a:spLocks noGrp="1"/>
+          </p:cNvSpPr>
+          <p:nvPr>
+            <p:ph type="title"/>
+          </p:nvPr>
+        </p:nvSpPr>
+        <p:spPr/>
+        <p:txBody>
+          <a:bodyPr/>
+          <a:lstStyle/>
+          <a:p>
+            <a:r>
+              <a:rPr lang="en-GB" altLang="en-US" smtClean="0"/>
+              <a:t>Answer</a:t>
+            </a:r>
+          </a:p>
+        </p:txBody>
+      </p:sp>
+      <p:sp>
+        <p:nvSpPr>
+          <p:cNvPr id="13315" name="Content Placeholder 2"/>
+          <p:cNvSpPr>
+            <a:spLocks noGrp="1"/>
+          </p:cNvSpPr>
+          <p:nvPr>
+            <p:ph idx="1"/>
+          </p:nvPr>
+        </p:nvSpPr>
+        <p:spPr>
+          <a:xfrm>
+            <a:off x="685800" y="1981200"/>
+            <a:ext cx="8077200" cy="4343400"/>
+          </a:xfrm>
+        </p:spPr>
+        <p:txBody>
+          <a:bodyPr/>
+          <a:lstStyle/>
+          <a:p>
+            <a:r>
+              <a:rPr lang="en-GB" altLang="en-US" smtClean="0"/>
+              <a:t>Inherent Complexity derives from four elements: </a:t>
+            </a:r>
+          </a:p>
+          <a:p>
+            <a:pPr>
+              <a:buFontTx/>
+              <a:buAutoNum type="arabicPeriod"/>
+            </a:pPr>
+            <a:r>
+              <a:rPr lang="en-GB" altLang="en-US" smtClean="0"/>
+              <a:t>complexity of the problem domain</a:t>
+            </a:r>
+          </a:p>
+          <a:p>
+            <a:pPr>
+              <a:buFontTx/>
+              <a:buAutoNum type="arabicPeriod"/>
+            </a:pPr>
+            <a:r>
+              <a:rPr lang="en-GB" altLang="en-US" smtClean="0"/>
+              <a:t>difficulty of managing the development process</a:t>
+            </a:r>
+          </a:p>
+          <a:p>
+            <a:pPr>
+              <a:buFontTx/>
+              <a:buAutoNum type="arabicPeriod"/>
+            </a:pPr>
+            <a:r>
+              <a:rPr lang="en-GB" altLang="en-US" smtClean="0"/>
+              <a:t>flexibility possible through software</a:t>
+            </a:r>
+          </a:p>
+          <a:p>
+            <a:pPr>
+              <a:buFontTx/>
+              <a:buAutoNum type="arabicPeriod"/>
+            </a:pPr>
+            <a:r>
+              <a:rPr lang="en-GB" altLang="en-US" smtClean="0"/>
+              <a:t>problems of characterizing the behavior of discrete systems</a:t>
+            </a:r>
+          </a:p>
+          <a:p>
+            <a:endParaRPr lang="en-GB" altLang="en-US" smtClean="0"/>
+          </a:p>
+        </p:txBody>
+      </p:sp>
+    </p:spTree>
+  </p:cSld>
+  <p:clrMapOvr>
+    <a:masterClrMapping/>
+  </p:clrMapOvr>
+</p:sld>
+</file>
+
+<file path=ppt/slides/slide60.xml><?xml version="1.0" encoding="utf-8"?>
+<p:sld xmlns:a="http://schemas.openxmlformats.org/drawingml/2006/main" xmlns:r="http://schemas.openxmlformats.org/officeDocument/2006/relationships" xmlns:p="http://schemas.openxmlformats.org/presentationml/2006/main">
+  <p:cSld>
+    <p:spTree>
+      <p:nvGrpSpPr>
+        <p:cNvPr id="1" name=""/>
+        <p:cNvGrpSpPr/>
+        <p:nvPr/>
+      </p:nvGrpSpPr>
+      <p:grpSpPr>
+        <a:xfrm>
+          <a:off x="0" y="0"/>
+          <a:ext cx="0" cy="0"/>
+          <a:chOff x="0" y="0"/>
+          <a:chExt cx="0" cy="0"/>
+        </a:xfrm>
+      </p:grpSpPr>
+      <p:sp>
+        <p:nvSpPr>
+          <p:cNvPr id="2" name="Title 1"/>
+          <p:cNvSpPr>
+            <a:spLocks noGrp="1"/>
+          </p:cNvSpPr>
+          <p:nvPr>
+            <p:ph type="title"/>
+          </p:nvPr>
+        </p:nvSpPr>
+        <p:spPr/>
+        <p:txBody>
+          <a:bodyPr/>
+          <a:lstStyle/>
+          <a:p>
+            <a:endParaRPr lang="en-US"/>
+          </a:p>
+        </p:txBody>
+      </p:sp>
+      <p:sp>
+        <p:nvSpPr>
+          <p:cNvPr id="3" name="Content Placeholder 2"/>
+          <p:cNvSpPr>
+            <a:spLocks noGrp="1"/>
+          </p:cNvSpPr>
+          <p:nvPr>
+            <p:ph idx="1"/>
+          </p:nvPr>
+        </p:nvSpPr>
+        <p:spPr/>
+        <p:txBody>
+          <a:bodyPr/>
+          <a:lstStyle/>
+          <a:p>
+            <a:endParaRPr lang="en-US"/>
+          </a:p>
+        </p:txBody>
+      </p:sp>
+      <p:pic>
+        <p:nvPicPr>
+          <p:cNvPr id="83970" name="Picture 2"/>
+          <p:cNvPicPr>
+            <a:picLocks noChangeAspect="1" noChangeArrowheads="1"/>
+          </p:cNvPicPr>
+          <p:nvPr/>
+        </p:nvPicPr>
+        <p:blipFill>
+          <a:blip r:embed="rId2"/>
+          <a:srcRect/>
+          <a:stretch>
+            <a:fillRect/>
+          </a:stretch>
+        </p:blipFill>
+        <p:spPr bwMode="auto">
+          <a:xfrm>
+            <a:off x="457200" y="1676400"/>
+            <a:ext cx="8559344" cy="2819400"/>
+          </a:xfrm>
+          <a:prstGeom prst="rect">
+            <a:avLst/>
+          </a:prstGeom>
+          <a:noFill/>
+          <a:ln w="9525">
+            <a:noFill/>
+            <a:miter lim="800000"/>
+            <a:headEnd/>
+            <a:tailEnd/>
+          </a:ln>
+          <a:effectLst/>
+        </p:spPr>
+      </p:pic>
+    </p:spTree>
+  </p:cSld>
+  <p:clrMapOvr>
+    <a:masterClrMapping/>
+  </p:clrMapOvr>
+</p:sld>
+</file>
+
+<file path=ppt/slides/slide61.xml><?xml version="1.0" encoding="utf-8"?>
+<p:sld xmlns:a="http://schemas.openxmlformats.org/drawingml/2006/main" xmlns:r="http://schemas.openxmlformats.org/officeDocument/2006/relationships" xmlns:p="http://schemas.openxmlformats.org/presentationml/2006/main">
+  <p:cSld>
+    <p:spTree>
+      <p:nvGrpSpPr>
+        <p:cNvPr id="1" name=""/>
+        <p:cNvGrpSpPr/>
+        <p:nvPr/>
+      </p:nvGrpSpPr>
+      <p:grpSpPr>
+        <a:xfrm>
+          <a:off x="0" y="0"/>
+          <a:ext cx="0" cy="0"/>
+          <a:chOff x="0" y="0"/>
+          <a:chExt cx="0" cy="0"/>
+        </a:xfrm>
+      </p:grpSpPr>
+      <p:sp>
+        <p:nvSpPr>
+          <p:cNvPr id="2" name="Title 1"/>
+          <p:cNvSpPr>
+            <a:spLocks noGrp="1"/>
+          </p:cNvSpPr>
+          <p:nvPr>
+            <p:ph type="title"/>
+          </p:nvPr>
+        </p:nvSpPr>
+        <p:spPr>
+          <a:xfrm>
+            <a:off x="685800" y="228600"/>
+            <a:ext cx="7772400" cy="1143000"/>
+          </a:xfrm>
+        </p:spPr>
+        <p:txBody>
+          <a:bodyPr/>
+          <a:lstStyle/>
+          <a:p>
+            <a:r>
+              <a:rPr lang="en-US" dirty="0" smtClean="0"/>
+              <a:t>Iterative and Incremental </a:t>
+            </a:r>
+            <a:r>
+              <a:rPr lang="en-US" dirty="0" smtClean="0"/>
+              <a:t>Model</a:t>
+            </a:r>
+            <a:endParaRPr lang="en-US" dirty="0"/>
+          </a:p>
+        </p:txBody>
+      </p:sp>
+      <p:sp>
+        <p:nvSpPr>
+          <p:cNvPr id="3" name="Content Placeholder 2"/>
+          <p:cNvSpPr>
+            <a:spLocks noGrp="1"/>
+          </p:cNvSpPr>
+          <p:nvPr>
+            <p:ph idx="1"/>
+          </p:nvPr>
+        </p:nvSpPr>
+        <p:spPr>
+          <a:xfrm>
+            <a:off x="685800" y="1600200"/>
+            <a:ext cx="7315200" cy="4419600"/>
+          </a:xfrm>
+        </p:spPr>
+        <p:txBody>
+          <a:bodyPr/>
+          <a:lstStyle/>
+          <a:p>
+            <a:r>
+              <a:rPr lang="en-US" dirty="0" smtClean="0"/>
+              <a:t>Starts </a:t>
+            </a:r>
+            <a:r>
+              <a:rPr lang="en-US" dirty="0" smtClean="0"/>
+              <a:t>with an initial planning and ends with deployment with the </a:t>
+            </a:r>
+            <a:r>
+              <a:rPr lang="en-US" dirty="0" smtClean="0"/>
+              <a:t>cyclic interactions </a:t>
+            </a:r>
+            <a:r>
+              <a:rPr lang="en-US" dirty="0" smtClean="0"/>
+              <a:t>in between</a:t>
+            </a:r>
+            <a:endParaRPr lang="en-US" dirty="0"/>
+          </a:p>
+        </p:txBody>
+      </p:sp>
+      <p:pic>
+        <p:nvPicPr>
+          <p:cNvPr id="84994" name="Picture 2"/>
+          <p:cNvPicPr>
+            <a:picLocks noChangeAspect="1" noChangeArrowheads="1"/>
+          </p:cNvPicPr>
+          <p:nvPr/>
+        </p:nvPicPr>
+        <p:blipFill>
+          <a:blip r:embed="rId2"/>
+          <a:srcRect/>
+          <a:stretch>
+            <a:fillRect/>
+          </a:stretch>
+        </p:blipFill>
+        <p:spPr bwMode="auto">
+          <a:xfrm>
+            <a:off x="533400" y="3200400"/>
+            <a:ext cx="8033964" cy="3746834"/>
+          </a:xfrm>
+          <a:prstGeom prst="rect">
+            <a:avLst/>
+          </a:prstGeom>
+          <a:noFill/>
+          <a:ln w="9525">
+            <a:noFill/>
+            <a:miter lim="800000"/>
+            <a:headEnd/>
+            <a:tailEnd/>
+          </a:ln>
+          <a:effectLst/>
+        </p:spPr>
+      </p:pic>
+    </p:spTree>
+  </p:cSld>
+  <p:clrMapOvr>
+    <a:masterClrMapping/>
+  </p:clrMapOvr>
+  <p:timing>
+    <p:tnLst>
+      <p:par>
+        <p:cTn id="1" dur="indefinite" restart="never" nodeType="tmRoot"/>
+      </p:par>
+    </p:tnLst>
+  </p:timing>
+</p:sld>
+</file>
+
+<file path=ppt/slides/slide62.xml><?xml version="1.0" encoding="utf-8"?>
+<p:sld xmlns:a="http://schemas.openxmlformats.org/drawingml/2006/main" xmlns:r="http://schemas.openxmlformats.org/officeDocument/2006/relationships" xmlns:p="http://schemas.openxmlformats.org/presentationml/2006/main">
+  <p:cSld>
+    <p:spTree>
+      <p:nvGrpSpPr>
+        <p:cNvPr id="1" name=""/>
+        <p:cNvGrpSpPr/>
+        <p:nvPr/>
+      </p:nvGrpSpPr>
+      <p:grpSpPr>
+        <a:xfrm>
+          <a:off x="0" y="0"/>
+          <a:ext cx="0" cy="0"/>
+          <a:chOff x="0" y="0"/>
+          <a:chExt cx="0" cy="0"/>
+        </a:xfrm>
+      </p:grpSpPr>
+      <p:sp>
+        <p:nvSpPr>
+          <p:cNvPr id="2" name="Title 1"/>
+          <p:cNvSpPr>
+            <a:spLocks noGrp="1"/>
+          </p:cNvSpPr>
+          <p:nvPr>
+            <p:ph type="title"/>
+          </p:nvPr>
+        </p:nvSpPr>
+        <p:spPr>
+          <a:xfrm>
+            <a:off x="685800" y="228600"/>
+            <a:ext cx="7772400" cy="1143000"/>
+          </a:xfrm>
+        </p:spPr>
+        <p:txBody>
+          <a:bodyPr/>
+          <a:lstStyle/>
+          <a:p>
+            <a:r>
+              <a:rPr lang="en-US" dirty="0" smtClean="0"/>
+              <a:t>Agile </a:t>
+            </a:r>
+            <a:r>
+              <a:rPr lang="en-US" dirty="0" smtClean="0"/>
+              <a:t>Model</a:t>
+            </a:r>
+            <a:endParaRPr lang="en-US" dirty="0"/>
+          </a:p>
+        </p:txBody>
+      </p:sp>
+      <p:sp>
+        <p:nvSpPr>
+          <p:cNvPr id="3" name="Content Placeholder 2"/>
+          <p:cNvSpPr>
+            <a:spLocks noGrp="1"/>
+          </p:cNvSpPr>
+          <p:nvPr>
+            <p:ph idx="1"/>
+          </p:nvPr>
+        </p:nvSpPr>
+        <p:spPr>
+          <a:xfrm>
+            <a:off x="685800" y="1600200"/>
+            <a:ext cx="7772400" cy="4114800"/>
+          </a:xfrm>
+        </p:spPr>
+        <p:txBody>
+          <a:bodyPr/>
+          <a:lstStyle/>
+          <a:p>
+            <a:r>
+              <a:rPr lang="en-US" dirty="0" smtClean="0"/>
+              <a:t>Based </a:t>
+            </a:r>
+            <a:r>
+              <a:rPr lang="en-US" dirty="0" smtClean="0"/>
+              <a:t>on iterative and incremental development, where requirements and solutions evolve through collaboration between cross-functional teams</a:t>
+            </a:r>
+            <a:endParaRPr lang="en-US" dirty="0"/>
+          </a:p>
+        </p:txBody>
+      </p:sp>
+      <p:pic>
+        <p:nvPicPr>
+          <p:cNvPr id="86019" name="Picture 3"/>
+          <p:cNvPicPr>
+            <a:picLocks noChangeAspect="1" noChangeArrowheads="1"/>
+          </p:cNvPicPr>
+          <p:nvPr/>
+        </p:nvPicPr>
+        <p:blipFill>
+          <a:blip r:embed="rId2"/>
+          <a:srcRect/>
+          <a:stretch>
+            <a:fillRect/>
+          </a:stretch>
+        </p:blipFill>
+        <p:spPr bwMode="auto">
+          <a:xfrm>
+            <a:off x="1143000" y="3800475"/>
+            <a:ext cx="6534150" cy="2981325"/>
+          </a:xfrm>
+          <a:prstGeom prst="rect">
+            <a:avLst/>
+          </a:prstGeom>
+          <a:noFill/>
+          <a:ln w="9525">
+            <a:noFill/>
+            <a:miter lim="800000"/>
+            <a:headEnd/>
+            <a:tailEnd/>
+          </a:ln>
+          <a:effectLst/>
+        </p:spPr>
+      </p:pic>
+    </p:spTree>
+  </p:cSld>
+  <p:clrMapOvr>
+    <a:masterClrMapping/>
+  </p:clrMapOvr>
+  <p:timing>
+    <p:tnLst>
+      <p:par>
+        <p:cTn id="1" dur="indefinite" restart="never" nodeType="tmRoot"/>
+      </p:par>
+    </p:tnLst>
+  </p:timing>
+</p:sld>
+</file>
+
+<file path=ppt/slides/slide63.xml><?xml version="1.0" encoding="utf-8"?>
+<p:sld xmlns:a="http://schemas.openxmlformats.org/drawingml/2006/main" xmlns:r="http://schemas.openxmlformats.org/officeDocument/2006/relationships" xmlns:p="http://schemas.openxmlformats.org/presentationml/2006/main">
+  <p:cSld>
+    <p:spTree>
+      <p:nvGrpSpPr>
+        <p:cNvPr id="1" name=""/>
+        <p:cNvGrpSpPr/>
+        <p:nvPr/>
+      </p:nvGrpSpPr>
+      <p:grpSpPr>
+        <a:xfrm>
+          <a:off x="0" y="0"/>
+          <a:ext cx="0" cy="0"/>
+          <a:chOff x="0" y="0"/>
+          <a:chExt cx="0" cy="0"/>
+        </a:xfrm>
+      </p:grpSpPr>
+      <p:sp>
+        <p:nvSpPr>
+          <p:cNvPr id="2" name="Title 1"/>
+          <p:cNvSpPr>
+            <a:spLocks noGrp="1"/>
+          </p:cNvSpPr>
+          <p:nvPr>
+            <p:ph type="title"/>
+          </p:nvPr>
+        </p:nvSpPr>
+        <p:spPr/>
+        <p:txBody>
+          <a:bodyPr/>
+          <a:lstStyle/>
+          <a:p>
+            <a:endParaRPr lang="en-US"/>
+          </a:p>
+        </p:txBody>
+      </p:sp>
+      <p:sp>
+        <p:nvSpPr>
+          <p:cNvPr id="3" name="Content Placeholder 2"/>
+          <p:cNvSpPr>
+            <a:spLocks noGrp="1"/>
+          </p:cNvSpPr>
+          <p:nvPr>
+            <p:ph idx="1"/>
+          </p:nvPr>
+        </p:nvSpPr>
+        <p:spPr/>
+        <p:txBody>
+          <a:bodyPr/>
+          <a:lstStyle/>
+          <a:p>
+            <a:endParaRPr lang="en-US"/>
+          </a:p>
+        </p:txBody>
+      </p:sp>
+      <p:pic>
+        <p:nvPicPr>
+          <p:cNvPr id="87042" name="Picture 2"/>
+          <p:cNvPicPr>
+            <a:picLocks noChangeAspect="1" noChangeArrowheads="1"/>
+          </p:cNvPicPr>
+          <p:nvPr/>
+        </p:nvPicPr>
+        <p:blipFill>
+          <a:blip r:embed="rId2"/>
+          <a:srcRect/>
+          <a:stretch>
+            <a:fillRect/>
+          </a:stretch>
+        </p:blipFill>
+        <p:spPr bwMode="auto">
+          <a:xfrm>
+            <a:off x="457200" y="2057400"/>
+            <a:ext cx="8424486" cy="3429000"/>
+          </a:xfrm>
+          <a:prstGeom prst="rect">
+            <a:avLst/>
+          </a:prstGeom>
+          <a:noFill/>
+          <a:ln w="9525">
+            <a:noFill/>
+            <a:miter lim="800000"/>
+            <a:headEnd/>
+            <a:tailEnd/>
+          </a:ln>
+          <a:effectLst/>
+        </p:spPr>
+      </p:pic>
+    </p:spTree>
+  </p:cSld>
+  <p:clrMapOvr>
+    <a:masterClrMapping/>
+  </p:clrMapOvr>
+</p:sld>
+</file>
+
+<file path=ppt/slides/slide64.xml><?xml version="1.0" encoding="utf-8"?>
+<p:sld xmlns:a="http://schemas.openxmlformats.org/drawingml/2006/main" xmlns:r="http://schemas.openxmlformats.org/officeDocument/2006/relationships" xmlns:p="http://schemas.openxmlformats.org/presentationml/2006/main">
+  <p:cSld>
+    <p:spTree>
+      <p:nvGrpSpPr>
+        <p:cNvPr id="1" name=""/>
+        <p:cNvGrpSpPr/>
+        <p:nvPr/>
+      </p:nvGrpSpPr>
+      <p:grpSpPr>
+        <a:xfrm>
+          <a:off x="0" y="0"/>
+          <a:ext cx="0" cy="0"/>
+          <a:chOff x="0" y="0"/>
+          <a:chExt cx="0" cy="0"/>
+        </a:xfrm>
+      </p:grpSpPr>
+      <p:sp>
+        <p:nvSpPr>
+          <p:cNvPr id="11266" name="Title 1"/>
+          <p:cNvSpPr>
+            <a:spLocks noGrp="1"/>
+          </p:cNvSpPr>
+          <p:nvPr>
+            <p:ph type="title"/>
+          </p:nvPr>
+        </p:nvSpPr>
+        <p:spPr/>
+        <p:txBody>
+          <a:bodyPr/>
+          <a:lstStyle/>
+          <a:p>
+            <a:r>
+              <a:rPr lang="en-GB" altLang="en-US" smtClean="0"/>
+              <a:t>Summary</a:t>
+            </a:r>
+          </a:p>
+        </p:txBody>
+      </p:sp>
+      <p:sp>
+        <p:nvSpPr>
+          <p:cNvPr id="11267" name="Content Placeholder 2"/>
+          <p:cNvSpPr>
+            <a:spLocks noGrp="1"/>
+          </p:cNvSpPr>
+          <p:nvPr>
+            <p:ph idx="1"/>
+          </p:nvPr>
+        </p:nvSpPr>
+        <p:spPr>
+          <a:xfrm>
+            <a:off x="685800" y="1981200"/>
+            <a:ext cx="7772400" cy="4343400"/>
+          </a:xfrm>
+        </p:spPr>
+        <p:txBody>
+          <a:bodyPr>
+            <a:normAutofit fontScale="92500"/>
+          </a:bodyPr>
+          <a:lstStyle/>
+          <a:p>
+            <a:r>
+              <a:rPr lang="en-GB" altLang="en-US" dirty="0" smtClean="0"/>
+              <a:t>Clear idea of Processes in Object Orientated Analysis and </a:t>
+            </a:r>
+            <a:r>
+              <a:rPr lang="en-GB" altLang="en-US" dirty="0" smtClean="0"/>
+              <a:t>Design</a:t>
+            </a:r>
+          </a:p>
+          <a:p>
+            <a:r>
+              <a:rPr lang="en-US" dirty="0" smtClean="0"/>
+              <a:t>Iterative and incremental </a:t>
+            </a:r>
+            <a:r>
+              <a:rPr lang="en-US" dirty="0" smtClean="0"/>
+              <a:t>development lifecycle </a:t>
+            </a:r>
+            <a:endParaRPr lang="en-US" dirty="0" smtClean="0"/>
+          </a:p>
+          <a:p>
+            <a:r>
+              <a:rPr lang="en-US" dirty="0" smtClean="0"/>
+              <a:t>Software </a:t>
+            </a:r>
+            <a:r>
+              <a:rPr lang="en-US" dirty="0" smtClean="0"/>
+              <a:t>development </a:t>
+            </a:r>
+            <a:r>
+              <a:rPr lang="en-US" dirty="0" smtClean="0"/>
+              <a:t>process framework (Software Development Lifecycle)</a:t>
+            </a:r>
+          </a:p>
+          <a:p>
+            <a:pPr lvl="1"/>
+            <a:r>
+              <a:rPr lang="en-US" dirty="0" smtClean="0"/>
+              <a:t>waterfall, iterative, agile, plan-driven, </a:t>
+            </a:r>
+            <a:r>
+              <a:rPr lang="en-US" dirty="0" smtClean="0"/>
+              <a:t>and so on </a:t>
+            </a:r>
+            <a:r>
+              <a:rPr lang="en-US" dirty="0" smtClean="0"/>
+              <a:t/>
+            </a:r>
+            <a:br>
+              <a:rPr lang="en-US" dirty="0" smtClean="0"/>
+            </a:br>
+            <a:endParaRPr lang="en-GB" altLang="en-US" dirty="0" smtClean="0"/>
+          </a:p>
+        </p:txBody>
+      </p:sp>
+    </p:spTree>
+  </p:cSld>
+  <p:clrMapOvr>
+    <a:masterClrMapping/>
+  </p:clrMapOvr>
+  <p:timing>
+    <p:tnLst>
+      <p:par>
+        <p:cTn id="1" dur="indefinite" restart="never" nodeType="tmRoot"/>
+      </p:par>
+    </p:tnLst>
+  </p:timing>
+</p:sld>
+</file>
+
+<file path=ppt/slides/slide65.xml><?xml version="1.0" encoding="utf-8"?>
+<p:sld xmlns:a="http://schemas.openxmlformats.org/drawingml/2006/main" xmlns:r="http://schemas.openxmlformats.org/officeDocument/2006/relationships" xmlns:p="http://schemas.openxmlformats.org/presentationml/2006/main">
+  <p:cSld>
+    <p:spTree>
+      <p:nvGrpSpPr>
+        <p:cNvPr id="1" name=""/>
+        <p:cNvGrpSpPr/>
+        <p:nvPr/>
+      </p:nvGrpSpPr>
+      <p:grpSpPr>
+        <a:xfrm>
+          <a:off x="0" y="0"/>
+          <a:ext cx="0" cy="0"/>
+          <a:chOff x="0" y="0"/>
+          <a:chExt cx="0" cy="0"/>
+        </a:xfrm>
+      </p:grpSpPr>
+      <p:sp>
+        <p:nvSpPr>
+          <p:cNvPr id="12290" name="Title 1"/>
+          <p:cNvSpPr>
+            <a:spLocks noGrp="1"/>
+          </p:cNvSpPr>
+          <p:nvPr>
+            <p:ph type="title"/>
+          </p:nvPr>
+        </p:nvSpPr>
+        <p:spPr/>
+        <p:txBody>
+          <a:bodyPr/>
+          <a:lstStyle/>
+          <a:p>
+            <a:r>
+              <a:rPr lang="en-GB" altLang="en-US" smtClean="0"/>
+              <a:t>This Week</a:t>
+            </a:r>
+          </a:p>
+        </p:txBody>
+      </p:sp>
+      <p:sp>
+        <p:nvSpPr>
+          <p:cNvPr id="12291" name="Content Placeholder 2"/>
+          <p:cNvSpPr>
+            <a:spLocks noGrp="1"/>
+          </p:cNvSpPr>
+          <p:nvPr>
+            <p:ph idx="1"/>
+          </p:nvPr>
+        </p:nvSpPr>
+        <p:spPr/>
+        <p:txBody>
+          <a:bodyPr/>
+          <a:lstStyle/>
+          <a:p>
+            <a:r>
+              <a:rPr lang="en-GB" altLang="en-US" dirty="0" smtClean="0"/>
+              <a:t>Review Slides</a:t>
+            </a:r>
+          </a:p>
+          <a:p>
+            <a:r>
+              <a:rPr lang="en-GB" altLang="en-US" dirty="0" smtClean="0"/>
+              <a:t>Read Chapter </a:t>
+            </a:r>
+            <a:r>
+              <a:rPr lang="en-GB" altLang="en-US" dirty="0" smtClean="0"/>
+              <a:t>7</a:t>
+            </a:r>
+          </a:p>
+          <a:p>
+            <a:r>
+              <a:rPr lang="en-GB" altLang="en-US" dirty="0" smtClean="0"/>
+              <a:t>Online Quizzes</a:t>
+            </a:r>
+          </a:p>
+          <a:p>
+            <a:r>
+              <a:rPr lang="en-GB" altLang="en-US" dirty="0" smtClean="0"/>
+              <a:t>Crossword Challenge</a:t>
+            </a:r>
+            <a:endParaRPr lang="en-GB" altLang="en-US" dirty="0" smtClean="0"/>
+          </a:p>
+        </p:txBody>
+      </p:sp>
+    </p:spTree>
+  </p:cSld>
+  <p:clrMapOvr>
+    <a:masterClrMapping/>
+  </p:clrMapOvr>
+  <p:timing>
+    <p:tnLst>
+      <p:par>
+        <p:cTn id="1" dur="indefinite" restart="never" nodeType="tmRoot"/>
+      </p:par>
+    </p:tnLst>
+  </p:timing>
+</p:sld>
+</file>
+
+<file path=ppt/slides/slide66.xml><?xml version="1.0" encoding="utf-8"?>
+<p:sld xmlns:a="http://schemas.openxmlformats.org/drawingml/2006/main" xmlns:r="http://schemas.openxmlformats.org/officeDocument/2006/relationships" xmlns:p="http://schemas.openxmlformats.org/presentationml/2006/main">
+  <p:cSld>
+    <p:spTree>
+      <p:nvGrpSpPr>
+        <p:cNvPr id="1" name=""/>
+        <p:cNvGrpSpPr/>
+        <p:nvPr/>
+      </p:nvGrpSpPr>
+      <p:grpSpPr>
+        <a:xfrm>
+          <a:off x="0" y="0"/>
+          <a:ext cx="0" cy="0"/>
+          <a:chOff x="0" y="0"/>
+          <a:chExt cx="0" cy="0"/>
+        </a:xfrm>
+      </p:grpSpPr>
+      <p:pic>
+        <p:nvPicPr>
+          <p:cNvPr id="1033" name="Picture 9"/>
+          <p:cNvPicPr>
+            <a:picLocks noChangeAspect="1" noChangeArrowheads="1"/>
+          </p:cNvPicPr>
+          <p:nvPr/>
+        </p:nvPicPr>
+        <p:blipFill>
+          <a:blip r:embed="rId2"/>
+          <a:srcRect/>
+          <a:stretch>
+            <a:fillRect/>
+          </a:stretch>
+        </p:blipFill>
+        <p:spPr bwMode="auto">
+          <a:xfrm>
+            <a:off x="76200" y="1447800"/>
+            <a:ext cx="5823737" cy="5000625"/>
+          </a:xfrm>
+          <a:prstGeom prst="rect">
+            <a:avLst/>
+          </a:prstGeom>
+          <a:noFill/>
+          <a:ln w="9525">
+            <a:noFill/>
+            <a:miter lim="800000"/>
+            <a:headEnd/>
+            <a:tailEnd/>
+          </a:ln>
+          <a:effectLst/>
+        </p:spPr>
+      </p:pic>
+      <p:sp>
+        <p:nvSpPr>
+          <p:cNvPr id="2" name="Title 1"/>
+          <p:cNvSpPr>
+            <a:spLocks noGrp="1"/>
+          </p:cNvSpPr>
+          <p:nvPr>
+            <p:ph type="title"/>
+          </p:nvPr>
+        </p:nvSpPr>
+        <p:spPr>
+          <a:xfrm>
+            <a:off x="762000" y="152400"/>
+            <a:ext cx="7772400" cy="1143000"/>
+          </a:xfrm>
+        </p:spPr>
+        <p:txBody>
+          <a:bodyPr/>
+          <a:lstStyle/>
+          <a:p>
+            <a:r>
+              <a:rPr lang="en-US" dirty="0" smtClean="0"/>
+              <a:t>Crossword Challenge</a:t>
+            </a:r>
+            <a:endParaRPr lang="en-US" dirty="0"/>
+          </a:p>
+        </p:txBody>
+      </p:sp>
+      <p:pic>
+        <p:nvPicPr>
+          <p:cNvPr id="1029" name="Picture 5"/>
+          <p:cNvPicPr>
+            <a:picLocks noChangeAspect="1" noChangeArrowheads="1"/>
+          </p:cNvPicPr>
+          <p:nvPr/>
+        </p:nvPicPr>
+        <p:blipFill>
+          <a:blip r:embed="rId3"/>
+          <a:srcRect/>
+          <a:stretch>
+            <a:fillRect/>
+          </a:stretch>
+        </p:blipFill>
+        <p:spPr bwMode="auto">
+          <a:xfrm>
+            <a:off x="5791200" y="1295400"/>
+            <a:ext cx="3352800" cy="3385038"/>
+          </a:xfrm>
+          <a:prstGeom prst="rect">
+            <a:avLst/>
+          </a:prstGeom>
+          <a:noFill/>
+          <a:ln w="9525">
+            <a:noFill/>
+            <a:miter lim="800000"/>
+            <a:headEnd/>
+            <a:tailEnd/>
+          </a:ln>
+          <a:effectLst/>
+        </p:spPr>
+      </p:pic>
+      <p:pic>
+        <p:nvPicPr>
+          <p:cNvPr id="1030" name="Picture 6"/>
+          <p:cNvPicPr>
+            <a:picLocks noChangeAspect="1" noChangeArrowheads="1"/>
+          </p:cNvPicPr>
+          <p:nvPr/>
+        </p:nvPicPr>
+        <p:blipFill>
+          <a:blip r:embed="rId4"/>
+          <a:srcRect/>
+          <a:stretch>
+            <a:fillRect/>
+          </a:stretch>
+        </p:blipFill>
+        <p:spPr bwMode="auto">
+          <a:xfrm>
+            <a:off x="5867400" y="4572000"/>
+            <a:ext cx="3124200" cy="2090750"/>
+          </a:xfrm>
+          <a:prstGeom prst="rect">
+            <a:avLst/>
+          </a:prstGeom>
+          <a:noFill/>
+          <a:ln w="9525">
+            <a:noFill/>
+            <a:miter lim="800000"/>
+            <a:headEnd/>
+            <a:tailEnd/>
+          </a:ln>
+          <a:effectLst/>
+        </p:spPr>
+      </p:pic>
+    </p:spTree>
+  </p:cSld>
+  <p:clrMapOvr>
+    <a:masterClrMapping/>
+  </p:clrMapOvr>
+  <p:timing>
+    <p:tnLst>
+      <p:par>
+        <p:cTn id="1" dur="indefinite" restart="never" nodeType="tmRoot"/>
+      </p:par>
+    </p:tnLst>
+  </p:timing>
+</p:sld>
+</file>
+
+<file path=ppt/slides/slide67.xml><?xml version="1.0" encoding="utf-8"?>
+<p:sld xmlns:a="http://schemas.openxmlformats.org/drawingml/2006/main" xmlns:r="http://schemas.openxmlformats.org/officeDocument/2006/relationships" xmlns:p="http://schemas.openxmlformats.org/presentationml/2006/main">
+  <p:cSld>
+    <p:spTree>
+      <p:nvGrpSpPr>
+        <p:cNvPr id="1" name=""/>
+        <p:cNvGrpSpPr/>
+        <p:nvPr/>
+      </p:nvGrpSpPr>
+      <p:grpSpPr>
+        <a:xfrm>
+          <a:off x="0" y="0"/>
+          <a:ext cx="0" cy="0"/>
+          <a:chOff x="0" y="0"/>
+          <a:chExt cx="0" cy="0"/>
+        </a:xfrm>
+      </p:grpSpPr>
+      <p:sp>
+        <p:nvSpPr>
           <p:cNvPr id="13314" name="Title 1"/>
           <p:cNvSpPr>
             <a:spLocks noGrp="1"/>
@@ -4174,6 +12556,587 @@
         </p:txBody>
       </p:sp>
     </p:spTree>
+  </p:cSld>
+  <p:clrMapOvr>
+    <a:masterClrMapping/>
+  </p:clrMapOvr>
+  <p:timing>
+    <p:tnLst>
+      <p:par>
+        <p:cTn id="1" dur="indefinite" restart="never" nodeType="tmRoot"/>
+      </p:par>
+    </p:tnLst>
+  </p:timing>
+</p:sld>
+</file>
+
+<file path=ppt/slides/slide68.xml><?xml version="1.0" encoding="utf-8"?>
+<p:sld xmlns:a="http://schemas.openxmlformats.org/drawingml/2006/main" xmlns:r="http://schemas.openxmlformats.org/officeDocument/2006/relationships" xmlns:p="http://schemas.openxmlformats.org/presentationml/2006/main">
+  <p:cSld>
+    <p:spTree>
+      <p:nvGrpSpPr>
+        <p:cNvPr id="1" name=""/>
+        <p:cNvGrpSpPr/>
+        <p:nvPr/>
+      </p:nvGrpSpPr>
+      <p:grpSpPr>
+        <a:xfrm>
+          <a:off x="0" y="0"/>
+          <a:ext cx="0" cy="0"/>
+          <a:chOff x="0" y="0"/>
+          <a:chExt cx="0" cy="0"/>
+        </a:xfrm>
+      </p:grpSpPr>
+      <p:sp>
+        <p:nvSpPr>
+          <p:cNvPr id="2" name="Title 1"/>
+          <p:cNvSpPr>
+            <a:spLocks noGrp="1"/>
+          </p:cNvSpPr>
+          <p:nvPr>
+            <p:ph type="title"/>
+          </p:nvPr>
+        </p:nvSpPr>
+        <p:spPr/>
+        <p:txBody>
+          <a:bodyPr/>
+          <a:lstStyle/>
+          <a:p>
+            <a:r>
+              <a:rPr lang="en-US" dirty="0" smtClean="0"/>
+              <a:t>Question</a:t>
+            </a:r>
+            <a:endParaRPr lang="en-US" dirty="0"/>
+          </a:p>
+        </p:txBody>
+      </p:sp>
+      <p:sp>
+        <p:nvSpPr>
+          <p:cNvPr id="3" name="Content Placeholder 2"/>
+          <p:cNvSpPr>
+            <a:spLocks noGrp="1"/>
+          </p:cNvSpPr>
+          <p:nvPr>
+            <p:ph idx="1"/>
+          </p:nvPr>
+        </p:nvSpPr>
+        <p:spPr/>
+        <p:txBody>
+          <a:bodyPr/>
+          <a:lstStyle/>
+          <a:p>
+            <a:r>
+              <a:rPr lang="en-US" dirty="0" smtClean="0"/>
+              <a:t>Having the most suitable process </a:t>
+            </a:r>
+            <a:r>
+              <a:rPr lang="en-US" dirty="0" smtClean="0"/>
+              <a:t>model will justify success of the project</a:t>
+            </a:r>
+            <a:endParaRPr lang="en-US" dirty="0" smtClean="0"/>
+          </a:p>
+          <a:p>
+            <a:pPr>
+              <a:buNone/>
+            </a:pPr>
+            <a:r>
+              <a:rPr lang="en-US" dirty="0" smtClean="0"/>
+              <a:t>	</a:t>
+            </a:r>
+            <a:r>
+              <a:rPr lang="en-US" dirty="0" smtClean="0"/>
+              <a:t>(Explain your answer)</a:t>
+            </a:r>
+          </a:p>
+          <a:p>
+            <a:pPr>
+              <a:buNone/>
+            </a:pPr>
+            <a:endParaRPr lang="en-US" dirty="0" smtClean="0"/>
+          </a:p>
+          <a:p>
+            <a:pPr marL="514350" indent="-514350">
+              <a:buAutoNum type="alphaLcParenR"/>
+            </a:pPr>
+            <a:r>
+              <a:rPr lang="en-US" dirty="0" smtClean="0"/>
+              <a:t>True</a:t>
+            </a:r>
+          </a:p>
+          <a:p>
+            <a:pPr marL="514350" indent="-514350">
+              <a:buAutoNum type="alphaLcParenR"/>
+            </a:pPr>
+            <a:r>
+              <a:rPr lang="en-US" dirty="0" smtClean="0"/>
+              <a:t>False</a:t>
+            </a:r>
+            <a:endParaRPr lang="en-US" dirty="0"/>
+          </a:p>
+        </p:txBody>
+      </p:sp>
+    </p:spTree>
+  </p:cSld>
+  <p:clrMapOvr>
+    <a:masterClrMapping/>
+  </p:clrMapOvr>
+</p:sld>
+</file>
+
+<file path=ppt/slides/slide69.xml><?xml version="1.0" encoding="utf-8"?>
+<p:sld xmlns:a="http://schemas.openxmlformats.org/drawingml/2006/main" xmlns:r="http://schemas.openxmlformats.org/officeDocument/2006/relationships" xmlns:p="http://schemas.openxmlformats.org/presentationml/2006/main">
+  <p:cSld>
+    <p:spTree>
+      <p:nvGrpSpPr>
+        <p:cNvPr id="1" name=""/>
+        <p:cNvGrpSpPr/>
+        <p:nvPr/>
+      </p:nvGrpSpPr>
+      <p:grpSpPr>
+        <a:xfrm>
+          <a:off x="0" y="0"/>
+          <a:ext cx="0" cy="0"/>
+          <a:chOff x="0" y="0"/>
+          <a:chExt cx="0" cy="0"/>
+        </a:xfrm>
+      </p:grpSpPr>
+      <p:sp>
+        <p:nvSpPr>
+          <p:cNvPr id="2" name="Title 1"/>
+          <p:cNvSpPr>
+            <a:spLocks noGrp="1"/>
+          </p:cNvSpPr>
+          <p:nvPr>
+            <p:ph type="title"/>
+          </p:nvPr>
+        </p:nvSpPr>
+        <p:spPr/>
+        <p:txBody>
+          <a:bodyPr/>
+          <a:lstStyle/>
+          <a:p>
+            <a:r>
+              <a:rPr lang="en-US" dirty="0" smtClean="0"/>
+              <a:t>Answer</a:t>
+            </a:r>
+            <a:endParaRPr lang="en-US" dirty="0"/>
+          </a:p>
+        </p:txBody>
+      </p:sp>
+      <p:sp>
+        <p:nvSpPr>
+          <p:cNvPr id="3" name="Content Placeholder 2"/>
+          <p:cNvSpPr>
+            <a:spLocks noGrp="1"/>
+          </p:cNvSpPr>
+          <p:nvPr>
+            <p:ph idx="1"/>
+          </p:nvPr>
+        </p:nvSpPr>
+        <p:spPr/>
+        <p:txBody>
+          <a:bodyPr>
+            <a:normAutofit fontScale="92500" lnSpcReduction="20000"/>
+          </a:bodyPr>
+          <a:lstStyle/>
+          <a:p>
+            <a:r>
+              <a:rPr lang="en-US" dirty="0" smtClean="0"/>
+              <a:t>b) False</a:t>
+            </a:r>
+          </a:p>
+          <a:p>
+            <a:endParaRPr lang="en-US" dirty="0" smtClean="0"/>
+          </a:p>
+          <a:p>
+            <a:r>
+              <a:rPr lang="en-US" dirty="0" smtClean="0"/>
+              <a:t>There </a:t>
+            </a:r>
+            <a:r>
+              <a:rPr lang="en-US" dirty="0" smtClean="0"/>
+              <a:t>are a lot of factors </a:t>
+            </a:r>
+            <a:r>
+              <a:rPr lang="en-US" dirty="0" smtClean="0"/>
+              <a:t>that need </a:t>
+            </a:r>
+            <a:r>
+              <a:rPr lang="en-US" dirty="0" smtClean="0"/>
+              <a:t>to be considered </a:t>
+            </a:r>
+            <a:r>
+              <a:rPr lang="en-US" dirty="0" smtClean="0"/>
+              <a:t>for a successful </a:t>
+            </a:r>
+            <a:r>
+              <a:rPr lang="en-US" dirty="0" smtClean="0"/>
+              <a:t>software project, for example, requirement analysis is the most critical phase of </a:t>
+            </a:r>
+            <a:r>
+              <a:rPr lang="en-US" dirty="0" smtClean="0"/>
+              <a:t>software life-cycle, the </a:t>
+            </a:r>
+            <a:r>
+              <a:rPr lang="en-US" dirty="0" smtClean="0"/>
+              <a:t>skills of the project team and project manager, the quality of the deliverables, the used </a:t>
+            </a:r>
+            <a:r>
+              <a:rPr lang="en-US" dirty="0" smtClean="0"/>
+              <a:t>technologies, and so forth</a:t>
+            </a:r>
+            <a:endParaRPr lang="en-US" dirty="0"/>
+          </a:p>
+        </p:txBody>
+      </p:sp>
+    </p:spTree>
+  </p:cSld>
+  <p:clrMapOvr>
+    <a:masterClrMapping/>
+  </p:clrMapOvr>
+</p:sld>
+</file>
+
+<file path=ppt/slides/slide7.xml><?xml version="1.0" encoding="utf-8"?>
+<p:sld xmlns:a="http://schemas.openxmlformats.org/drawingml/2006/main" xmlns:r="http://schemas.openxmlformats.org/officeDocument/2006/relationships" xmlns:p="http://schemas.openxmlformats.org/presentationml/2006/main">
+  <p:cSld>
+    <p:spTree>
+      <p:nvGrpSpPr>
+        <p:cNvPr id="1" name=""/>
+        <p:cNvGrpSpPr/>
+        <p:nvPr/>
+      </p:nvGrpSpPr>
+      <p:grpSpPr>
+        <a:xfrm>
+          <a:off x="0" y="0"/>
+          <a:ext cx="0" cy="0"/>
+          <a:chOff x="0" y="0"/>
+          <a:chExt cx="0" cy="0"/>
+        </a:xfrm>
+      </p:grpSpPr>
+      <p:sp>
+        <p:nvSpPr>
+          <p:cNvPr id="66562" name="Title 1"/>
+          <p:cNvSpPr>
+            <a:spLocks noGrp="1"/>
+          </p:cNvSpPr>
+          <p:nvPr>
+            <p:ph type="title"/>
+          </p:nvPr>
+        </p:nvSpPr>
+        <p:spPr/>
+        <p:txBody>
+          <a:bodyPr/>
+          <a:lstStyle/>
+          <a:p>
+            <a:r>
+              <a:rPr lang="en-GB" altLang="en-US" dirty="0" smtClean="0"/>
+              <a:t>Revision Question</a:t>
+            </a:r>
+            <a:endParaRPr lang="en-GB" altLang="en-US" dirty="0" smtClean="0"/>
+          </a:p>
+        </p:txBody>
+      </p:sp>
+      <p:sp>
+        <p:nvSpPr>
+          <p:cNvPr id="3" name="Content Placeholder 2"/>
+          <p:cNvSpPr>
+            <a:spLocks noGrp="1"/>
+          </p:cNvSpPr>
+          <p:nvPr>
+            <p:ph idx="1"/>
+          </p:nvPr>
+        </p:nvSpPr>
+        <p:spPr/>
+        <p:txBody>
+          <a:bodyPr/>
+          <a:lstStyle/>
+          <a:p>
+            <a:pPr>
+              <a:defRPr/>
+            </a:pPr>
+            <a:r>
+              <a:rPr lang="en-GB" dirty="0" smtClean="0"/>
+              <a:t>Which of the following is the functionality of ‘Data Abstraction’?</a:t>
+            </a:r>
+          </a:p>
+          <a:p>
+            <a:pPr marL="0" indent="0">
+              <a:buFontTx/>
+              <a:buNone/>
+              <a:defRPr/>
+            </a:pPr>
+            <a:endParaRPr lang="en-GB" dirty="0" smtClean="0"/>
+          </a:p>
+          <a:p>
+            <a:pPr>
+              <a:defRPr/>
+            </a:pPr>
+            <a:r>
+              <a:rPr lang="en-GB" dirty="0" smtClean="0"/>
+              <a:t>A. Reduce Complexity</a:t>
+            </a:r>
+          </a:p>
+          <a:p>
+            <a:pPr>
+              <a:defRPr/>
+            </a:pPr>
+            <a:r>
+              <a:rPr lang="en-GB" dirty="0" smtClean="0"/>
+              <a:t>B. Binds together code and data</a:t>
+            </a:r>
+          </a:p>
+          <a:p>
+            <a:pPr>
+              <a:defRPr/>
+            </a:pPr>
+            <a:r>
+              <a:rPr lang="en-GB" dirty="0" smtClean="0"/>
+              <a:t>C. Parallelism</a:t>
+            </a:r>
+          </a:p>
+          <a:p>
+            <a:pPr>
+              <a:defRPr/>
+            </a:pPr>
+            <a:r>
+              <a:rPr lang="en-GB" dirty="0" smtClean="0"/>
+              <a:t>D. None of the mentioned</a:t>
+            </a:r>
+          </a:p>
+        </p:txBody>
+      </p:sp>
+    </p:spTree>
+  </p:cSld>
+  <p:clrMapOvr>
+    <a:masterClrMapping/>
+  </p:clrMapOvr>
+</p:sld>
+</file>
+
+<file path=ppt/slides/slide8.xml><?xml version="1.0" encoding="utf-8"?>
+<p:sld xmlns:a="http://schemas.openxmlformats.org/drawingml/2006/main" xmlns:r="http://schemas.openxmlformats.org/officeDocument/2006/relationships" xmlns:p="http://schemas.openxmlformats.org/presentationml/2006/main">
+  <p:cSld>
+    <p:spTree>
+      <p:nvGrpSpPr>
+        <p:cNvPr id="1" name=""/>
+        <p:cNvGrpSpPr/>
+        <p:nvPr/>
+      </p:nvGrpSpPr>
+      <p:grpSpPr>
+        <a:xfrm>
+          <a:off x="0" y="0"/>
+          <a:ext cx="0" cy="0"/>
+          <a:chOff x="0" y="0"/>
+          <a:chExt cx="0" cy="0"/>
+        </a:xfrm>
+      </p:grpSpPr>
+      <p:sp>
+        <p:nvSpPr>
+          <p:cNvPr id="67586" name="Title 1"/>
+          <p:cNvSpPr>
+            <a:spLocks noGrp="1"/>
+          </p:cNvSpPr>
+          <p:nvPr>
+            <p:ph type="title"/>
+          </p:nvPr>
+        </p:nvSpPr>
+        <p:spPr/>
+        <p:txBody>
+          <a:bodyPr/>
+          <a:lstStyle/>
+          <a:p>
+            <a:r>
+              <a:rPr lang="en-GB" altLang="en-US" smtClean="0"/>
+              <a:t>Answer</a:t>
+            </a:r>
+          </a:p>
+        </p:txBody>
+      </p:sp>
+      <p:sp>
+        <p:nvSpPr>
+          <p:cNvPr id="3" name="Content Placeholder 2"/>
+          <p:cNvSpPr>
+            <a:spLocks noGrp="1"/>
+          </p:cNvSpPr>
+          <p:nvPr>
+            <p:ph idx="1"/>
+          </p:nvPr>
+        </p:nvSpPr>
+        <p:spPr/>
+        <p:txBody>
+          <a:bodyPr/>
+          <a:lstStyle/>
+          <a:p>
+            <a:pPr>
+              <a:defRPr/>
+            </a:pPr>
+            <a:r>
+              <a:rPr lang="en-GB" dirty="0" smtClean="0"/>
+              <a:t>A. Reduce Complexity</a:t>
+            </a:r>
+          </a:p>
+          <a:p>
+            <a:pPr>
+              <a:defRPr/>
+            </a:pPr>
+            <a:endParaRPr lang="en-GB" dirty="0" smtClean="0"/>
+          </a:p>
+          <a:p>
+            <a:pPr marL="0" indent="0">
+              <a:buFontTx/>
+              <a:buNone/>
+              <a:defRPr/>
+            </a:pPr>
+            <a:r>
+              <a:rPr lang="en-GB" dirty="0" smtClean="0"/>
+              <a:t>Explanation: An essential element of Object Oriented Programming is ‘Data Abstraction’ which means hiding things. Complexity is managed through abstraction.</a:t>
+            </a:r>
+          </a:p>
+          <a:p>
+            <a:pPr>
+              <a:defRPr/>
+            </a:pPr>
+            <a:endParaRPr lang="en-GB" dirty="0"/>
+          </a:p>
+        </p:txBody>
+      </p:sp>
+    </p:spTree>
+  </p:cSld>
+  <p:clrMapOvr>
+    <a:masterClrMapping/>
+  </p:clrMapOvr>
+</p:sld>
+</file>
+
+<file path=ppt/slides/slide9.xml><?xml version="1.0" encoding="utf-8"?>
+<p:sld xmlns:a="http://schemas.openxmlformats.org/drawingml/2006/main" xmlns:r="http://schemas.openxmlformats.org/officeDocument/2006/relationships" xmlns:p="http://schemas.openxmlformats.org/presentationml/2006/main">
+  <p:cSld>
+    <p:spTree>
+      <p:nvGrpSpPr>
+        <p:cNvPr id="1" name=""/>
+        <p:cNvGrpSpPr/>
+        <p:nvPr/>
+      </p:nvGrpSpPr>
+      <p:grpSpPr>
+        <a:xfrm>
+          <a:off x="0" y="0"/>
+          <a:ext cx="0" cy="0"/>
+          <a:chOff x="0" y="0"/>
+          <a:chExt cx="0" cy="0"/>
+        </a:xfrm>
+      </p:grpSpPr>
+      <p:sp>
+        <p:nvSpPr>
+          <p:cNvPr id="2" name="Title 1"/>
+          <p:cNvSpPr>
+            <a:spLocks noGrp="1"/>
+          </p:cNvSpPr>
+          <p:nvPr>
+            <p:ph type="title"/>
+          </p:nvPr>
+        </p:nvSpPr>
+        <p:spPr>
+          <a:xfrm>
+            <a:off x="685800" y="275274"/>
+            <a:ext cx="7772400" cy="1143000"/>
+          </a:xfrm>
+        </p:spPr>
+        <p:txBody>
+          <a:bodyPr/>
+          <a:lstStyle/>
+          <a:p>
+            <a:r>
+              <a:rPr lang="en-GB" dirty="0" smtClean="0"/>
+              <a:t>Revision Question</a:t>
+            </a:r>
+            <a:endParaRPr lang="en-GB" dirty="0"/>
+          </a:p>
+        </p:txBody>
+      </p:sp>
+      <p:sp>
+        <p:nvSpPr>
+          <p:cNvPr id="3" name="Content Placeholder 2"/>
+          <p:cNvSpPr>
+            <a:spLocks noGrp="1"/>
+          </p:cNvSpPr>
+          <p:nvPr>
+            <p:ph idx="1"/>
+          </p:nvPr>
+        </p:nvSpPr>
+        <p:spPr>
+          <a:xfrm>
+            <a:off x="685800" y="1646874"/>
+            <a:ext cx="7772400" cy="4114800"/>
+          </a:xfrm>
+        </p:spPr>
+        <p:txBody>
+          <a:bodyPr/>
+          <a:lstStyle/>
+          <a:p>
+            <a:r>
+              <a:rPr lang="en-GB" dirty="0" smtClean="0"/>
+              <a:t>Draw the notations </a:t>
+            </a:r>
+            <a:r>
+              <a:rPr lang="en-GB" dirty="0"/>
+              <a:t>for the different types of relationships</a:t>
+            </a:r>
+          </a:p>
+        </p:txBody>
+      </p:sp>
+      <p:pic>
+        <p:nvPicPr>
+          <p:cNvPr id="4" name="Picture 3"/>
+          <p:cNvPicPr>
+            <a:picLocks noChangeAspect="1"/>
+          </p:cNvPicPr>
+          <p:nvPr/>
+        </p:nvPicPr>
+        <p:blipFill rotWithShape="1">
+          <a:blip r:embed="rId2"/>
+          <a:srcRect r="42743"/>
+          <a:stretch/>
+        </p:blipFill>
+        <p:spPr>
+          <a:xfrm>
+            <a:off x="2514600" y="3095625"/>
+            <a:ext cx="2404897" cy="3076575"/>
+          </a:xfrm>
+          <a:prstGeom prst="rect">
+            <a:avLst/>
+          </a:prstGeom>
+        </p:spPr>
+      </p:pic>
+      <p:pic>
+        <p:nvPicPr>
+          <p:cNvPr id="5" name="Picture 4"/>
+          <p:cNvPicPr>
+            <a:picLocks noChangeAspect="1"/>
+          </p:cNvPicPr>
+          <p:nvPr/>
+        </p:nvPicPr>
+        <p:blipFill rotWithShape="1">
+          <a:blip r:embed="rId3"/>
+          <a:srcRect l="56604" b="88285"/>
+          <a:stretch/>
+        </p:blipFill>
+        <p:spPr>
+          <a:xfrm>
+            <a:off x="4756691" y="3079452"/>
+            <a:ext cx="2002736" cy="396387"/>
+          </a:xfrm>
+          <a:prstGeom prst="rect">
+            <a:avLst/>
+          </a:prstGeom>
+        </p:spPr>
+      </p:pic>
+    </p:spTree>
+    <p:extLst>
+      <p:ext uri="{BB962C8B-B14F-4D97-AF65-F5344CB8AC3E}">
+        <p14:creationId xmlns:p14="http://schemas.microsoft.com/office/powerpoint/2010/main" xmlns="" val="3855890902"/>
+      </p:ext>
+    </p:extLst>
   </p:cSld>
   <p:clrMapOvr>
     <a:masterClrMapping/>
@@ -4671,7 +13634,7 @@
   </a:extraClrSchemeLst>
   <a:extLst>
     <a:ext uri="{05A4C25C-085E-4340-85A3-A5531E510DB2}">
-      <thm15:themeFamily xmlns:thm15="http://schemas.microsoft.com/office/thememl/2012/main" xmlns="" name="Office Theme" id="{62F939B6-93AF-4DB8-9C6B-D6C7DFDC589F}" vid="{4A3C46E8-61CC-4603-A589-7422A47A8E4A}"/>
+      <thm15:themeFamily xmlns="" xmlns:thm15="http://schemas.microsoft.com/office/thememl/2012/main" name="Office Theme" id="{62F939B6-93AF-4DB8-9C6B-D6C7DFDC589F}" vid="{4A3C46E8-61CC-4603-A589-7422A47A8E4A}"/>
     </a:ext>
   </a:extLst>
 </a:theme>
@@ -4932,7 +13895,7 @@
   <a:extraClrSchemeLst/>
   <a:extLst>
     <a:ext uri="{05A4C25C-085E-4340-85A3-A5531E510DB2}">
-      <thm15:themeFamily xmlns:thm15="http://schemas.microsoft.com/office/thememl/2012/main" xmlns="" name="Office Theme" id="{62F939B6-93AF-4DB8-9C6B-D6C7DFDC589F}" vid="{4A3C46E8-61CC-4603-A589-7422A47A8E4A}"/>
+      <thm15:themeFamily xmlns="" xmlns:thm15="http://schemas.microsoft.com/office/thememl/2012/main" name="Office Theme" id="{62F939B6-93AF-4DB8-9C6B-D6C7DFDC589F}" vid="{4A3C46E8-61CC-4603-A589-7422A47A8E4A}"/>
     </a:ext>
   </a:extLst>
 </a:theme>

--- a/OOAD/lectures/080--Processes.pptx
+++ b/OOAD/lectures/080--Processes.pptx
@@ -207,7 +207,7 @@
   </p:defaultTextStyle>
   <p:extLst>
     <p:ext uri="{EFAFB233-063F-42B5-8137-9DF3F51BA10A}">
-      <p15:sldGuideLst xmlns="" xmlns:p15="http://schemas.microsoft.com/office/powerpoint/2012/main">
+      <p15:sldGuideLst xmlns:p15="http://schemas.microsoft.com/office/powerpoint/2012/main">
         <p15:guide id="1" orient="horz" pos="2160">
           <p15:clr>
             <a:srgbClr val="A4A3A4"/>
@@ -274,14 +274,14 @@
           <a:effectLst/>
           <a:extLst>
             <a:ext uri="{909E8E84-426E-40DD-AFC4-6F175D3DCCD1}">
-              <a14:hiddenFill xmlns="" xmlns:a14="http://schemas.microsoft.com/office/drawing/2010/main">
+              <a14:hiddenFill xmlns:a14="http://schemas.microsoft.com/office/drawing/2010/main">
                 <a:solidFill>
                   <a:schemeClr val="accent1"/>
                 </a:solidFill>
               </a14:hiddenFill>
             </a:ext>
             <a:ext uri="{91240B29-F687-4F45-9708-019B960494DF}">
-              <a14:hiddenLine xmlns="" xmlns:a14="http://schemas.microsoft.com/office/drawing/2010/main" w="9525">
+              <a14:hiddenLine xmlns:a14="http://schemas.microsoft.com/office/drawing/2010/main" w="9525">
                 <a:solidFill>
                   <a:schemeClr val="tx1"/>
                 </a:solidFill>
@@ -291,7 +291,7 @@
               </a14:hiddenLine>
             </a:ext>
             <a:ext uri="{AF507438-7753-43E0-B8FC-AC1667EBCBE1}">
-              <a14:hiddenEffects xmlns="" xmlns:a14="http://schemas.microsoft.com/office/drawing/2010/main">
+              <a14:hiddenEffects xmlns:a14="http://schemas.microsoft.com/office/drawing/2010/main">
                 <a:effectLst>
                   <a:outerShdw dist="35921" dir="2700000" algn="ctr" rotWithShape="0">
                     <a:schemeClr val="bg2"/>
@@ -345,14 +345,14 @@
           <a:effectLst/>
           <a:extLst>
             <a:ext uri="{909E8E84-426E-40DD-AFC4-6F175D3DCCD1}">
-              <a14:hiddenFill xmlns="" xmlns:a14="http://schemas.microsoft.com/office/drawing/2010/main">
+              <a14:hiddenFill xmlns:a14="http://schemas.microsoft.com/office/drawing/2010/main">
                 <a:solidFill>
                   <a:schemeClr val="accent1"/>
                 </a:solidFill>
               </a14:hiddenFill>
             </a:ext>
             <a:ext uri="{91240B29-F687-4F45-9708-019B960494DF}">
-              <a14:hiddenLine xmlns="" xmlns:a14="http://schemas.microsoft.com/office/drawing/2010/main" w="9525">
+              <a14:hiddenLine xmlns:a14="http://schemas.microsoft.com/office/drawing/2010/main" w="9525">
                 <a:solidFill>
                   <a:schemeClr val="tx1"/>
                 </a:solidFill>
@@ -362,7 +362,7 @@
               </a14:hiddenLine>
             </a:ext>
             <a:ext uri="{AF507438-7753-43E0-B8FC-AC1667EBCBE1}">
-              <a14:hiddenEffects xmlns="" xmlns:a14="http://schemas.microsoft.com/office/drawing/2010/main">
+              <a14:hiddenEffects xmlns:a14="http://schemas.microsoft.com/office/drawing/2010/main">
                 <a:effectLst>
                   <a:outerShdw dist="35921" dir="2700000" algn="ctr" rotWithShape="0">
                     <a:schemeClr val="bg2"/>
@@ -421,14 +421,14 @@
           <a:effectLst/>
           <a:extLst>
             <a:ext uri="{909E8E84-426E-40DD-AFC4-6F175D3DCCD1}">
-              <a14:hiddenFill xmlns="" xmlns:a14="http://schemas.microsoft.com/office/drawing/2010/main">
+              <a14:hiddenFill xmlns:a14="http://schemas.microsoft.com/office/drawing/2010/main">
                 <a:solidFill>
                   <a:srgbClr val="FFFFFF"/>
                 </a:solidFill>
               </a14:hiddenFill>
             </a:ext>
             <a:ext uri="{AF507438-7753-43E0-B8FC-AC1667EBCBE1}">
-              <a14:hiddenEffects xmlns="" xmlns:a14="http://schemas.microsoft.com/office/drawing/2010/main">
+              <a14:hiddenEffects xmlns:a14="http://schemas.microsoft.com/office/drawing/2010/main">
                 <a:effectLst>
                   <a:outerShdw dist="35921" dir="2700000" algn="ctr" rotWithShape="0">
                     <a:srgbClr val="808080"/>
@@ -437,7 +437,7 @@
               </a14:hiddenEffects>
             </a:ext>
             <a:ext uri="{53640926-AAD7-44D8-BBD7-CCE9431645EC}">
-              <a14:shadowObscured xmlns="" xmlns:a14="http://schemas.microsoft.com/office/drawing/2010/main" val="1"/>
+              <a14:shadowObscured xmlns:a14="http://schemas.microsoft.com/office/drawing/2010/main" val="1"/>
             </a:ext>
           </a:extLst>
         </p:spPr>
@@ -467,14 +467,14 @@
           <a:effectLst/>
           <a:extLst>
             <a:ext uri="{909E8E84-426E-40DD-AFC4-6F175D3DCCD1}">
-              <a14:hiddenFill xmlns="" xmlns:a14="http://schemas.microsoft.com/office/drawing/2010/main">
+              <a14:hiddenFill xmlns:a14="http://schemas.microsoft.com/office/drawing/2010/main">
                 <a:solidFill>
                   <a:schemeClr val="accent1"/>
                 </a:solidFill>
               </a14:hiddenFill>
             </a:ext>
             <a:ext uri="{91240B29-F687-4F45-9708-019B960494DF}">
-              <a14:hiddenLine xmlns="" xmlns:a14="http://schemas.microsoft.com/office/drawing/2010/main" w="9525">
+              <a14:hiddenLine xmlns:a14="http://schemas.microsoft.com/office/drawing/2010/main" w="9525">
                 <a:solidFill>
                   <a:schemeClr val="tx1"/>
                 </a:solidFill>
@@ -484,7 +484,7 @@
               </a14:hiddenLine>
             </a:ext>
             <a:ext uri="{AF507438-7753-43E0-B8FC-AC1667EBCBE1}">
-              <a14:hiddenEffects xmlns="" xmlns:a14="http://schemas.microsoft.com/office/drawing/2010/main">
+              <a14:hiddenEffects xmlns:a14="http://schemas.microsoft.com/office/drawing/2010/main">
                 <a:effectLst>
                   <a:outerShdw dist="35921" dir="2700000" algn="ctr" rotWithShape="0">
                     <a:schemeClr val="bg2"/>
@@ -563,14 +563,14 @@
           <a:effectLst/>
           <a:extLst>
             <a:ext uri="{909E8E84-426E-40DD-AFC4-6F175D3DCCD1}">
-              <a14:hiddenFill xmlns="" xmlns:a14="http://schemas.microsoft.com/office/drawing/2010/main">
+              <a14:hiddenFill xmlns:a14="http://schemas.microsoft.com/office/drawing/2010/main">
                 <a:solidFill>
                   <a:schemeClr val="accent1"/>
                 </a:solidFill>
               </a14:hiddenFill>
             </a:ext>
             <a:ext uri="{91240B29-F687-4F45-9708-019B960494DF}">
-              <a14:hiddenLine xmlns="" xmlns:a14="http://schemas.microsoft.com/office/drawing/2010/main" w="9525">
+              <a14:hiddenLine xmlns:a14="http://schemas.microsoft.com/office/drawing/2010/main" w="9525">
                 <a:solidFill>
                   <a:schemeClr val="tx1"/>
                 </a:solidFill>
@@ -580,7 +580,7 @@
               </a14:hiddenLine>
             </a:ext>
             <a:ext uri="{AF507438-7753-43E0-B8FC-AC1667EBCBE1}">
-              <a14:hiddenEffects xmlns="" xmlns:a14="http://schemas.microsoft.com/office/drawing/2010/main">
+              <a14:hiddenEffects xmlns:a14="http://schemas.microsoft.com/office/drawing/2010/main">
                 <a:effectLst>
                   <a:outerShdw dist="35921" dir="2700000" algn="ctr" rotWithShape="0">
                     <a:schemeClr val="bg2"/>
@@ -634,14 +634,14 @@
           <a:effectLst/>
           <a:extLst>
             <a:ext uri="{909E8E84-426E-40DD-AFC4-6F175D3DCCD1}">
-              <a14:hiddenFill xmlns="" xmlns:a14="http://schemas.microsoft.com/office/drawing/2010/main">
+              <a14:hiddenFill xmlns:a14="http://schemas.microsoft.com/office/drawing/2010/main">
                 <a:solidFill>
                   <a:schemeClr val="accent1"/>
                 </a:solidFill>
               </a14:hiddenFill>
             </a:ext>
             <a:ext uri="{91240B29-F687-4F45-9708-019B960494DF}">
-              <a14:hiddenLine xmlns="" xmlns:a14="http://schemas.microsoft.com/office/drawing/2010/main" w="9525">
+              <a14:hiddenLine xmlns:a14="http://schemas.microsoft.com/office/drawing/2010/main" w="9525">
                 <a:solidFill>
                   <a:schemeClr val="tx1"/>
                 </a:solidFill>
@@ -651,7 +651,7 @@
               </a14:hiddenLine>
             </a:ext>
             <a:ext uri="{AF507438-7753-43E0-B8FC-AC1667EBCBE1}">
-              <a14:hiddenEffects xmlns="" xmlns:a14="http://schemas.microsoft.com/office/drawing/2010/main">
+              <a14:hiddenEffects xmlns:a14="http://schemas.microsoft.com/office/drawing/2010/main">
                 <a:effectLst>
                   <a:outerShdw dist="35921" dir="2700000" algn="ctr" rotWithShape="0">
                     <a:schemeClr val="bg2"/>
@@ -690,7 +690,7 @@
     </p:spTree>
     <p:extLst>
       <p:ext uri="{BB962C8B-B14F-4D97-AF65-F5344CB8AC3E}">
-        <p14:creationId xmlns="" xmlns:p14="http://schemas.microsoft.com/office/powerpoint/2010/main" val="1164184696"/>
+        <p14:creationId xmlns:p14="http://schemas.microsoft.com/office/powerpoint/2010/main" val="1164184696"/>
       </p:ext>
     </p:extLst>
   </p:cSld>
@@ -937,7 +937,7 @@
     </p:spTree>
     <p:extLst>
       <p:ext uri="{BB962C8B-B14F-4D97-AF65-F5344CB8AC3E}">
-        <p14:creationId xmlns="" xmlns:p14="http://schemas.microsoft.com/office/powerpoint/2010/main" val="3394475746"/>
+        <p14:creationId xmlns:p14="http://schemas.microsoft.com/office/powerpoint/2010/main" val="3394475746"/>
       </p:ext>
     </p:extLst>
   </p:cSld>
@@ -1074,7 +1074,7 @@
               <a:pPr>
                 <a:defRPr/>
               </a:pPr>
-              <a:t>11/12/2017</a:t>
+              <a:t>11/14/2017</a:t>
             </a:fld>
             <a:endParaRPr lang="en-US" altLang="en-US"/>
           </a:p>
@@ -1161,7 +1161,7 @@
     </p:spTree>
     <p:extLst>
       <p:ext uri="{BB962C8B-B14F-4D97-AF65-F5344CB8AC3E}">
-        <p14:creationId xmlns="" xmlns:p14="http://schemas.microsoft.com/office/powerpoint/2010/main" val="1336924274"/>
+        <p14:creationId xmlns:p14="http://schemas.microsoft.com/office/powerpoint/2010/main" val="1336924274"/>
       </p:ext>
     </p:extLst>
   </p:cSld>
@@ -1308,7 +1308,7 @@
               <a:pPr>
                 <a:defRPr/>
               </a:pPr>
-              <a:t>11/12/2017</a:t>
+              <a:t>11/14/2017</a:t>
             </a:fld>
             <a:endParaRPr lang="en-US" altLang="en-US"/>
           </a:p>
@@ -1395,7 +1395,7 @@
     </p:spTree>
     <p:extLst>
       <p:ext uri="{BB962C8B-B14F-4D97-AF65-F5344CB8AC3E}">
-        <p14:creationId xmlns="" xmlns:p14="http://schemas.microsoft.com/office/powerpoint/2010/main" val="3101525280"/>
+        <p14:creationId xmlns:p14="http://schemas.microsoft.com/office/powerpoint/2010/main" val="3101525280"/>
       </p:ext>
     </p:extLst>
   </p:cSld>
@@ -1500,7 +1500,7 @@
     </p:spTree>
     <p:extLst>
       <p:ext uri="{BB962C8B-B14F-4D97-AF65-F5344CB8AC3E}">
-        <p14:creationId xmlns="" xmlns:p14="http://schemas.microsoft.com/office/powerpoint/2010/main" val="3431382198"/>
+        <p14:creationId xmlns:p14="http://schemas.microsoft.com/office/powerpoint/2010/main" val="3431382198"/>
       </p:ext>
     </p:extLst>
   </p:cSld>
@@ -1627,7 +1627,7 @@
     </p:spTree>
     <p:extLst>
       <p:ext uri="{BB962C8B-B14F-4D97-AF65-F5344CB8AC3E}">
-        <p14:creationId xmlns="" xmlns:p14="http://schemas.microsoft.com/office/powerpoint/2010/main" val="1774270894"/>
+        <p14:creationId xmlns:p14="http://schemas.microsoft.com/office/powerpoint/2010/main" val="1774270894"/>
       </p:ext>
     </p:extLst>
   </p:cSld>
@@ -1794,7 +1794,7 @@
     </p:spTree>
     <p:extLst>
       <p:ext uri="{BB962C8B-B14F-4D97-AF65-F5344CB8AC3E}">
-        <p14:creationId xmlns="" xmlns:p14="http://schemas.microsoft.com/office/powerpoint/2010/main" val="3538361075"/>
+        <p14:creationId xmlns:p14="http://schemas.microsoft.com/office/powerpoint/2010/main" val="3538361075"/>
       </p:ext>
     </p:extLst>
   </p:cSld>
@@ -2096,7 +2096,7 @@
     </p:spTree>
     <p:extLst>
       <p:ext uri="{BB962C8B-B14F-4D97-AF65-F5344CB8AC3E}">
-        <p14:creationId xmlns="" xmlns:p14="http://schemas.microsoft.com/office/powerpoint/2010/main" val="114791847"/>
+        <p14:creationId xmlns:p14="http://schemas.microsoft.com/office/powerpoint/2010/main" val="114791847"/>
       </p:ext>
     </p:extLst>
   </p:cSld>
@@ -2181,7 +2181,7 @@
               <a:pPr>
                 <a:defRPr/>
               </a:pPr>
-              <a:t>11/12/2017</a:t>
+              <a:t>11/14/2017</a:t>
             </a:fld>
             <a:endParaRPr lang="en-US" altLang="en-US"/>
           </a:p>
@@ -2268,7 +2268,7 @@
     </p:spTree>
     <p:extLst>
       <p:ext uri="{BB962C8B-B14F-4D97-AF65-F5344CB8AC3E}">
-        <p14:creationId xmlns="" xmlns:p14="http://schemas.microsoft.com/office/powerpoint/2010/main" val="2740520103"/>
+        <p14:creationId xmlns:p14="http://schemas.microsoft.com/office/powerpoint/2010/main" val="2740520103"/>
       </p:ext>
     </p:extLst>
   </p:cSld>
@@ -2330,7 +2330,7 @@
               <a:pPr>
                 <a:defRPr/>
               </a:pPr>
-              <a:t>11/12/2017</a:t>
+              <a:t>11/14/2017</a:t>
             </a:fld>
             <a:endParaRPr lang="en-US" altLang="en-US"/>
           </a:p>
@@ -2417,7 +2417,7 @@
     </p:spTree>
     <p:extLst>
       <p:ext uri="{BB962C8B-B14F-4D97-AF65-F5344CB8AC3E}">
-        <p14:creationId xmlns="" xmlns:p14="http://schemas.microsoft.com/office/powerpoint/2010/main" val="366806898"/>
+        <p14:creationId xmlns:p14="http://schemas.microsoft.com/office/powerpoint/2010/main" val="366806898"/>
       </p:ext>
     </p:extLst>
   </p:cSld>
@@ -2661,7 +2661,7 @@
               <a:pPr>
                 <a:defRPr/>
               </a:pPr>
-              <a:t>11/12/2017</a:t>
+              <a:t>11/14/2017</a:t>
             </a:fld>
             <a:endParaRPr lang="en-US" altLang="en-US"/>
           </a:p>
@@ -2748,7 +2748,7 @@
     </p:spTree>
     <p:extLst>
       <p:ext uri="{BB962C8B-B14F-4D97-AF65-F5344CB8AC3E}">
-        <p14:creationId xmlns="" xmlns:p14="http://schemas.microsoft.com/office/powerpoint/2010/main" val="3677414436"/>
+        <p14:creationId xmlns:p14="http://schemas.microsoft.com/office/powerpoint/2010/main" val="3677414436"/>
       </p:ext>
     </p:extLst>
   </p:cSld>
@@ -2969,7 +2969,7 @@
               <a:pPr>
                 <a:defRPr/>
               </a:pPr>
-              <a:t>11/12/2017</a:t>
+              <a:t>11/14/2017</a:t>
             </a:fld>
             <a:endParaRPr lang="en-US" altLang="en-US"/>
           </a:p>
@@ -3056,7 +3056,7 @@
     </p:spTree>
     <p:extLst>
       <p:ext uri="{BB962C8B-B14F-4D97-AF65-F5344CB8AC3E}">
-        <p14:creationId xmlns="" xmlns:p14="http://schemas.microsoft.com/office/powerpoint/2010/main" val="3081934369"/>
+        <p14:creationId xmlns:p14="http://schemas.microsoft.com/office/powerpoint/2010/main" val="3081934369"/>
       </p:ext>
     </p:extLst>
   </p:cSld>
@@ -3116,14 +3116,14 @@
           <a:effectLst/>
           <a:extLst>
             <a:ext uri="{909E8E84-426E-40DD-AFC4-6F175D3DCCD1}">
-              <a14:hiddenFill xmlns="" xmlns:a14="http://schemas.microsoft.com/office/drawing/2010/main">
+              <a14:hiddenFill xmlns:a14="http://schemas.microsoft.com/office/drawing/2010/main">
                 <a:solidFill>
                   <a:schemeClr val="accent1"/>
                 </a:solidFill>
               </a14:hiddenFill>
             </a:ext>
             <a:ext uri="{91240B29-F687-4F45-9708-019B960494DF}">
-              <a14:hiddenLine xmlns="" xmlns:a14="http://schemas.microsoft.com/office/drawing/2010/main" w="9525">
+              <a14:hiddenLine xmlns:a14="http://schemas.microsoft.com/office/drawing/2010/main" w="9525">
                 <a:solidFill>
                   <a:schemeClr val="tx1"/>
                 </a:solidFill>
@@ -3133,7 +3133,7 @@
               </a14:hiddenLine>
             </a:ext>
             <a:ext uri="{AF507438-7753-43E0-B8FC-AC1667EBCBE1}">
-              <a14:hiddenEffects xmlns="" xmlns:a14="http://schemas.microsoft.com/office/drawing/2010/main">
+              <a14:hiddenEffects xmlns:a14="http://schemas.microsoft.com/office/drawing/2010/main">
                 <a:effectLst>
                   <a:outerShdw dist="35921" dir="2700000" algn="ctr" rotWithShape="0">
                     <a:schemeClr val="bg2"/>
@@ -3184,14 +3184,14 @@
           <a:effectLst/>
           <a:extLst>
             <a:ext uri="{909E8E84-426E-40DD-AFC4-6F175D3DCCD1}">
-              <a14:hiddenFill xmlns="" xmlns:a14="http://schemas.microsoft.com/office/drawing/2010/main">
+              <a14:hiddenFill xmlns:a14="http://schemas.microsoft.com/office/drawing/2010/main">
                 <a:solidFill>
                   <a:schemeClr val="accent1"/>
                 </a:solidFill>
               </a14:hiddenFill>
             </a:ext>
             <a:ext uri="{91240B29-F687-4F45-9708-019B960494DF}">
-              <a14:hiddenLine xmlns="" xmlns:a14="http://schemas.microsoft.com/office/drawing/2010/main" w="9525">
+              <a14:hiddenLine xmlns:a14="http://schemas.microsoft.com/office/drawing/2010/main" w="9525">
                 <a:solidFill>
                   <a:schemeClr val="tx1"/>
                 </a:solidFill>
@@ -3201,7 +3201,7 @@
               </a14:hiddenLine>
             </a:ext>
             <a:ext uri="{AF507438-7753-43E0-B8FC-AC1667EBCBE1}">
-              <a14:hiddenEffects xmlns="" xmlns:a14="http://schemas.microsoft.com/office/drawing/2010/main">
+              <a14:hiddenEffects xmlns:a14="http://schemas.microsoft.com/office/drawing/2010/main">
                 <a:effectLst>
                   <a:outerShdw dist="35921" dir="2700000" algn="ctr" rotWithShape="0">
                     <a:schemeClr val="bg2"/>
@@ -3749,14 +3749,14 @@
           </a:ln>
           <a:extLst>
             <a:ext uri="{909E8E84-426E-40DD-AFC4-6F175D3DCCD1}">
-              <a14:hiddenFill xmlns="" xmlns:a14="http://schemas.microsoft.com/office/drawing/2010/main">
+              <a14:hiddenFill xmlns:a14="http://schemas.microsoft.com/office/drawing/2010/main">
                 <a:solidFill>
                   <a:srgbClr val="FFFFFF"/>
                 </a:solidFill>
               </a14:hiddenFill>
             </a:ext>
             <a:ext uri="{91240B29-F687-4F45-9708-019B960494DF}">
-              <a14:hiddenLine xmlns="" xmlns:a14="http://schemas.microsoft.com/office/drawing/2010/main" w="9525">
+              <a14:hiddenLine xmlns:a14="http://schemas.microsoft.com/office/drawing/2010/main" w="9525">
                 <a:solidFill>
                   <a:srgbClr val="000000"/>
                 </a:solidFill>
@@ -4017,7 +4017,7 @@
     </p:spTree>
     <p:extLst>
       <p:ext uri="{BB962C8B-B14F-4D97-AF65-F5344CB8AC3E}">
-        <p14:creationId xmlns:p14="http://schemas.microsoft.com/office/powerpoint/2010/main" xmlns="" val="221602547"/>
+        <p14:creationId xmlns:p14="http://schemas.microsoft.com/office/powerpoint/2010/main" val="221602547"/>
       </p:ext>
     </p:extLst>
   </p:cSld>
@@ -4732,7 +4732,7 @@
     </p:spTree>
     <p:extLst>
       <p:ext uri="{BB962C8B-B14F-4D97-AF65-F5344CB8AC3E}">
-        <p14:creationId xmlns:p14="http://schemas.microsoft.com/office/powerpoint/2010/main" xmlns="" val="2343455787"/>
+        <p14:creationId xmlns:p14="http://schemas.microsoft.com/office/powerpoint/2010/main" val="2343455787"/>
       </p:ext>
     </p:extLst>
   </p:cSld>
@@ -4833,7 +4833,7 @@
     </p:spTree>
     <p:extLst>
       <p:ext uri="{BB962C8B-B14F-4D97-AF65-F5344CB8AC3E}">
-        <p14:creationId xmlns:p14="http://schemas.microsoft.com/office/powerpoint/2010/main" xmlns="" val="3484506997"/>
+        <p14:creationId xmlns:p14="http://schemas.microsoft.com/office/powerpoint/2010/main" val="3484506997"/>
       </p:ext>
     </p:extLst>
   </p:cSld>
@@ -4900,7 +4900,15 @@
           <a:p>
             <a:r>
               <a:rPr lang="en-US" dirty="0" smtClean="0"/>
-              <a:t>Draw an example of a Stage Machine Diagram</a:t>
+              <a:t>Draw an example of a </a:t>
+            </a:r>
+            <a:r>
+              <a:rPr lang="en-US" dirty="0" smtClean="0"/>
+              <a:t>State </a:t>
+            </a:r>
+            <a:r>
+              <a:rPr lang="en-US" dirty="0" smtClean="0"/>
+              <a:t>Machine Diagram</a:t>
             </a:r>
             <a:endParaRPr lang="en-US" dirty="0"/>
           </a:p>
@@ -4918,7 +4926,7 @@
           <a:blip r:embed="rId2">
             <a:extLst>
               <a:ext uri="{28A0092B-C50C-407E-A947-70E740481C1C}">
-                <a14:useLocalDpi xmlns:a14="http://schemas.microsoft.com/office/drawing/2010/main" xmlns="" val="0"/>
+                <a14:useLocalDpi xmlns:a14="http://schemas.microsoft.com/office/drawing/2010/main" val="0"/>
               </a:ext>
             </a:extLst>
           </a:blip>
@@ -4941,14 +4949,14 @@
           </a:ln>
           <a:extLst>
             <a:ext uri="{909E8E84-426E-40DD-AFC4-6F175D3DCCD1}">
-              <a14:hiddenFill xmlns:a14="http://schemas.microsoft.com/office/drawing/2010/main" xmlns="">
+              <a14:hiddenFill xmlns:a14="http://schemas.microsoft.com/office/drawing/2010/main">
                 <a:solidFill>
                   <a:srgbClr val="FFFFFF"/>
                 </a:solidFill>
               </a14:hiddenFill>
             </a:ext>
             <a:ext uri="{91240B29-F687-4F45-9708-019B960494DF}">
-              <a14:hiddenLine xmlns:a14="http://schemas.microsoft.com/office/drawing/2010/main" xmlns="" w="9525">
+              <a14:hiddenLine xmlns:a14="http://schemas.microsoft.com/office/drawing/2010/main" w="9525">
                 <a:solidFill>
                   <a:srgbClr val="000000"/>
                 </a:solidFill>
@@ -5142,19 +5150,7 @@
           <a:p>
             <a:r>
               <a:rPr lang="en-US" dirty="0" smtClean="0"/>
-              <a:t>Does a method </a:t>
-            </a:r>
-            <a:r>
-              <a:rPr lang="en-US" dirty="0" smtClean="0"/>
-              <a:t>or tool </a:t>
-            </a:r>
-            <a:r>
-              <a:rPr lang="en-US" dirty="0" smtClean="0"/>
-              <a:t>exist which promises to make software development a trivial task? </a:t>
-            </a:r>
-            <a:r>
-              <a:rPr lang="en-US" dirty="0" smtClean="0"/>
-              <a:t/>
+              <a:t>Does a method or tool exist which promises to make software development a trivial task? </a:t>
             </a:r>
             <a:br>
               <a:rPr lang="en-US" dirty="0" smtClean="0"/>
@@ -5259,19 +5255,7 @@
             </a:pPr>
             <a:r>
               <a:rPr lang="en-US" dirty="0" smtClean="0"/>
-              <a:t>A professional </a:t>
-            </a:r>
-            <a:r>
-              <a:rPr lang="en-US" dirty="0" smtClean="0"/>
-              <a:t>software </a:t>
-            </a:r>
-            <a:r>
-              <a:rPr lang="en-US" dirty="0" smtClean="0"/>
-              <a:t>engineer know </a:t>
-            </a:r>
-            <a:r>
-              <a:rPr lang="en-US" dirty="0" smtClean="0"/>
-              <a:t>that no such </a:t>
+              <a:t>A professional software engineer know that no such </a:t>
             </a:r>
             <a:r>
               <a:rPr lang="en-US" i="1" dirty="0" smtClean="0">
@@ -5283,15 +5267,7 @@
             </a:r>
             <a:r>
               <a:rPr lang="en-US" dirty="0" smtClean="0"/>
-              <a:t> </a:t>
-            </a:r>
-            <a:r>
-              <a:rPr lang="en-US" dirty="0" smtClean="0"/>
-              <a:t>exists.</a:t>
-            </a:r>
-            <a:r>
-              <a:rPr lang="en-US" dirty="0" smtClean="0"/>
-              <a:t/>
+              <a:t> exists.</a:t>
             </a:r>
             <a:br>
               <a:rPr lang="en-US" dirty="0" smtClean="0"/>
@@ -5369,21 +5345,13 @@
           <a:p>
             <a:r>
               <a:rPr lang="en-US" dirty="0" smtClean="0"/>
-              <a:t>Existence of a strong architectural </a:t>
-            </a:r>
-            <a:r>
-              <a:rPr lang="en-US" dirty="0" smtClean="0"/>
-              <a:t>vision</a:t>
-            </a:r>
-          </a:p>
-          <a:p>
-            <a:r>
-              <a:rPr lang="en-US" dirty="0" smtClean="0"/>
-              <a:t>Application </a:t>
-            </a:r>
-            <a:r>
-              <a:rPr lang="en-US" dirty="0" smtClean="0"/>
-              <a:t>of a well-managed iterative and incremental development</a:t>
+              <a:t>Existence of a strong architectural vision</a:t>
+            </a:r>
+          </a:p>
+          <a:p>
+            <a:r>
+              <a:rPr lang="en-US" dirty="0" smtClean="0"/>
+              <a:t>Application of a well-managed iterative and incremental development</a:t>
             </a:r>
             <a:br>
               <a:rPr lang="en-US" dirty="0" smtClean="0"/>
@@ -5408,7 +5376,7 @@
         <p:spPr>
           <a:xfrm>
             <a:off x="762000" y="6248400"/>
-            <a:ext cx="6679136" cy="523220"/>
+            <a:ext cx="7217232" cy="523220"/>
           </a:xfrm>
           <a:prstGeom prst="rect">
             <a:avLst/>
@@ -5427,7 +5395,7 @@
                   <a:schemeClr val="bg2"/>
                 </a:solidFill>
               </a:rPr>
-              <a:t>Note - other </a:t>
+              <a:t>Note there are other </a:t>
             </a:r>
             <a:r>
               <a:rPr lang="en-US" sz="1400" i="1" dirty="0" smtClean="0">
@@ -5435,7 +5403,7 @@
                   <a:schemeClr val="bg2"/>
                 </a:solidFill>
               </a:rPr>
-              <a:t>traits of </a:t>
+              <a:t>traits of a successful </a:t>
             </a:r>
             <a:r>
               <a:rPr lang="en-US" sz="1400" i="1" dirty="0" smtClean="0">
@@ -5443,15 +5411,7 @@
                   <a:schemeClr val="bg2"/>
                 </a:solidFill>
               </a:rPr>
-              <a:t>a successful </a:t>
-            </a:r>
-            <a:r>
-              <a:rPr lang="en-US" sz="1400" i="1" dirty="0" smtClean="0">
-                <a:solidFill>
-                  <a:schemeClr val="bg2"/>
-                </a:solidFill>
-              </a:rPr>
-              <a:t>projects </a:t>
+              <a:t>project </a:t>
             </a:r>
             <a:r>
               <a:rPr lang="en-US" sz="1400" i="1" dirty="0" smtClean="0">
@@ -5460,14 +5420,6 @@
                 </a:solidFill>
               </a:rPr>
               <a:t>– however, we focus on just two main principles</a:t>
-            </a:r>
-            <a:r>
-              <a:rPr lang="en-US" sz="1400" i="1" dirty="0" smtClean="0">
-                <a:solidFill>
-                  <a:schemeClr val="bg2"/>
-                </a:solidFill>
-              </a:rPr>
-              <a:t/>
             </a:r>
             <a:br>
               <a:rPr lang="en-US" sz="1400" i="1" dirty="0" smtClean="0">
@@ -5553,56 +5505,46 @@
           <a:p>
             <a:r>
               <a:rPr lang="en-US" dirty="0" smtClean="0"/>
-              <a:t>Fundamental </a:t>
-            </a:r>
-            <a:r>
-              <a:rPr lang="en-US" dirty="0" smtClean="0"/>
-              <a:t>organization of a system embodied in its components, their </a:t>
-            </a:r>
-            <a:r>
-              <a:rPr lang="en-US" dirty="0" smtClean="0"/>
-              <a:t>relationships to </a:t>
-            </a:r>
-            <a:r>
-              <a:rPr lang="en-US" dirty="0" smtClean="0"/>
-              <a:t>each other, and to the environment, and the principles guiding its design </a:t>
-            </a:r>
-            <a:r>
-              <a:rPr lang="en-US" dirty="0" smtClean="0"/>
-              <a:t>and evolution </a:t>
-            </a:r>
-          </a:p>
-          <a:p>
-            <a:r>
-              <a:rPr lang="en-US" dirty="0" smtClean="0"/>
-              <a:t>Conceptual </a:t>
-            </a:r>
-            <a:r>
-              <a:rPr lang="en-US" dirty="0" smtClean="0"/>
-              <a:t>integrity </a:t>
-            </a:r>
-            <a:endParaRPr lang="en-US" dirty="0" smtClean="0"/>
-          </a:p>
-          <a:p>
-            <a:r>
-              <a:rPr lang="en-US" dirty="0" smtClean="0"/>
-              <a:t>Clean </a:t>
-            </a:r>
-            <a:r>
-              <a:rPr lang="en-US" dirty="0" smtClean="0"/>
-              <a:t>internal structure </a:t>
-            </a:r>
-            <a:endParaRPr lang="en-US" dirty="0" smtClean="0"/>
+              <a:t>Fundamental organization of a system embodied in its components, their relationships to each other, and to the environment, and the principles </a:t>
+            </a:r>
+            <a:r>
+              <a:rPr lang="en-US" dirty="0" smtClean="0">
+                <a:solidFill>
+                  <a:srgbClr val="FF0000"/>
+                </a:solidFill>
+              </a:rPr>
+              <a:t>guiding its design</a:t>
+            </a:r>
+            <a:r>
+              <a:rPr lang="en-US" dirty="0" smtClean="0"/>
+              <a:t> and </a:t>
+            </a:r>
+            <a:r>
+              <a:rPr lang="en-US" dirty="0" smtClean="0">
+                <a:solidFill>
+                  <a:srgbClr val="FF0000"/>
+                </a:solidFill>
+              </a:rPr>
+              <a:t>evolution </a:t>
+            </a:r>
+          </a:p>
+          <a:p>
+            <a:r>
+              <a:rPr lang="en-US" dirty="0" smtClean="0"/>
+              <a:t>Conceptual integrity </a:t>
+            </a:r>
+          </a:p>
+          <a:p>
+            <a:r>
+              <a:rPr lang="en-US" dirty="0" smtClean="0"/>
+              <a:t>Clean internal structure </a:t>
+            </a:r>
           </a:p>
           <a:p>
             <a:pPr lvl="1"/>
             <a:r>
               <a:rPr lang="en-US" dirty="0" smtClean="0"/>
               <a:t>Understandability</a:t>
-            </a:r>
-            <a:r>
-              <a:rPr lang="en-US" dirty="0" smtClean="0"/>
-              <a:t/>
             </a:r>
             <a:br>
               <a:rPr lang="en-US" dirty="0" smtClean="0"/>
@@ -5672,11 +5614,26 @@
           <a:p>
             <a:r>
               <a:rPr lang="en-US" dirty="0" smtClean="0"/>
-              <a:t>Attributes of </a:t>
-            </a:r>
-            <a:r>
-              <a:rPr lang="en-US" dirty="0" smtClean="0"/>
-              <a:t>Good software </a:t>
+              <a:t>Attributes of Good </a:t>
+            </a:r>
+            <a:r>
+              <a:rPr lang="en-US" dirty="0" smtClean="0"/>
+              <a:t/>
+            </a:r>
+            <a:br>
+              <a:rPr lang="en-US" dirty="0" smtClean="0"/>
+            </a:br>
+            <a:r>
+              <a:rPr lang="en-US" dirty="0" smtClean="0">
+                <a:solidFill>
+                  <a:srgbClr val="FF0000"/>
+                </a:solidFill>
+              </a:rPr>
+              <a:t>Software</a:t>
+            </a:r>
+            <a:r>
+              <a:rPr lang="en-US" dirty="0" smtClean="0"/>
+              <a:t> </a:t>
             </a:r>
             <a:r>
               <a:rPr lang="en-US" dirty="0" smtClean="0"/>
@@ -5698,7 +5655,7 @@
         </p:nvSpPr>
         <p:spPr>
           <a:xfrm>
-            <a:off x="533400" y="1676400"/>
+            <a:off x="533400" y="1828800"/>
             <a:ext cx="7924800" cy="4800600"/>
           </a:xfrm>
         </p:spPr>
@@ -5710,14 +5667,14 @@
           <a:p>
             <a:r>
               <a:rPr lang="en-US" dirty="0" smtClean="0"/>
-              <a:t>Well-defined </a:t>
-            </a:r>
-            <a:r>
-              <a:rPr lang="en-US" dirty="0" smtClean="0"/>
-              <a:t>layers of </a:t>
-            </a:r>
-            <a:r>
-              <a:rPr lang="en-US" dirty="0" smtClean="0"/>
+              <a:t>Well-defined layers of </a:t>
+            </a:r>
+            <a:r>
+              <a:rPr lang="en-US" dirty="0" smtClean="0">
+                <a:solidFill>
+                  <a:srgbClr val="FF0000"/>
+                </a:solidFill>
+              </a:rPr>
               <a:t>abstraction</a:t>
             </a:r>
           </a:p>
@@ -5725,122 +5682,54 @@
             <a:pPr lvl="1"/>
             <a:r>
               <a:rPr lang="en-US" dirty="0" smtClean="0"/>
-              <a:t>Each </a:t>
-            </a:r>
-            <a:r>
-              <a:rPr lang="en-US" dirty="0" smtClean="0"/>
-              <a:t>layer representing a coherent </a:t>
-            </a:r>
-            <a:r>
-              <a:rPr lang="en-US" dirty="0" smtClean="0"/>
-              <a:t>abstraction</a:t>
+              <a:t>Each layer representing a coherent abstraction</a:t>
             </a:r>
           </a:p>
           <a:p>
             <a:pPr lvl="1"/>
             <a:r>
               <a:rPr lang="en-US" dirty="0" smtClean="0"/>
-              <a:t>Provides well-defined </a:t>
-            </a:r>
-            <a:r>
-              <a:rPr lang="en-US" dirty="0" smtClean="0"/>
-              <a:t>and controlled </a:t>
-            </a:r>
-            <a:r>
-              <a:rPr lang="en-US" dirty="0" smtClean="0"/>
-              <a:t>interface</a:t>
+              <a:t>Provides well-defined and controlled interface</a:t>
             </a:r>
           </a:p>
           <a:p>
             <a:pPr lvl="1"/>
             <a:r>
               <a:rPr lang="en-US" dirty="0" smtClean="0"/>
-              <a:t>Built </a:t>
-            </a:r>
-            <a:r>
-              <a:rPr lang="en-US" dirty="0" smtClean="0"/>
-              <a:t>on </a:t>
-            </a:r>
-            <a:r>
-              <a:rPr lang="en-US" dirty="0" smtClean="0"/>
-              <a:t>well-defined </a:t>
-            </a:r>
-            <a:r>
-              <a:rPr lang="en-US" dirty="0" smtClean="0"/>
-              <a:t>and controlled facilities</a:t>
+              <a:t>Built on well-defined and controlled facilities</a:t>
             </a:r>
             <a:br>
               <a:rPr lang="en-US" dirty="0" smtClean="0"/>
             </a:br>
             <a:r>
               <a:rPr lang="en-US" dirty="0" smtClean="0"/>
-              <a:t>at lower levels of </a:t>
-            </a:r>
-            <a:r>
-              <a:rPr lang="en-US" dirty="0" smtClean="0"/>
-              <a:t>abstraction</a:t>
-            </a:r>
-          </a:p>
-          <a:p>
-            <a:r>
-              <a:rPr lang="en-US" dirty="0" smtClean="0"/>
-              <a:t>Clear </a:t>
-            </a:r>
-            <a:r>
-              <a:rPr lang="en-US" dirty="0" smtClean="0"/>
-              <a:t>separation of concerns between the interface and implementation of each </a:t>
-            </a:r>
-            <a:r>
-              <a:rPr lang="en-US" dirty="0" smtClean="0"/>
-              <a:t>layer</a:t>
+              <a:t>at lower levels of abstraction</a:t>
+            </a:r>
+          </a:p>
+          <a:p>
+            <a:r>
+              <a:rPr lang="en-US" dirty="0" smtClean="0"/>
+              <a:t>Clear separation of concerns between the interface and implementation of each layer</a:t>
             </a:r>
           </a:p>
           <a:p>
             <a:pPr lvl="1"/>
             <a:r>
               <a:rPr lang="en-US" dirty="0" smtClean="0"/>
-              <a:t>Makes </a:t>
-            </a:r>
-            <a:r>
-              <a:rPr lang="en-US" dirty="0" smtClean="0"/>
-              <a:t>it possible to change the implementation of </a:t>
-            </a:r>
-            <a:r>
-              <a:rPr lang="en-US" dirty="0" smtClean="0"/>
-              <a:t>a layer </a:t>
-            </a:r>
-            <a:r>
-              <a:rPr lang="en-US" dirty="0" smtClean="0"/>
-              <a:t>without violating the assumptions made by its </a:t>
-            </a:r>
-            <a:r>
-              <a:rPr lang="en-US" dirty="0" smtClean="0"/>
-              <a:t>clients</a:t>
-            </a:r>
-          </a:p>
-          <a:p>
-            <a:r>
-              <a:rPr lang="en-US" dirty="0" smtClean="0"/>
-              <a:t>Architecture </a:t>
-            </a:r>
-            <a:r>
-              <a:rPr lang="en-US" dirty="0" smtClean="0"/>
-              <a:t>is </a:t>
-            </a:r>
-            <a:r>
-              <a:rPr lang="en-US" dirty="0" smtClean="0"/>
-              <a:t>simple</a:t>
+              <a:t>Makes it possible to change the implementation of a layer without violating the assumptions made by its clients</a:t>
+            </a:r>
+          </a:p>
+          <a:p>
+            <a:r>
+              <a:rPr lang="en-US" dirty="0" smtClean="0"/>
+              <a:t>Architecture is simple</a:t>
             </a:r>
           </a:p>
           <a:p>
             <a:pPr lvl="1"/>
             <a:r>
               <a:rPr lang="en-US" dirty="0" smtClean="0"/>
-              <a:t>Common </a:t>
-            </a:r>
-            <a:r>
-              <a:rPr lang="en-US" dirty="0" smtClean="0"/>
-              <a:t>behavior is achieved through common</a:t>
+              <a:t>Common behavior is achieved through common</a:t>
             </a:r>
             <a:br>
               <a:rPr lang="en-US" dirty="0" smtClean="0"/>
@@ -6485,11 +6374,7 @@
             </a:r>
             <a:r>
               <a:rPr lang="en-US" b="1" dirty="0" smtClean="0"/>
-              <a:t> time. If you wrote it under the Iterative Model, you'd bang out a quick rough draft and work to improve it through a set of revision </a:t>
-            </a:r>
-            <a:r>
-              <a:rPr lang="en-US" b="1" dirty="0" smtClean="0"/>
-              <a:t>phases</a:t>
+              <a:t> time. If you wrote it under the Iterative Model, you'd bang out a quick rough draft and work to improve it through a set of revision phases</a:t>
             </a:r>
             <a:endParaRPr lang="en-US" dirty="0"/>
           </a:p>
@@ -6580,15 +6465,7 @@
             </a:pPr>
             <a:r>
               <a:rPr lang="en-US" dirty="0" smtClean="0"/>
-              <a:t>a) </a:t>
-            </a:r>
-            <a:r>
-              <a:rPr lang="en-US" dirty="0" smtClean="0"/>
-              <a:t>incremental </a:t>
-            </a:r>
-            <a:r>
-              <a:rPr lang="en-US" dirty="0" smtClean="0"/>
-              <a:t>development approach</a:t>
+              <a:t>a) incremental development approach</a:t>
             </a:r>
           </a:p>
           <a:p>
@@ -6771,38 +6648,14 @@
           <a:p>
             <a:r>
               <a:rPr lang="en-US" dirty="0" smtClean="0"/>
-              <a:t>Iterative </a:t>
-            </a:r>
-            <a:r>
-              <a:rPr lang="en-US" dirty="0" smtClean="0"/>
-              <a:t>and incremental approach </a:t>
-            </a:r>
-            <a:r>
-              <a:rPr lang="en-US" dirty="0" smtClean="0"/>
-              <a:t>are </a:t>
-            </a:r>
-            <a:r>
-              <a:rPr lang="en-US" dirty="0" smtClean="0"/>
-              <a:t>at the heart of most modern software</a:t>
+              <a:t>Iterative and incremental approach are at the heart of most modern software</a:t>
             </a:r>
             <a:br>
               <a:rPr lang="en-US" dirty="0" smtClean="0"/>
             </a:br>
             <a:r>
               <a:rPr lang="en-US" dirty="0" smtClean="0"/>
-              <a:t>development methods, </a:t>
-            </a:r>
-            <a:r>
-              <a:rPr lang="en-US" dirty="0" smtClean="0"/>
-              <a:t>including agile </a:t>
-            </a:r>
-            <a:r>
-              <a:rPr lang="en-US" dirty="0" smtClean="0"/>
-              <a:t>methods </a:t>
-            </a:r>
-            <a:r>
-              <a:rPr lang="en-US" dirty="0" smtClean="0"/>
-              <a:t>like:</a:t>
+              <a:t>development methods, including agile methods like:</a:t>
             </a:r>
           </a:p>
           <a:p>
@@ -6811,7 +6664,6 @@
               <a:rPr lang="en-US" dirty="0" smtClean="0"/>
               <a:t>Extreme Programming (XP) </a:t>
             </a:r>
-            <a:endParaRPr lang="en-US" dirty="0" smtClean="0"/>
           </a:p>
           <a:p>
             <a:pPr lvl="1"/>
@@ -6823,19 +6675,7 @@
           <a:p>
             <a:r>
               <a:rPr lang="en-US" dirty="0" smtClean="0"/>
-              <a:t>Most importantly are extremely </a:t>
-            </a:r>
-            <a:r>
-              <a:rPr lang="en-US" dirty="0" smtClean="0"/>
-              <a:t>well suited to the object-oriented paradigm </a:t>
-            </a:r>
-            <a:r>
-              <a:rPr lang="en-US" dirty="0" smtClean="0"/>
-              <a:t>and offers </a:t>
-            </a:r>
-            <a:r>
-              <a:rPr lang="en-US" dirty="0" smtClean="0"/>
-              <a:t>a number of benefits relative to risk management </a:t>
+              <a:t>Most importantly are extremely well suited to the object-oriented paradigm and offers a number of benefits relative to risk management </a:t>
             </a:r>
             <a:endParaRPr lang="en-US" dirty="0"/>
           </a:p>
@@ -6908,33 +6748,13 @@
           <a:p>
             <a:r>
               <a:rPr lang="en-US" dirty="0" smtClean="0"/>
-              <a:t>Iterative </a:t>
-            </a:r>
-            <a:r>
-              <a:rPr lang="en-US" dirty="0" smtClean="0"/>
-              <a:t>approach is </a:t>
-            </a:r>
-            <a:r>
-              <a:rPr lang="en-US" dirty="0" smtClean="0"/>
-              <a:t>common </a:t>
-            </a:r>
-            <a:r>
-              <a:rPr lang="en-US" dirty="0" smtClean="0"/>
-              <a:t>practice because it better fits the natural path of progression in software </a:t>
-            </a:r>
-            <a:r>
-              <a:rPr lang="en-US" dirty="0" smtClean="0"/>
-              <a:t>development</a:t>
-            </a:r>
-          </a:p>
-          <a:p>
-            <a:r>
-              <a:rPr lang="en-US" dirty="0" smtClean="0"/>
-              <a:t>Instead </a:t>
-            </a:r>
-            <a:r>
-              <a:rPr lang="en-US" dirty="0" smtClean="0"/>
-              <a:t>of investing a lot of time/effort chasing the 'perfect design' based on assumptions, the iterative approach is all about creating something that's 'good enough' to start and </a:t>
+              <a:t>Iterative approach is common practice because it better fits the natural path of progression in software development</a:t>
+            </a:r>
+          </a:p>
+          <a:p>
+            <a:r>
+              <a:rPr lang="en-US" dirty="0" smtClean="0"/>
+              <a:t>Instead of investing a lot of time/effort chasing the 'perfect design' based on assumptions, the iterative approach is all about creating something that's 'good enough' to start and </a:t>
             </a:r>
             <a:r>
               <a:rPr lang="en-US" dirty="0" smtClean="0">
@@ -6946,11 +6766,7 @@
             </a:r>
             <a:r>
               <a:rPr lang="en-US" dirty="0" smtClean="0"/>
-              <a:t> it to fit the user's </a:t>
-            </a:r>
-            <a:r>
-              <a:rPr lang="en-US" dirty="0" smtClean="0"/>
-              <a:t>needs</a:t>
+              <a:t> it to fit the user's needs</a:t>
             </a:r>
             <a:endParaRPr lang="en-US" dirty="0"/>
           </a:p>
@@ -7058,17 +6874,8 @@
             </a:r>
             <a:r>
               <a:rPr lang="en-GB" dirty="0" smtClean="0"/>
-              <a:t>, state</a:t>
-            </a:r>
-            <a:r>
-              <a:rPr lang="en-GB" dirty="0" smtClean="0"/>
-              <a:t>, </a:t>
-            </a:r>
-            <a:r>
-              <a:rPr lang="en-GB" dirty="0" smtClean="0"/>
-              <a:t>identity</a:t>
-            </a:r>
-            <a:endParaRPr lang="en-GB" dirty="0" smtClean="0"/>
+              <a:t>, state, identity</a:t>
+            </a:r>
           </a:p>
           <a:p>
             <a:pPr marL="0" indent="0">
@@ -7078,15 +6885,7 @@
             </a:pPr>
             <a:r>
               <a:rPr lang="en-GB" dirty="0" smtClean="0"/>
-              <a:t>c</a:t>
-            </a:r>
-            <a:r>
-              <a:rPr lang="en-GB" dirty="0" smtClean="0"/>
-              <a:t>) </a:t>
-            </a:r>
-            <a:r>
-              <a:rPr lang="en-GB" dirty="0" smtClean="0"/>
-              <a:t>behaviour, action, state</a:t>
+              <a:t>c) behaviour, action, state</a:t>
             </a:r>
           </a:p>
           <a:p>
@@ -7101,11 +6900,7 @@
             </a:r>
             <a:r>
               <a:rPr lang="en-GB" dirty="0" smtClean="0"/>
-              <a:t>) </a:t>
-            </a:r>
-            <a:r>
-              <a:rPr lang="en-GB" dirty="0" smtClean="0"/>
-              <a:t>class, state, memory</a:t>
+              <a:t>) class, state, memory</a:t>
             </a:r>
           </a:p>
           <a:p>
@@ -7201,7 +6996,7 @@
           <a:blip r:embed="rId2">
             <a:extLst>
               <a:ext uri="{28A0092B-C50C-407E-A947-70E740481C1C}">
-                <a14:useLocalDpi xmlns:a14="http://schemas.microsoft.com/office/drawing/2010/main" xmlns="" val="0"/>
+                <a14:useLocalDpi xmlns:a14="http://schemas.microsoft.com/office/drawing/2010/main" val="0"/>
               </a:ext>
             </a:extLst>
           </a:blip>
@@ -7224,14 +7019,14 @@
           </a:ln>
           <a:extLst>
             <a:ext uri="{909E8E84-426E-40DD-AFC4-6F175D3DCCD1}">
-              <a14:hiddenFill xmlns:a14="http://schemas.microsoft.com/office/drawing/2010/main" xmlns="">
+              <a14:hiddenFill xmlns:a14="http://schemas.microsoft.com/office/drawing/2010/main">
                 <a:solidFill>
                   <a:srgbClr val="FFFFFF"/>
                 </a:solidFill>
               </a14:hiddenFill>
             </a:ext>
             <a:ext uri="{91240B29-F687-4F45-9708-019B960494DF}">
-              <a14:hiddenLine xmlns:a14="http://schemas.microsoft.com/office/drawing/2010/main" xmlns="" w="9525">
+              <a14:hiddenLine xmlns:a14="http://schemas.microsoft.com/office/drawing/2010/main" w="9525">
                 <a:solidFill>
                   <a:srgbClr val="000000"/>
                 </a:solidFill>
@@ -7498,15 +7293,7 @@
                   <a:schemeClr val="bg2"/>
                 </a:solidFill>
               </a:rPr>
-              <a:t>(</a:t>
-            </a:r>
-            <a:r>
-              <a:rPr lang="en-US" dirty="0" smtClean="0">
-                <a:solidFill>
-                  <a:schemeClr val="bg2"/>
-                </a:solidFill>
-              </a:rPr>
-              <a:t>Plan-Driven)</a:t>
+              <a:t>(Plan-Driven)</a:t>
             </a:r>
             <a:endParaRPr lang="en-US" dirty="0">
               <a:solidFill>
@@ -7659,19 +7446,7 @@
           <a:p>
             <a:r>
               <a:rPr lang="en-US" dirty="0" smtClean="0"/>
-              <a:t>Primary </a:t>
-            </a:r>
-            <a:r>
-              <a:rPr lang="en-US" dirty="0" smtClean="0"/>
-              <a:t>goal is to deliver a system to the customer </a:t>
-            </a:r>
-            <a:r>
-              <a:rPr lang="en-US" dirty="0" smtClean="0"/>
-              <a:t>that meets </a:t>
-            </a:r>
-            <a:r>
-              <a:rPr lang="en-US" dirty="0" smtClean="0"/>
-              <a:t>their current needs in the shortest amount of time </a:t>
+              <a:t>Primary goal is to deliver a system to the customer that meets their current needs in the shortest amount of time </a:t>
             </a:r>
             <a:br>
               <a:rPr lang="en-US" dirty="0" smtClean="0"/>
@@ -7752,21 +7527,13 @@
           <a:p>
             <a:r>
               <a:rPr lang="en-US" dirty="0" smtClean="0"/>
-              <a:t>Lightweight and sparse, less </a:t>
-            </a:r>
-            <a:r>
-              <a:rPr lang="en-US" dirty="0" smtClean="0"/>
-              <a:t>ceremony</a:t>
-            </a:r>
-          </a:p>
-          <a:p>
-            <a:r>
-              <a:rPr lang="en-US" dirty="0" smtClean="0"/>
-              <a:t>Reliant on the tacit knowledge of the team </a:t>
-            </a:r>
-            <a:r>
-              <a:rPr lang="en-US" dirty="0" smtClean="0"/>
-              <a:t>members</a:t>
+              <a:t>Lightweight and sparse, less ceremony</a:t>
+            </a:r>
+          </a:p>
+          <a:p>
+            <a:r>
+              <a:rPr lang="en-US" dirty="0" smtClean="0"/>
+              <a:t>Reliant on the tacit knowledge of the team members</a:t>
             </a:r>
           </a:p>
           <a:p>
@@ -7774,23 +7541,17 @@
               <a:rPr lang="en-US" dirty="0" smtClean="0"/>
               <a:t>Tactically focused rather than strategic </a:t>
             </a:r>
-            <a:endParaRPr lang="en-US" dirty="0" smtClean="0"/>
           </a:p>
           <a:p>
             <a:r>
               <a:rPr lang="en-US" dirty="0" smtClean="0"/>
               <a:t>Iterative and incremental </a:t>
             </a:r>
-            <a:endParaRPr lang="en-US" dirty="0" smtClean="0"/>
-          </a:p>
-          <a:p>
-            <a:r>
-              <a:rPr lang="en-US" dirty="0" smtClean="0"/>
-              <a:t>Heavily reliant on </a:t>
-            </a:r>
-            <a:r>
-              <a:rPr lang="en-US" dirty="0" smtClean="0"/>
-              <a:t>customer collaboration </a:t>
+          </a:p>
+          <a:p>
+            <a:r>
+              <a:rPr lang="en-US" dirty="0" smtClean="0"/>
+              <a:t>Heavily reliant on customer collaboration </a:t>
             </a:r>
           </a:p>
           <a:p>
@@ -7798,7 +7559,6 @@
               <a:rPr lang="en-US" dirty="0" smtClean="0"/>
               <a:t>Self-organizing and managing </a:t>
             </a:r>
-            <a:endParaRPr lang="en-US" dirty="0" smtClean="0"/>
           </a:p>
           <a:p>
             <a:r>
@@ -7883,16 +7643,11 @@
               <a:rPr lang="en-US" dirty="0" smtClean="0"/>
               <a:t>More heavyweight, more ceremony </a:t>
             </a:r>
-            <a:endParaRPr lang="en-US" dirty="0" smtClean="0"/>
-          </a:p>
-          <a:p>
-            <a:r>
-              <a:rPr lang="en-US" dirty="0" smtClean="0"/>
-              <a:t>Reliant on well-documented </a:t>
-            </a:r>
-            <a:r>
-              <a:rPr lang="en-US" dirty="0" smtClean="0"/>
-              <a:t>processes</a:t>
+          </a:p>
+          <a:p>
+            <a:r>
+              <a:rPr lang="en-US" dirty="0" smtClean="0"/>
+              <a:t>Reliant on well-documented processes</a:t>
             </a:r>
           </a:p>
           <a:p>
@@ -7900,21 +7655,18 @@
               <a:rPr lang="en-US" dirty="0" smtClean="0"/>
               <a:t>Strategically focused rather than tactically focused </a:t>
             </a:r>
-            <a:endParaRPr lang="en-US" dirty="0" smtClean="0"/>
           </a:p>
           <a:p>
             <a:r>
               <a:rPr lang="en-US" dirty="0" smtClean="0"/>
               <a:t>Reliant on a customer contract </a:t>
             </a:r>
-            <a:endParaRPr lang="en-US" dirty="0" smtClean="0"/>
           </a:p>
           <a:p>
             <a:r>
               <a:rPr lang="en-US" dirty="0" smtClean="0"/>
               <a:t>Managed and controlled </a:t>
             </a:r>
-            <a:endParaRPr lang="en-US" dirty="0" smtClean="0"/>
           </a:p>
           <a:p>
             <a:r>
@@ -8394,45 +8146,20 @@
           <a:p>
             <a:r>
               <a:rPr lang="en-US" dirty="0" smtClean="0"/>
-              <a:t>Controlling </a:t>
-            </a:r>
-            <a:r>
-              <a:rPr lang="en-US" dirty="0" smtClean="0"/>
-              <a:t>framework </a:t>
-            </a:r>
-            <a:endParaRPr lang="en-US" dirty="0" smtClean="0"/>
-          </a:p>
-          <a:p>
-            <a:r>
-              <a:rPr lang="en-US" dirty="0" smtClean="0"/>
-              <a:t>Guide for the </a:t>
-            </a:r>
-            <a:r>
-              <a:rPr lang="en-US" dirty="0" smtClean="0"/>
-              <a:t>overall development of the </a:t>
-            </a:r>
-            <a:r>
-              <a:rPr lang="en-US" dirty="0" smtClean="0"/>
-              <a:t>system</a:t>
+              <a:t>Controlling framework </a:t>
+            </a:r>
+          </a:p>
+          <a:p>
+            <a:r>
+              <a:rPr lang="en-US" dirty="0" smtClean="0"/>
+              <a:t>Guide for the overall development of the system</a:t>
             </a:r>
           </a:p>
           <a:p>
             <a:pPr lvl="1"/>
             <a:r>
               <a:rPr lang="en-US" dirty="0" smtClean="0"/>
-              <a:t>ultimately </a:t>
-            </a:r>
-            <a:r>
-              <a:rPr lang="en-US" dirty="0" smtClean="0"/>
-              <a:t>leading to the </a:t>
-            </a:r>
-            <a:r>
-              <a:rPr lang="en-US" dirty="0" smtClean="0"/>
-              <a:t>final product </a:t>
-            </a:r>
-            <a:r>
-              <a:rPr lang="en-US" dirty="0" smtClean="0"/>
-              <a:t/>
+              <a:t>ultimately leading to the final product </a:t>
             </a:r>
             <a:br>
               <a:rPr lang="en-US" dirty="0" smtClean="0"/>
@@ -8520,15 +8247,7 @@
           <a:p>
             <a:r>
               <a:rPr lang="en-US" dirty="0" smtClean="0"/>
-              <a:t>Plethora of </a:t>
-            </a:r>
-            <a:r>
-              <a:rPr lang="en-US" dirty="0" smtClean="0"/>
-              <a:t>software development lifecycle </a:t>
-            </a:r>
-            <a:r>
-              <a:rPr lang="en-US" dirty="0" smtClean="0"/>
-              <a:t>styles available</a:t>
+              <a:t>Plethora of software development lifecycle styles available</a:t>
             </a:r>
           </a:p>
           <a:p>
@@ -8541,27 +8260,7 @@
           <a:p>
             <a:r>
               <a:rPr lang="en-US" dirty="0" smtClean="0"/>
-              <a:t>Selection </a:t>
-            </a:r>
-            <a:r>
-              <a:rPr lang="en-US" dirty="0" smtClean="0"/>
-              <a:t>of a lifecycle </a:t>
-            </a:r>
-            <a:r>
-              <a:rPr lang="en-US" dirty="0" smtClean="0"/>
-              <a:t>style directly </a:t>
-            </a:r>
-            <a:r>
-              <a:rPr lang="en-US" dirty="0" smtClean="0"/>
-              <a:t>affects the size and shape of the </a:t>
-            </a:r>
-            <a:r>
-              <a:rPr lang="en-US" dirty="0" smtClean="0"/>
-              <a:t>process </a:t>
-            </a:r>
-            <a:r>
-              <a:rPr lang="en-US" dirty="0" smtClean="0"/>
-              <a:t/>
+              <a:t>Selection of a lifecycle style directly affects the size and shape of the process </a:t>
             </a:r>
             <a:br>
               <a:rPr lang="en-US" dirty="0" smtClean="0"/>
@@ -8846,15 +8545,7 @@
           <a:p>
             <a:r>
               <a:rPr lang="en-US" dirty="0" smtClean="0"/>
-              <a:t>Throughout </a:t>
-            </a:r>
-            <a:r>
-              <a:rPr lang="en-US" dirty="0" smtClean="0"/>
-              <a:t>the </a:t>
-            </a:r>
-            <a:r>
-              <a:rPr lang="en-US" dirty="0" smtClean="0"/>
-              <a:t>Lifecycle </a:t>
+              <a:t>Throughout the Lifecycle </a:t>
             </a:r>
             <a:endParaRPr lang="en-US" dirty="0"/>
           </a:p>
@@ -8884,50 +8575,21 @@
           <a:p>
             <a:r>
               <a:rPr lang="en-US" i="1" dirty="0" smtClean="0"/>
-              <a:t>Project M</a:t>
-            </a:r>
-            <a:r>
-              <a:rPr lang="en-US" i="1" dirty="0" smtClean="0"/>
-              <a:t>anagement</a:t>
-            </a:r>
-            <a:endParaRPr lang="en-US" i="1" dirty="0" smtClean="0"/>
+              <a:t>Project Management</a:t>
+            </a:r>
           </a:p>
           <a:p>
             <a:pPr lvl="1"/>
             <a:r>
               <a:rPr lang="en-US" dirty="0" smtClean="0"/>
-              <a:t>Manage </a:t>
-            </a:r>
-            <a:r>
-              <a:rPr lang="en-US" dirty="0" smtClean="0"/>
-              <a:t>the software development project, </a:t>
-            </a:r>
-            <a:r>
-              <a:rPr lang="en-US" dirty="0" smtClean="0"/>
-              <a:t>including: </a:t>
+              <a:t>Manage the software development project, including: </a:t>
             </a:r>
           </a:p>
           <a:p>
             <a:pPr lvl="2"/>
             <a:r>
               <a:rPr lang="en-US" dirty="0" smtClean="0"/>
-              <a:t>planning</a:t>
-            </a:r>
-            <a:r>
-              <a:rPr lang="en-US" dirty="0" smtClean="0"/>
-              <a:t>, </a:t>
-            </a:r>
-            <a:r>
-              <a:rPr lang="en-US" dirty="0" smtClean="0"/>
-              <a:t>staffing</a:t>
-            </a:r>
-            <a:r>
-              <a:rPr lang="en-US" dirty="0" smtClean="0"/>
-              <a:t>, and monitoring the project, as well as managing </a:t>
-            </a:r>
-            <a:r>
-              <a:rPr lang="en-US" dirty="0" smtClean="0"/>
-              <a:t>the risks</a:t>
+              <a:t>planning, staffing, and monitoring the project, as well as managing the risks</a:t>
             </a:r>
           </a:p>
           <a:p>
@@ -8954,10 +8616,6 @@
             <a:r>
               <a:rPr lang="en-US" dirty="0" smtClean="0"/>
               <a:t>Software development environment, including teams, tools, and support</a:t>
-            </a:r>
-            <a:r>
-              <a:rPr lang="en-US" dirty="0" smtClean="0"/>
-              <a:t/>
             </a:r>
             <a:br>
               <a:rPr lang="en-US" dirty="0" smtClean="0"/>
@@ -9302,7 +8960,6 @@
               <a:rPr lang="en-US" dirty="0" smtClean="0"/>
               <a:t> phases </a:t>
             </a:r>
-            <a:endParaRPr lang="en-US" dirty="0" smtClean="0"/>
           </a:p>
           <a:p>
             <a:pPr marL="514350" indent="-514350">
@@ -9318,19 +8975,7 @@
             </a:r>
             <a:r>
               <a:rPr lang="en-US" dirty="0" smtClean="0"/>
-              <a:t>: Determine feasibility, understand key “stories” for the </a:t>
-            </a:r>
-            <a:r>
-              <a:rPr lang="en-US" dirty="0" smtClean="0"/>
-              <a:t>first release</a:t>
-            </a:r>
-            <a:r>
-              <a:rPr lang="en-US" dirty="0" smtClean="0"/>
-              <a:t>, and develop exploratory </a:t>
-            </a:r>
-            <a:r>
-              <a:rPr lang="en-US" dirty="0" smtClean="0"/>
-              <a:t>prototypes</a:t>
+              <a:t>: Determine feasibility, understand key “stories” for the first release, and develop exploratory prototypes</a:t>
             </a:r>
           </a:p>
           <a:p>
@@ -9349,7 +8994,6 @@
               <a:rPr lang="en-US" dirty="0" smtClean="0"/>
               <a:t>: Agree on the date and stories for the first release </a:t>
             </a:r>
-            <a:endParaRPr lang="en-US" dirty="0" smtClean="0"/>
           </a:p>
           <a:p>
             <a:pPr marL="514350" indent="-514350">
@@ -9357,27 +9001,11 @@
             </a:pPr>
             <a:r>
               <a:rPr lang="en-US" i="1" dirty="0" smtClean="0"/>
-              <a:t>Iterations </a:t>
-            </a:r>
-            <a:r>
-              <a:rPr lang="en-US" i="1" dirty="0" smtClean="0"/>
-              <a:t>to release</a:t>
-            </a:r>
-            <a:r>
-              <a:rPr lang="en-US" dirty="0" smtClean="0"/>
-              <a:t>: Implement and test selected stories in a </a:t>
-            </a:r>
-            <a:r>
-              <a:rPr lang="en-US" dirty="0" smtClean="0"/>
-              <a:t>series of </a:t>
-            </a:r>
-            <a:r>
-              <a:rPr lang="en-US" dirty="0" smtClean="0"/>
-              <a:t>iterations. Refine the iteration </a:t>
-            </a:r>
-            <a:r>
-              <a:rPr lang="en-US" dirty="0" smtClean="0"/>
-              <a:t>plan</a:t>
+              <a:t>Iterations to release</a:t>
+            </a:r>
+            <a:r>
+              <a:rPr lang="en-US" dirty="0" smtClean="0"/>
+              <a:t>: Implement and test selected stories in a series of iterations. Refine the iteration plan</a:t>
             </a:r>
           </a:p>
           <a:p>
@@ -9394,19 +9022,7 @@
             </a:r>
             <a:r>
               <a:rPr lang="en-US" dirty="0" smtClean="0"/>
-              <a:t>: Prepare supporting </a:t>
-            </a:r>
-            <a:r>
-              <a:rPr lang="en-US" dirty="0" smtClean="0"/>
-              <a:t>materials (documentation</a:t>
-            </a:r>
-            <a:r>
-              <a:rPr lang="en-US" dirty="0" smtClean="0"/>
-              <a:t>, training, marketing), and deploy the operational </a:t>
-            </a:r>
-            <a:r>
-              <a:rPr lang="en-US" dirty="0" smtClean="0"/>
-              <a:t>system</a:t>
+              <a:t>: Prepare supporting materials (documentation, training, marketing), and deploy the operational system</a:t>
             </a:r>
           </a:p>
           <a:p>
@@ -9498,11 +9114,7 @@
             </a:r>
             <a:r>
               <a:rPr lang="en-US" dirty="0" smtClean="0"/>
-              <a:t> </a:t>
-            </a:r>
-            <a:r>
-              <a:rPr lang="en-US" dirty="0" smtClean="0"/>
-              <a:t>phases.</a:t>
+              <a:t> phases.</a:t>
             </a:r>
           </a:p>
           <a:p>
@@ -9519,27 +9131,7 @@
             </a:r>
             <a:r>
               <a:rPr lang="en-US" dirty="0" smtClean="0"/>
-              <a:t>: Establish the vision, </a:t>
-            </a:r>
-            <a:r>
-              <a:rPr lang="en-US" dirty="0" smtClean="0"/>
-              <a:t>set expectations</a:t>
-            </a:r>
-            <a:r>
-              <a:rPr lang="en-US" dirty="0" smtClean="0"/>
-              <a:t>, secure funding, </a:t>
-            </a:r>
-            <a:r>
-              <a:rPr lang="en-US" dirty="0" smtClean="0"/>
-              <a:t>and develop </a:t>
-            </a:r>
-            <a:r>
-              <a:rPr lang="en-US" dirty="0" smtClean="0"/>
-              <a:t>exploratory </a:t>
-            </a:r>
-            <a:r>
-              <a:rPr lang="en-US" dirty="0" smtClean="0"/>
-              <a:t>prototypes</a:t>
+              <a:t>: Establish the vision, set expectations, secure funding, and develop exploratory prototypes</a:t>
             </a:r>
           </a:p>
           <a:p>
@@ -9556,11 +9148,7 @@
             </a:r>
             <a:r>
               <a:rPr lang="en-US" dirty="0" smtClean="0"/>
-              <a:t>: Prioritize and plan for the first iteration. Develop </a:t>
-            </a:r>
-            <a:r>
-              <a:rPr lang="en-US" dirty="0" smtClean="0"/>
-              <a:t>exploratory prototypes</a:t>
+              <a:t>: Prioritize and plan for the first iteration. Develop exploratory prototypes</a:t>
             </a:r>
           </a:p>
           <a:p>
@@ -9577,19 +9165,7 @@
             </a:r>
             <a:r>
               <a:rPr lang="en-US" dirty="0" smtClean="0"/>
-              <a:t>: Implement requirements in a series of sprints, </a:t>
-            </a:r>
-            <a:r>
-              <a:rPr lang="en-US" dirty="0" smtClean="0"/>
-              <a:t>and refine </a:t>
-            </a:r>
-            <a:r>
-              <a:rPr lang="en-US" dirty="0" smtClean="0"/>
-              <a:t>the iteration </a:t>
-            </a:r>
-            <a:r>
-              <a:rPr lang="en-US" dirty="0" smtClean="0"/>
-              <a:t>plan</a:t>
+              <a:t>: Implement requirements in a series of sprints, and refine the iteration plan</a:t>
             </a:r>
           </a:p>
           <a:p>
@@ -9606,11 +9182,7 @@
             </a:r>
             <a:r>
               <a:rPr lang="en-US" dirty="0" smtClean="0"/>
-              <a:t>: Prepare supporting materials (documentation, training, marketing), and deploy the operational </a:t>
-            </a:r>
-            <a:r>
-              <a:rPr lang="en-US" dirty="0" smtClean="0"/>
-              <a:t>system</a:t>
+              <a:t>: Prepare supporting materials (documentation, training, marketing), and deploy the operational system</a:t>
             </a:r>
             <a:endParaRPr lang="en-US" dirty="0"/>
           </a:p>
@@ -9639,14 +9211,14 @@
           <a:effectLst/>
           <a:extLst>
             <a:ext uri="{909E8E84-426E-40DD-AFC4-6F175D3DCCD1}">
-              <a14:hiddenFill xmlns="" xmlns:a14="http://schemas.microsoft.com/office/drawing/2010/main">
+              <a14:hiddenFill xmlns:a14="http://schemas.microsoft.com/office/drawing/2010/main">
                 <a:solidFill>
                   <a:schemeClr val="accent1"/>
                 </a:solidFill>
               </a14:hiddenFill>
             </a:ext>
             <a:ext uri="{91240B29-F687-4F45-9708-019B960494DF}">
-              <a14:hiddenLine xmlns="" xmlns:a14="http://schemas.microsoft.com/office/drawing/2010/main" w="9525">
+              <a14:hiddenLine xmlns:a14="http://schemas.microsoft.com/office/drawing/2010/main" w="9525">
                 <a:solidFill>
                   <a:schemeClr val="tx1"/>
                 </a:solidFill>
@@ -9656,7 +9228,7 @@
               </a14:hiddenLine>
             </a:ext>
             <a:ext uri="{AF507438-7753-43E0-B8FC-AC1667EBCBE1}">
-              <a14:hiddenEffects xmlns="" xmlns:a14="http://schemas.microsoft.com/office/drawing/2010/main">
+              <a14:hiddenEffects xmlns:a14="http://schemas.microsoft.com/office/drawing/2010/main">
                 <a:effectLst>
                   <a:outerShdw dist="35921" dir="2700000" algn="ctr" rotWithShape="0">
                     <a:schemeClr val="bg2"/>
@@ -9809,15 +9381,7 @@
           <a:p>
             <a:r>
               <a:rPr lang="en-US" dirty="0" smtClean="0"/>
-              <a:t>Iteration </a:t>
-            </a:r>
-            <a:r>
-              <a:rPr lang="en-US" dirty="0" smtClean="0"/>
-              <a:t>is pretty much the same across most software development </a:t>
-            </a:r>
-            <a:r>
-              <a:rPr lang="en-US" dirty="0" smtClean="0"/>
-              <a:t>methods</a:t>
+              <a:t>Iteration is pretty much the same across most software development methods</a:t>
             </a:r>
           </a:p>
           <a:p>
@@ -9834,11 +9398,7 @@
             </a:r>
             <a:r>
               <a:rPr lang="en-US" dirty="0" smtClean="0"/>
-              <a:t> recommends that iterations be one or two weeks long, if </a:t>
-            </a:r>
-            <a:r>
-              <a:rPr lang="en-US" dirty="0" smtClean="0"/>
-              <a:t>possible</a:t>
+              <a:t> recommends that iterations be one or two weeks long, if possible</a:t>
             </a:r>
           </a:p>
           <a:p>
@@ -9852,15 +9412,7 @@
             </a:r>
             <a:r>
               <a:rPr lang="en-US" dirty="0" smtClean="0"/>
-              <a:t> </a:t>
-            </a:r>
-            <a:r>
-              <a:rPr lang="en-US" dirty="0" smtClean="0"/>
-              <a:t>specifies that all iterations (sprints) should be 30 days </a:t>
-            </a:r>
-            <a:r>
-              <a:rPr lang="en-US" dirty="0" smtClean="0"/>
-              <a:t>long</a:t>
+              <a:t> specifies that all iterations (sprints) should be 30 days long</a:t>
             </a:r>
           </a:p>
           <a:p>
@@ -9874,11 +9426,7 @@
             </a:r>
             <a:r>
               <a:rPr lang="en-US" dirty="0" smtClean="0"/>
-              <a:t> </a:t>
-            </a:r>
-            <a:r>
-              <a:rPr lang="en-US" dirty="0" smtClean="0"/>
-              <a:t>recommends that iterations be two to six weeks long </a:t>
+              <a:t> recommends that iterations be two to six weeks long </a:t>
             </a:r>
             <a:endParaRPr lang="en-US" dirty="0"/>
           </a:p>
@@ -9956,40 +9504,20 @@
           <a:p>
             <a:r>
               <a:rPr lang="en-US" dirty="0" smtClean="0"/>
-              <a:t>Overall </a:t>
-            </a:r>
-            <a:r>
-              <a:rPr lang="en-US" dirty="0" smtClean="0"/>
-              <a:t>software development process</a:t>
+              <a:t>Overall software development process</a:t>
             </a:r>
             <a:br>
               <a:rPr lang="en-US" dirty="0" smtClean="0"/>
             </a:br>
             <a:r>
               <a:rPr lang="en-US" dirty="0" smtClean="0"/>
-              <a:t>(the macro process</a:t>
-            </a:r>
-            <a:r>
-              <a:rPr lang="en-US" dirty="0" smtClean="0"/>
-              <a:t>)</a:t>
-            </a:r>
-          </a:p>
-          <a:p>
-            <a:r>
-              <a:rPr lang="en-US" dirty="0" smtClean="0"/>
-              <a:t>Micro Process covers </a:t>
-            </a:r>
-            <a:r>
-              <a:rPr lang="en-US" dirty="0" smtClean="0"/>
-              <a:t>the analysis and design process </a:t>
-            </a:r>
-            <a:r>
-              <a:rPr lang="en-US" dirty="0" smtClean="0"/>
-              <a:t>by </a:t>
-            </a:r>
-            <a:r>
-              <a:rPr lang="en-US" dirty="0" smtClean="0"/>
-              <a:t>looking at what activities are performed and what work products are produced </a:t>
+              <a:t>(the macro process)</a:t>
+            </a:r>
+          </a:p>
+          <a:p>
+            <a:r>
+              <a:rPr lang="en-US" dirty="0" smtClean="0"/>
+              <a:t>Micro Process covers the analysis and design process by looking at what activities are performed and what work products are produced </a:t>
             </a:r>
             <a:br>
               <a:rPr lang="en-US" dirty="0" smtClean="0"/>
@@ -10163,11 +9691,7 @@
           <a:p>
             <a:r>
               <a:rPr lang="en-US" dirty="0" smtClean="0"/>
-              <a:t>Micro </a:t>
-            </a:r>
-            <a:r>
-              <a:rPr lang="en-US" dirty="0" smtClean="0"/>
-              <a:t>process, the traditional phases of analysis and design are intentionally blurred and instead are performed at different levels of abstraction along a</a:t>
+              <a:t>Micro process, the traditional phases of analysis and design are intentionally blurred and instead are performed at different levels of abstraction along a</a:t>
             </a:r>
             <a:br>
               <a:rPr lang="en-US" dirty="0" smtClean="0"/>
@@ -10279,10 +9803,10 @@
           <p:nvPr/>
         </p:nvPicPr>
         <p:blipFill>
-          <a:blip r:embed="rId2">
+          <a:blip r:embed="rId2" cstate="print">
             <a:extLst>
               <a:ext uri="{28A0092B-C50C-407E-A947-70E740481C1C}">
-                <a14:useLocalDpi xmlns:a14="http://schemas.microsoft.com/office/drawing/2010/main" xmlns="" val="0"/>
+                <a14:useLocalDpi xmlns:a14="http://schemas.microsoft.com/office/drawing/2010/main" val="0"/>
               </a:ext>
             </a:extLst>
           </a:blip>
@@ -10305,14 +9829,14 @@
           </a:ln>
           <a:extLst>
             <a:ext uri="{909E8E84-426E-40DD-AFC4-6F175D3DCCD1}">
-              <a14:hiddenFill xmlns:a14="http://schemas.microsoft.com/office/drawing/2010/main" xmlns="">
+              <a14:hiddenFill xmlns:a14="http://schemas.microsoft.com/office/drawing/2010/main">
                 <a:solidFill>
                   <a:srgbClr val="FFFFFF"/>
                 </a:solidFill>
               </a14:hiddenFill>
             </a:ext>
             <a:ext uri="{91240B29-F687-4F45-9708-019B960494DF}">
-              <a14:hiddenLine xmlns:a14="http://schemas.microsoft.com/office/drawing/2010/main" xmlns="" w="9525">
+              <a14:hiddenLine xmlns:a14="http://schemas.microsoft.com/office/drawing/2010/main" w="9525">
                 <a:solidFill>
                   <a:srgbClr val="000000"/>
                 </a:solidFill>
@@ -10753,11 +10277,7 @@
           <a:p>
             <a:r>
               <a:rPr lang="en-US" dirty="0" smtClean="0"/>
-              <a:t>Waterfall </a:t>
-            </a:r>
-            <a:r>
-              <a:rPr lang="en-US" dirty="0" smtClean="0"/>
-              <a:t>Model</a:t>
+              <a:t>Waterfall Model</a:t>
             </a:r>
             <a:endParaRPr lang="en-US" dirty="0"/>
           </a:p>
@@ -10785,25 +10305,13 @@
           <a:p>
             <a:r>
               <a:rPr lang="en-US" sz="2800" dirty="0" smtClean="0"/>
-              <a:t>Linear </a:t>
-            </a:r>
+              <a:t>Linear sequential flow</a:t>
+            </a:r>
+          </a:p>
+          <a:p>
             <a:r>
               <a:rPr lang="en-US" sz="2800" dirty="0" smtClean="0"/>
-              <a:t>sequential </a:t>
-            </a:r>
-            <a:r>
-              <a:rPr lang="en-US" sz="2800" dirty="0" smtClean="0"/>
-              <a:t>flow</a:t>
-            </a:r>
-          </a:p>
-          <a:p>
-            <a:r>
-              <a:rPr lang="en-US" sz="2800" dirty="0" smtClean="0"/>
-              <a:t>Projects which </a:t>
-            </a:r>
-            <a:r>
-              <a:rPr lang="en-US" sz="2800" dirty="0" smtClean="0"/>
-              <a:t>do not have changing requirements</a:t>
+              <a:t>Projects which do not have changing requirements</a:t>
             </a:r>
             <a:endParaRPr lang="en-US" sz="2800" dirty="0"/>
           </a:p>
@@ -11005,11 +10513,7 @@
           <a:p>
             <a:r>
               <a:rPr lang="en-US" sz="2800" dirty="0" smtClean="0"/>
-              <a:t>Difference </a:t>
-            </a:r>
-            <a:r>
-              <a:rPr lang="en-US" sz="2800" dirty="0" smtClean="0"/>
-              <a:t>between V-shaped model and waterfall model is the early test planning in the V-shaped model</a:t>
+              <a:t>Difference between V-shaped model and waterfall model is the early test planning in the V-shaped model</a:t>
             </a:r>
             <a:endParaRPr lang="en-US" sz="2800" dirty="0"/>
           </a:p>
@@ -11186,11 +10690,7 @@
           <a:p>
             <a:r>
               <a:rPr lang="en-US" dirty="0" smtClean="0"/>
-              <a:t>Prototyping </a:t>
-            </a:r>
-            <a:r>
-              <a:rPr lang="en-US" dirty="0" smtClean="0"/>
-              <a:t>Model</a:t>
+              <a:t>Prototyping Model</a:t>
             </a:r>
             <a:endParaRPr lang="en-US" dirty="0"/>
           </a:p>
@@ -11218,30 +10718,14 @@
           <a:p>
             <a:r>
               <a:rPr lang="en-US" dirty="0" smtClean="0"/>
-              <a:t>Activity </a:t>
-            </a:r>
-            <a:r>
-              <a:rPr lang="en-US" dirty="0" smtClean="0"/>
-              <a:t>of creating </a:t>
-            </a:r>
-            <a:r>
-              <a:rPr lang="en-US" dirty="0" smtClean="0"/>
-              <a:t>prototypes</a:t>
+              <a:t>Activity of creating prototypes</a:t>
             </a:r>
           </a:p>
           <a:p>
             <a:pPr lvl="1"/>
             <a:r>
               <a:rPr lang="en-US" dirty="0" smtClean="0"/>
-              <a:t>(</a:t>
-            </a:r>
-            <a:r>
-              <a:rPr lang="en-US" dirty="0" smtClean="0"/>
-              <a:t>Throwaway prototyping</a:t>
-            </a:r>
-            <a:r>
-              <a:rPr lang="en-US" dirty="0" smtClean="0"/>
-              <a:t>)</a:t>
+              <a:t>(Throwaway prototyping)</a:t>
             </a:r>
             <a:endParaRPr lang="en-US" dirty="0"/>
           </a:p>
@@ -11418,11 +10902,7 @@
           <a:p>
             <a:r>
               <a:rPr lang="en-US" dirty="0" smtClean="0"/>
-              <a:t>Spiral Model (SDM</a:t>
-            </a:r>
-            <a:r>
-              <a:rPr lang="en-US" dirty="0" smtClean="0"/>
-              <a:t>)</a:t>
+              <a:t>Spiral Model (SDM)</a:t>
             </a:r>
             <a:endParaRPr lang="en-US" dirty="0"/>
           </a:p>
@@ -11452,39 +10932,19 @@
           <a:p>
             <a:r>
               <a:rPr lang="en-US" sz="2800" dirty="0" smtClean="0"/>
-              <a:t>Combines </a:t>
-            </a:r>
+              <a:t>Combines elements of both design and prototyping-in-stages</a:t>
+            </a:r>
+          </a:p>
+          <a:p>
             <a:r>
               <a:rPr lang="en-US" sz="2800" dirty="0" smtClean="0"/>
-              <a:t>elements of both design and </a:t>
-            </a:r>
+              <a:t>Features from prototyping model and the waterfall model</a:t>
+            </a:r>
+          </a:p>
+          <a:p>
             <a:r>
               <a:rPr lang="en-US" sz="2800" dirty="0" smtClean="0"/>
-              <a:t>prototyping-in-stages</a:t>
-            </a:r>
-          </a:p>
-          <a:p>
-            <a:r>
-              <a:rPr lang="en-US" sz="2800" dirty="0" smtClean="0"/>
-              <a:t>Features from prototyping </a:t>
-            </a:r>
-            <a:r>
-              <a:rPr lang="en-US" sz="2800" dirty="0" smtClean="0"/>
-              <a:t>model and the waterfall </a:t>
-            </a:r>
-            <a:r>
-              <a:rPr lang="en-US" sz="2800" dirty="0" smtClean="0"/>
-              <a:t>model</a:t>
-            </a:r>
-          </a:p>
-          <a:p>
-            <a:r>
-              <a:rPr lang="en-US" sz="2800" dirty="0" smtClean="0"/>
-              <a:t>Favored </a:t>
-            </a:r>
-            <a:r>
-              <a:rPr lang="en-US" sz="2800" dirty="0" smtClean="0"/>
-              <a:t>for large, expensive, and complicated projects</a:t>
+              <a:t>Favored for large, expensive, and complicated projects</a:t>
             </a:r>
             <a:endParaRPr lang="en-US" sz="2800" dirty="0"/>
           </a:p>
@@ -11783,11 +11243,7 @@
           <a:p>
             <a:r>
               <a:rPr lang="en-US" dirty="0" smtClean="0"/>
-              <a:t>Iterative and Incremental </a:t>
-            </a:r>
-            <a:r>
-              <a:rPr lang="en-US" dirty="0" smtClean="0"/>
-              <a:t>Model</a:t>
+              <a:t>Iterative and Incremental Model</a:t>
             </a:r>
             <a:endParaRPr lang="en-US" dirty="0"/>
           </a:p>
@@ -11815,19 +11271,7 @@
           <a:p>
             <a:r>
               <a:rPr lang="en-US" dirty="0" smtClean="0"/>
-              <a:t>Starts </a:t>
-            </a:r>
-            <a:r>
-              <a:rPr lang="en-US" dirty="0" smtClean="0"/>
-              <a:t>with an initial planning and ends with deployment with the </a:t>
-            </a:r>
-            <a:r>
-              <a:rPr lang="en-US" dirty="0" smtClean="0"/>
-              <a:t>cyclic interactions </a:t>
-            </a:r>
-            <a:r>
-              <a:rPr lang="en-US" dirty="0" smtClean="0"/>
-              <a:t>in between</a:t>
+              <a:t>Starts with an initial planning and ends with deployment with the cyclic interactions in between</a:t>
             </a:r>
             <a:endParaRPr lang="en-US" dirty="0"/>
           </a:p>
@@ -11920,11 +11364,7 @@
           <a:p>
             <a:r>
               <a:rPr lang="en-US" dirty="0" smtClean="0"/>
-              <a:t>Agile </a:t>
-            </a:r>
-            <a:r>
-              <a:rPr lang="en-US" dirty="0" smtClean="0"/>
-              <a:t>Model</a:t>
+              <a:t>Agile Model</a:t>
             </a:r>
             <a:endParaRPr lang="en-US" dirty="0"/>
           </a:p>
@@ -11952,11 +11392,7 @@
           <a:p>
             <a:r>
               <a:rPr lang="en-US" dirty="0" smtClean="0"/>
-              <a:t>Based </a:t>
-            </a:r>
-            <a:r>
-              <a:rPr lang="en-US" dirty="0" smtClean="0"/>
-              <a:t>on iterative and incremental development, where requirements and solutions evolve through collaboration between cross-functional teams</a:t>
+              <a:t>Based on iterative and incremental development, where requirements and solutions evolve through collaboration between cross-functional teams</a:t>
             </a:r>
             <a:endParaRPr lang="en-US" dirty="0"/>
           </a:p>
@@ -12169,51 +11605,26 @@
           <a:p>
             <a:r>
               <a:rPr lang="en-GB" altLang="en-US" dirty="0" smtClean="0"/>
-              <a:t>Clear idea of Processes in Object Orientated Analysis and </a:t>
-            </a:r>
-            <a:r>
-              <a:rPr lang="en-GB" altLang="en-US" dirty="0" smtClean="0"/>
-              <a:t>Design</a:t>
-            </a:r>
-          </a:p>
-          <a:p>
-            <a:r>
-              <a:rPr lang="en-US" dirty="0" smtClean="0"/>
-              <a:t>Iterative and incremental </a:t>
-            </a:r>
-            <a:r>
-              <a:rPr lang="en-US" dirty="0" smtClean="0"/>
-              <a:t>development lifecycle </a:t>
-            </a:r>
-            <a:endParaRPr lang="en-US" dirty="0" smtClean="0"/>
-          </a:p>
-          <a:p>
-            <a:r>
-              <a:rPr lang="en-US" dirty="0" smtClean="0"/>
-              <a:t>Software </a:t>
-            </a:r>
-            <a:r>
-              <a:rPr lang="en-US" dirty="0" smtClean="0"/>
-              <a:t>development </a:t>
-            </a:r>
-            <a:r>
-              <a:rPr lang="en-US" dirty="0" smtClean="0"/>
-              <a:t>process framework (Software Development Lifecycle)</a:t>
+              <a:t>Clear idea of Processes in Object Orientated Analysis and Design</a:t>
+            </a:r>
+          </a:p>
+          <a:p>
+            <a:r>
+              <a:rPr lang="en-US" dirty="0" smtClean="0"/>
+              <a:t>Iterative and incremental development lifecycle </a:t>
+            </a:r>
+          </a:p>
+          <a:p>
+            <a:r>
+              <a:rPr lang="en-US" dirty="0" smtClean="0"/>
+              <a:t>Software development process framework (Software Development Lifecycle)</a:t>
             </a:r>
           </a:p>
           <a:p>
             <a:pPr lvl="1"/>
             <a:r>
               <a:rPr lang="en-US" dirty="0" smtClean="0"/>
-              <a:t>waterfall, iterative, agile, plan-driven, </a:t>
-            </a:r>
-            <a:r>
-              <a:rPr lang="en-US" dirty="0" smtClean="0"/>
-              <a:t>and so on </a:t>
-            </a:r>
-            <a:r>
-              <a:rPr lang="en-US" dirty="0" smtClean="0"/>
-              <a:t/>
+              <a:t>waterfall, iterative, agile, plan-driven, and so on </a:t>
             </a:r>
             <a:br>
               <a:rPr lang="en-US" dirty="0" smtClean="0"/>
@@ -12299,11 +11710,7 @@
           <a:p>
             <a:r>
               <a:rPr lang="en-GB" altLang="en-US" dirty="0" smtClean="0"/>
-              <a:t>Read Chapter </a:t>
-            </a:r>
-            <a:r>
-              <a:rPr lang="en-GB" altLang="en-US" dirty="0" smtClean="0"/>
-              <a:t>7</a:t>
+              <a:t>Read Chapter 7</a:t>
             </a:r>
           </a:p>
           <a:p>
@@ -12317,7 +11724,6 @@
               <a:rPr lang="en-GB" altLang="en-US" dirty="0" smtClean="0"/>
               <a:t>Crossword Challenge</a:t>
             </a:r>
-            <a:endParaRPr lang="en-GB" altLang="en-US" dirty="0" smtClean="0"/>
           </a:p>
         </p:txBody>
       </p:sp>
@@ -12627,13 +12033,8 @@
           <a:p>
             <a:r>
               <a:rPr lang="en-US" dirty="0" smtClean="0"/>
-              <a:t>Having the most suitable process </a:t>
-            </a:r>
-            <a:r>
-              <a:rPr lang="en-US" dirty="0" smtClean="0"/>
-              <a:t>model will justify success of the project</a:t>
-            </a:r>
-            <a:endParaRPr lang="en-US" dirty="0" smtClean="0"/>
+              <a:t>Having the most suitable process model will justify success of the project</a:t>
+            </a:r>
           </a:p>
           <a:p>
             <a:pPr>
@@ -12641,11 +12042,7 @@
             </a:pPr>
             <a:r>
               <a:rPr lang="en-US" dirty="0" smtClean="0"/>
-              <a:t>	</a:t>
-            </a:r>
-            <a:r>
-              <a:rPr lang="en-US" dirty="0" smtClean="0"/>
-              <a:t>(Explain your answer)</a:t>
+              <a:t>	(Explain your answer)</a:t>
             </a:r>
           </a:p>
           <a:p>
@@ -12751,39 +12148,7 @@
           <a:p>
             <a:r>
               <a:rPr lang="en-US" dirty="0" smtClean="0"/>
-              <a:t>There </a:t>
-            </a:r>
-            <a:r>
-              <a:rPr lang="en-US" dirty="0" smtClean="0"/>
-              <a:t>are a lot of factors </a:t>
-            </a:r>
-            <a:r>
-              <a:rPr lang="en-US" dirty="0" smtClean="0"/>
-              <a:t>that need </a:t>
-            </a:r>
-            <a:r>
-              <a:rPr lang="en-US" dirty="0" smtClean="0"/>
-              <a:t>to be considered </a:t>
-            </a:r>
-            <a:r>
-              <a:rPr lang="en-US" dirty="0" smtClean="0"/>
-              <a:t>for a successful </a:t>
-            </a:r>
-            <a:r>
-              <a:rPr lang="en-US" dirty="0" smtClean="0"/>
-              <a:t>software project, for example, requirement analysis is the most critical phase of </a:t>
-            </a:r>
-            <a:r>
-              <a:rPr lang="en-US" dirty="0" smtClean="0"/>
-              <a:t>software life-cycle, the </a:t>
-            </a:r>
-            <a:r>
-              <a:rPr lang="en-US" dirty="0" smtClean="0"/>
-              <a:t>skills of the project team and project manager, the quality of the deliverables, the used </a:t>
-            </a:r>
-            <a:r>
-              <a:rPr lang="en-US" dirty="0" smtClean="0"/>
-              <a:t>technologies, and so forth</a:t>
+              <a:t>There are a lot of factors that need to be considered for a successful software project, for example, requirement analysis is the most critical phase of software life-cycle, the skills of the project team and project manager, the quality of the deliverables, the used technologies, and so forth</a:t>
             </a:r>
             <a:endParaRPr lang="en-US" dirty="0"/>
           </a:p>
@@ -12833,7 +12198,6 @@
               <a:rPr lang="en-GB" altLang="en-US" dirty="0" smtClean="0"/>
               <a:t>Revision Question</a:t>
             </a:r>
-            <a:endParaRPr lang="en-GB" altLang="en-US" dirty="0" smtClean="0"/>
           </a:p>
         </p:txBody>
       </p:sp>
@@ -13134,7 +12498,7 @@
     </p:spTree>
     <p:extLst>
       <p:ext uri="{BB962C8B-B14F-4D97-AF65-F5344CB8AC3E}">
-        <p14:creationId xmlns:p14="http://schemas.microsoft.com/office/powerpoint/2010/main" xmlns="" val="3855890902"/>
+        <p14:creationId xmlns:p14="http://schemas.microsoft.com/office/powerpoint/2010/main" val="3855890902"/>
       </p:ext>
     </p:extLst>
   </p:cSld>
@@ -13634,7 +12998,7 @@
   </a:extraClrSchemeLst>
   <a:extLst>
     <a:ext uri="{05A4C25C-085E-4340-85A3-A5531E510DB2}">
-      <thm15:themeFamily xmlns="" xmlns:thm15="http://schemas.microsoft.com/office/thememl/2012/main" name="Office Theme" id="{62F939B6-93AF-4DB8-9C6B-D6C7DFDC589F}" vid="{4A3C46E8-61CC-4603-A589-7422A47A8E4A}"/>
+      <thm15:themeFamily xmlns:thm15="http://schemas.microsoft.com/office/thememl/2012/main" name="Office Theme" id="{62F939B6-93AF-4DB8-9C6B-D6C7DFDC589F}" vid="{4A3C46E8-61CC-4603-A589-7422A47A8E4A}"/>
     </a:ext>
   </a:extLst>
 </a:theme>
@@ -13895,7 +13259,7 @@
   <a:extraClrSchemeLst/>
   <a:extLst>
     <a:ext uri="{05A4C25C-085E-4340-85A3-A5531E510DB2}">
-      <thm15:themeFamily xmlns="" xmlns:thm15="http://schemas.microsoft.com/office/thememl/2012/main" name="Office Theme" id="{62F939B6-93AF-4DB8-9C6B-D6C7DFDC589F}" vid="{4A3C46E8-61CC-4603-A589-7422A47A8E4A}"/>
+      <thm15:themeFamily xmlns:thm15="http://schemas.microsoft.com/office/thememl/2012/main" name="Office Theme" id="{62F939B6-93AF-4DB8-9C6B-D6C7DFDC589F}" vid="{4A3C46E8-61CC-4603-A589-7422A47A8E4A}"/>
     </a:ext>
   </a:extLst>
 </a:theme>

--- a/OOAD/lectures/080--Processes.pptx
+++ b/OOAD/lectures/080--Processes.pptx
@@ -1074,7 +1074,7 @@
               <a:pPr>
                 <a:defRPr/>
               </a:pPr>
-              <a:t>11/14/2017</a:t>
+              <a:t>11/19/2017</a:t>
             </a:fld>
             <a:endParaRPr lang="en-US" altLang="en-US"/>
           </a:p>
@@ -1308,7 +1308,7 @@
               <a:pPr>
                 <a:defRPr/>
               </a:pPr>
-              <a:t>11/14/2017</a:t>
+              <a:t>11/19/2017</a:t>
             </a:fld>
             <a:endParaRPr lang="en-US" altLang="en-US"/>
           </a:p>
@@ -2181,7 +2181,7 @@
               <a:pPr>
                 <a:defRPr/>
               </a:pPr>
-              <a:t>11/14/2017</a:t>
+              <a:t>11/19/2017</a:t>
             </a:fld>
             <a:endParaRPr lang="en-US" altLang="en-US"/>
           </a:p>
@@ -2330,7 +2330,7 @@
               <a:pPr>
                 <a:defRPr/>
               </a:pPr>
-              <a:t>11/14/2017</a:t>
+              <a:t>11/19/2017</a:t>
             </a:fld>
             <a:endParaRPr lang="en-US" altLang="en-US"/>
           </a:p>
@@ -2661,7 +2661,7 @@
               <a:pPr>
                 <a:defRPr/>
               </a:pPr>
-              <a:t>11/14/2017</a:t>
+              <a:t>11/19/2017</a:t>
             </a:fld>
             <a:endParaRPr lang="en-US" altLang="en-US"/>
           </a:p>
@@ -2969,7 +2969,7 @@
               <a:pPr>
                 <a:defRPr/>
               </a:pPr>
-              <a:t>11/14/2017</a:t>
+              <a:t>11/19/2017</a:t>
             </a:fld>
             <a:endParaRPr lang="en-US" altLang="en-US"/>
           </a:p>
@@ -4900,15 +4900,7 @@
           <a:p>
             <a:r>
               <a:rPr lang="en-US" dirty="0" smtClean="0"/>
-              <a:t>Draw an example of a </a:t>
-            </a:r>
-            <a:r>
-              <a:rPr lang="en-US" dirty="0" smtClean="0"/>
-              <a:t>State </a:t>
-            </a:r>
-            <a:r>
-              <a:rPr lang="en-US" dirty="0" smtClean="0"/>
-              <a:t>Machine Diagram</a:t>
+              <a:t>Draw an example of a State Machine Diagram</a:t>
             </a:r>
             <a:endParaRPr lang="en-US" dirty="0"/>
           </a:p>
@@ -5395,31 +5387,7 @@
                   <a:schemeClr val="bg2"/>
                 </a:solidFill>
               </a:rPr>
-              <a:t>Note there are other </a:t>
-            </a:r>
-            <a:r>
-              <a:rPr lang="en-US" sz="1400" i="1" dirty="0" smtClean="0">
-                <a:solidFill>
-                  <a:schemeClr val="bg2"/>
-                </a:solidFill>
-              </a:rPr>
-              <a:t>traits of a successful </a:t>
-            </a:r>
-            <a:r>
-              <a:rPr lang="en-US" sz="1400" i="1" dirty="0" smtClean="0">
-                <a:solidFill>
-                  <a:schemeClr val="bg2"/>
-                </a:solidFill>
-              </a:rPr>
-              <a:t>project </a:t>
-            </a:r>
-            <a:r>
-              <a:rPr lang="en-US" sz="1400" i="1" dirty="0" smtClean="0">
-                <a:solidFill>
-                  <a:schemeClr val="bg2"/>
-                </a:solidFill>
-              </a:rPr>
-              <a:t>– however, we focus on just two main principles</a:t>
+              <a:t>Note there are other traits of a successful project – however, we focus on just two main principles</a:t>
             </a:r>
             <a:br>
               <a:rPr lang="en-US" sz="1400" i="1" dirty="0" smtClean="0">
@@ -5616,10 +5584,6 @@
               <a:rPr lang="en-US" dirty="0" smtClean="0"/>
               <a:t>Attributes of Good </a:t>
             </a:r>
-            <a:r>
-              <a:rPr lang="en-US" dirty="0" smtClean="0"/>
-              <a:t/>
-            </a:r>
             <a:br>
               <a:rPr lang="en-US" dirty="0" smtClean="0"/>
             </a:br>
@@ -5633,11 +5597,7 @@
             </a:r>
             <a:r>
               <a:rPr lang="en-US" dirty="0" smtClean="0"/>
-              <a:t> </a:t>
-            </a:r>
-            <a:r>
-              <a:rPr lang="en-US" dirty="0" smtClean="0"/>
-              <a:t>Architectures </a:t>
+              <a:t> Architectures </a:t>
             </a:r>
             <a:endParaRPr lang="en-US" dirty="0"/>
           </a:p>
@@ -6445,15 +6405,19 @@
           <a:p>
             <a:r>
               <a:rPr lang="en-US" dirty="0" smtClean="0"/>
-              <a:t>Which development approach is the </a:t>
-            </a:r>
-            <a:r>
-              <a:rPr lang="en-US" dirty="0" err="1" smtClean="0"/>
-              <a:t>the</a:t>
-            </a:r>
-            <a:r>
-              <a:rPr lang="en-US" dirty="0" smtClean="0"/>
-              <a:t> waterfall model?</a:t>
+              <a:t>Which development approach </a:t>
+            </a:r>
+            <a:r>
+              <a:rPr lang="en-US" smtClean="0"/>
+              <a:t>is </a:t>
+            </a:r>
+            <a:r>
+              <a:rPr lang="en-US" smtClean="0"/>
+              <a:t>the waterfall </a:t>
+            </a:r>
+            <a:r>
+              <a:rPr lang="en-US" dirty="0" smtClean="0"/>
+              <a:t>model?</a:t>
             </a:r>
           </a:p>
           <a:p>
@@ -6885,7 +6849,15 @@
             </a:pPr>
             <a:r>
               <a:rPr lang="en-GB" dirty="0" smtClean="0"/>
-              <a:t>c) behaviour, action, state</a:t>
+              <a:t>c) </a:t>
+            </a:r>
+            <a:r>
+              <a:rPr lang="en-GB" dirty="0" err="1" smtClean="0"/>
+              <a:t>behavior</a:t>
+            </a:r>
+            <a:r>
+              <a:rPr lang="en-GB" dirty="0" smtClean="0"/>
+              <a:t>, action, state</a:t>
             </a:r>
           </a:p>
           <a:p>
@@ -11759,39 +11731,6 @@
           <a:chExt cx="0" cy="0"/>
         </a:xfrm>
       </p:grpSpPr>
-      <p:pic>
-        <p:nvPicPr>
-          <p:cNvPr id="1033" name="Picture 9"/>
-          <p:cNvPicPr>
-            <a:picLocks noChangeAspect="1" noChangeArrowheads="1"/>
-          </p:cNvPicPr>
-          <p:nvPr/>
-        </p:nvPicPr>
-        <p:blipFill>
-          <a:blip r:embed="rId2"/>
-          <a:srcRect/>
-          <a:stretch>
-            <a:fillRect/>
-          </a:stretch>
-        </p:blipFill>
-        <p:spPr bwMode="auto">
-          <a:xfrm>
-            <a:off x="76200" y="1447800"/>
-            <a:ext cx="5823737" cy="5000625"/>
-          </a:xfrm>
-          <a:prstGeom prst="rect">
-            <a:avLst/>
-          </a:prstGeom>
-          <a:noFill/>
-          <a:ln w="9525">
-            <a:noFill/>
-            <a:miter lim="800000"/>
-            <a:headEnd/>
-            <a:tailEnd/>
-          </a:ln>
-          <a:effectLst/>
-        </p:spPr>
-      </p:pic>
       <p:sp>
         <p:nvSpPr>
           <p:cNvPr id="2" name="Title 1"/>
@@ -11820,72 +11759,120 @@
           </a:p>
         </p:txBody>
       </p:sp>
-      <p:pic>
-        <p:nvPicPr>
-          <p:cNvPr id="1029" name="Picture 5"/>
-          <p:cNvPicPr>
-            <a:picLocks noChangeAspect="1" noChangeArrowheads="1"/>
-          </p:cNvPicPr>
+      <p:grpSp>
+        <p:nvGrpSpPr>
+          <p:cNvPr id="3" name="Group 2"/>
+          <p:cNvGrpSpPr/>
           <p:nvPr/>
-        </p:nvPicPr>
-        <p:blipFill>
-          <a:blip r:embed="rId3"/>
-          <a:srcRect/>
-          <a:stretch>
-            <a:fillRect/>
-          </a:stretch>
-        </p:blipFill>
-        <p:spPr bwMode="auto">
-          <a:xfrm>
-            <a:off x="5791200" y="1295400"/>
-            <a:ext cx="3352800" cy="3385038"/>
-          </a:xfrm>
-          <a:prstGeom prst="rect">
-            <a:avLst/>
-          </a:prstGeom>
-          <a:noFill/>
-          <a:ln w="9525">
+        </p:nvGrpSpPr>
+        <p:grpSpPr>
+          <a:xfrm>
+            <a:off x="76200" y="1295400"/>
+            <a:ext cx="9067800" cy="5367350"/>
+            <a:chOff x="76200" y="1295400"/>
+            <a:chExt cx="9067800" cy="5367350"/>
+          </a:xfrm>
+        </p:grpSpPr>
+        <p:pic>
+          <p:nvPicPr>
+            <p:cNvPr id="1033" name="Picture 9"/>
+            <p:cNvPicPr>
+              <a:picLocks noChangeAspect="1" noChangeArrowheads="1"/>
+            </p:cNvPicPr>
+            <p:nvPr/>
+          </p:nvPicPr>
+          <p:blipFill>
+            <a:blip r:embed="rId2"/>
+            <a:srcRect/>
+            <a:stretch>
+              <a:fillRect/>
+            </a:stretch>
+          </p:blipFill>
+          <p:spPr bwMode="auto">
+            <a:xfrm>
+              <a:off x="76200" y="1447800"/>
+              <a:ext cx="5823737" cy="5000625"/>
+            </a:xfrm>
+            <a:prstGeom prst="rect">
+              <a:avLst/>
+            </a:prstGeom>
             <a:noFill/>
-            <a:miter lim="800000"/>
-            <a:headEnd/>
-            <a:tailEnd/>
-          </a:ln>
-          <a:effectLst/>
-        </p:spPr>
-      </p:pic>
-      <p:pic>
-        <p:nvPicPr>
-          <p:cNvPr id="1030" name="Picture 6"/>
-          <p:cNvPicPr>
-            <a:picLocks noChangeAspect="1" noChangeArrowheads="1"/>
-          </p:cNvPicPr>
-          <p:nvPr/>
-        </p:nvPicPr>
-        <p:blipFill>
-          <a:blip r:embed="rId4"/>
-          <a:srcRect/>
-          <a:stretch>
-            <a:fillRect/>
-          </a:stretch>
-        </p:blipFill>
-        <p:spPr bwMode="auto">
-          <a:xfrm>
-            <a:off x="5867400" y="4572000"/>
-            <a:ext cx="3124200" cy="2090750"/>
-          </a:xfrm>
-          <a:prstGeom prst="rect">
-            <a:avLst/>
-          </a:prstGeom>
-          <a:noFill/>
-          <a:ln w="9525">
+            <a:ln w="9525">
+              <a:noFill/>
+              <a:miter lim="800000"/>
+              <a:headEnd/>
+              <a:tailEnd/>
+            </a:ln>
+            <a:effectLst/>
+          </p:spPr>
+        </p:pic>
+        <p:pic>
+          <p:nvPicPr>
+            <p:cNvPr id="1029" name="Picture 5"/>
+            <p:cNvPicPr>
+              <a:picLocks noChangeAspect="1" noChangeArrowheads="1"/>
+            </p:cNvPicPr>
+            <p:nvPr/>
+          </p:nvPicPr>
+          <p:blipFill>
+            <a:blip r:embed="rId3"/>
+            <a:srcRect/>
+            <a:stretch>
+              <a:fillRect/>
+            </a:stretch>
+          </p:blipFill>
+          <p:spPr bwMode="auto">
+            <a:xfrm>
+              <a:off x="5791200" y="1295400"/>
+              <a:ext cx="3352800" cy="3385038"/>
+            </a:xfrm>
+            <a:prstGeom prst="rect">
+              <a:avLst/>
+            </a:prstGeom>
             <a:noFill/>
-            <a:miter lim="800000"/>
-            <a:headEnd/>
-            <a:tailEnd/>
-          </a:ln>
-          <a:effectLst/>
-        </p:spPr>
-      </p:pic>
+            <a:ln w="9525">
+              <a:noFill/>
+              <a:miter lim="800000"/>
+              <a:headEnd/>
+              <a:tailEnd/>
+            </a:ln>
+            <a:effectLst/>
+          </p:spPr>
+        </p:pic>
+        <p:pic>
+          <p:nvPicPr>
+            <p:cNvPr id="1030" name="Picture 6"/>
+            <p:cNvPicPr>
+              <a:picLocks noChangeAspect="1" noChangeArrowheads="1"/>
+            </p:cNvPicPr>
+            <p:nvPr/>
+          </p:nvPicPr>
+          <p:blipFill>
+            <a:blip r:embed="rId4"/>
+            <a:srcRect/>
+            <a:stretch>
+              <a:fillRect/>
+            </a:stretch>
+          </p:blipFill>
+          <p:spPr bwMode="auto">
+            <a:xfrm>
+              <a:off x="5867400" y="4572000"/>
+              <a:ext cx="3124200" cy="2090750"/>
+            </a:xfrm>
+            <a:prstGeom prst="rect">
+              <a:avLst/>
+            </a:prstGeom>
+            <a:noFill/>
+            <a:ln w="9525">
+              <a:noFill/>
+              <a:miter lim="800000"/>
+              <a:headEnd/>
+              <a:tailEnd/>
+            </a:ln>
+            <a:effectLst/>
+          </p:spPr>
+        </p:pic>
+      </p:grpSp>
     </p:spTree>
   </p:cSld>
   <p:clrMapOvr>
